--- a/Session 04 - Functions and Logic/Session 04 - Functions and Logic.pptx
+++ b/Session 04 - Functions and Logic/Session 04 - Functions and Logic.pptx
@@ -5,10 +5,10 @@
     <p:sldMasterId id="2147483660" r:id="rId1"/>
   </p:sldMasterIdLst>
   <p:notesMasterIdLst>
-    <p:notesMasterId r:id="rId42"/>
+    <p:notesMasterId r:id="rId41"/>
   </p:notesMasterIdLst>
   <p:handoutMasterIdLst>
-    <p:handoutMasterId r:id="rId43"/>
+    <p:handoutMasterId r:id="rId42"/>
   </p:handoutMasterIdLst>
   <p:sldIdLst>
     <p:sldId id="1019" r:id="rId2"/>
@@ -17,19 +17,19 @@
     <p:sldId id="436" r:id="rId5"/>
     <p:sldId id="281" r:id="rId6"/>
     <p:sldId id="411" r:id="rId7"/>
-    <p:sldId id="280" r:id="rId8"/>
-    <p:sldId id="969" r:id="rId9"/>
-    <p:sldId id="283" r:id="rId10"/>
-    <p:sldId id="284" r:id="rId11"/>
-    <p:sldId id="285" r:id="rId12"/>
-    <p:sldId id="1020" r:id="rId13"/>
-    <p:sldId id="985" r:id="rId14"/>
-    <p:sldId id="289" r:id="rId15"/>
-    <p:sldId id="282" r:id="rId16"/>
-    <p:sldId id="945" r:id="rId17"/>
-    <p:sldId id="946" r:id="rId18"/>
-    <p:sldId id="977" r:id="rId19"/>
-    <p:sldId id="1022" r:id="rId20"/>
+    <p:sldId id="1267" r:id="rId8"/>
+    <p:sldId id="280" r:id="rId9"/>
+    <p:sldId id="969" r:id="rId10"/>
+    <p:sldId id="283" r:id="rId11"/>
+    <p:sldId id="284" r:id="rId12"/>
+    <p:sldId id="285" r:id="rId13"/>
+    <p:sldId id="1020" r:id="rId14"/>
+    <p:sldId id="985" r:id="rId15"/>
+    <p:sldId id="289" r:id="rId16"/>
+    <p:sldId id="282" r:id="rId17"/>
+    <p:sldId id="945" r:id="rId18"/>
+    <p:sldId id="946" r:id="rId19"/>
+    <p:sldId id="977" r:id="rId20"/>
     <p:sldId id="949" r:id="rId21"/>
     <p:sldId id="1271" r:id="rId22"/>
     <p:sldId id="1004" r:id="rId23"/>
@@ -42,15 +42,14 @@
     <p:sldId id="450" r:id="rId30"/>
     <p:sldId id="451" r:id="rId31"/>
     <p:sldId id="1023" r:id="rId32"/>
-    <p:sldId id="1025" r:id="rId33"/>
-    <p:sldId id="1272" r:id="rId34"/>
-    <p:sldId id="397" r:id="rId35"/>
-    <p:sldId id="1274" r:id="rId36"/>
-    <p:sldId id="1273" r:id="rId37"/>
-    <p:sldId id="1275" r:id="rId38"/>
-    <p:sldId id="1276" r:id="rId39"/>
-    <p:sldId id="973" r:id="rId40"/>
-    <p:sldId id="1008" r:id="rId41"/>
+    <p:sldId id="1272" r:id="rId33"/>
+    <p:sldId id="397" r:id="rId34"/>
+    <p:sldId id="1274" r:id="rId35"/>
+    <p:sldId id="1273" r:id="rId36"/>
+    <p:sldId id="1275" r:id="rId37"/>
+    <p:sldId id="1276" r:id="rId38"/>
+    <p:sldId id="973" r:id="rId39"/>
+    <p:sldId id="1008" r:id="rId40"/>
   </p:sldIdLst>
   <p:sldSz cx="9144000" cy="6858000" type="screen4x3"/>
   <p:notesSz cx="7077075" cy="9363075"/>
@@ -298,7 +297,7 @@
           <a:p>
             <a:fld id="{A241AC98-512A-4A35-865E-757B6C1F07A2}" type="datetimeFigureOut">
               <a:rPr lang="en-US" smtClean="0"/>
-              <a:t>8/15/2023</a:t>
+              <a:t>9/23/2023</a:t>
             </a:fld>
             <a:endParaRPr lang="en-US"/>
           </a:p>
@@ -464,7 +463,7 @@
           <a:p>
             <a:fld id="{3854CEE7-15DE-41D9-8CA2-D1E137B1D850}" type="datetimeFigureOut">
               <a:rPr lang="en-US" smtClean="0"/>
-              <a:t>8/15/2023</a:t>
+              <a:t>9/23/2023</a:t>
             </a:fld>
             <a:endParaRPr lang="en-US"/>
           </a:p>
@@ -797,7 +796,7 @@
           <a:p>
             <a:fld id="{76317BBA-0BC6-419B-B826-088209688372}" type="slidenum">
               <a:rPr lang="en-US" smtClean="0"/>
-              <a:t>10</a:t>
+              <a:t>11</a:t>
             </a:fld>
             <a:endParaRPr lang="en-US"/>
           </a:p>
@@ -965,7 +964,7 @@
           <a:p>
             <a:fld id="{76317BBA-0BC6-419B-B826-088209688372}" type="slidenum">
               <a:rPr lang="en-US" smtClean="0"/>
-              <a:t>34</a:t>
+              <a:t>33</a:t>
             </a:fld>
             <a:endParaRPr lang="en-US"/>
           </a:p>
@@ -1049,7 +1048,7 @@
           <a:p>
             <a:fld id="{76317BBA-0BC6-419B-B826-088209688372}" type="slidenum">
               <a:rPr lang="en-US" smtClean="0"/>
-              <a:t>11</a:t>
+              <a:t>12</a:t>
             </a:fld>
             <a:endParaRPr lang="en-US"/>
           </a:p>
@@ -1133,7 +1132,7 @@
           <a:p>
             <a:fld id="{76317BBA-0BC6-419B-B826-088209688372}" type="slidenum">
               <a:rPr lang="en-US" smtClean="0"/>
-              <a:t>14</a:t>
+              <a:t>15</a:t>
             </a:fld>
             <a:endParaRPr lang="en-US"/>
           </a:p>
@@ -1217,7 +1216,7 @@
           <a:p>
             <a:fld id="{76317BBA-0BC6-419B-B826-088209688372}" type="slidenum">
               <a:rPr lang="en-US" smtClean="0"/>
-              <a:t>16</a:t>
+              <a:t>17</a:t>
             </a:fld>
             <a:endParaRPr lang="en-US"/>
           </a:p>
@@ -1301,7 +1300,7 @@
           <a:p>
             <a:fld id="{76317BBA-0BC6-419B-B826-088209688372}" type="slidenum">
               <a:rPr lang="en-US" smtClean="0"/>
-              <a:t>17</a:t>
+              <a:t>18</a:t>
             </a:fld>
             <a:endParaRPr lang="en-US"/>
           </a:p>
@@ -1907,7 +1906,7 @@
           <a:p>
             <a:fld id="{5555EB2C-244D-4423-AD97-018ED6478B87}" type="datetime1">
               <a:rPr lang="en-US" smtClean="0"/>
-              <a:t>8/15/2023</a:t>
+              <a:t>9/23/2023</a:t>
             </a:fld>
             <a:endParaRPr lang="en-US"/>
           </a:p>
@@ -2086,7 +2085,7 @@
           <a:p>
             <a:fld id="{A2B41D1F-7576-4C60-B4EB-5115BC56CF40}" type="datetime1">
               <a:rPr lang="en-US" smtClean="0"/>
-              <a:t>8/15/2023</a:t>
+              <a:t>9/23/2023</a:t>
             </a:fld>
             <a:endParaRPr lang="en-US"/>
           </a:p>
@@ -2278,7 +2277,7 @@
           <a:p>
             <a:fld id="{E79D1398-4D56-44F9-BA35-34ACF3159A64}" type="datetime1">
               <a:rPr lang="en-US" smtClean="0"/>
-              <a:t>8/15/2023</a:t>
+              <a:t>9/23/2023</a:t>
             </a:fld>
             <a:endParaRPr lang="en-US"/>
           </a:p>
@@ -2460,7 +2459,7 @@
           <a:p>
             <a:fld id="{A3CF632E-48CB-4EEB-A6B6-DEC7AD7CC976}" type="datetime1">
               <a:rPr lang="en-US" smtClean="0"/>
-              <a:t>8/15/2023</a:t>
+              <a:t>9/23/2023</a:t>
             </a:fld>
             <a:endParaRPr lang="en-US"/>
           </a:p>
@@ -2713,7 +2712,7 @@
           <a:p>
             <a:fld id="{BAEEE52C-3A57-458E-95F6-96B2FA9D1DD4}" type="datetime1">
               <a:rPr lang="en-US" smtClean="0"/>
-              <a:t>8/15/2023</a:t>
+              <a:t>9/23/2023</a:t>
             </a:fld>
             <a:endParaRPr lang="en-US"/>
           </a:p>
@@ -2957,7 +2956,7 @@
           <a:p>
             <a:fld id="{766FC747-A48A-4FF2-8EE4-3E95ECD1C2A8}" type="datetime1">
               <a:rPr lang="en-US" smtClean="0"/>
-              <a:t>8/15/2023</a:t>
+              <a:t>9/23/2023</a:t>
             </a:fld>
             <a:endParaRPr lang="en-US"/>
           </a:p>
@@ -3336,7 +3335,7 @@
           <a:p>
             <a:fld id="{C9BF5758-AB7F-463D-B638-E1729B95E126}" type="datetime1">
               <a:rPr lang="en-US" smtClean="0"/>
-              <a:t>8/15/2023</a:t>
+              <a:t>9/23/2023</a:t>
             </a:fld>
             <a:endParaRPr lang="en-US"/>
           </a:p>
@@ -3466,7 +3465,7 @@
           <a:p>
             <a:fld id="{F3718C77-7DD0-4738-BF52-D0EC9F78A76E}" type="datetime1">
               <a:rPr lang="en-US" smtClean="0"/>
-              <a:t>8/15/2023</a:t>
+              <a:t>9/23/2023</a:t>
             </a:fld>
             <a:endParaRPr lang="en-US"/>
           </a:p>
@@ -3573,7 +3572,7 @@
           <a:p>
             <a:fld id="{948970CF-13D9-4E1D-A74F-2CFE4953FCDB}" type="datetime1">
               <a:rPr lang="en-US" smtClean="0"/>
-              <a:t>8/15/2023</a:t>
+              <a:t>9/23/2023</a:t>
             </a:fld>
             <a:endParaRPr lang="en-US"/>
           </a:p>
@@ -3862,7 +3861,7 @@
           <a:p>
             <a:fld id="{F68C49B9-4E1C-4967-B9CF-0BF9FECBE837}" type="datetime1">
               <a:rPr lang="en-US" smtClean="0"/>
-              <a:t>8/15/2023</a:t>
+              <a:t>9/23/2023</a:t>
             </a:fld>
             <a:endParaRPr lang="en-US"/>
           </a:p>
@@ -4130,7 +4129,7 @@
           <a:p>
             <a:fld id="{7E338CBB-1F06-4333-9BBF-66628B15E581}" type="datetime1">
               <a:rPr lang="en-US" smtClean="0"/>
-              <a:t>8/15/2023</a:t>
+              <a:t>9/23/2023</a:t>
             </a:fld>
             <a:endParaRPr lang="en-US"/>
           </a:p>
@@ -4355,7 +4354,7 @@
           <a:p>
             <a:fld id="{705EC883-F03C-4CA3-AF62-BEF30EEA4F65}" type="datetime1">
               <a:rPr lang="en-US" smtClean="0"/>
-              <a:t>8/15/2023</a:t>
+              <a:t>9/23/2023</a:t>
             </a:fld>
             <a:endParaRPr lang="en-US"/>
           </a:p>
@@ -5036,6 +5035,471 @@
           <a:chExt cx="0" cy="0"/>
         </a:xfrm>
       </p:grpSpPr>
+      <p:pic>
+        <p:nvPicPr>
+          <p:cNvPr id="7" name="Picture 6">
+            <a:extLst>
+              <a:ext uri="{FF2B5EF4-FFF2-40B4-BE49-F238E27FC236}">
+                <a16:creationId xmlns:a16="http://schemas.microsoft.com/office/drawing/2014/main" id="{81748BD4-561A-B636-E927-CBFDBD79105C}"/>
+              </a:ext>
+            </a:extLst>
+          </p:cNvPr>
+          <p:cNvPicPr>
+            <a:picLocks noChangeAspect="1"/>
+          </p:cNvPicPr>
+          <p:nvPr/>
+        </p:nvPicPr>
+        <p:blipFill>
+          <a:blip r:embed="rId2"/>
+          <a:stretch>
+            <a:fillRect/>
+          </a:stretch>
+        </p:blipFill>
+        <p:spPr>
+          <a:xfrm>
+            <a:off x="1519143" y="3565062"/>
+            <a:ext cx="6105713" cy="1568134"/>
+          </a:xfrm>
+          <a:prstGeom prst="rect">
+            <a:avLst/>
+          </a:prstGeom>
+          <a:ln>
+            <a:solidFill>
+              <a:schemeClr val="tx1"/>
+            </a:solidFill>
+          </a:ln>
+        </p:spPr>
+      </p:pic>
+      <p:sp>
+        <p:nvSpPr>
+          <p:cNvPr id="2" name="Title 1"/>
+          <p:cNvSpPr>
+            <a:spLocks noGrp="1"/>
+          </p:cNvSpPr>
+          <p:nvPr>
+            <p:ph type="title"/>
+          </p:nvPr>
+        </p:nvSpPr>
+        <p:spPr>
+          <a:xfrm>
+            <a:off x="628650" y="365126"/>
+            <a:ext cx="7886700" cy="1103455"/>
+          </a:xfrm>
+        </p:spPr>
+        <p:txBody>
+          <a:bodyPr>
+            <a:noAutofit/>
+          </a:bodyPr>
+          <a:lstStyle/>
+          <a:p>
+            <a:pPr algn="ctr"/>
+            <a:r>
+              <a:rPr lang="en-US" sz="3200" dirty="0">
+                <a:latin typeface="+mn-lt"/>
+              </a:rPr>
+              <a:t>The Modulus (</a:t>
+            </a:r>
+            <a:r>
+              <a:rPr lang="en-US" sz="3200" b="1" dirty="0">
+                <a:latin typeface="+mn-lt"/>
+              </a:rPr>
+              <a:t>%</a:t>
+            </a:r>
+            <a:r>
+              <a:rPr lang="en-US" sz="3200" dirty="0">
+                <a:latin typeface="+mn-lt"/>
+              </a:rPr>
+              <a:t>) Operator</a:t>
+            </a:r>
+          </a:p>
+        </p:txBody>
+      </p:sp>
+      <p:sp>
+        <p:nvSpPr>
+          <p:cNvPr id="3" name="Content Placeholder 2"/>
+          <p:cNvSpPr>
+            <a:spLocks noGrp="1"/>
+          </p:cNvSpPr>
+          <p:nvPr>
+            <p:ph idx="1"/>
+          </p:nvPr>
+        </p:nvSpPr>
+        <p:spPr>
+          <a:xfrm>
+            <a:off x="613020" y="1825624"/>
+            <a:ext cx="7886700" cy="1382395"/>
+          </a:xfrm>
+        </p:spPr>
+        <p:txBody>
+          <a:bodyPr>
+            <a:noAutofit/>
+          </a:bodyPr>
+          <a:lstStyle/>
+          <a:p>
+            <a:pPr>
+              <a:spcBef>
+                <a:spcPts val="0"/>
+              </a:spcBef>
+              <a:spcAft>
+                <a:spcPts val="1200"/>
+              </a:spcAft>
+            </a:pPr>
+            <a:r>
+              <a:rPr lang="en-US" sz="2400" dirty="0"/>
+              <a:t>The “</a:t>
+            </a:r>
+            <a:r>
+              <a:rPr lang="en-US" sz="2400" b="1" dirty="0">
+                <a:solidFill>
+                  <a:srgbClr val="00B050"/>
+                </a:solidFill>
+              </a:rPr>
+              <a:t>mod</a:t>
+            </a:r>
+            <a:r>
+              <a:rPr lang="en-US" sz="2400" dirty="0"/>
+              <a:t>” operator (</a:t>
+            </a:r>
+            <a:r>
+              <a:rPr lang="en-US" sz="2400" b="1" dirty="0"/>
+              <a:t>%</a:t>
+            </a:r>
+            <a:r>
+              <a:rPr lang="en-US" sz="2400" dirty="0"/>
+              <a:t>) returns the integer </a:t>
+            </a:r>
+            <a:r>
+              <a:rPr lang="en-US" sz="2400" b="1" dirty="0"/>
+              <a:t>remainder</a:t>
+            </a:r>
+            <a:r>
+              <a:rPr lang="en-US" sz="2400" dirty="0"/>
+              <a:t> of an implicit division operation, e.g., </a:t>
+            </a:r>
+            <a:r>
+              <a:rPr lang="en-US" sz="2400" b="1" dirty="0">
+                <a:solidFill>
+                  <a:srgbClr val="FF0000"/>
+                </a:solidFill>
+              </a:rPr>
+              <a:t>37 % 5 = 2</a:t>
+            </a:r>
+          </a:p>
+          <a:p>
+            <a:pPr>
+              <a:spcBef>
+                <a:spcPts val="0"/>
+              </a:spcBef>
+              <a:spcAft>
+                <a:spcPts val="1200"/>
+              </a:spcAft>
+            </a:pPr>
+            <a:r>
+              <a:rPr lang="en-US" sz="2400" dirty="0"/>
+              <a:t>Use double equals operator (</a:t>
+            </a:r>
+            <a:r>
+              <a:rPr lang="en-US" sz="2400" b="1" dirty="0"/>
+              <a:t>==</a:t>
+            </a:r>
+            <a:r>
+              <a:rPr lang="en-US" sz="2400" dirty="0"/>
+              <a:t>) when testing for </a:t>
+            </a:r>
+            <a:r>
+              <a:rPr lang="en-US" sz="2400" b="1" dirty="0">
+                <a:solidFill>
+                  <a:srgbClr val="0070C0"/>
+                </a:solidFill>
+              </a:rPr>
+              <a:t>equality</a:t>
+            </a:r>
+            <a:endParaRPr lang="en-US" sz="2000" b="1" dirty="0">
+              <a:solidFill>
+                <a:srgbClr val="0070C0"/>
+              </a:solidFill>
+            </a:endParaRPr>
+          </a:p>
+        </p:txBody>
+      </p:sp>
+      <p:sp>
+        <p:nvSpPr>
+          <p:cNvPr id="5" name="Slide Number Placeholder 4"/>
+          <p:cNvSpPr>
+            <a:spLocks noGrp="1"/>
+          </p:cNvSpPr>
+          <p:nvPr>
+            <p:ph type="sldNum" sz="quarter" idx="12"/>
+          </p:nvPr>
+        </p:nvSpPr>
+        <p:spPr/>
+        <p:txBody>
+          <a:bodyPr/>
+          <a:lstStyle/>
+          <a:p>
+            <a:fld id="{650AD656-6FF9-465D-B7B0-1CD0DD39CD23}" type="slidenum">
+              <a:rPr lang="en-US" smtClean="0"/>
+              <a:t>10</a:t>
+            </a:fld>
+            <a:endParaRPr lang="en-US" dirty="0"/>
+          </a:p>
+        </p:txBody>
+      </p:sp>
+      <p:sp>
+        <p:nvSpPr>
+          <p:cNvPr id="10" name="Rectangle 9"/>
+          <p:cNvSpPr/>
+          <p:nvPr/>
+        </p:nvSpPr>
+        <p:spPr>
+          <a:xfrm>
+            <a:off x="5286375" y="4366529"/>
+            <a:ext cx="1651001" cy="319771"/>
+          </a:xfrm>
+          <a:prstGeom prst="rect">
+            <a:avLst/>
+          </a:prstGeom>
+          <a:noFill/>
+          <a:ln w="28575">
+            <a:solidFill>
+              <a:srgbClr val="FF0000"/>
+            </a:solidFill>
+          </a:ln>
+        </p:spPr>
+        <p:style>
+          <a:lnRef idx="2">
+            <a:schemeClr val="accent1">
+              <a:shade val="50000"/>
+            </a:schemeClr>
+          </a:lnRef>
+          <a:fillRef idx="1">
+            <a:schemeClr val="accent1"/>
+          </a:fillRef>
+          <a:effectRef idx="0">
+            <a:schemeClr val="accent1"/>
+          </a:effectRef>
+          <a:fontRef idx="minor">
+            <a:schemeClr val="lt1"/>
+          </a:fontRef>
+        </p:style>
+        <p:txBody>
+          <a:bodyPr rtlCol="0" anchor="ctr"/>
+          <a:lstStyle/>
+          <a:p>
+            <a:pPr algn="ctr"/>
+            <a:endParaRPr lang="en-US"/>
+          </a:p>
+        </p:txBody>
+      </p:sp>
+    </p:spTree>
+    <p:extLst>
+      <p:ext uri="{BB962C8B-B14F-4D97-AF65-F5344CB8AC3E}">
+        <p14:creationId xmlns:p14="http://schemas.microsoft.com/office/powerpoint/2010/main" val="2624093043"/>
+      </p:ext>
+    </p:extLst>
+  </p:cSld>
+  <p:clrMapOvr>
+    <a:masterClrMapping/>
+  </p:clrMapOvr>
+  <p:timing>
+    <p:tnLst>
+      <p:par>
+        <p:cTn id="1" dur="indefinite" restart="never" nodeType="tmRoot">
+          <p:childTnLst>
+            <p:seq concurrent="1" nextAc="seek">
+              <p:cTn id="2" dur="indefinite" nodeType="mainSeq">
+                <p:childTnLst>
+                  <p:par>
+                    <p:cTn id="3" fill="hold">
+                      <p:stCondLst>
+                        <p:cond delay="indefinite"/>
+                      </p:stCondLst>
+                      <p:childTnLst>
+                        <p:par>
+                          <p:cTn id="4" fill="hold">
+                            <p:stCondLst>
+                              <p:cond delay="0"/>
+                            </p:stCondLst>
+                            <p:childTnLst>
+                              <p:par>
+                                <p:cTn id="5" presetID="1" presetClass="entr" presetSubtype="0" fill="hold" nodeType="clickEffect">
+                                  <p:stCondLst>
+                                    <p:cond delay="0"/>
+                                  </p:stCondLst>
+                                  <p:childTnLst>
+                                    <p:set>
+                                      <p:cBhvr>
+                                        <p:cTn id="6" dur="1" fill="hold">
+                                          <p:stCondLst>
+                                            <p:cond delay="0"/>
+                                          </p:stCondLst>
+                                        </p:cTn>
+                                        <p:tgtEl>
+                                          <p:spTgt spid="3">
+                                            <p:txEl>
+                                              <p:pRg st="1" end="1"/>
+                                            </p:txEl>
+                                          </p:spTgt>
+                                        </p:tgtEl>
+                                        <p:attrNameLst>
+                                          <p:attrName>style.visibility</p:attrName>
+                                        </p:attrNameLst>
+                                      </p:cBhvr>
+                                      <p:to>
+                                        <p:strVal val="visible"/>
+                                      </p:to>
+                                    </p:set>
+                                  </p:childTnLst>
+                                </p:cTn>
+                              </p:par>
+                            </p:childTnLst>
+                          </p:cTn>
+                        </p:par>
+                      </p:childTnLst>
+                    </p:cTn>
+                  </p:par>
+                  <p:par>
+                    <p:cTn id="7" fill="hold">
+                      <p:stCondLst>
+                        <p:cond delay="indefinite"/>
+                      </p:stCondLst>
+                      <p:childTnLst>
+                        <p:par>
+                          <p:cTn id="8" fill="hold">
+                            <p:stCondLst>
+                              <p:cond delay="0"/>
+                            </p:stCondLst>
+                            <p:childTnLst>
+                              <p:par>
+                                <p:cTn id="9" presetID="22" presetClass="entr" presetSubtype="1" fill="hold" nodeType="clickEffect">
+                                  <p:stCondLst>
+                                    <p:cond delay="0"/>
+                                  </p:stCondLst>
+                                  <p:childTnLst>
+                                    <p:set>
+                                      <p:cBhvr>
+                                        <p:cTn id="10" dur="1" fill="hold">
+                                          <p:stCondLst>
+                                            <p:cond delay="0"/>
+                                          </p:stCondLst>
+                                        </p:cTn>
+                                        <p:tgtEl>
+                                          <p:spTgt spid="7"/>
+                                        </p:tgtEl>
+                                        <p:attrNameLst>
+                                          <p:attrName>style.visibility</p:attrName>
+                                        </p:attrNameLst>
+                                      </p:cBhvr>
+                                      <p:to>
+                                        <p:strVal val="visible"/>
+                                      </p:to>
+                                    </p:set>
+                                    <p:animEffect transition="in" filter="wipe(up)">
+                                      <p:cBhvr>
+                                        <p:cTn id="11" dur="500"/>
+                                        <p:tgtEl>
+                                          <p:spTgt spid="7"/>
+                                        </p:tgtEl>
+                                      </p:cBhvr>
+                                    </p:animEffect>
+                                  </p:childTnLst>
+                                </p:cTn>
+                              </p:par>
+                            </p:childTnLst>
+                          </p:cTn>
+                        </p:par>
+                        <p:par>
+                          <p:cTn id="12" fill="hold">
+                            <p:stCondLst>
+                              <p:cond delay="500"/>
+                            </p:stCondLst>
+                            <p:childTnLst>
+                              <p:par>
+                                <p:cTn id="13" presetID="16" presetClass="entr" presetSubtype="21" fill="hold" grpId="0" nodeType="afterEffect">
+                                  <p:stCondLst>
+                                    <p:cond delay="0"/>
+                                  </p:stCondLst>
+                                  <p:childTnLst>
+                                    <p:set>
+                                      <p:cBhvr>
+                                        <p:cTn id="14" dur="1" fill="hold">
+                                          <p:stCondLst>
+                                            <p:cond delay="0"/>
+                                          </p:stCondLst>
+                                        </p:cTn>
+                                        <p:tgtEl>
+                                          <p:spTgt spid="10"/>
+                                        </p:tgtEl>
+                                        <p:attrNameLst>
+                                          <p:attrName>style.visibility</p:attrName>
+                                        </p:attrNameLst>
+                                      </p:cBhvr>
+                                      <p:to>
+                                        <p:strVal val="visible"/>
+                                      </p:to>
+                                    </p:set>
+                                    <p:animEffect transition="in" filter="barn(inVertical)">
+                                      <p:cBhvr>
+                                        <p:cTn id="15" dur="500"/>
+                                        <p:tgtEl>
+                                          <p:spTgt spid="10"/>
+                                        </p:tgtEl>
+                                      </p:cBhvr>
+                                    </p:animEffect>
+                                  </p:childTnLst>
+                                </p:cTn>
+                              </p:par>
+                            </p:childTnLst>
+                          </p:cTn>
+                        </p:par>
+                      </p:childTnLst>
+                    </p:cTn>
+                  </p:par>
+                </p:childTnLst>
+              </p:cTn>
+              <p:prevCondLst>
+                <p:cond evt="onPrev" delay="0">
+                  <p:tgtEl>
+                    <p:sldTgt/>
+                  </p:tgtEl>
+                </p:cond>
+              </p:prevCondLst>
+              <p:nextCondLst>
+                <p:cond evt="onNext" delay="0">
+                  <p:tgtEl>
+                    <p:sldTgt/>
+                  </p:tgtEl>
+                </p:cond>
+              </p:nextCondLst>
+            </p:seq>
+          </p:childTnLst>
+        </p:cTn>
+      </p:par>
+    </p:tnLst>
+    <p:bldLst>
+      <p:bldP spid="10" grpId="0" animBg="1"/>
+    </p:bldLst>
+  </p:timing>
+</p:sld>
+</file>
+
+<file path=ppt/slides/slide11.xml><?xml version="1.0" encoding="utf-8"?>
+<p:sld xmlns:a="http://schemas.openxmlformats.org/drawingml/2006/main" xmlns:r="http://schemas.openxmlformats.org/officeDocument/2006/relationships" xmlns:p="http://schemas.openxmlformats.org/presentationml/2006/main">
+  <p:cSld>
+    <p:spTree>
+      <p:nvGrpSpPr>
+        <p:cNvPr id="1" name=""/>
+        <p:cNvGrpSpPr/>
+        <p:nvPr/>
+      </p:nvGrpSpPr>
+      <p:grpSpPr>
+        <a:xfrm>
+          <a:off x="0" y="0"/>
+          <a:ext cx="0" cy="0"/>
+          <a:chOff x="0" y="0"/>
+          <a:chExt cx="0" cy="0"/>
+        </a:xfrm>
+      </p:grpSpPr>
       <p:sp>
         <p:nvSpPr>
           <p:cNvPr id="2" name="Title 1"/>
@@ -5405,7 +5869,7 @@
           <a:p>
             <a:fld id="{650AD656-6FF9-465D-B7B0-1CD0DD39CD23}" type="slidenum">
               <a:rPr lang="en-US" smtClean="0"/>
-              <a:t>10</a:t>
+              <a:t>11</a:t>
             </a:fld>
             <a:endParaRPr lang="en-US" dirty="0"/>
           </a:p>
@@ -5439,115 +5903,6 @@
     <p:extLst>
       <p:ext uri="{BB962C8B-B14F-4D97-AF65-F5344CB8AC3E}">
         <p14:creationId xmlns:p14="http://schemas.microsoft.com/office/powerpoint/2010/main" val="4268091931"/>
-      </p:ext>
-    </p:extLst>
-  </p:cSld>
-  <p:clrMapOvr>
-    <a:masterClrMapping/>
-  </p:clrMapOvr>
-</p:sld>
-</file>
-
-<file path=ppt/slides/slide11.xml><?xml version="1.0" encoding="utf-8"?>
-<p:sld xmlns:a="http://schemas.openxmlformats.org/drawingml/2006/main" xmlns:r="http://schemas.openxmlformats.org/officeDocument/2006/relationships" xmlns:p="http://schemas.openxmlformats.org/presentationml/2006/main">
-  <p:cSld>
-    <p:spTree>
-      <p:nvGrpSpPr>
-        <p:cNvPr id="1" name=""/>
-        <p:cNvGrpSpPr/>
-        <p:nvPr/>
-      </p:nvGrpSpPr>
-      <p:grpSpPr>
-        <a:xfrm>
-          <a:off x="0" y="0"/>
-          <a:ext cx="0" cy="0"/>
-          <a:chOff x="0" y="0"/>
-          <a:chExt cx="0" cy="0"/>
-        </a:xfrm>
-      </p:grpSpPr>
-      <p:sp>
-        <p:nvSpPr>
-          <p:cNvPr id="2" name="Title 1"/>
-          <p:cNvSpPr>
-            <a:spLocks noGrp="1"/>
-          </p:cNvSpPr>
-          <p:nvPr>
-            <p:ph type="title"/>
-          </p:nvPr>
-        </p:nvSpPr>
-        <p:spPr>
-          <a:xfrm>
-            <a:off x="628650" y="365126"/>
-            <a:ext cx="7886700" cy="1103455"/>
-          </a:xfrm>
-        </p:spPr>
-        <p:txBody>
-          <a:bodyPr>
-            <a:noAutofit/>
-          </a:bodyPr>
-          <a:lstStyle/>
-          <a:p>
-            <a:pPr algn="ctr"/>
-            <a:r>
-              <a:rPr lang="en-US" sz="3200" dirty="0">
-                <a:latin typeface="+mn-lt"/>
-              </a:rPr>
-              <a:t>Perfect Numbers</a:t>
-            </a:r>
-          </a:p>
-        </p:txBody>
-      </p:sp>
-      <p:sp>
-        <p:nvSpPr>
-          <p:cNvPr id="4" name="Slide Number Placeholder 3"/>
-          <p:cNvSpPr>
-            <a:spLocks noGrp="1"/>
-          </p:cNvSpPr>
-          <p:nvPr>
-            <p:ph type="sldNum" sz="quarter" idx="12"/>
-          </p:nvPr>
-        </p:nvSpPr>
-        <p:spPr/>
-        <p:txBody>
-          <a:bodyPr/>
-          <a:lstStyle/>
-          <a:p>
-            <a:fld id="{650AD656-6FF9-465D-B7B0-1CD0DD39CD23}" type="slidenum">
-              <a:rPr lang="en-US" smtClean="0"/>
-              <a:t>11</a:t>
-            </a:fld>
-            <a:endParaRPr lang="en-US" dirty="0"/>
-          </a:p>
-        </p:txBody>
-      </p:sp>
-      <p:pic>
-        <p:nvPicPr>
-          <p:cNvPr id="7" name="Picture 6"/>
-          <p:cNvPicPr>
-            <a:picLocks noChangeAspect="1"/>
-          </p:cNvPicPr>
-          <p:nvPr/>
-        </p:nvPicPr>
-        <p:blipFill>
-          <a:blip r:embed="rId3"/>
-          <a:stretch>
-            <a:fillRect/>
-          </a:stretch>
-        </p:blipFill>
-        <p:spPr>
-          <a:xfrm>
-            <a:off x="2115675" y="1779557"/>
-            <a:ext cx="4912650" cy="4265818"/>
-          </a:xfrm>
-          <a:prstGeom prst="rect">
-            <a:avLst/>
-          </a:prstGeom>
-        </p:spPr>
-      </p:pic>
-    </p:spTree>
-    <p:extLst>
-      <p:ext uri="{BB962C8B-B14F-4D97-AF65-F5344CB8AC3E}">
-        <p14:creationId xmlns:p14="http://schemas.microsoft.com/office/powerpoint/2010/main" val="1218530011"/>
       </p:ext>
     </p:extLst>
   </p:cSld>
@@ -5598,19 +5953,10 @@
           <a:p>
             <a:pPr algn="ctr"/>
             <a:r>
-              <a:rPr lang="en-US" sz="3200" b="1" dirty="0">
-                <a:solidFill>
-                  <a:srgbClr val="FF0000"/>
-                </a:solidFill>
-                <a:latin typeface="+mn-lt"/>
-              </a:rPr>
-              <a:t>Edit</a:t>
-            </a:r>
-            <a:r>
               <a:rPr lang="en-US" sz="3200" dirty="0">
                 <a:latin typeface="+mn-lt"/>
               </a:rPr>
-              <a:t> perfect_numbers.py</a:t>
+              <a:t>Perfect Numbers</a:t>
             </a:r>
           </a:p>
         </p:txBody>
@@ -5640,10 +5986,64 @@
       </p:sp>
       <p:pic>
         <p:nvPicPr>
-          <p:cNvPr id="8" name="Picture 7">
+          <p:cNvPr id="7" name="Picture 6"/>
+          <p:cNvPicPr>
+            <a:picLocks noChangeAspect="1"/>
+          </p:cNvPicPr>
+          <p:nvPr/>
+        </p:nvPicPr>
+        <p:blipFill>
+          <a:blip r:embed="rId3"/>
+          <a:stretch>
+            <a:fillRect/>
+          </a:stretch>
+        </p:blipFill>
+        <p:spPr>
+          <a:xfrm>
+            <a:off x="2115675" y="1779557"/>
+            <a:ext cx="4912650" cy="4265818"/>
+          </a:xfrm>
+          <a:prstGeom prst="rect">
+            <a:avLst/>
+          </a:prstGeom>
+        </p:spPr>
+      </p:pic>
+    </p:spTree>
+    <p:extLst>
+      <p:ext uri="{BB962C8B-B14F-4D97-AF65-F5344CB8AC3E}">
+        <p14:creationId xmlns:p14="http://schemas.microsoft.com/office/powerpoint/2010/main" val="1218530011"/>
+      </p:ext>
+    </p:extLst>
+  </p:cSld>
+  <p:clrMapOvr>
+    <a:masterClrMapping/>
+  </p:clrMapOvr>
+</p:sld>
+</file>
+
+<file path=ppt/slides/slide13.xml><?xml version="1.0" encoding="utf-8"?>
+<p:sld xmlns:a="http://schemas.openxmlformats.org/drawingml/2006/main" xmlns:r="http://schemas.openxmlformats.org/officeDocument/2006/relationships" xmlns:p="http://schemas.openxmlformats.org/presentationml/2006/main">
+  <p:cSld>
+    <p:spTree>
+      <p:nvGrpSpPr>
+        <p:cNvPr id="1" name=""/>
+        <p:cNvGrpSpPr/>
+        <p:nvPr/>
+      </p:nvGrpSpPr>
+      <p:grpSpPr>
+        <a:xfrm>
+          <a:off x="0" y="0"/>
+          <a:ext cx="0" cy="0"/>
+          <a:chOff x="0" y="0"/>
+          <a:chExt cx="0" cy="0"/>
+        </a:xfrm>
+      </p:grpSpPr>
+      <p:pic>
+        <p:nvPicPr>
+          <p:cNvPr id="5" name="Picture 4">
             <a:extLst>
               <a:ext uri="{FF2B5EF4-FFF2-40B4-BE49-F238E27FC236}">
-                <a16:creationId xmlns:a16="http://schemas.microsoft.com/office/drawing/2014/main" id="{7DBE5FF8-BE1F-818E-39F5-AEB474EB98C7}"/>
+                <a16:creationId xmlns:a16="http://schemas.microsoft.com/office/drawing/2014/main" id="{801F7FAF-A544-36B5-3305-7C4C0EAC998A}"/>
               </a:ext>
             </a:extLst>
           </p:cNvPr>
@@ -5660,8 +6060,8 @@
         </p:blipFill>
         <p:spPr>
           <a:xfrm>
-            <a:off x="2023519" y="1738185"/>
-            <a:ext cx="5096963" cy="3933389"/>
+            <a:off x="2063827" y="1526274"/>
+            <a:ext cx="4986366" cy="3948595"/>
           </a:xfrm>
           <a:prstGeom prst="rect">
             <a:avLst/>
@@ -5673,6 +6073,70 @@
           </a:ln>
         </p:spPr>
       </p:pic>
+      <p:sp>
+        <p:nvSpPr>
+          <p:cNvPr id="2" name="Title 1"/>
+          <p:cNvSpPr>
+            <a:spLocks noGrp="1"/>
+          </p:cNvSpPr>
+          <p:nvPr>
+            <p:ph type="title"/>
+          </p:nvPr>
+        </p:nvSpPr>
+        <p:spPr>
+          <a:xfrm>
+            <a:off x="628650" y="365126"/>
+            <a:ext cx="7886700" cy="1103455"/>
+          </a:xfrm>
+        </p:spPr>
+        <p:txBody>
+          <a:bodyPr>
+            <a:noAutofit/>
+          </a:bodyPr>
+          <a:lstStyle/>
+          <a:p>
+            <a:pPr algn="ctr"/>
+            <a:r>
+              <a:rPr lang="en-US" sz="3200" b="1" dirty="0">
+                <a:solidFill>
+                  <a:srgbClr val="FF0000"/>
+                </a:solidFill>
+                <a:latin typeface="+mn-lt"/>
+              </a:rPr>
+              <a:t>Edit</a:t>
+            </a:r>
+            <a:r>
+              <a:rPr lang="en-US" sz="3200" dirty="0">
+                <a:latin typeface="+mn-lt"/>
+              </a:rPr>
+              <a:t> perfect_numbers.py</a:t>
+            </a:r>
+          </a:p>
+        </p:txBody>
+      </p:sp>
+      <p:sp>
+        <p:nvSpPr>
+          <p:cNvPr id="4" name="Slide Number Placeholder 3"/>
+          <p:cNvSpPr>
+            <a:spLocks noGrp="1"/>
+          </p:cNvSpPr>
+          <p:nvPr>
+            <p:ph type="sldNum" sz="quarter" idx="12"/>
+          </p:nvPr>
+        </p:nvSpPr>
+        <p:spPr/>
+        <p:txBody>
+          <a:bodyPr/>
+          <a:lstStyle/>
+          <a:p>
+            <a:fld id="{650AD656-6FF9-465D-B7B0-1CD0DD39CD23}" type="slidenum">
+              <a:rPr lang="en-US" smtClean="0"/>
+              <a:t>13</a:t>
+            </a:fld>
+            <a:endParaRPr lang="en-US" dirty="0"/>
+          </a:p>
+        </p:txBody>
+      </p:sp>
       <p:grpSp>
         <p:nvGrpSpPr>
           <p:cNvPr id="9" name="Group 8">
@@ -5687,7 +6151,7 @@
         </p:nvGrpSpPr>
         <p:grpSpPr>
           <a:xfrm>
-            <a:off x="6108864" y="4562503"/>
+            <a:off x="5689144" y="4330158"/>
             <a:ext cx="1076632" cy="369332"/>
             <a:chOff x="4968362" y="2079211"/>
             <a:chExt cx="1076632" cy="369332"/>
@@ -5807,7 +6271,7 @@
         </p:nvGrpSpPr>
         <p:grpSpPr>
           <a:xfrm>
-            <a:off x="5129667" y="4817117"/>
+            <a:off x="5129667" y="4584772"/>
             <a:ext cx="1076632" cy="369332"/>
             <a:chOff x="4704120" y="2356972"/>
             <a:chExt cx="1076632" cy="369332"/>
@@ -5927,7 +6391,7 @@
         </p:nvGrpSpPr>
         <p:grpSpPr>
           <a:xfrm>
-            <a:off x="4784898" y="3037183"/>
+            <a:off x="4784898" y="2804838"/>
             <a:ext cx="1068643" cy="369332"/>
             <a:chOff x="3647644" y="4910075"/>
             <a:chExt cx="1068643" cy="369332"/>
@@ -6047,7 +6511,7 @@
         </p:nvGrpSpPr>
         <p:grpSpPr>
           <a:xfrm>
-            <a:off x="5339539" y="3305567"/>
+            <a:off x="5339539" y="3073222"/>
             <a:ext cx="1064340" cy="369332"/>
             <a:chOff x="3647644" y="5421073"/>
             <a:chExt cx="1064340" cy="369332"/>
@@ -6167,7 +6631,7 @@
         </p:nvGrpSpPr>
         <p:grpSpPr>
           <a:xfrm>
-            <a:off x="6955092" y="3554109"/>
+            <a:off x="6955092" y="3321764"/>
             <a:ext cx="1068643" cy="369332"/>
             <a:chOff x="3647644" y="5359159"/>
             <a:chExt cx="1068643" cy="369332"/>
@@ -6287,7 +6751,7 @@
         </p:nvGrpSpPr>
         <p:grpSpPr>
           <a:xfrm>
-            <a:off x="6268909" y="3796706"/>
+            <a:off x="6268909" y="3564361"/>
             <a:ext cx="814307" cy="369332"/>
             <a:chOff x="2157212" y="5356391"/>
             <a:chExt cx="814307" cy="369332"/>
@@ -6407,7 +6871,7 @@
         </p:nvGrpSpPr>
         <p:grpSpPr>
           <a:xfrm>
-            <a:off x="4570191" y="5086722"/>
+            <a:off x="4570191" y="4854377"/>
             <a:ext cx="1076632" cy="369332"/>
             <a:chOff x="2157212" y="5356391"/>
             <a:chExt cx="1076632" cy="369332"/>
@@ -6513,6 +6977,154 @@
           </p:style>
         </p:cxnSp>
       </p:grpSp>
+      <p:sp>
+        <p:nvSpPr>
+          <p:cNvPr id="6" name="TextBox 5">
+            <a:extLst>
+              <a:ext uri="{FF2B5EF4-FFF2-40B4-BE49-F238E27FC236}">
+                <a16:creationId xmlns:a16="http://schemas.microsoft.com/office/drawing/2014/main" id="{D6047924-B02A-C988-6056-80A7D9E33369}"/>
+              </a:ext>
+            </a:extLst>
+          </p:cNvPr>
+          <p:cNvSpPr txBox="1"/>
+          <p:nvPr/>
+        </p:nvSpPr>
+        <p:spPr>
+          <a:xfrm>
+            <a:off x="455415" y="5635493"/>
+            <a:ext cx="4247032" cy="923330"/>
+          </a:xfrm>
+          <a:prstGeom prst="rect">
+            <a:avLst/>
+          </a:prstGeom>
+          <a:noFill/>
+        </p:spPr>
+        <p:txBody>
+          <a:bodyPr wrap="square" rtlCol="0">
+            <a:spAutoFit/>
+          </a:bodyPr>
+          <a:lstStyle/>
+          <a:p>
+            <a:pPr algn="ctr"/>
+            <a:r>
+              <a:rPr lang="en-US" b="1" dirty="0"/>
+              <a:t>np.where() </a:t>
+            </a:r>
+            <a:r>
+              <a:rPr lang="en-US" dirty="0"/>
+              <a:t>returns all the </a:t>
+            </a:r>
+            <a:r>
+              <a:rPr lang="en-US" u="sng" dirty="0"/>
+              <a:t>index</a:t>
+            </a:r>
+            <a:r>
+              <a:rPr lang="en-US" dirty="0"/>
+              <a:t> numbers within an array where the condition is true for any of its elements</a:t>
+            </a:r>
+          </a:p>
+        </p:txBody>
+      </p:sp>
+      <p:sp>
+        <p:nvSpPr>
+          <p:cNvPr id="7" name="TextBox 6">
+            <a:extLst>
+              <a:ext uri="{FF2B5EF4-FFF2-40B4-BE49-F238E27FC236}">
+                <a16:creationId xmlns:a16="http://schemas.microsoft.com/office/drawing/2014/main" id="{8775F74A-2372-F648-43A6-68933E27C879}"/>
+              </a:ext>
+            </a:extLst>
+          </p:cNvPr>
+          <p:cNvSpPr txBox="1"/>
+          <p:nvPr/>
+        </p:nvSpPr>
+        <p:spPr>
+          <a:xfrm>
+            <a:off x="4936584" y="5635493"/>
+            <a:ext cx="3437212" cy="923330"/>
+          </a:xfrm>
+          <a:prstGeom prst="rect">
+            <a:avLst/>
+          </a:prstGeom>
+          <a:noFill/>
+        </p:spPr>
+        <p:txBody>
+          <a:bodyPr wrap="square" rtlCol="0">
+            <a:spAutoFit/>
+          </a:bodyPr>
+          <a:lstStyle/>
+          <a:p>
+            <a:pPr algn="ctr"/>
+            <a:r>
+              <a:rPr lang="en-US" b="1" dirty="0"/>
+              <a:t>factors[] </a:t>
+            </a:r>
+            <a:r>
+              <a:rPr lang="en-US" dirty="0"/>
+              <a:t>is now an array containing only the elements in </a:t>
+            </a:r>
+            <a:r>
+              <a:rPr lang="en-US" b="1" dirty="0"/>
+              <a:t>x[] </a:t>
+            </a:r>
+            <a:r>
+              <a:rPr lang="en-US" dirty="0"/>
+              <a:t>where the condition was true</a:t>
+            </a:r>
+          </a:p>
+        </p:txBody>
+      </p:sp>
+      <p:sp>
+        <p:nvSpPr>
+          <p:cNvPr id="32" name="Rectangle 31">
+            <a:extLst>
+              <a:ext uri="{FF2B5EF4-FFF2-40B4-BE49-F238E27FC236}">
+                <a16:creationId xmlns:a16="http://schemas.microsoft.com/office/drawing/2014/main" id="{4BD4655B-594F-4BD1-2DA1-34512E1F961B}"/>
+              </a:ext>
+            </a:extLst>
+          </p:cNvPr>
+          <p:cNvSpPr/>
+          <p:nvPr/>
+        </p:nvSpPr>
+        <p:spPr>
+          <a:xfrm>
+            <a:off x="2060784" y="2863120"/>
+            <a:ext cx="4986366" cy="2311335"/>
+          </a:xfrm>
+          <a:prstGeom prst="rect">
+            <a:avLst/>
+          </a:prstGeom>
+          <a:noFill/>
+          <a:ln w="28575">
+            <a:solidFill>
+              <a:srgbClr val="00B050"/>
+            </a:solidFill>
+          </a:ln>
+        </p:spPr>
+        <p:style>
+          <a:lnRef idx="2">
+            <a:schemeClr val="accent1">
+              <a:shade val="15000"/>
+            </a:schemeClr>
+          </a:lnRef>
+          <a:fillRef idx="1">
+            <a:schemeClr val="accent1"/>
+          </a:fillRef>
+          <a:effectRef idx="0">
+            <a:schemeClr val="accent1"/>
+          </a:effectRef>
+          <a:fontRef idx="minor">
+            <a:schemeClr val="lt1"/>
+          </a:fontRef>
+        </p:style>
+        <p:txBody>
+          <a:bodyPr rtlCol="0" anchor="ctr"/>
+          <a:lstStyle/>
+          <a:p>
+            <a:pPr algn="ctr"/>
+            <a:endParaRPr lang="en-US"/>
+          </a:p>
+        </p:txBody>
+      </p:sp>
     </p:spTree>
     <p:extLst>
       <p:ext uri="{BB962C8B-B14F-4D97-AF65-F5344CB8AC3E}">
@@ -6560,7 +7172,7 @@
                                           </p:stCondLst>
                                         </p:cTn>
                                         <p:tgtEl>
-                                          <p:spTgt spid="8"/>
+                                          <p:spTgt spid="5"/>
                                         </p:tgtEl>
                                         <p:attrNameLst>
                                           <p:attrName>style.visibility</p:attrName>
@@ -6574,7 +7186,7 @@
                                       <p:cBhvr>
                                         <p:cTn id="7" dur="500"/>
                                         <p:tgtEl>
-                                          <p:spTgt spid="8"/>
+                                          <p:spTgt spid="5"/>
                                         </p:tgtEl>
                                       </p:cBhvr>
                                     </p:animEffect>
@@ -6591,7 +7203,7 @@
                             </p:stCondLst>
                             <p:childTnLst>
                               <p:par>
-                                <p:cTn id="9" presetID="22" presetClass="entr" presetSubtype="2" fill="hold" nodeType="afterEffect">
+                                <p:cTn id="9" presetID="16" presetClass="entr" presetSubtype="21" fill="hold" grpId="0" nodeType="afterEffect">
                                   <p:stCondLst>
                                     <p:cond delay="0"/>
                                   </p:stCondLst>
@@ -6604,7 +7216,7 @@
                                           </p:stCondLst>
                                         </p:cTn>
                                         <p:tgtEl>
-                                          <p:spTgt spid="9"/>
+                                          <p:spTgt spid="32"/>
                                         </p:tgtEl>
                                         <p:attrNameLst>
                                           <p:attrName>style.visibility</p:attrName>
@@ -6614,11 +7226,11 @@
                                         <p:strVal val="visible"/>
                                       </p:to>
                                     </p:set>
-                                    <p:animEffect transition="in" filter="wipe(right)">
+                                    <p:animEffect transition="in" filter="barn(inVertical)">
                                       <p:cBhvr>
                                         <p:cTn id="11" dur="500"/>
                                         <p:tgtEl>
-                                          <p:spTgt spid="9"/>
+                                          <p:spTgt spid="32"/>
                                         </p:tgtEl>
                                       </p:cBhvr>
                                     </p:animEffect>
@@ -6657,7 +7269,7 @@
                                           </p:stCondLst>
                                         </p:cTn>
                                         <p:tgtEl>
-                                          <p:spTgt spid="12"/>
+                                          <p:spTgt spid="9"/>
                                         </p:tgtEl>
                                         <p:attrNameLst>
                                           <p:attrName>style.visibility</p:attrName>
@@ -6671,7 +7283,7 @@
                                       <p:cBhvr>
                                         <p:cTn id="16" dur="500"/>
                                         <p:tgtEl>
-                                          <p:spTgt spid="12"/>
+                                          <p:spTgt spid="9"/>
                                         </p:tgtEl>
                                       </p:cBhvr>
                                     </p:animEffect>
@@ -6710,7 +7322,7 @@
                                           </p:stCondLst>
                                         </p:cTn>
                                         <p:tgtEl>
-                                          <p:spTgt spid="15"/>
+                                          <p:spTgt spid="12"/>
                                         </p:tgtEl>
                                         <p:attrNameLst>
                                           <p:attrName>style.visibility</p:attrName>
@@ -6724,7 +7336,7 @@
                                       <p:cBhvr>
                                         <p:cTn id="21" dur="500"/>
                                         <p:tgtEl>
-                                          <p:spTgt spid="15"/>
+                                          <p:spTgt spid="12"/>
                                         </p:tgtEl>
                                       </p:cBhvr>
                                     </p:animEffect>
@@ -6763,7 +7375,7 @@
                                           </p:stCondLst>
                                         </p:cTn>
                                         <p:tgtEl>
-                                          <p:spTgt spid="18"/>
+                                          <p:spTgt spid="15"/>
                                         </p:tgtEl>
                                         <p:attrNameLst>
                                           <p:attrName>style.visibility</p:attrName>
@@ -6777,7 +7389,7 @@
                                       <p:cBhvr>
                                         <p:cTn id="26" dur="500"/>
                                         <p:tgtEl>
-                                          <p:spTgt spid="18"/>
+                                          <p:spTgt spid="15"/>
                                         </p:tgtEl>
                                       </p:cBhvr>
                                     </p:animEffect>
@@ -6816,7 +7428,7 @@
                                           </p:stCondLst>
                                         </p:cTn>
                                         <p:tgtEl>
-                                          <p:spTgt spid="21"/>
+                                          <p:spTgt spid="18"/>
                                         </p:tgtEl>
                                         <p:attrNameLst>
                                           <p:attrName>style.visibility</p:attrName>
@@ -6830,7 +7442,7 @@
                                       <p:cBhvr>
                                         <p:cTn id="31" dur="500"/>
                                         <p:tgtEl>
-                                          <p:spTgt spid="21"/>
+                                          <p:spTgt spid="18"/>
                                         </p:tgtEl>
                                       </p:cBhvr>
                                     </p:animEffect>
@@ -6869,6 +7481,223 @@
                                           </p:stCondLst>
                                         </p:cTn>
                                         <p:tgtEl>
+                                          <p:spTgt spid="21"/>
+                                        </p:tgtEl>
+                                        <p:attrNameLst>
+                                          <p:attrName>style.visibility</p:attrName>
+                                        </p:attrNameLst>
+                                      </p:cBhvr>
+                                      <p:to>
+                                        <p:strVal val="visible"/>
+                                      </p:to>
+                                    </p:set>
+                                    <p:animEffect transition="in" filter="wipe(right)">
+                                      <p:cBhvr>
+                                        <p:cTn id="36" dur="500"/>
+                                        <p:tgtEl>
+                                          <p:spTgt spid="21"/>
+                                        </p:tgtEl>
+                                      </p:cBhvr>
+                                    </p:animEffect>
+                                  </p:childTnLst>
+                                </p:cTn>
+                              </p:par>
+                            </p:childTnLst>
+                          </p:cTn>
+                        </p:par>
+                        <p:par>
+                          <p:cTn id="37" fill="hold">
+                            <p:stCondLst>
+                              <p:cond delay="500"/>
+                            </p:stCondLst>
+                            <p:childTnLst>
+                              <p:par>
+                                <p:cTn id="38" presetID="2" presetClass="entr" presetSubtype="4" fill="hold" grpId="0" nodeType="afterEffect">
+                                  <p:stCondLst>
+                                    <p:cond delay="0"/>
+                                  </p:stCondLst>
+                                  <p:childTnLst>
+                                    <p:set>
+                                      <p:cBhvr>
+                                        <p:cTn id="39" dur="1" fill="hold">
+                                          <p:stCondLst>
+                                            <p:cond delay="0"/>
+                                          </p:stCondLst>
+                                        </p:cTn>
+                                        <p:tgtEl>
+                                          <p:spTgt spid="6"/>
+                                        </p:tgtEl>
+                                        <p:attrNameLst>
+                                          <p:attrName>style.visibility</p:attrName>
+                                        </p:attrNameLst>
+                                      </p:cBhvr>
+                                      <p:to>
+                                        <p:strVal val="visible"/>
+                                      </p:to>
+                                    </p:set>
+                                    <p:anim calcmode="lin" valueType="num">
+                                      <p:cBhvr additive="base">
+                                        <p:cTn id="40" dur="500" fill="hold"/>
+                                        <p:tgtEl>
+                                          <p:spTgt spid="6"/>
+                                        </p:tgtEl>
+                                        <p:attrNameLst>
+                                          <p:attrName>ppt_x</p:attrName>
+                                        </p:attrNameLst>
+                                      </p:cBhvr>
+                                      <p:tavLst>
+                                        <p:tav tm="0">
+                                          <p:val>
+                                            <p:strVal val="#ppt_x"/>
+                                          </p:val>
+                                        </p:tav>
+                                        <p:tav tm="100000">
+                                          <p:val>
+                                            <p:strVal val="#ppt_x"/>
+                                          </p:val>
+                                        </p:tav>
+                                      </p:tavLst>
+                                    </p:anim>
+                                    <p:anim calcmode="lin" valueType="num">
+                                      <p:cBhvr additive="base">
+                                        <p:cTn id="41" dur="500" fill="hold"/>
+                                        <p:tgtEl>
+                                          <p:spTgt spid="6"/>
+                                        </p:tgtEl>
+                                        <p:attrNameLst>
+                                          <p:attrName>ppt_y</p:attrName>
+                                        </p:attrNameLst>
+                                      </p:cBhvr>
+                                      <p:tavLst>
+                                        <p:tav tm="0">
+                                          <p:val>
+                                            <p:strVal val="1+#ppt_h/2"/>
+                                          </p:val>
+                                        </p:tav>
+                                        <p:tav tm="100000">
+                                          <p:val>
+                                            <p:strVal val="#ppt_y"/>
+                                          </p:val>
+                                        </p:tav>
+                                      </p:tavLst>
+                                    </p:anim>
+                                  </p:childTnLst>
+                                </p:cTn>
+                              </p:par>
+                            </p:childTnLst>
+                          </p:cTn>
+                        </p:par>
+                        <p:par>
+                          <p:cTn id="42" fill="hold">
+                            <p:stCondLst>
+                              <p:cond delay="1000"/>
+                            </p:stCondLst>
+                            <p:childTnLst>
+                              <p:par>
+                                <p:cTn id="43" presetID="2" presetClass="entr" presetSubtype="4" fill="hold" grpId="0" nodeType="afterEffect">
+                                  <p:stCondLst>
+                                    <p:cond delay="0"/>
+                                  </p:stCondLst>
+                                  <p:childTnLst>
+                                    <p:set>
+                                      <p:cBhvr>
+                                        <p:cTn id="44" dur="1" fill="hold">
+                                          <p:stCondLst>
+                                            <p:cond delay="0"/>
+                                          </p:stCondLst>
+                                        </p:cTn>
+                                        <p:tgtEl>
+                                          <p:spTgt spid="7"/>
+                                        </p:tgtEl>
+                                        <p:attrNameLst>
+                                          <p:attrName>style.visibility</p:attrName>
+                                        </p:attrNameLst>
+                                      </p:cBhvr>
+                                      <p:to>
+                                        <p:strVal val="visible"/>
+                                      </p:to>
+                                    </p:set>
+                                    <p:anim calcmode="lin" valueType="num">
+                                      <p:cBhvr additive="base">
+                                        <p:cTn id="45" dur="500" fill="hold"/>
+                                        <p:tgtEl>
+                                          <p:spTgt spid="7"/>
+                                        </p:tgtEl>
+                                        <p:attrNameLst>
+                                          <p:attrName>ppt_x</p:attrName>
+                                        </p:attrNameLst>
+                                      </p:cBhvr>
+                                      <p:tavLst>
+                                        <p:tav tm="0">
+                                          <p:val>
+                                            <p:strVal val="#ppt_x"/>
+                                          </p:val>
+                                        </p:tav>
+                                        <p:tav tm="100000">
+                                          <p:val>
+                                            <p:strVal val="#ppt_x"/>
+                                          </p:val>
+                                        </p:tav>
+                                      </p:tavLst>
+                                    </p:anim>
+                                    <p:anim calcmode="lin" valueType="num">
+                                      <p:cBhvr additive="base">
+                                        <p:cTn id="46" dur="500" fill="hold"/>
+                                        <p:tgtEl>
+                                          <p:spTgt spid="7"/>
+                                        </p:tgtEl>
+                                        <p:attrNameLst>
+                                          <p:attrName>ppt_y</p:attrName>
+                                        </p:attrNameLst>
+                                      </p:cBhvr>
+                                      <p:tavLst>
+                                        <p:tav tm="0">
+                                          <p:val>
+                                            <p:strVal val="1+#ppt_h/2"/>
+                                          </p:val>
+                                        </p:tav>
+                                        <p:tav tm="100000">
+                                          <p:val>
+                                            <p:strVal val="#ppt_y"/>
+                                          </p:val>
+                                        </p:tav>
+                                      </p:tavLst>
+                                    </p:anim>
+                                  </p:childTnLst>
+                                </p:cTn>
+                              </p:par>
+                            </p:childTnLst>
+                          </p:cTn>
+                        </p:par>
+                      </p:childTnLst>
+                    </p:cTn>
+                  </p:par>
+                  <p:par>
+                    <p:cTn id="47" fill="hold">
+                      <p:stCondLst>
+                        <p:cond delay="indefinite"/>
+                      </p:stCondLst>
+                      <p:childTnLst>
+                        <p:par>
+                          <p:cTn id="48" fill="hold">
+                            <p:stCondLst>
+                              <p:cond delay="0"/>
+                            </p:stCondLst>
+                            <p:childTnLst>
+                              <p:par>
+                                <p:cTn id="49" presetID="22" presetClass="entr" presetSubtype="2" fill="hold" nodeType="clickEffect">
+                                  <p:stCondLst>
+                                    <p:cond delay="0"/>
+                                  </p:stCondLst>
+                                  <p:childTnLst>
+                                    <p:set>
+                                      <p:cBhvr>
+                                        <p:cTn id="50" dur="1" fill="hold">
+                                          <p:stCondLst>
+                                            <p:cond delay="0"/>
+                                          </p:stCondLst>
+                                        </p:cTn>
+                                        <p:tgtEl>
                                           <p:spTgt spid="24"/>
                                         </p:tgtEl>
                                         <p:attrNameLst>
@@ -6881,7 +7710,7 @@
                                     </p:set>
                                     <p:animEffect transition="in" filter="wipe(right)">
                                       <p:cBhvr>
-                                        <p:cTn id="36" dur="500"/>
+                                        <p:cTn id="51" dur="500"/>
                                         <p:tgtEl>
                                           <p:spTgt spid="24"/>
                                         </p:tgtEl>
@@ -6897,26 +7726,26 @@
                     </p:cTn>
                   </p:par>
                   <p:par>
-                    <p:cTn id="37" fill="hold">
+                    <p:cTn id="52" fill="hold">
                       <p:stCondLst>
                         <p:cond delay="indefinite"/>
                       </p:stCondLst>
                       <p:childTnLst>
                         <p:par>
-                          <p:cTn id="38" fill="hold">
+                          <p:cTn id="53" fill="hold">
                             <p:stCondLst>
                               <p:cond delay="0"/>
                             </p:stCondLst>
                             <p:childTnLst>
                               <p:par>
-                                <p:cTn id="39" presetID="22" presetClass="entr" presetSubtype="2" fill="hold" nodeType="clickEffect">
+                                <p:cTn id="54" presetID="22" presetClass="entr" presetSubtype="2" fill="hold" nodeType="clickEffect">
                                   <p:stCondLst>
                                     <p:cond delay="0"/>
                                   </p:stCondLst>
                                   <p:childTnLst>
                                     <p:set>
                                       <p:cBhvr>
-                                        <p:cTn id="40" dur="1" fill="hold">
+                                        <p:cTn id="55" dur="1" fill="hold">
                                           <p:stCondLst>
                                             <p:cond delay="0"/>
                                           </p:stCondLst>
@@ -6934,7 +7763,7 @@
                                     </p:set>
                                     <p:animEffect transition="in" filter="wipe(right)">
                                       <p:cBhvr>
-                                        <p:cTn id="41" dur="500"/>
+                                        <p:cTn id="56" dur="500"/>
                                         <p:tgtEl>
                                           <p:spTgt spid="28"/>
                                         </p:tgtEl>
@@ -6970,11 +7799,16 @@
         </p:cTn>
       </p:par>
     </p:tnLst>
+    <p:bldLst>
+      <p:bldP spid="6" grpId="0"/>
+      <p:bldP spid="7" grpId="0"/>
+      <p:bldP spid="32" grpId="0" animBg="1"/>
+    </p:bldLst>
   </p:timing>
 </p:sld>
 </file>
 
-<file path=ppt/slides/slide13.xml><?xml version="1.0" encoding="utf-8"?>
+<file path=ppt/slides/slide14.xml><?xml version="1.0" encoding="utf-8"?>
 <p:sld xmlns:a="http://schemas.openxmlformats.org/drawingml/2006/main" xmlns:r="http://schemas.openxmlformats.org/officeDocument/2006/relationships" xmlns:p="http://schemas.openxmlformats.org/presentationml/2006/main">
   <p:cSld>
     <p:spTree>
@@ -7050,7 +7884,7 @@
             <a:fld id="{650AD656-6FF9-465D-B7B0-1CD0DD39CD23}" type="slidenum">
               <a:rPr lang="en-US" smtClean="0"/>
               <a:pPr/>
-              <a:t>13</a:t>
+              <a:t>14</a:t>
             </a:fld>
             <a:endParaRPr lang="en-US"/>
           </a:p>
@@ -7479,7 +8313,7 @@
 </p:sld>
 </file>
 
-<file path=ppt/slides/slide14.xml><?xml version="1.0" encoding="utf-8"?>
+<file path=ppt/slides/slide15.xml><?xml version="1.0" encoding="utf-8"?>
 <p:sld xmlns:a="http://schemas.openxmlformats.org/drawingml/2006/main" xmlns:r="http://schemas.openxmlformats.org/officeDocument/2006/relationships" xmlns:p="http://schemas.openxmlformats.org/presentationml/2006/main">
   <p:cSld>
     <p:spTree>
@@ -7545,7 +8379,7 @@
           <a:p>
             <a:fld id="{650AD656-6FF9-465D-B7B0-1CD0DD39CD23}" type="slidenum">
               <a:rPr lang="en-US" smtClean="0"/>
-              <a:t>14</a:t>
+              <a:t>15</a:t>
             </a:fld>
             <a:endParaRPr lang="en-US" dirty="0"/>
           </a:p>
@@ -8098,7 +8932,7 @@
 </p:sld>
 </file>
 
-<file path=ppt/slides/slide15.xml><?xml version="1.0" encoding="utf-8"?>
+<file path=ppt/slides/slide16.xml><?xml version="1.0" encoding="utf-8"?>
 <p:sld xmlns:a="http://schemas.openxmlformats.org/drawingml/2006/main" xmlns:r="http://schemas.openxmlformats.org/officeDocument/2006/relationships" xmlns:p="http://schemas.openxmlformats.org/presentationml/2006/main">
   <p:cSld>
     <p:spTree>
@@ -8277,7 +9111,7 @@
           <a:p>
             <a:fld id="{650AD656-6FF9-465D-B7B0-1CD0DD39CD23}" type="slidenum">
               <a:rPr lang="en-US" smtClean="0"/>
-              <a:t>15</a:t>
+              <a:t>16</a:t>
             </a:fld>
             <a:endParaRPr lang="en-US" dirty="0"/>
           </a:p>
@@ -8865,7 +9699,7 @@
 </p:sld>
 </file>
 
-<file path=ppt/slides/slide16.xml><?xml version="1.0" encoding="utf-8"?>
+<file path=ppt/slides/slide17.xml><?xml version="1.0" encoding="utf-8"?>
 <p:sld xmlns:a="http://schemas.openxmlformats.org/drawingml/2006/main" xmlns:r="http://schemas.openxmlformats.org/officeDocument/2006/relationships" xmlns:p="http://schemas.openxmlformats.org/presentationml/2006/main">
   <p:cSld>
     <p:spTree>
@@ -8914,166 +9748,293 @@
           </a:p>
         </p:txBody>
       </p:sp>
-      <p:sp>
-        <p:nvSpPr>
-          <p:cNvPr id="3" name="Content Placeholder 2"/>
-          <p:cNvSpPr>
-            <a:spLocks noGrp="1"/>
-          </p:cNvSpPr>
-          <p:nvPr>
-            <p:ph idx="1"/>
-          </p:nvPr>
-        </p:nvSpPr>
-        <p:spPr>
-          <a:xfrm>
-            <a:off x="628650" y="1708604"/>
-            <a:ext cx="5485432" cy="4647747"/>
-          </a:xfrm>
-        </p:spPr>
-        <p:txBody>
-          <a:bodyPr>
-            <a:noAutofit/>
-          </a:bodyPr>
-          <a:lstStyle/>
-          <a:p>
-            <a:pPr>
-              <a:spcBef>
-                <a:spcPts val="0"/>
-              </a:spcBef>
-              <a:spcAft>
-                <a:spcPts val="1200"/>
-              </a:spcAft>
-            </a:pPr>
-            <a:r>
-              <a:rPr lang="en-US" sz="2400" dirty="0"/>
-              <a:t>Write a program to perform </a:t>
-            </a:r>
-            <a:r>
-              <a:rPr lang="en-US" sz="2400" b="1" dirty="0"/>
-              <a:t>ten</a:t>
-            </a:r>
-            <a:r>
-              <a:rPr lang="en-US" sz="2400" dirty="0"/>
-              <a:t> </a:t>
-            </a:r>
-            <a:r>
-              <a:rPr lang="en-US" sz="2400" b="1" dirty="0"/>
-              <a:t>million runs</a:t>
-            </a:r>
-            <a:r>
-              <a:rPr lang="en-US" sz="2400" dirty="0"/>
-              <a:t> of an experiment that places a varying number of straws </a:t>
-            </a:r>
-            <a:r>
-              <a:rPr lang="en-US" sz="2400" b="1" i="1" dirty="0">
-                <a:solidFill>
-                  <a:srgbClr val="0070C0"/>
-                </a:solidFill>
-              </a:rPr>
-              <a:t>end-to-end</a:t>
-            </a:r>
-            <a:r>
-              <a:rPr lang="en-US" sz="2400" dirty="0"/>
-              <a:t> each run</a:t>
-            </a:r>
-            <a:endParaRPr lang="en-US" sz="2400" b="1" i="1" dirty="0">
-              <a:solidFill>
-                <a:srgbClr val="0070C0"/>
-              </a:solidFill>
-            </a:endParaRPr>
-          </a:p>
-          <a:p>
-            <a:pPr>
-              <a:spcBef>
-                <a:spcPts val="0"/>
-              </a:spcBef>
-              <a:spcAft>
-                <a:spcPts val="1200"/>
-              </a:spcAft>
-            </a:pPr>
-            <a:r>
-              <a:rPr lang="en-US" sz="2400" dirty="0"/>
-              <a:t>In each run, start with a single straw of </a:t>
-            </a:r>
-            <a:r>
-              <a:rPr lang="en-US" sz="2400" b="1" dirty="0">
-                <a:solidFill>
-                  <a:srgbClr val="00B050"/>
-                </a:solidFill>
-              </a:rPr>
-              <a:t>random</a:t>
-            </a:r>
-            <a:r>
-              <a:rPr lang="en-US" sz="2400" dirty="0"/>
-              <a:t> length between 0 &lt; n &lt; 1</a:t>
-            </a:r>
-          </a:p>
-          <a:p>
-            <a:pPr>
-              <a:spcBef>
-                <a:spcPts val="0"/>
-              </a:spcBef>
-              <a:spcAft>
-                <a:spcPts val="1200"/>
-              </a:spcAft>
-            </a:pPr>
-            <a:r>
-              <a:rPr lang="en-US" sz="2400" dirty="0"/>
-              <a:t>Then enter a loop that keeps adding additional straws of </a:t>
-            </a:r>
-            <a:r>
-              <a:rPr lang="en-US" sz="2400" b="1" dirty="0">
-                <a:solidFill>
-                  <a:srgbClr val="00B050"/>
-                </a:solidFill>
-              </a:rPr>
-              <a:t>random</a:t>
-            </a:r>
-            <a:r>
-              <a:rPr lang="en-US" sz="2400" dirty="0"/>
-              <a:t> length        (0 &lt; n &lt; 1) until the </a:t>
-            </a:r>
-            <a:r>
-              <a:rPr lang="en-US" sz="2400" u="sng" dirty="0"/>
-              <a:t>total</a:t>
-            </a:r>
-            <a:r>
-              <a:rPr lang="en-US" sz="2400" dirty="0"/>
-              <a:t> length is &gt; 1</a:t>
-            </a:r>
-          </a:p>
-          <a:p>
-            <a:pPr>
-              <a:spcBef>
-                <a:spcPts val="0"/>
-              </a:spcBef>
-              <a:spcAft>
-                <a:spcPts val="1200"/>
-              </a:spcAft>
-            </a:pPr>
-            <a:r>
-              <a:rPr lang="en-US" sz="2400" dirty="0"/>
-              <a:t>Find the </a:t>
-            </a:r>
-            <a:r>
-              <a:rPr lang="en-US" sz="2400" b="1" dirty="0"/>
-              <a:t>mean</a:t>
-            </a:r>
-            <a:r>
-              <a:rPr lang="en-US" sz="2400" dirty="0"/>
-              <a:t> number of straws added before the total length &gt; 1, across </a:t>
-            </a:r>
-            <a:r>
-              <a:rPr lang="en-US" sz="2400" i="1" dirty="0"/>
-              <a:t>all</a:t>
-            </a:r>
-            <a:r>
-              <a:rPr lang="en-US" sz="2400" dirty="0"/>
-              <a:t> ten million runs of the experiment</a:t>
-            </a:r>
-          </a:p>
-        </p:txBody>
-      </p:sp>
+      <mc:AlternateContent xmlns:mc="http://schemas.openxmlformats.org/markup-compatibility/2006">
+        <mc:Choice xmlns:a14="http://schemas.microsoft.com/office/drawing/2010/main" Requires="a14">
+          <p:sp>
+            <p:nvSpPr>
+              <p:cNvPr id="3" name="Content Placeholder 2"/>
+              <p:cNvSpPr>
+                <a:spLocks noGrp="1"/>
+              </p:cNvSpPr>
+              <p:nvPr>
+                <p:ph idx="1"/>
+              </p:nvPr>
+            </p:nvSpPr>
+            <p:spPr>
+              <a:xfrm>
+                <a:off x="628650" y="1708604"/>
+                <a:ext cx="5485432" cy="4647747"/>
+              </a:xfrm>
+            </p:spPr>
+            <p:txBody>
+              <a:bodyPr>
+                <a:noAutofit/>
+              </a:bodyPr>
+              <a:lstStyle/>
+              <a:p>
+                <a:pPr>
+                  <a:spcBef>
+                    <a:spcPts val="0"/>
+                  </a:spcBef>
+                  <a:spcAft>
+                    <a:spcPts val="1200"/>
+                  </a:spcAft>
+                </a:pPr>
+                <a:r>
+                  <a:rPr lang="en-US" sz="2400" dirty="0"/>
+                  <a:t>Write a program to perform </a:t>
+                </a:r>
+                <a:r>
+                  <a:rPr lang="en-US" sz="2400" b="1" dirty="0"/>
+                  <a:t>ten</a:t>
+                </a:r>
+                <a:r>
+                  <a:rPr lang="en-US" sz="2400" dirty="0"/>
+                  <a:t> </a:t>
+                </a:r>
+                <a:r>
+                  <a:rPr lang="en-US" sz="2400" b="1" dirty="0"/>
+                  <a:t>million runs</a:t>
+                </a:r>
+                <a:r>
+                  <a:rPr lang="en-US" sz="2400" dirty="0"/>
+                  <a:t> of an experiment that places a varying number of straws </a:t>
+                </a:r>
+                <a:r>
+                  <a:rPr lang="en-US" sz="2400" b="1" i="1" dirty="0">
+                    <a:solidFill>
+                      <a:srgbClr val="0070C0"/>
+                    </a:solidFill>
+                  </a:rPr>
+                  <a:t>end-to-end</a:t>
+                </a:r>
+                <a:r>
+                  <a:rPr lang="en-US" sz="2400" dirty="0"/>
+                  <a:t> on each run</a:t>
+                </a:r>
+                <a:endParaRPr lang="en-US" sz="2400" b="1" i="1" dirty="0">
+                  <a:solidFill>
+                    <a:srgbClr val="0070C0"/>
+                  </a:solidFill>
+                </a:endParaRPr>
+              </a:p>
+              <a:p>
+                <a:pPr>
+                  <a:spcBef>
+                    <a:spcPts val="0"/>
+                  </a:spcBef>
+                  <a:spcAft>
+                    <a:spcPts val="1200"/>
+                  </a:spcAft>
+                </a:pPr>
+                <a:r>
+                  <a:rPr lang="en-US" sz="2400" dirty="0"/>
+                  <a:t>In each run, start with a single straw of </a:t>
+                </a:r>
+                <a:r>
+                  <a:rPr lang="en-US" sz="2400" b="1" dirty="0">
+                    <a:solidFill>
+                      <a:srgbClr val="00B050"/>
+                    </a:solidFill>
+                  </a:rPr>
+                  <a:t>random</a:t>
+                </a:r>
+                <a:r>
+                  <a:rPr lang="en-US" sz="2400" dirty="0"/>
+                  <a:t> length between 0 </a:t>
+                </a:r>
+                <a14:m>
+                  <m:oMath xmlns:m="http://schemas.openxmlformats.org/officeDocument/2006/math">
+                    <m:r>
+                      <a:rPr lang="en-US" sz="2400" i="1" dirty="0" smtClean="0">
+                        <a:latin typeface="Cambria Math" panose="02040503050406030204" pitchFamily="18" charset="0"/>
+                      </a:rPr>
+                      <m:t>&lt;</m:t>
+                    </m:r>
+                  </m:oMath>
+                </a14:m>
+                <a:r>
+                  <a:rPr lang="en-US" sz="2400" dirty="0"/>
+                  <a:t> n </a:t>
+                </a:r>
+                <a14:m>
+                  <m:oMath xmlns:m="http://schemas.openxmlformats.org/officeDocument/2006/math">
+                    <m:r>
+                      <a:rPr lang="en-US" sz="2400" i="1" dirty="0" smtClean="0">
+                        <a:latin typeface="Cambria Math" panose="02040503050406030204" pitchFamily="18" charset="0"/>
+                        <a:ea typeface="Cambria Math" panose="02040503050406030204" pitchFamily="18" charset="0"/>
+                      </a:rPr>
+                      <m:t>≤</m:t>
+                    </m:r>
+                  </m:oMath>
+                </a14:m>
+                <a:r>
+                  <a:rPr lang="en-US" sz="2400" dirty="0"/>
+                  <a:t> 1</a:t>
+                </a:r>
+              </a:p>
+              <a:p>
+                <a:pPr>
+                  <a:spcBef>
+                    <a:spcPts val="0"/>
+                  </a:spcBef>
+                  <a:spcAft>
+                    <a:spcPts val="1200"/>
+                  </a:spcAft>
+                </a:pPr>
+                <a:r>
+                  <a:rPr lang="en-US" sz="2400" dirty="0"/>
+                  <a:t>Then enter a loop that keeps adding additional straws of </a:t>
+                </a:r>
+                <a:r>
+                  <a:rPr lang="en-US" sz="2400" b="1" dirty="0">
+                    <a:solidFill>
+                      <a:srgbClr val="00B050"/>
+                    </a:solidFill>
+                  </a:rPr>
+                  <a:t>random</a:t>
+                </a:r>
+                <a:r>
+                  <a:rPr lang="en-US" sz="2400" dirty="0"/>
+                  <a:t> length        (0 </a:t>
+                </a:r>
+                <a14:m>
+                  <m:oMath xmlns:m="http://schemas.openxmlformats.org/officeDocument/2006/math">
+                    <m:r>
+                      <a:rPr lang="en-US" sz="2400" i="1" dirty="0" smtClean="0">
+                        <a:latin typeface="Cambria Math" panose="02040503050406030204" pitchFamily="18" charset="0"/>
+                      </a:rPr>
+                      <m:t>&lt;</m:t>
+                    </m:r>
+                  </m:oMath>
+                </a14:m>
+                <a:r>
+                  <a:rPr lang="en-US" sz="2400" dirty="0"/>
+                  <a:t> n </a:t>
+                </a:r>
+                <a14:m>
+                  <m:oMath xmlns:m="http://schemas.openxmlformats.org/officeDocument/2006/math">
+                    <m:r>
+                      <a:rPr lang="en-US" sz="2400" i="1" dirty="0" smtClean="0">
+                        <a:latin typeface="Cambria Math" panose="02040503050406030204" pitchFamily="18" charset="0"/>
+                        <a:ea typeface="Cambria Math" panose="02040503050406030204" pitchFamily="18" charset="0"/>
+                      </a:rPr>
+                      <m:t>≤</m:t>
+                    </m:r>
+                  </m:oMath>
+                </a14:m>
+                <a:r>
+                  <a:rPr lang="en-US" sz="2400" dirty="0"/>
+                  <a:t> 1) until the </a:t>
+                </a:r>
+                <a:r>
+                  <a:rPr lang="en-US" sz="2400" u="sng" dirty="0"/>
+                  <a:t>total</a:t>
+                </a:r>
+                <a:r>
+                  <a:rPr lang="en-US" sz="2400" dirty="0"/>
+                  <a:t> length is </a:t>
+                </a:r>
+                <a14:m>
+                  <m:oMath xmlns:m="http://schemas.openxmlformats.org/officeDocument/2006/math">
+                    <m:r>
+                      <a:rPr lang="en-US" sz="2400" i="1" dirty="0" smtClean="0">
+                        <a:latin typeface="Cambria Math" panose="02040503050406030204" pitchFamily="18" charset="0"/>
+                      </a:rPr>
+                      <m:t>&gt;</m:t>
+                    </m:r>
+                  </m:oMath>
+                </a14:m>
+                <a:r>
+                  <a:rPr lang="en-US" sz="2400" dirty="0"/>
+                  <a:t> 1</a:t>
+                </a:r>
+              </a:p>
+              <a:p>
+                <a:pPr>
+                  <a:spcBef>
+                    <a:spcPts val="0"/>
+                  </a:spcBef>
+                  <a:spcAft>
+                    <a:spcPts val="1200"/>
+                  </a:spcAft>
+                </a:pPr>
+                <a:r>
+                  <a:rPr lang="en-US" sz="2400" dirty="0"/>
+                  <a:t>Find the </a:t>
+                </a:r>
+                <a:r>
+                  <a:rPr lang="en-US" sz="2400" b="1" dirty="0"/>
+                  <a:t>mean</a:t>
+                </a:r>
+                <a:r>
+                  <a:rPr lang="en-US" sz="2400" dirty="0"/>
+                  <a:t> number of straws added per run before the total length </a:t>
+                </a:r>
+                <a14:m>
+                  <m:oMath xmlns:m="http://schemas.openxmlformats.org/officeDocument/2006/math">
+                    <m:r>
+                      <a:rPr lang="en-US" sz="2400" i="1" dirty="0" smtClean="0">
+                        <a:latin typeface="Cambria Math" panose="02040503050406030204" pitchFamily="18" charset="0"/>
+                      </a:rPr>
+                      <m:t>&gt;</m:t>
+                    </m:r>
+                  </m:oMath>
+                </a14:m>
+                <a:r>
+                  <a:rPr lang="en-US" sz="2400" dirty="0"/>
+                  <a:t> 1, across </a:t>
+                </a:r>
+                <a:r>
+                  <a:rPr lang="en-US" sz="2400" i="1" dirty="0"/>
+                  <a:t>all</a:t>
+                </a:r>
+                <a:r>
+                  <a:rPr lang="en-US" sz="2400" dirty="0"/>
+                  <a:t> ten million runs of the experiment</a:t>
+                </a:r>
+              </a:p>
+            </p:txBody>
+          </p:sp>
+        </mc:Choice>
+        <mc:Fallback>
+          <p:sp>
+            <p:nvSpPr>
+              <p:cNvPr id="3" name="Content Placeholder 2"/>
+              <p:cNvSpPr>
+                <a:spLocks noGrp="1" noRot="1" noChangeAspect="1" noMove="1" noResize="1" noEditPoints="1" noAdjustHandles="1" noChangeArrowheads="1" noChangeShapeType="1" noTextEdit="1"/>
+              </p:cNvSpPr>
+              <p:nvPr>
+                <p:ph idx="1"/>
+              </p:nvPr>
+            </p:nvSpPr>
+            <p:spPr>
+              <a:xfrm>
+                <a:off x="628650" y="1708604"/>
+                <a:ext cx="5485432" cy="4647747"/>
+              </a:xfrm>
+              <a:blipFill>
+                <a:blip r:embed="rId3"/>
+                <a:stretch>
+                  <a:fillRect l="-1444" t="-1835" r="-1444" b="-6815"/>
+                </a:stretch>
+              </a:blipFill>
+            </p:spPr>
+            <p:txBody>
+              <a:bodyPr/>
+              <a:lstStyle/>
+              <a:p>
+                <a:r>
+                  <a:rPr lang="en-US">
+                    <a:noFill/>
+                  </a:rPr>
+                  <a:t> </a:t>
+                </a:r>
+              </a:p>
+            </p:txBody>
+          </p:sp>
+        </mc:Fallback>
+      </mc:AlternateContent>
       <p:sp>
         <p:nvSpPr>
           <p:cNvPr id="4" name="Slide Number Placeholder 3"/>
@@ -9092,7 +10053,7 @@
             <a:fld id="{650AD656-6FF9-465D-B7B0-1CD0DD39CD23}" type="slidenum">
               <a:rPr lang="en-US" smtClean="0"/>
               <a:pPr/>
-              <a:t>16</a:t>
+              <a:t>17</a:t>
             </a:fld>
             <a:endParaRPr lang="en-US" dirty="0"/>
           </a:p>
@@ -9107,7 +10068,7 @@
           <p:nvPr/>
         </p:nvPicPr>
         <p:blipFill>
-          <a:blip r:embed="rId3">
+          <a:blip r:embed="rId4">
             <a:extLst>
               <a:ext uri="{28A0092B-C50C-407E-A947-70E740481C1C}">
                 <a14:useLocalDpi xmlns:a14="http://schemas.microsoft.com/office/drawing/2010/main" val="0"/>
@@ -9318,7 +10279,7 @@
 </p:sld>
 </file>
 
-<file path=ppt/slides/slide17.xml><?xml version="1.0" encoding="utf-8"?>
+<file path=ppt/slides/slide18.xml><?xml version="1.0" encoding="utf-8"?>
 <p:sld xmlns:a="http://schemas.openxmlformats.org/drawingml/2006/main" xmlns:r="http://schemas.openxmlformats.org/officeDocument/2006/relationships" xmlns:p="http://schemas.openxmlformats.org/presentationml/2006/main">
   <p:cSld>
     <p:spTree>
@@ -12242,7 +13203,7 @@
 </p:sld>
 </file>
 
-<file path=ppt/slides/slide18.xml><?xml version="1.0" encoding="utf-8"?>
+<file path=ppt/slides/slide19.xml><?xml version="1.0" encoding="utf-8"?>
 <p:sld xmlns:a="http://schemas.openxmlformats.org/drawingml/2006/main" xmlns:r="http://schemas.openxmlformats.org/officeDocument/2006/relationships" xmlns:p="http://schemas.openxmlformats.org/presentationml/2006/main">
   <p:cSld>
     <p:spTree>
@@ -12259,6 +13220,41 @@
           <a:chExt cx="0" cy="0"/>
         </a:xfrm>
       </p:grpSpPr>
+      <p:pic>
+        <p:nvPicPr>
+          <p:cNvPr id="6" name="Picture 5">
+            <a:extLst>
+              <a:ext uri="{FF2B5EF4-FFF2-40B4-BE49-F238E27FC236}">
+                <a16:creationId xmlns:a16="http://schemas.microsoft.com/office/drawing/2014/main" id="{2397ACDD-0D9C-C1EE-07B4-CD374D71A81F}"/>
+              </a:ext>
+            </a:extLst>
+          </p:cNvPr>
+          <p:cNvPicPr>
+            <a:picLocks noChangeAspect="1"/>
+          </p:cNvPicPr>
+          <p:nvPr/>
+        </p:nvPicPr>
+        <p:blipFill>
+          <a:blip r:embed="rId2"/>
+          <a:stretch>
+            <a:fillRect/>
+          </a:stretch>
+        </p:blipFill>
+        <p:spPr>
+          <a:xfrm>
+            <a:off x="2407362" y="1478809"/>
+            <a:ext cx="4314286" cy="4819048"/>
+          </a:xfrm>
+          <a:prstGeom prst="rect">
+            <a:avLst/>
+          </a:prstGeom>
+          <a:ln>
+            <a:solidFill>
+              <a:schemeClr val="tx1"/>
+            </a:solidFill>
+          </a:ln>
+        </p:spPr>
+      </p:pic>
       <p:sp>
         <p:nvSpPr>
           <p:cNvPr id="2" name="Title 1"/>
@@ -12318,47 +13314,12 @@
             <a:fld id="{650AD656-6FF9-465D-B7B0-1CD0DD39CD23}" type="slidenum">
               <a:rPr lang="en-US" smtClean="0"/>
               <a:pPr/>
-              <a:t>18</a:t>
+              <a:t>19</a:t>
             </a:fld>
             <a:endParaRPr lang="en-US" dirty="0"/>
           </a:p>
         </p:txBody>
       </p:sp>
-      <p:pic>
-        <p:nvPicPr>
-          <p:cNvPr id="9" name="Picture 8">
-            <a:extLst>
-              <a:ext uri="{FF2B5EF4-FFF2-40B4-BE49-F238E27FC236}">
-                <a16:creationId xmlns:a16="http://schemas.microsoft.com/office/drawing/2014/main" id="{77A5DEE4-3107-C485-F14F-07E024619243}"/>
-              </a:ext>
-            </a:extLst>
-          </p:cNvPr>
-          <p:cNvPicPr>
-            <a:picLocks noChangeAspect="1"/>
-          </p:cNvPicPr>
-          <p:nvPr/>
-        </p:nvPicPr>
-        <p:blipFill>
-          <a:blip r:embed="rId2"/>
-          <a:stretch>
-            <a:fillRect/>
-          </a:stretch>
-        </p:blipFill>
-        <p:spPr>
-          <a:xfrm>
-            <a:off x="2391047" y="1468581"/>
-            <a:ext cx="4361905" cy="4809524"/>
-          </a:xfrm>
-          <a:prstGeom prst="rect">
-            <a:avLst/>
-          </a:prstGeom>
-          <a:ln>
-            <a:solidFill>
-              <a:schemeClr val="tx1"/>
-            </a:solidFill>
-          </a:ln>
-        </p:spPr>
-      </p:pic>
       <p:grpSp>
         <p:nvGrpSpPr>
           <p:cNvPr id="17" name="Group 16">
@@ -12973,7 +13934,7 @@
         </p:nvGrpSpPr>
         <p:grpSpPr>
           <a:xfrm>
-            <a:off x="5443236" y="3156627"/>
+            <a:off x="5488206" y="3156627"/>
             <a:ext cx="1076632" cy="369332"/>
             <a:chOff x="2157212" y="5356391"/>
             <a:chExt cx="1076632" cy="369332"/>
@@ -13040,126 +14001,6 @@
               <a:extLst>
                 <a:ext uri="{FF2B5EF4-FFF2-40B4-BE49-F238E27FC236}">
                   <a16:creationId xmlns:a16="http://schemas.microsoft.com/office/drawing/2014/main" id="{7553AE7B-E357-BC53-0A37-B8F2C7322CE0}"/>
-                </a:ext>
-              </a:extLst>
-            </p:cNvPr>
-            <p:cNvCxnSpPr>
-              <a:cxnSpLocks/>
-            </p:cNvCxnSpPr>
-            <p:nvPr/>
-          </p:nvCxnSpPr>
-          <p:spPr>
-            <a:xfrm flipH="1">
-              <a:off x="2157212" y="5545146"/>
-              <a:ext cx="693174" cy="0"/>
-            </a:xfrm>
-            <a:prstGeom prst="straightConnector1">
-              <a:avLst/>
-            </a:prstGeom>
-            <a:ln w="38100">
-              <a:solidFill>
-                <a:srgbClr val="FF0000"/>
-              </a:solidFill>
-              <a:tailEnd type="triangle"/>
-            </a:ln>
-          </p:spPr>
-          <p:style>
-            <a:lnRef idx="1">
-              <a:schemeClr val="accent1"/>
-            </a:lnRef>
-            <a:fillRef idx="0">
-              <a:schemeClr val="accent1"/>
-            </a:fillRef>
-            <a:effectRef idx="0">
-              <a:schemeClr val="accent1"/>
-            </a:effectRef>
-            <a:fontRef idx="minor">
-              <a:schemeClr val="tx1"/>
-            </a:fontRef>
-          </p:style>
-        </p:cxnSp>
-      </p:grpSp>
-      <p:grpSp>
-        <p:nvGrpSpPr>
-          <p:cNvPr id="36" name="Group 35">
-            <a:extLst>
-              <a:ext uri="{FF2B5EF4-FFF2-40B4-BE49-F238E27FC236}">
-                <a16:creationId xmlns:a16="http://schemas.microsoft.com/office/drawing/2014/main" id="{B5B07598-9829-8486-6D83-3C6CBE5D1EAB}"/>
-              </a:ext>
-            </a:extLst>
-          </p:cNvPr>
-          <p:cNvGrpSpPr/>
-          <p:nvPr/>
-        </p:nvGrpSpPr>
-        <p:grpSpPr>
-          <a:xfrm>
-            <a:off x="6700601" y="3340649"/>
-            <a:ext cx="1076632" cy="369332"/>
-            <a:chOff x="2157212" y="5356391"/>
-            <a:chExt cx="1076632" cy="369332"/>
-          </a:xfrm>
-        </p:grpSpPr>
-        <p:sp>
-          <p:nvSpPr>
-            <p:cNvPr id="37" name="TextBox 36">
-              <a:extLst>
-                <a:ext uri="{FF2B5EF4-FFF2-40B4-BE49-F238E27FC236}">
-                  <a16:creationId xmlns:a16="http://schemas.microsoft.com/office/drawing/2014/main" id="{5B27385B-F427-3501-FA20-DA78B3A67551}"/>
-                </a:ext>
-              </a:extLst>
-            </p:cNvPr>
-            <p:cNvSpPr txBox="1"/>
-            <p:nvPr/>
-          </p:nvSpPr>
-          <p:spPr>
-            <a:xfrm>
-              <a:off x="2850386" y="5356391"/>
-              <a:ext cx="383458" cy="369332"/>
-            </a:xfrm>
-            <a:prstGeom prst="rect">
-              <a:avLst/>
-            </a:prstGeom>
-            <a:noFill/>
-          </p:spPr>
-          <p:txBody>
-            <a:bodyPr wrap="square" rtlCol="0">
-              <a:spAutoFit/>
-            </a:bodyPr>
-            <a:lstStyle/>
-            <a:p>
-              <a:r>
-                <a:rPr lang="en-US" dirty="0">
-                  <a:ln>
-                    <a:solidFill>
-                      <a:srgbClr val="FF0000"/>
-                    </a:solidFill>
-                  </a:ln>
-                  <a:solidFill>
-                    <a:srgbClr val="FF0000"/>
-                  </a:solidFill>
-                  <a:sym typeface="Wingdings" panose="05000000000000000000" pitchFamily="2" charset="2"/>
-                </a:rPr>
-                <a:t></a:t>
-              </a:r>
-              <a:endParaRPr lang="en-US" dirty="0">
-                <a:ln>
-                  <a:solidFill>
-                    <a:srgbClr val="FF0000"/>
-                  </a:solidFill>
-                </a:ln>
-                <a:solidFill>
-                  <a:srgbClr val="FF0000"/>
-                </a:solidFill>
-              </a:endParaRPr>
-            </a:p>
-          </p:txBody>
-        </p:sp>
-        <p:cxnSp>
-          <p:nvCxnSpPr>
-            <p:cNvPr id="38" name="Straight Arrow Connector 37">
-              <a:extLst>
-                <a:ext uri="{FF2B5EF4-FFF2-40B4-BE49-F238E27FC236}">
-                  <a16:creationId xmlns:a16="http://schemas.microsoft.com/office/drawing/2014/main" id="{5D9EC164-F4BA-D05E-740D-DD180BA77875}"/>
                 </a:ext>
               </a:extLst>
             </p:cNvPr>
@@ -13559,6 +14400,380 @@
           </p:style>
         </p:cxnSp>
       </p:grpSp>
+      <p:sp>
+        <p:nvSpPr>
+          <p:cNvPr id="3" name="Rectangle 2">
+            <a:extLst>
+              <a:ext uri="{FF2B5EF4-FFF2-40B4-BE49-F238E27FC236}">
+                <a16:creationId xmlns:a16="http://schemas.microsoft.com/office/drawing/2014/main" id="{88C67D06-F971-E939-E06E-215ACE06D0EA}"/>
+              </a:ext>
+            </a:extLst>
+          </p:cNvPr>
+          <p:cNvSpPr/>
+          <p:nvPr/>
+        </p:nvSpPr>
+        <p:spPr>
+          <a:xfrm>
+            <a:off x="2391047" y="2645764"/>
+            <a:ext cx="4361905" cy="1371600"/>
+          </a:xfrm>
+          <a:prstGeom prst="rect">
+            <a:avLst/>
+          </a:prstGeom>
+          <a:noFill/>
+          <a:ln w="28575">
+            <a:solidFill>
+              <a:srgbClr val="00B050"/>
+            </a:solidFill>
+          </a:ln>
+        </p:spPr>
+        <p:style>
+          <a:lnRef idx="2">
+            <a:schemeClr val="accent1">
+              <a:shade val="15000"/>
+            </a:schemeClr>
+          </a:lnRef>
+          <a:fillRef idx="1">
+            <a:schemeClr val="accent1"/>
+          </a:fillRef>
+          <a:effectRef idx="0">
+            <a:schemeClr val="accent1"/>
+          </a:effectRef>
+          <a:fontRef idx="minor">
+            <a:schemeClr val="lt1"/>
+          </a:fontRef>
+        </p:style>
+        <p:txBody>
+          <a:bodyPr rtlCol="0" anchor="ctr"/>
+          <a:lstStyle/>
+          <a:p>
+            <a:pPr algn="ctr"/>
+            <a:endParaRPr lang="en-US"/>
+          </a:p>
+        </p:txBody>
+      </p:sp>
+      <p:sp>
+        <p:nvSpPr>
+          <p:cNvPr id="7" name="Rectangle 6">
+            <a:extLst>
+              <a:ext uri="{FF2B5EF4-FFF2-40B4-BE49-F238E27FC236}">
+                <a16:creationId xmlns:a16="http://schemas.microsoft.com/office/drawing/2014/main" id="{F6A3B357-B4B5-5646-E628-0950A8CE028D}"/>
+              </a:ext>
+            </a:extLst>
+          </p:cNvPr>
+          <p:cNvSpPr/>
+          <p:nvPr/>
+        </p:nvSpPr>
+        <p:spPr>
+          <a:xfrm>
+            <a:off x="3205163" y="5143500"/>
+            <a:ext cx="152400" cy="209499"/>
+          </a:xfrm>
+          <a:prstGeom prst="rect">
+            <a:avLst/>
+          </a:prstGeom>
+          <a:noFill/>
+          <a:ln w="19050">
+            <a:solidFill>
+              <a:srgbClr val="FF0000"/>
+            </a:solidFill>
+          </a:ln>
+        </p:spPr>
+        <p:style>
+          <a:lnRef idx="2">
+            <a:schemeClr val="accent1">
+              <a:shade val="15000"/>
+            </a:schemeClr>
+          </a:lnRef>
+          <a:fillRef idx="1">
+            <a:schemeClr val="accent1"/>
+          </a:fillRef>
+          <a:effectRef idx="0">
+            <a:schemeClr val="accent1"/>
+          </a:effectRef>
+          <a:fontRef idx="minor">
+            <a:schemeClr val="lt1"/>
+          </a:fontRef>
+        </p:style>
+        <p:txBody>
+          <a:bodyPr rtlCol="0" anchor="ctr"/>
+          <a:lstStyle/>
+          <a:p>
+            <a:pPr algn="ctr"/>
+            <a:endParaRPr lang="en-US"/>
+          </a:p>
+        </p:txBody>
+      </p:sp>
+      <p:sp>
+        <p:nvSpPr>
+          <p:cNvPr id="8" name="TextBox 7">
+            <a:extLst>
+              <a:ext uri="{FF2B5EF4-FFF2-40B4-BE49-F238E27FC236}">
+                <a16:creationId xmlns:a16="http://schemas.microsoft.com/office/drawing/2014/main" id="{7B6200BE-A235-BB82-71A6-BB99D11C364D}"/>
+              </a:ext>
+            </a:extLst>
+          </p:cNvPr>
+          <p:cNvSpPr txBox="1"/>
+          <p:nvPr/>
+        </p:nvSpPr>
+        <p:spPr>
+          <a:xfrm>
+            <a:off x="248515" y="4543531"/>
+            <a:ext cx="1812260" cy="1754326"/>
+          </a:xfrm>
+          <a:prstGeom prst="rect">
+            <a:avLst/>
+          </a:prstGeom>
+          <a:noFill/>
+        </p:spPr>
+        <p:txBody>
+          <a:bodyPr wrap="square" rtlCol="0">
+            <a:spAutoFit/>
+          </a:bodyPr>
+          <a:lstStyle/>
+          <a:p>
+            <a:pPr algn="ctr"/>
+            <a:r>
+              <a:rPr lang="en-US" dirty="0"/>
+              <a:t>The </a:t>
+            </a:r>
+            <a:r>
+              <a:rPr lang="en-US" b="1" dirty="0"/>
+              <a:t>underscore</a:t>
+            </a:r>
+            <a:r>
+              <a:rPr lang="en-US" dirty="0"/>
+              <a:t> </a:t>
+            </a:r>
+            <a:r>
+              <a:rPr lang="en-US" b="1" dirty="0"/>
+              <a:t>_</a:t>
+            </a:r>
+            <a:r>
+              <a:rPr lang="en-US" dirty="0"/>
+              <a:t> symbol is the anonymous</a:t>
+            </a:r>
+          </a:p>
+          <a:p>
+            <a:pPr algn="ctr"/>
+            <a:r>
+              <a:rPr lang="en-US" dirty="0"/>
+              <a:t>("I don't care") variable placeholder</a:t>
+            </a:r>
+          </a:p>
+        </p:txBody>
+      </p:sp>
+      <p:sp>
+        <p:nvSpPr>
+          <p:cNvPr id="10" name="TextBox 9">
+            <a:extLst>
+              <a:ext uri="{FF2B5EF4-FFF2-40B4-BE49-F238E27FC236}">
+                <a16:creationId xmlns:a16="http://schemas.microsoft.com/office/drawing/2014/main" id="{D9DF4830-6E0B-1DB5-5E6A-4030FA9AADB9}"/>
+              </a:ext>
+            </a:extLst>
+          </p:cNvPr>
+          <p:cNvSpPr txBox="1"/>
+          <p:nvPr/>
+        </p:nvSpPr>
+        <p:spPr>
+          <a:xfrm>
+            <a:off x="6903815" y="2357175"/>
+            <a:ext cx="1903141" cy="923330"/>
+          </a:xfrm>
+          <a:prstGeom prst="rect">
+            <a:avLst/>
+          </a:prstGeom>
+          <a:noFill/>
+        </p:spPr>
+        <p:txBody>
+          <a:bodyPr wrap="square" rtlCol="0">
+            <a:spAutoFit/>
+          </a:bodyPr>
+          <a:lstStyle/>
+          <a:p>
+            <a:pPr algn="ctr"/>
+            <a:r>
+              <a:rPr lang="en-US" dirty="0"/>
+              <a:t>np.random.rand()</a:t>
+            </a:r>
+          </a:p>
+          <a:p>
+            <a:pPr algn="ctr"/>
+            <a:r>
+              <a:rPr lang="en-US" dirty="0"/>
+              <a:t>returns a random number </a:t>
+            </a:r>
+            <a:r>
+              <a:rPr lang="en-US" b="1" dirty="0"/>
+              <a:t>[0,1)</a:t>
+            </a:r>
+          </a:p>
+        </p:txBody>
+      </p:sp>
+      <p:grpSp>
+        <p:nvGrpSpPr>
+          <p:cNvPr id="36" name="Group 35">
+            <a:extLst>
+              <a:ext uri="{FF2B5EF4-FFF2-40B4-BE49-F238E27FC236}">
+                <a16:creationId xmlns:a16="http://schemas.microsoft.com/office/drawing/2014/main" id="{B5B07598-9829-8486-6D83-3C6CBE5D1EAB}"/>
+              </a:ext>
+            </a:extLst>
+          </p:cNvPr>
+          <p:cNvGrpSpPr/>
+          <p:nvPr/>
+        </p:nvGrpSpPr>
+        <p:grpSpPr>
+          <a:xfrm>
+            <a:off x="6648136" y="3340649"/>
+            <a:ext cx="1076632" cy="369332"/>
+            <a:chOff x="2157212" y="5356391"/>
+            <a:chExt cx="1076632" cy="369332"/>
+          </a:xfrm>
+        </p:grpSpPr>
+        <p:sp>
+          <p:nvSpPr>
+            <p:cNvPr id="37" name="TextBox 36">
+              <a:extLst>
+                <a:ext uri="{FF2B5EF4-FFF2-40B4-BE49-F238E27FC236}">
+                  <a16:creationId xmlns:a16="http://schemas.microsoft.com/office/drawing/2014/main" id="{5B27385B-F427-3501-FA20-DA78B3A67551}"/>
+                </a:ext>
+              </a:extLst>
+            </p:cNvPr>
+            <p:cNvSpPr txBox="1"/>
+            <p:nvPr/>
+          </p:nvSpPr>
+          <p:spPr>
+            <a:xfrm>
+              <a:off x="2850386" y="5356391"/>
+              <a:ext cx="383458" cy="369332"/>
+            </a:xfrm>
+            <a:prstGeom prst="rect">
+              <a:avLst/>
+            </a:prstGeom>
+            <a:noFill/>
+          </p:spPr>
+          <p:txBody>
+            <a:bodyPr wrap="square" rtlCol="0">
+              <a:spAutoFit/>
+            </a:bodyPr>
+            <a:lstStyle/>
+            <a:p>
+              <a:r>
+                <a:rPr lang="en-US" dirty="0">
+                  <a:ln>
+                    <a:solidFill>
+                      <a:srgbClr val="FF0000"/>
+                    </a:solidFill>
+                  </a:ln>
+                  <a:solidFill>
+                    <a:srgbClr val="FF0000"/>
+                  </a:solidFill>
+                  <a:sym typeface="Wingdings" panose="05000000000000000000" pitchFamily="2" charset="2"/>
+                </a:rPr>
+                <a:t></a:t>
+              </a:r>
+              <a:endParaRPr lang="en-US" dirty="0">
+                <a:ln>
+                  <a:solidFill>
+                    <a:srgbClr val="FF0000"/>
+                  </a:solidFill>
+                </a:ln>
+                <a:solidFill>
+                  <a:srgbClr val="FF0000"/>
+                </a:solidFill>
+              </a:endParaRPr>
+            </a:p>
+          </p:txBody>
+        </p:sp>
+        <p:cxnSp>
+          <p:nvCxnSpPr>
+            <p:cNvPr id="38" name="Straight Arrow Connector 37">
+              <a:extLst>
+                <a:ext uri="{FF2B5EF4-FFF2-40B4-BE49-F238E27FC236}">
+                  <a16:creationId xmlns:a16="http://schemas.microsoft.com/office/drawing/2014/main" id="{5D9EC164-F4BA-D05E-740D-DD180BA77875}"/>
+                </a:ext>
+              </a:extLst>
+            </p:cNvPr>
+            <p:cNvCxnSpPr>
+              <a:cxnSpLocks/>
+            </p:cNvCxnSpPr>
+            <p:nvPr/>
+          </p:nvCxnSpPr>
+          <p:spPr>
+            <a:xfrm flipH="1">
+              <a:off x="2157212" y="5545146"/>
+              <a:ext cx="693174" cy="0"/>
+            </a:xfrm>
+            <a:prstGeom prst="straightConnector1">
+              <a:avLst/>
+            </a:prstGeom>
+            <a:ln w="38100">
+              <a:solidFill>
+                <a:srgbClr val="FF0000"/>
+              </a:solidFill>
+              <a:tailEnd type="triangle"/>
+            </a:ln>
+          </p:spPr>
+          <p:style>
+            <a:lnRef idx="1">
+              <a:schemeClr val="accent1"/>
+            </a:lnRef>
+            <a:fillRef idx="0">
+              <a:schemeClr val="accent1"/>
+            </a:fillRef>
+            <a:effectRef idx="0">
+              <a:schemeClr val="accent1"/>
+            </a:effectRef>
+            <a:fontRef idx="minor">
+              <a:schemeClr val="tx1"/>
+            </a:fontRef>
+          </p:style>
+        </p:cxnSp>
+      </p:grpSp>
+      <p:sp>
+        <p:nvSpPr>
+          <p:cNvPr id="11" name="TextBox 10">
+            <a:extLst>
+              <a:ext uri="{FF2B5EF4-FFF2-40B4-BE49-F238E27FC236}">
+                <a16:creationId xmlns:a16="http://schemas.microsoft.com/office/drawing/2014/main" id="{0381E07D-6155-3B66-B3B0-25CE229DDBE0}"/>
+              </a:ext>
+            </a:extLst>
+          </p:cNvPr>
+          <p:cNvSpPr txBox="1"/>
+          <p:nvPr/>
+        </p:nvSpPr>
+        <p:spPr>
+          <a:xfrm>
+            <a:off x="6948189" y="3738347"/>
+            <a:ext cx="1903141" cy="646331"/>
+          </a:xfrm>
+          <a:prstGeom prst="rect">
+            <a:avLst/>
+          </a:prstGeom>
+          <a:noFill/>
+        </p:spPr>
+        <p:txBody>
+          <a:bodyPr wrap="square" rtlCol="0">
+            <a:spAutoFit/>
+          </a:bodyPr>
+          <a:lstStyle/>
+          <a:p>
+            <a:pPr algn="ctr"/>
+            <a:r>
+              <a:rPr lang="en-US" b="1" dirty="0"/>
+              <a:t>x += 1 </a:t>
+            </a:r>
+            <a:r>
+              <a:rPr lang="en-US" dirty="0"/>
+              <a:t>is the same as </a:t>
+            </a:r>
+            <a:r>
+              <a:rPr lang="en-US" b="1" dirty="0"/>
+              <a:t>x = x + 1</a:t>
+            </a:r>
+          </a:p>
+        </p:txBody>
+      </p:sp>
     </p:spTree>
     <p:extLst>
       <p:ext uri="{BB962C8B-B14F-4D97-AF65-F5344CB8AC3E}">
@@ -13606,7 +14821,7 @@
                                           </p:stCondLst>
                                         </p:cTn>
                                         <p:tgtEl>
-                                          <p:spTgt spid="9"/>
+                                          <p:spTgt spid="6"/>
                                         </p:tgtEl>
                                         <p:attrNameLst>
                                           <p:attrName>style.visibility</p:attrName>
@@ -13620,7 +14835,7 @@
                                       <p:cBhvr>
                                         <p:cTn id="7" dur="500"/>
                                         <p:tgtEl>
-                                          <p:spTgt spid="9"/>
+                                          <p:spTgt spid="6"/>
                                         </p:tgtEl>
                                       </p:cBhvr>
                                     </p:animEffect>
@@ -13727,30 +14942,156 @@
                             </p:childTnLst>
                           </p:cTn>
                         </p:par>
-                      </p:childTnLst>
-                    </p:cTn>
-                  </p:par>
-                  <p:par>
-                    <p:cTn id="17" fill="hold">
-                      <p:stCondLst>
-                        <p:cond delay="indefinite"/>
-                      </p:stCondLst>
-                      <p:childTnLst>
                         <p:par>
-                          <p:cTn id="18" fill="hold">
+                          <p:cTn id="17" fill="hold">
                             <p:stCondLst>
-                              <p:cond delay="0"/>
+                              <p:cond delay="500"/>
                             </p:stCondLst>
                             <p:childTnLst>
                               <p:par>
-                                <p:cTn id="19" presetID="22" presetClass="entr" presetSubtype="2" fill="hold" nodeType="clickEffect">
+                                <p:cTn id="18" presetID="16" presetClass="entr" presetSubtype="21" fill="hold" grpId="0" nodeType="afterEffect">
                                   <p:stCondLst>
                                     <p:cond delay="0"/>
                                   </p:stCondLst>
                                   <p:childTnLst>
                                     <p:set>
                                       <p:cBhvr>
-                                        <p:cTn id="20" dur="1" fill="hold">
+                                        <p:cTn id="19" dur="1" fill="hold">
+                                          <p:stCondLst>
+                                            <p:cond delay="0"/>
+                                          </p:stCondLst>
+                                        </p:cTn>
+                                        <p:tgtEl>
+                                          <p:spTgt spid="7"/>
+                                        </p:tgtEl>
+                                        <p:attrNameLst>
+                                          <p:attrName>style.visibility</p:attrName>
+                                        </p:attrNameLst>
+                                      </p:cBhvr>
+                                      <p:to>
+                                        <p:strVal val="visible"/>
+                                      </p:to>
+                                    </p:set>
+                                    <p:animEffect transition="in" filter="barn(inVertical)">
+                                      <p:cBhvr>
+                                        <p:cTn id="20" dur="500"/>
+                                        <p:tgtEl>
+                                          <p:spTgt spid="7"/>
+                                        </p:tgtEl>
+                                      </p:cBhvr>
+                                    </p:animEffect>
+                                  </p:childTnLst>
+                                </p:cTn>
+                              </p:par>
+                            </p:childTnLst>
+                          </p:cTn>
+                        </p:par>
+                        <p:par>
+                          <p:cTn id="21" fill="hold">
+                            <p:stCondLst>
+                              <p:cond delay="1000"/>
+                            </p:stCondLst>
+                            <p:childTnLst>
+                              <p:par>
+                                <p:cTn id="22" presetID="2" presetClass="entr" presetSubtype="8" fill="hold" grpId="0" nodeType="afterEffect">
+                                  <p:stCondLst>
+                                    <p:cond delay="0"/>
+                                  </p:stCondLst>
+                                  <p:childTnLst>
+                                    <p:set>
+                                      <p:cBhvr>
+                                        <p:cTn id="23" dur="1" fill="hold">
+                                          <p:stCondLst>
+                                            <p:cond delay="0"/>
+                                          </p:stCondLst>
+                                        </p:cTn>
+                                        <p:tgtEl>
+                                          <p:spTgt spid="8"/>
+                                        </p:tgtEl>
+                                        <p:attrNameLst>
+                                          <p:attrName>style.visibility</p:attrName>
+                                        </p:attrNameLst>
+                                      </p:cBhvr>
+                                      <p:to>
+                                        <p:strVal val="visible"/>
+                                      </p:to>
+                                    </p:set>
+                                    <p:anim calcmode="lin" valueType="num">
+                                      <p:cBhvr additive="base">
+                                        <p:cTn id="24" dur="500" fill="hold"/>
+                                        <p:tgtEl>
+                                          <p:spTgt spid="8"/>
+                                        </p:tgtEl>
+                                        <p:attrNameLst>
+                                          <p:attrName>ppt_x</p:attrName>
+                                        </p:attrNameLst>
+                                      </p:cBhvr>
+                                      <p:tavLst>
+                                        <p:tav tm="0">
+                                          <p:val>
+                                            <p:strVal val="0-#ppt_w/2"/>
+                                          </p:val>
+                                        </p:tav>
+                                        <p:tav tm="100000">
+                                          <p:val>
+                                            <p:strVal val="#ppt_x"/>
+                                          </p:val>
+                                        </p:tav>
+                                      </p:tavLst>
+                                    </p:anim>
+                                    <p:anim calcmode="lin" valueType="num">
+                                      <p:cBhvr additive="base">
+                                        <p:cTn id="25" dur="500" fill="hold"/>
+                                        <p:tgtEl>
+                                          <p:spTgt spid="8"/>
+                                        </p:tgtEl>
+                                        <p:attrNameLst>
+                                          <p:attrName>ppt_y</p:attrName>
+                                        </p:attrNameLst>
+                                      </p:cBhvr>
+                                      <p:tavLst>
+                                        <p:tav tm="0">
+                                          <p:val>
+                                            <p:strVal val="#ppt_y"/>
+                                          </p:val>
+                                        </p:tav>
+                                        <p:tav tm="100000">
+                                          <p:val>
+                                            <p:strVal val="#ppt_y"/>
+                                          </p:val>
+                                        </p:tav>
+                                      </p:tavLst>
+                                    </p:anim>
+                                  </p:childTnLst>
+                                </p:cTn>
+                              </p:par>
+                            </p:childTnLst>
+                          </p:cTn>
+                        </p:par>
+                      </p:childTnLst>
+                    </p:cTn>
+                  </p:par>
+                  <p:par>
+                    <p:cTn id="26" fill="hold">
+                      <p:stCondLst>
+                        <p:cond delay="indefinite"/>
+                      </p:stCondLst>
+                      <p:childTnLst>
+                        <p:par>
+                          <p:cTn id="27" fill="hold">
+                            <p:stCondLst>
+                              <p:cond delay="0"/>
+                            </p:stCondLst>
+                            <p:childTnLst>
+                              <p:par>
+                                <p:cTn id="28" presetID="22" presetClass="entr" presetSubtype="2" fill="hold" nodeType="clickEffect">
+                                  <p:stCondLst>
+                                    <p:cond delay="0"/>
+                                  </p:stCondLst>
+                                  <p:childTnLst>
+                                    <p:set>
+                                      <p:cBhvr>
+                                        <p:cTn id="29" dur="1" fill="hold">
                                           <p:stCondLst>
                                             <p:cond delay="0"/>
                                           </p:stCondLst>
@@ -13768,7 +15109,7 @@
                                     </p:set>
                                     <p:animEffect transition="in" filter="wipe(right)">
                                       <p:cBhvr>
-                                        <p:cTn id="21" dur="500"/>
+                                        <p:cTn id="30" dur="500"/>
                                         <p:tgtEl>
                                           <p:spTgt spid="24"/>
                                         </p:tgtEl>
@@ -13784,26 +15125,79 @@
                     </p:cTn>
                   </p:par>
                   <p:par>
-                    <p:cTn id="22" fill="hold">
+                    <p:cTn id="31" fill="hold">
                       <p:stCondLst>
                         <p:cond delay="indefinite"/>
                       </p:stCondLst>
                       <p:childTnLst>
                         <p:par>
-                          <p:cTn id="23" fill="hold">
+                          <p:cTn id="32" fill="hold">
                             <p:stCondLst>
                               <p:cond delay="0"/>
                             </p:stCondLst>
                             <p:childTnLst>
                               <p:par>
-                                <p:cTn id="24" presetID="22" presetClass="entr" presetSubtype="2" fill="hold" nodeType="clickEffect">
+                                <p:cTn id="33" presetID="16" presetClass="entr" presetSubtype="21" fill="hold" grpId="0" nodeType="clickEffect">
                                   <p:stCondLst>
                                     <p:cond delay="0"/>
                                   </p:stCondLst>
                                   <p:childTnLst>
                                     <p:set>
                                       <p:cBhvr>
-                                        <p:cTn id="25" dur="1" fill="hold">
+                                        <p:cTn id="34" dur="1" fill="hold">
+                                          <p:stCondLst>
+                                            <p:cond delay="0"/>
+                                          </p:stCondLst>
+                                        </p:cTn>
+                                        <p:tgtEl>
+                                          <p:spTgt spid="3"/>
+                                        </p:tgtEl>
+                                        <p:attrNameLst>
+                                          <p:attrName>style.visibility</p:attrName>
+                                        </p:attrNameLst>
+                                      </p:cBhvr>
+                                      <p:to>
+                                        <p:strVal val="visible"/>
+                                      </p:to>
+                                    </p:set>
+                                    <p:animEffect transition="in" filter="barn(inVertical)">
+                                      <p:cBhvr>
+                                        <p:cTn id="35" dur="500"/>
+                                        <p:tgtEl>
+                                          <p:spTgt spid="3"/>
+                                        </p:tgtEl>
+                                      </p:cBhvr>
+                                    </p:animEffect>
+                                  </p:childTnLst>
+                                </p:cTn>
+                              </p:par>
+                            </p:childTnLst>
+                          </p:cTn>
+                        </p:par>
+                      </p:childTnLst>
+                    </p:cTn>
+                  </p:par>
+                  <p:par>
+                    <p:cTn id="36" fill="hold">
+                      <p:stCondLst>
+                        <p:cond delay="indefinite"/>
+                      </p:stCondLst>
+                      <p:childTnLst>
+                        <p:par>
+                          <p:cTn id="37" fill="hold">
+                            <p:stCondLst>
+                              <p:cond delay="0"/>
+                            </p:stCondLst>
+                            <p:childTnLst>
+                              <p:par>
+                                <p:cTn id="38" presetID="22" presetClass="entr" presetSubtype="2" fill="hold" nodeType="clickEffect">
+                                  <p:stCondLst>
+                                    <p:cond delay="0"/>
+                                  </p:stCondLst>
+                                  <p:childTnLst>
+                                    <p:set>
+                                      <p:cBhvr>
+                                        <p:cTn id="39" dur="1" fill="hold">
                                           <p:stCondLst>
                                             <p:cond delay="0"/>
                                           </p:stCondLst>
@@ -13821,7 +15215,7 @@
                                     </p:set>
                                     <p:animEffect transition="in" filter="wipe(right)">
                                       <p:cBhvr>
-                                        <p:cTn id="26" dur="500"/>
+                                        <p:cTn id="40" dur="500"/>
                                         <p:tgtEl>
                                           <p:spTgt spid="27"/>
                                         </p:tgtEl>
@@ -13837,26 +15231,26 @@
                     </p:cTn>
                   </p:par>
                   <p:par>
-                    <p:cTn id="27" fill="hold">
+                    <p:cTn id="41" fill="hold">
                       <p:stCondLst>
                         <p:cond delay="indefinite"/>
                       </p:stCondLst>
                       <p:childTnLst>
                         <p:par>
-                          <p:cTn id="28" fill="hold">
+                          <p:cTn id="42" fill="hold">
                             <p:stCondLst>
                               <p:cond delay="0"/>
                             </p:stCondLst>
                             <p:childTnLst>
                               <p:par>
-                                <p:cTn id="29" presetID="22" presetClass="entr" presetSubtype="2" fill="hold" nodeType="clickEffect">
+                                <p:cTn id="43" presetID="22" presetClass="entr" presetSubtype="2" fill="hold" nodeType="clickEffect">
                                   <p:stCondLst>
                                     <p:cond delay="0"/>
                                   </p:stCondLst>
                                   <p:childTnLst>
                                     <p:set>
                                       <p:cBhvr>
-                                        <p:cTn id="30" dur="1" fill="hold">
+                                        <p:cTn id="44" dur="1" fill="hold">
                                           <p:stCondLst>
                                             <p:cond delay="0"/>
                                           </p:stCondLst>
@@ -13874,7 +15268,7 @@
                                     </p:set>
                                     <p:animEffect transition="in" filter="wipe(right)">
                                       <p:cBhvr>
-                                        <p:cTn id="31" dur="500"/>
+                                        <p:cTn id="45" dur="500"/>
                                         <p:tgtEl>
                                           <p:spTgt spid="30"/>
                                         </p:tgtEl>
@@ -13890,26 +15284,26 @@
                     </p:cTn>
                   </p:par>
                   <p:par>
-                    <p:cTn id="32" fill="hold">
+                    <p:cTn id="46" fill="hold">
                       <p:stCondLst>
                         <p:cond delay="indefinite"/>
                       </p:stCondLst>
                       <p:childTnLst>
                         <p:par>
-                          <p:cTn id="33" fill="hold">
+                          <p:cTn id="47" fill="hold">
                             <p:stCondLst>
                               <p:cond delay="0"/>
                             </p:stCondLst>
                             <p:childTnLst>
                               <p:par>
-                                <p:cTn id="34" presetID="22" presetClass="entr" presetSubtype="2" fill="hold" nodeType="clickEffect">
+                                <p:cTn id="48" presetID="22" presetClass="entr" presetSubtype="2" fill="hold" nodeType="clickEffect">
                                   <p:stCondLst>
                                     <p:cond delay="0"/>
                                   </p:stCondLst>
                                   <p:childTnLst>
                                     <p:set>
                                       <p:cBhvr>
-                                        <p:cTn id="35" dur="1" fill="hold">
+                                        <p:cTn id="49" dur="1" fill="hold">
                                           <p:stCondLst>
                                             <p:cond delay="0"/>
                                           </p:stCondLst>
@@ -13927,7 +15321,7 @@
                                     </p:set>
                                     <p:animEffect transition="in" filter="wipe(right)">
                                       <p:cBhvr>
-                                        <p:cTn id="36" dur="500"/>
+                                        <p:cTn id="50" dur="500"/>
                                         <p:tgtEl>
                                           <p:spTgt spid="33"/>
                                         </p:tgtEl>
@@ -13943,26 +15337,26 @@
                     </p:cTn>
                   </p:par>
                   <p:par>
-                    <p:cTn id="37" fill="hold">
+                    <p:cTn id="51" fill="hold">
                       <p:stCondLst>
                         <p:cond delay="indefinite"/>
                       </p:stCondLst>
                       <p:childTnLst>
                         <p:par>
-                          <p:cTn id="38" fill="hold">
+                          <p:cTn id="52" fill="hold">
                             <p:stCondLst>
                               <p:cond delay="0"/>
                             </p:stCondLst>
                             <p:childTnLst>
                               <p:par>
-                                <p:cTn id="39" presetID="22" presetClass="entr" presetSubtype="2" fill="hold" nodeType="clickEffect">
+                                <p:cTn id="53" presetID="22" presetClass="entr" presetSubtype="2" fill="hold" nodeType="clickEffect">
                                   <p:stCondLst>
                                     <p:cond delay="0"/>
                                   </p:stCondLst>
                                   <p:childTnLst>
                                     <p:set>
                                       <p:cBhvr>
-                                        <p:cTn id="40" dur="1" fill="hold">
+                                        <p:cTn id="54" dur="1" fill="hold">
                                           <p:stCondLst>
                                             <p:cond delay="0"/>
                                           </p:stCondLst>
@@ -13980,7 +15374,7 @@
                                     </p:set>
                                     <p:animEffect transition="in" filter="wipe(right)">
                                       <p:cBhvr>
-                                        <p:cTn id="41" dur="500"/>
+                                        <p:cTn id="55" dur="500"/>
                                         <p:tgtEl>
                                           <p:spTgt spid="36"/>
                                         </p:tgtEl>
@@ -13992,30 +15386,112 @@
                             </p:childTnLst>
                           </p:cTn>
                         </p:par>
-                      </p:childTnLst>
-                    </p:cTn>
-                  </p:par>
-                  <p:par>
-                    <p:cTn id="42" fill="hold">
-                      <p:stCondLst>
-                        <p:cond delay="indefinite"/>
-                      </p:stCondLst>
-                      <p:childTnLst>
                         <p:par>
-                          <p:cTn id="43" fill="hold">
+                          <p:cTn id="56" fill="hold">
                             <p:stCondLst>
-                              <p:cond delay="0"/>
+                              <p:cond delay="500"/>
                             </p:stCondLst>
                             <p:childTnLst>
                               <p:par>
-                                <p:cTn id="44" presetID="22" presetClass="entr" presetSubtype="2" fill="hold" nodeType="clickEffect">
+                                <p:cTn id="57" presetID="2" presetClass="entr" presetSubtype="2" fill="hold" grpId="0" nodeType="afterEffect">
                                   <p:stCondLst>
                                     <p:cond delay="0"/>
                                   </p:stCondLst>
                                   <p:childTnLst>
                                     <p:set>
                                       <p:cBhvr>
-                                        <p:cTn id="45" dur="1" fill="hold">
+                                        <p:cTn id="58" dur="1" fill="hold">
+                                          <p:stCondLst>
+                                            <p:cond delay="0"/>
+                                          </p:stCondLst>
+                                        </p:cTn>
+                                        <p:tgtEl>
+                                          <p:spTgt spid="10"/>
+                                        </p:tgtEl>
+                                        <p:attrNameLst>
+                                          <p:attrName>style.visibility</p:attrName>
+                                        </p:attrNameLst>
+                                      </p:cBhvr>
+                                      <p:to>
+                                        <p:strVal val="visible"/>
+                                      </p:to>
+                                    </p:set>
+                                    <p:anim calcmode="lin" valueType="num">
+                                      <p:cBhvr additive="base">
+                                        <p:cTn id="59" dur="500" fill="hold"/>
+                                        <p:tgtEl>
+                                          <p:spTgt spid="10"/>
+                                        </p:tgtEl>
+                                        <p:attrNameLst>
+                                          <p:attrName>ppt_x</p:attrName>
+                                        </p:attrNameLst>
+                                      </p:cBhvr>
+                                      <p:tavLst>
+                                        <p:tav tm="0">
+                                          <p:val>
+                                            <p:strVal val="1+#ppt_w/2"/>
+                                          </p:val>
+                                        </p:tav>
+                                        <p:tav tm="100000">
+                                          <p:val>
+                                            <p:strVal val="#ppt_x"/>
+                                          </p:val>
+                                        </p:tav>
+                                      </p:tavLst>
+                                    </p:anim>
+                                    <p:anim calcmode="lin" valueType="num">
+                                      <p:cBhvr additive="base">
+                                        <p:cTn id="60" dur="500" fill="hold"/>
+                                        <p:tgtEl>
+                                          <p:spTgt spid="10"/>
+                                        </p:tgtEl>
+                                        <p:attrNameLst>
+                                          <p:attrName>ppt_y</p:attrName>
+                                        </p:attrNameLst>
+                                      </p:cBhvr>
+                                      <p:tavLst>
+                                        <p:tav tm="0">
+                                          <p:val>
+                                            <p:strVal val="#ppt_y"/>
+                                          </p:val>
+                                        </p:tav>
+                                        <p:tav tm="100000">
+                                          <p:val>
+                                            <p:strVal val="#ppt_y"/>
+                                          </p:val>
+                                        </p:tav>
+                                      </p:tavLst>
+                                    </p:anim>
+                                  </p:childTnLst>
+                                </p:cTn>
+                              </p:par>
+                            </p:childTnLst>
+                          </p:cTn>
+                        </p:par>
+                      </p:childTnLst>
+                    </p:cTn>
+                  </p:par>
+                  <p:par>
+                    <p:cTn id="61" fill="hold">
+                      <p:stCondLst>
+                        <p:cond delay="indefinite"/>
+                      </p:stCondLst>
+                      <p:childTnLst>
+                        <p:par>
+                          <p:cTn id="62" fill="hold">
+                            <p:stCondLst>
+                              <p:cond delay="0"/>
+                            </p:stCondLst>
+                            <p:childTnLst>
+                              <p:par>
+                                <p:cTn id="63" presetID="22" presetClass="entr" presetSubtype="2" fill="hold" nodeType="clickEffect">
+                                  <p:stCondLst>
+                                    <p:cond delay="0"/>
+                                  </p:stCondLst>
+                                  <p:childTnLst>
+                                    <p:set>
+                                      <p:cBhvr>
+                                        <p:cTn id="64" dur="1" fill="hold">
                                           <p:stCondLst>
                                             <p:cond delay="0"/>
                                           </p:stCondLst>
@@ -14033,7 +15509,7 @@
                                     </p:set>
                                     <p:animEffect transition="in" filter="wipe(right)">
                                       <p:cBhvr>
-                                        <p:cTn id="46" dur="500"/>
+                                        <p:cTn id="65" dur="500"/>
                                         <p:tgtEl>
                                           <p:spTgt spid="39"/>
                                         </p:tgtEl>
@@ -14045,30 +15521,112 @@
                             </p:childTnLst>
                           </p:cTn>
                         </p:par>
-                      </p:childTnLst>
-                    </p:cTn>
-                  </p:par>
-                  <p:par>
-                    <p:cTn id="47" fill="hold">
-                      <p:stCondLst>
-                        <p:cond delay="indefinite"/>
-                      </p:stCondLst>
-                      <p:childTnLst>
                         <p:par>
-                          <p:cTn id="48" fill="hold">
+                          <p:cTn id="66" fill="hold">
                             <p:stCondLst>
-                              <p:cond delay="0"/>
+                              <p:cond delay="500"/>
                             </p:stCondLst>
                             <p:childTnLst>
                               <p:par>
-                                <p:cTn id="49" presetID="22" presetClass="entr" presetSubtype="2" fill="hold" nodeType="clickEffect">
+                                <p:cTn id="67" presetID="2" presetClass="entr" presetSubtype="2" fill="hold" grpId="0" nodeType="afterEffect">
                                   <p:stCondLst>
                                     <p:cond delay="0"/>
                                   </p:stCondLst>
                                   <p:childTnLst>
                                     <p:set>
                                       <p:cBhvr>
-                                        <p:cTn id="50" dur="1" fill="hold">
+                                        <p:cTn id="68" dur="1" fill="hold">
+                                          <p:stCondLst>
+                                            <p:cond delay="0"/>
+                                          </p:stCondLst>
+                                        </p:cTn>
+                                        <p:tgtEl>
+                                          <p:spTgt spid="11"/>
+                                        </p:tgtEl>
+                                        <p:attrNameLst>
+                                          <p:attrName>style.visibility</p:attrName>
+                                        </p:attrNameLst>
+                                      </p:cBhvr>
+                                      <p:to>
+                                        <p:strVal val="visible"/>
+                                      </p:to>
+                                    </p:set>
+                                    <p:anim calcmode="lin" valueType="num">
+                                      <p:cBhvr additive="base">
+                                        <p:cTn id="69" dur="500" fill="hold"/>
+                                        <p:tgtEl>
+                                          <p:spTgt spid="11"/>
+                                        </p:tgtEl>
+                                        <p:attrNameLst>
+                                          <p:attrName>ppt_x</p:attrName>
+                                        </p:attrNameLst>
+                                      </p:cBhvr>
+                                      <p:tavLst>
+                                        <p:tav tm="0">
+                                          <p:val>
+                                            <p:strVal val="1+#ppt_w/2"/>
+                                          </p:val>
+                                        </p:tav>
+                                        <p:tav tm="100000">
+                                          <p:val>
+                                            <p:strVal val="#ppt_x"/>
+                                          </p:val>
+                                        </p:tav>
+                                      </p:tavLst>
+                                    </p:anim>
+                                    <p:anim calcmode="lin" valueType="num">
+                                      <p:cBhvr additive="base">
+                                        <p:cTn id="70" dur="500" fill="hold"/>
+                                        <p:tgtEl>
+                                          <p:spTgt spid="11"/>
+                                        </p:tgtEl>
+                                        <p:attrNameLst>
+                                          <p:attrName>ppt_y</p:attrName>
+                                        </p:attrNameLst>
+                                      </p:cBhvr>
+                                      <p:tavLst>
+                                        <p:tav tm="0">
+                                          <p:val>
+                                            <p:strVal val="#ppt_y"/>
+                                          </p:val>
+                                        </p:tav>
+                                        <p:tav tm="100000">
+                                          <p:val>
+                                            <p:strVal val="#ppt_y"/>
+                                          </p:val>
+                                        </p:tav>
+                                      </p:tavLst>
+                                    </p:anim>
+                                  </p:childTnLst>
+                                </p:cTn>
+                              </p:par>
+                            </p:childTnLst>
+                          </p:cTn>
+                        </p:par>
+                      </p:childTnLst>
+                    </p:cTn>
+                  </p:par>
+                  <p:par>
+                    <p:cTn id="71" fill="hold">
+                      <p:stCondLst>
+                        <p:cond delay="indefinite"/>
+                      </p:stCondLst>
+                      <p:childTnLst>
+                        <p:par>
+                          <p:cTn id="72" fill="hold">
+                            <p:stCondLst>
+                              <p:cond delay="0"/>
+                            </p:stCondLst>
+                            <p:childTnLst>
+                              <p:par>
+                                <p:cTn id="73" presetID="22" presetClass="entr" presetSubtype="2" fill="hold" nodeType="clickEffect">
+                                  <p:stCondLst>
+                                    <p:cond delay="0"/>
+                                  </p:stCondLst>
+                                  <p:childTnLst>
+                                    <p:set>
+                                      <p:cBhvr>
+                                        <p:cTn id="74" dur="1" fill="hold">
                                           <p:stCondLst>
                                             <p:cond delay="0"/>
                                           </p:stCondLst>
@@ -14086,7 +15644,7 @@
                                     </p:set>
                                     <p:animEffect transition="in" filter="wipe(right)">
                                       <p:cBhvr>
-                                        <p:cTn id="51" dur="500"/>
+                                        <p:cTn id="75" dur="500"/>
                                         <p:tgtEl>
                                           <p:spTgt spid="42"/>
                                         </p:tgtEl>
@@ -14102,26 +15660,26 @@
                     </p:cTn>
                   </p:par>
                   <p:par>
-                    <p:cTn id="52" fill="hold">
+                    <p:cTn id="76" fill="hold">
                       <p:stCondLst>
                         <p:cond delay="indefinite"/>
                       </p:stCondLst>
                       <p:childTnLst>
                         <p:par>
-                          <p:cTn id="53" fill="hold">
+                          <p:cTn id="77" fill="hold">
                             <p:stCondLst>
                               <p:cond delay="0"/>
                             </p:stCondLst>
                             <p:childTnLst>
                               <p:par>
-                                <p:cTn id="54" presetID="22" presetClass="entr" presetSubtype="2" fill="hold" nodeType="clickEffect">
+                                <p:cTn id="78" presetID="22" presetClass="entr" presetSubtype="2" fill="hold" nodeType="clickEffect">
                                   <p:stCondLst>
                                     <p:cond delay="0"/>
                                   </p:stCondLst>
                                   <p:childTnLst>
                                     <p:set>
                                       <p:cBhvr>
-                                        <p:cTn id="55" dur="1" fill="hold">
+                                        <p:cTn id="79" dur="1" fill="hold">
                                           <p:stCondLst>
                                             <p:cond delay="0"/>
                                           </p:stCondLst>
@@ -14139,7 +15697,7 @@
                                     </p:set>
                                     <p:animEffect transition="in" filter="wipe(right)">
                                       <p:cBhvr>
-                                        <p:cTn id="56" dur="500"/>
+                                        <p:cTn id="80" dur="500"/>
                                         <p:tgtEl>
                                           <p:spTgt spid="69"/>
                                         </p:tgtEl>
@@ -14175,276 +15733,12 @@
         </p:cTn>
       </p:par>
     </p:tnLst>
-  </p:timing>
-</p:sld>
-</file>
-
-<file path=ppt/slides/slide19.xml><?xml version="1.0" encoding="utf-8"?>
-<p:sld xmlns:a="http://schemas.openxmlformats.org/drawingml/2006/main" xmlns:r="http://schemas.openxmlformats.org/officeDocument/2006/relationships" xmlns:p="http://schemas.openxmlformats.org/presentationml/2006/main">
-  <p:cSld>
-    <p:spTree>
-      <p:nvGrpSpPr>
-        <p:cNvPr id="1" name=""/>
-        <p:cNvGrpSpPr/>
-        <p:nvPr/>
-      </p:nvGrpSpPr>
-      <p:grpSpPr>
-        <a:xfrm>
-          <a:off x="0" y="0"/>
-          <a:ext cx="0" cy="0"/>
-          <a:chOff x="0" y="0"/>
-          <a:chExt cx="0" cy="0"/>
-        </a:xfrm>
-      </p:grpSpPr>
-      <p:sp>
-        <p:nvSpPr>
-          <p:cNvPr id="2" name="Title 1"/>
-          <p:cNvSpPr>
-            <a:spLocks noGrp="1"/>
-          </p:cNvSpPr>
-          <p:nvPr>
-            <p:ph type="title"/>
-          </p:nvPr>
-        </p:nvSpPr>
-        <p:spPr>
-          <a:xfrm>
-            <a:off x="628650" y="365126"/>
-            <a:ext cx="7886700" cy="1103455"/>
-          </a:xfrm>
-        </p:spPr>
-        <p:txBody>
-          <a:bodyPr>
-            <a:noAutofit/>
-          </a:bodyPr>
-          <a:lstStyle/>
-          <a:p>
-            <a:pPr algn="ctr"/>
-            <a:r>
-              <a:rPr lang="en-US" sz="3200" b="1" dirty="0">
-                <a:solidFill>
-                  <a:srgbClr val="FF0000"/>
-                </a:solidFill>
-                <a:latin typeface="+mn-lt"/>
-              </a:rPr>
-              <a:t>Edit</a:t>
-            </a:r>
-            <a:r>
-              <a:rPr lang="en-US" sz="3200" dirty="0">
-                <a:latin typeface="+mn-lt"/>
-              </a:rPr>
-              <a:t> random_straws.py</a:t>
-            </a:r>
-          </a:p>
-        </p:txBody>
-      </p:sp>
-      <p:sp>
-        <p:nvSpPr>
-          <p:cNvPr id="4" name="Slide Number Placeholder 3"/>
-          <p:cNvSpPr>
-            <a:spLocks noGrp="1"/>
-          </p:cNvSpPr>
-          <p:nvPr>
-            <p:ph type="sldNum" sz="quarter" idx="12"/>
-          </p:nvPr>
-        </p:nvSpPr>
-        <p:spPr/>
-        <p:txBody>
-          <a:bodyPr/>
-          <a:lstStyle/>
-          <a:p>
-            <a:fld id="{650AD656-6FF9-465D-B7B0-1CD0DD39CD23}" type="slidenum">
-              <a:rPr lang="en-US" smtClean="0"/>
-              <a:pPr/>
-              <a:t>19</a:t>
-            </a:fld>
-            <a:endParaRPr lang="en-US" dirty="0"/>
-          </a:p>
-        </p:txBody>
-      </p:sp>
-      <p:pic>
-        <p:nvPicPr>
-          <p:cNvPr id="9" name="Picture 8">
-            <a:extLst>
-              <a:ext uri="{FF2B5EF4-FFF2-40B4-BE49-F238E27FC236}">
-                <a16:creationId xmlns:a16="http://schemas.microsoft.com/office/drawing/2014/main" id="{77A5DEE4-3107-C485-F14F-07E024619243}"/>
-              </a:ext>
-            </a:extLst>
-          </p:cNvPr>
-          <p:cNvPicPr>
-            <a:picLocks noChangeAspect="1"/>
-          </p:cNvPicPr>
-          <p:nvPr/>
-        </p:nvPicPr>
-        <p:blipFill>
-          <a:blip r:embed="rId2"/>
-          <a:stretch>
-            <a:fillRect/>
-          </a:stretch>
-        </p:blipFill>
-        <p:spPr>
-          <a:xfrm>
-            <a:off x="2391047" y="1468581"/>
-            <a:ext cx="4361905" cy="4809524"/>
-          </a:xfrm>
-          <a:prstGeom prst="rect">
-            <a:avLst/>
-          </a:prstGeom>
-          <a:ln>
-            <a:solidFill>
-              <a:schemeClr val="tx1"/>
-            </a:solidFill>
-          </a:ln>
-        </p:spPr>
-      </p:pic>
-      <p:sp>
-        <p:nvSpPr>
-          <p:cNvPr id="3" name="Rectangle 2">
-            <a:extLst>
-              <a:ext uri="{FF2B5EF4-FFF2-40B4-BE49-F238E27FC236}">
-                <a16:creationId xmlns:a16="http://schemas.microsoft.com/office/drawing/2014/main" id="{08D92336-6972-8C71-A6E6-95577A4121E9}"/>
-              </a:ext>
-            </a:extLst>
-          </p:cNvPr>
-          <p:cNvSpPr/>
-          <p:nvPr/>
-        </p:nvSpPr>
-        <p:spPr>
-          <a:xfrm>
-            <a:off x="2391047" y="2645764"/>
-            <a:ext cx="4361905" cy="1371600"/>
-          </a:xfrm>
-          <a:prstGeom prst="rect">
-            <a:avLst/>
-          </a:prstGeom>
-          <a:noFill/>
-          <a:ln w="28575">
-            <a:solidFill>
-              <a:srgbClr val="FF0000"/>
-            </a:solidFill>
-          </a:ln>
-        </p:spPr>
-        <p:style>
-          <a:lnRef idx="2">
-            <a:schemeClr val="accent1">
-              <a:shade val="15000"/>
-            </a:schemeClr>
-          </a:lnRef>
-          <a:fillRef idx="1">
-            <a:schemeClr val="accent1"/>
-          </a:fillRef>
-          <a:effectRef idx="0">
-            <a:schemeClr val="accent1"/>
-          </a:effectRef>
-          <a:fontRef idx="minor">
-            <a:schemeClr val="lt1"/>
-          </a:fontRef>
-        </p:style>
-        <p:txBody>
-          <a:bodyPr rtlCol="0" anchor="ctr"/>
-          <a:lstStyle/>
-          <a:p>
-            <a:pPr algn="ctr"/>
-            <a:endParaRPr lang="en-US"/>
-          </a:p>
-        </p:txBody>
-      </p:sp>
-    </p:spTree>
-    <p:extLst>
-      <p:ext uri="{BB962C8B-B14F-4D97-AF65-F5344CB8AC3E}">
-        <p14:creationId xmlns:p14="http://schemas.microsoft.com/office/powerpoint/2010/main" val="1254425643"/>
-      </p:ext>
-    </p:extLst>
-  </p:cSld>
-  <p:clrMapOvr>
-    <a:masterClrMapping/>
-  </p:clrMapOvr>
-  <p:timing>
-    <p:tnLst>
-      <p:par>
-        <p:cTn id="1" dur="indefinite" restart="never" nodeType="tmRoot">
-          <p:childTnLst>
-            <p:seq concurrent="1" nextAc="seek">
-              <p:cTn id="2" dur="indefinite" nodeType="mainSeq">
-                <p:childTnLst>
-                  <p:par>
-                    <p:cTn id="3" fill="hold">
-                      <p:stCondLst>
-                        <p:cond delay="indefinite"/>
-                        <p:cond evt="onBegin" delay="0">
-                          <p:tn val="2"/>
-                        </p:cond>
-                      </p:stCondLst>
-                      <p:childTnLst>
-                        <p:par>
-                          <p:cTn id="4" fill="hold">
-                            <p:stCondLst>
-                              <p:cond delay="0"/>
-                            </p:stCondLst>
-                            <p:childTnLst>
-                              <p:par>
-                                <p:cTn id="5" presetID="16" presetClass="entr" presetSubtype="21" fill="hold" grpId="0" nodeType="afterEffect">
-                                  <p:stCondLst>
-                                    <p:cond delay="0"/>
-                                  </p:stCondLst>
-                                  <p:childTnLst>
-                                    <p:set>
-                                      <p:cBhvr>
-                                        <p:cTn id="6" dur="1" fill="hold">
-                                          <p:stCondLst>
-                                            <p:cond delay="0"/>
-                                          </p:stCondLst>
-                                        </p:cTn>
-                                        <p:tgtEl>
-                                          <p:spTgt spid="3"/>
-                                        </p:tgtEl>
-                                        <p:attrNameLst>
-                                          <p:attrName>style.visibility</p:attrName>
-                                        </p:attrNameLst>
-                                      </p:cBhvr>
-                                      <p:to>
-                                        <p:strVal val="visible"/>
-                                      </p:to>
-                                    </p:set>
-                                    <p:animEffect transition="in" filter="barn(inVertical)">
-                                      <p:cBhvr>
-                                        <p:cTn id="7" dur="500"/>
-                                        <p:tgtEl>
-                                          <p:spTgt spid="3"/>
-                                        </p:tgtEl>
-                                      </p:cBhvr>
-                                    </p:animEffect>
-                                  </p:childTnLst>
-                                </p:cTn>
-                              </p:par>
-                            </p:childTnLst>
-                          </p:cTn>
-                        </p:par>
-                      </p:childTnLst>
-                    </p:cTn>
-                  </p:par>
-                </p:childTnLst>
-              </p:cTn>
-              <p:prevCondLst>
-                <p:cond evt="onPrev" delay="0">
-                  <p:tgtEl>
-                    <p:sldTgt/>
-                  </p:tgtEl>
-                </p:cond>
-              </p:prevCondLst>
-              <p:nextCondLst>
-                <p:cond evt="onNext" delay="0">
-                  <p:tgtEl>
-                    <p:sldTgt/>
-                  </p:tgtEl>
-                </p:cond>
-              </p:nextCondLst>
-            </p:seq>
-          </p:childTnLst>
-        </p:cTn>
-      </p:par>
-    </p:tnLst>
     <p:bldLst>
       <p:bldP spid="3" grpId="0" animBg="1"/>
+      <p:bldP spid="7" grpId="0" animBg="1"/>
+      <p:bldP spid="8" grpId="0"/>
+      <p:bldP spid="10" grpId="0"/>
+      <p:bldP spid="11" grpId="0"/>
     </p:bldLst>
   </p:timing>
 </p:sld>
@@ -14593,8 +15887,67 @@
             </a:r>
             <a:r>
               <a:rPr lang="en-US" sz="2400" dirty="0"/>
-              <a:t>loop to enumerate through array elements</a:t>
-            </a:r>
+              <a:t>loop to enumerate over a </a:t>
+            </a:r>
+            <a:r>
+              <a:rPr lang="en-US" sz="2400" b="1" dirty="0"/>
+              <a:t>range</a:t>
+            </a:r>
+            <a:r>
+              <a:rPr lang="en-US" sz="2400" dirty="0"/>
+              <a:t> of numbers</a:t>
+            </a:r>
+          </a:p>
+          <a:p>
+            <a:r>
+              <a:rPr lang="en-US" sz="2400" dirty="0"/>
+              <a:t>Use </a:t>
+            </a:r>
+            <a:r>
+              <a:rPr lang="en-US" sz="2400" b="1" dirty="0"/>
+              <a:t>np.arange()</a:t>
+            </a:r>
+            <a:r>
+              <a:rPr lang="en-US" sz="2400" dirty="0"/>
+              <a:t> to create an </a:t>
+            </a:r>
+            <a:r>
+              <a:rPr lang="en-US" sz="2400" b="1" dirty="0"/>
+              <a:t>array</a:t>
+            </a:r>
+            <a:r>
+              <a:rPr lang="en-US" sz="2400" dirty="0"/>
+              <a:t> containing numbers in the closed-open interval </a:t>
+            </a:r>
+            <a:r>
+              <a:rPr lang="en-US" sz="2400" b="1" dirty="0">
+                <a:solidFill>
+                  <a:srgbClr val="FF0000"/>
+                </a:solidFill>
+              </a:rPr>
+              <a:t>[start, stop) </a:t>
+            </a:r>
+            <a:r>
+              <a:rPr lang="en-US" sz="2400" dirty="0"/>
+              <a:t>using a given </a:t>
+            </a:r>
+            <a:r>
+              <a:rPr lang="en-US" sz="2400" b="1" dirty="0">
+                <a:solidFill>
+                  <a:srgbClr val="00B050"/>
+                </a:solidFill>
+              </a:rPr>
+              <a:t>step</a:t>
+            </a:r>
+            <a:r>
+              <a:rPr lang="en-US" sz="2400" dirty="0"/>
+              <a:t> </a:t>
+            </a:r>
+            <a:r>
+              <a:rPr lang="en-US" sz="2400" u="sng" dirty="0"/>
+              <a:t>size</a:t>
+            </a:r>
+            <a:endParaRPr lang="en-US" sz="2400" dirty="0"/>
           </a:p>
           <a:p>
             <a:r>
@@ -14659,30 +16012,6 @@
               <a:rPr lang="en-US" sz="2400" dirty="0"/>
               <a:t> operator</a:t>
             </a:r>
-          </a:p>
-          <a:p>
-            <a:r>
-              <a:rPr lang="en-US" sz="2400" dirty="0"/>
-              <a:t>Perform experimental computational mathematics </a:t>
-            </a:r>
-            <a:r>
-              <a:rPr lang="en-US" sz="2400" b="1" dirty="0">
-                <a:solidFill>
-                  <a:srgbClr val="0070C0"/>
-                </a:solidFill>
-              </a:rPr>
-              <a:t>(ECM)</a:t>
-            </a:r>
-            <a:r>
-              <a:rPr lang="en-US" sz="2400" dirty="0"/>
-              <a:t> to analyze Euler's Random Straws</a:t>
-            </a:r>
-          </a:p>
-          <a:p>
-            <a:endParaRPr lang="en-US" sz="2400" dirty="0"/>
-          </a:p>
-          <a:p>
-            <a:endParaRPr lang="en-US" sz="2400" dirty="0"/>
           </a:p>
         </p:txBody>
       </p:sp>
@@ -15221,36 +16550,6 @@
       </p:sp>
       <p:pic>
         <p:nvPicPr>
-          <p:cNvPr id="6" name="Picture 5"/>
-          <p:cNvPicPr>
-            <a:picLocks noChangeAspect="1"/>
-          </p:cNvPicPr>
-          <p:nvPr/>
-        </p:nvPicPr>
-        <p:blipFill>
-          <a:blip r:embed="rId3" cstate="print">
-            <a:extLst>
-              <a:ext uri="{28A0092B-C50C-407E-A947-70E740481C1C}">
-                <a14:useLocalDpi xmlns:a14="http://schemas.microsoft.com/office/drawing/2010/main" val="0"/>
-              </a:ext>
-            </a:extLst>
-          </a:blip>
-          <a:stretch>
-            <a:fillRect/>
-          </a:stretch>
-        </p:blipFill>
-        <p:spPr>
-          <a:xfrm>
-            <a:off x="5878509" y="4327543"/>
-            <a:ext cx="1993491" cy="1613731"/>
-          </a:xfrm>
-          <a:prstGeom prst="rect">
-            <a:avLst/>
-          </a:prstGeom>
-        </p:spPr>
-      </p:pic>
-      <p:pic>
-        <p:nvPicPr>
           <p:cNvPr id="9" name="Picture 8"/>
           <p:cNvPicPr>
             <a:picLocks noChangeAspect="1"/>
@@ -15258,14 +16557,14 @@
           <p:nvPr/>
         </p:nvPicPr>
         <p:blipFill>
-          <a:blip r:embed="rId4"/>
+          <a:blip r:embed="rId3"/>
           <a:stretch>
             <a:fillRect/>
           </a:stretch>
         </p:blipFill>
         <p:spPr>
           <a:xfrm>
-            <a:off x="1272000" y="4367741"/>
+            <a:off x="1272000" y="4097921"/>
             <a:ext cx="3933333" cy="1533333"/>
           </a:xfrm>
           <a:prstGeom prst="rect">
@@ -15391,6 +16690,173 @@
           </a:p>
         </p:txBody>
       </p:sp>
+      <p:sp>
+        <p:nvSpPr>
+          <p:cNvPr id="2" name="TextBox 1">
+            <a:extLst>
+              <a:ext uri="{FF2B5EF4-FFF2-40B4-BE49-F238E27FC236}">
+                <a16:creationId xmlns:a16="http://schemas.microsoft.com/office/drawing/2014/main" id="{FCE5EC2C-36BB-22D0-9A7C-5AC929E46D50}"/>
+              </a:ext>
+            </a:extLst>
+          </p:cNvPr>
+          <p:cNvSpPr txBox="1"/>
+          <p:nvPr/>
+        </p:nvSpPr>
+        <p:spPr>
+          <a:xfrm>
+            <a:off x="900693" y="5671467"/>
+            <a:ext cx="4409272" cy="646331"/>
+          </a:xfrm>
+          <a:prstGeom prst="rect">
+            <a:avLst/>
+          </a:prstGeom>
+          <a:noFill/>
+        </p:spPr>
+        <p:txBody>
+          <a:bodyPr wrap="square" rtlCol="0">
+            <a:spAutoFit/>
+          </a:bodyPr>
+          <a:lstStyle/>
+          <a:p>
+            <a:pPr algn="ctr"/>
+            <a:r>
+              <a:rPr lang="en-US" dirty="0">
+                <a:solidFill>
+                  <a:srgbClr val="7030A0"/>
+                </a:solidFill>
+              </a:rPr>
+              <a:t>We can </a:t>
+            </a:r>
+            <a:r>
+              <a:rPr lang="en-US" i="1" dirty="0">
+                <a:solidFill>
+                  <a:srgbClr val="7030A0"/>
+                </a:solidFill>
+              </a:rPr>
+              <a:t>estimate</a:t>
+            </a:r>
+            <a:r>
+              <a:rPr lang="en-US" dirty="0">
+                <a:solidFill>
+                  <a:srgbClr val="7030A0"/>
+                </a:solidFill>
+              </a:rPr>
+              <a:t> complicated calculations using nothing but </a:t>
+            </a:r>
+            <a:r>
+              <a:rPr lang="en-US" b="1" dirty="0">
+                <a:solidFill>
+                  <a:srgbClr val="7030A0"/>
+                </a:solidFill>
+              </a:rPr>
+              <a:t>random numbers</a:t>
+            </a:r>
+            <a:r>
+              <a:rPr lang="en-US" dirty="0">
+                <a:solidFill>
+                  <a:srgbClr val="7030A0"/>
+                </a:solidFill>
+              </a:rPr>
+              <a:t>!</a:t>
+            </a:r>
+          </a:p>
+        </p:txBody>
+      </p:sp>
+      <p:grpSp>
+        <p:nvGrpSpPr>
+          <p:cNvPr id="7" name="Group 6">
+            <a:extLst>
+              <a:ext uri="{FF2B5EF4-FFF2-40B4-BE49-F238E27FC236}">
+                <a16:creationId xmlns:a16="http://schemas.microsoft.com/office/drawing/2014/main" id="{C7E4C520-897C-38C9-2914-3CFC2F065B35}"/>
+              </a:ext>
+            </a:extLst>
+          </p:cNvPr>
+          <p:cNvGrpSpPr/>
+          <p:nvPr/>
+        </p:nvGrpSpPr>
+        <p:grpSpPr>
+          <a:xfrm>
+            <a:off x="5878509" y="4057723"/>
+            <a:ext cx="1993491" cy="2230720"/>
+            <a:chOff x="5878509" y="4057723"/>
+            <a:chExt cx="1993491" cy="2230720"/>
+          </a:xfrm>
+        </p:grpSpPr>
+        <p:pic>
+          <p:nvPicPr>
+            <p:cNvPr id="6" name="Picture 5"/>
+            <p:cNvPicPr>
+              <a:picLocks noChangeAspect="1"/>
+            </p:cNvPicPr>
+            <p:nvPr/>
+          </p:nvPicPr>
+          <p:blipFill>
+            <a:blip r:embed="rId4" cstate="print">
+              <a:extLst>
+                <a:ext uri="{28A0092B-C50C-407E-A947-70E740481C1C}">
+                  <a14:useLocalDpi xmlns:a14="http://schemas.microsoft.com/office/drawing/2010/main" val="0"/>
+                </a:ext>
+              </a:extLst>
+            </a:blip>
+            <a:stretch>
+              <a:fillRect/>
+            </a:stretch>
+          </p:blipFill>
+          <p:spPr>
+            <a:xfrm>
+              <a:off x="5878509" y="4057723"/>
+              <a:ext cx="1993491" cy="1613731"/>
+            </a:xfrm>
+            <a:prstGeom prst="rect">
+              <a:avLst/>
+            </a:prstGeom>
+          </p:spPr>
+        </p:pic>
+        <p:sp>
+          <p:nvSpPr>
+            <p:cNvPr id="3" name="TextBox 2">
+              <a:extLst>
+                <a:ext uri="{FF2B5EF4-FFF2-40B4-BE49-F238E27FC236}">
+                  <a16:creationId xmlns:a16="http://schemas.microsoft.com/office/drawing/2014/main" id="{64CA4DE2-9288-D7CA-4A98-650B99ECACEB}"/>
+                </a:ext>
+              </a:extLst>
+            </p:cNvPr>
+            <p:cNvSpPr txBox="1"/>
+            <p:nvPr/>
+          </p:nvSpPr>
+          <p:spPr>
+            <a:xfrm>
+              <a:off x="5878509" y="5672890"/>
+              <a:ext cx="1993491" cy="615553"/>
+            </a:xfrm>
+            <a:prstGeom prst="rect">
+              <a:avLst/>
+            </a:prstGeom>
+            <a:noFill/>
+          </p:spPr>
+          <p:txBody>
+            <a:bodyPr wrap="square" rtlCol="0">
+              <a:spAutoFit/>
+            </a:bodyPr>
+            <a:lstStyle/>
+            <a:p>
+              <a:pPr algn="ctr"/>
+              <a:r>
+                <a:rPr lang="en-US" b="1" dirty="0"/>
+                <a:t>Leonhard Euler</a:t>
+              </a:r>
+            </a:p>
+            <a:p>
+              <a:pPr algn="ctr"/>
+              <a:r>
+                <a:rPr lang="en-US" sz="1600" dirty="0"/>
+                <a:t>(1707 – 1783)</a:t>
+              </a:r>
+              <a:endParaRPr lang="en-US" dirty="0"/>
+            </a:p>
+          </p:txBody>
+        </p:sp>
+      </p:grpSp>
     </p:spTree>
     <p:extLst>
       <p:ext uri="{BB962C8B-B14F-4D97-AF65-F5344CB8AC3E}">
@@ -15722,36 +17188,27 @@
                             </p:childTnLst>
                           </p:cTn>
                         </p:par>
-                      </p:childTnLst>
-                    </p:cTn>
-                  </p:par>
-                  <p:par>
-                    <p:cTn id="25" fill="hold">
-                      <p:stCondLst>
-                        <p:cond delay="indefinite"/>
-                      </p:stCondLst>
-                      <p:childTnLst>
                         <p:par>
-                          <p:cTn id="26" fill="hold">
+                          <p:cTn id="25" fill="hold">
                             <p:stCondLst>
-                              <p:cond delay="0"/>
+                              <p:cond delay="500"/>
                             </p:stCondLst>
                             <p:childTnLst>
                               <p:par>
-                                <p:cTn id="27" presetID="2" presetClass="entr" presetSubtype="2" fill="hold" nodeType="clickEffect">
+                                <p:cTn id="26" presetID="2" presetClass="entr" presetSubtype="4" fill="hold" grpId="0" nodeType="afterEffect">
                                   <p:stCondLst>
                                     <p:cond delay="0"/>
                                   </p:stCondLst>
                                   <p:childTnLst>
                                     <p:set>
                                       <p:cBhvr>
-                                        <p:cTn id="28" dur="1" fill="hold">
+                                        <p:cTn id="27" dur="1" fill="hold">
                                           <p:stCondLst>
                                             <p:cond delay="0"/>
                                           </p:stCondLst>
                                         </p:cTn>
                                         <p:tgtEl>
-                                          <p:spTgt spid="6"/>
+                                          <p:spTgt spid="2"/>
                                         </p:tgtEl>
                                         <p:attrNameLst>
                                           <p:attrName>style.visibility</p:attrName>
@@ -15763,9 +17220,91 @@
                                     </p:set>
                                     <p:anim calcmode="lin" valueType="num">
                                       <p:cBhvr additive="base">
+                                        <p:cTn id="28" dur="500" fill="hold"/>
+                                        <p:tgtEl>
+                                          <p:spTgt spid="2"/>
+                                        </p:tgtEl>
+                                        <p:attrNameLst>
+                                          <p:attrName>ppt_x</p:attrName>
+                                        </p:attrNameLst>
+                                      </p:cBhvr>
+                                      <p:tavLst>
+                                        <p:tav tm="0">
+                                          <p:val>
+                                            <p:strVal val="#ppt_x"/>
+                                          </p:val>
+                                        </p:tav>
+                                        <p:tav tm="100000">
+                                          <p:val>
+                                            <p:strVal val="#ppt_x"/>
+                                          </p:val>
+                                        </p:tav>
+                                      </p:tavLst>
+                                    </p:anim>
+                                    <p:anim calcmode="lin" valueType="num">
+                                      <p:cBhvr additive="base">
                                         <p:cTn id="29" dur="500" fill="hold"/>
                                         <p:tgtEl>
-                                          <p:spTgt spid="6"/>
+                                          <p:spTgt spid="2"/>
+                                        </p:tgtEl>
+                                        <p:attrNameLst>
+                                          <p:attrName>ppt_y</p:attrName>
+                                        </p:attrNameLst>
+                                      </p:cBhvr>
+                                      <p:tavLst>
+                                        <p:tav tm="0">
+                                          <p:val>
+                                            <p:strVal val="1+#ppt_h/2"/>
+                                          </p:val>
+                                        </p:tav>
+                                        <p:tav tm="100000">
+                                          <p:val>
+                                            <p:strVal val="#ppt_y"/>
+                                          </p:val>
+                                        </p:tav>
+                                      </p:tavLst>
+                                    </p:anim>
+                                  </p:childTnLst>
+                                </p:cTn>
+                              </p:par>
+                            </p:childTnLst>
+                          </p:cTn>
+                        </p:par>
+                        <p:par>
+                          <p:cTn id="30" fill="hold">
+                            <p:stCondLst>
+                              <p:cond delay="1000"/>
+                            </p:stCondLst>
+                            <p:childTnLst>
+                              <p:par>
+                                <p:cTn id="31" presetID="2" presetClass="entr" presetSubtype="2" fill="hold" nodeType="afterEffect">
+                                  <p:stCondLst>
+                                    <p:cond delay="0"/>
+                                  </p:stCondLst>
+                                  <p:childTnLst>
+                                    <p:set>
+                                      <p:cBhvr>
+                                        <p:cTn id="32" dur="1" fill="hold">
+                                          <p:stCondLst>
+                                            <p:cond delay="0"/>
+                                          </p:stCondLst>
+                                        </p:cTn>
+                                        <p:tgtEl>
+                                          <p:spTgt spid="7"/>
+                                        </p:tgtEl>
+                                        <p:attrNameLst>
+                                          <p:attrName>style.visibility</p:attrName>
+                                        </p:attrNameLst>
+                                      </p:cBhvr>
+                                      <p:to>
+                                        <p:strVal val="visible"/>
+                                      </p:to>
+                                    </p:set>
+                                    <p:anim calcmode="lin" valueType="num">
+                                      <p:cBhvr additive="base">
+                                        <p:cTn id="33" dur="500" fill="hold"/>
+                                        <p:tgtEl>
+                                          <p:spTgt spid="7"/>
                                         </p:tgtEl>
                                         <p:attrNameLst>
                                           <p:attrName>ppt_x</p:attrName>
@@ -15786,9 +17325,9 @@
                                     </p:anim>
                                     <p:anim calcmode="lin" valueType="num">
                                       <p:cBhvr additive="base">
-                                        <p:cTn id="30" dur="500" fill="hold"/>
+                                        <p:cTn id="34" dur="500" fill="hold"/>
                                         <p:tgtEl>
-                                          <p:spTgt spid="6"/>
+                                          <p:spTgt spid="7"/>
                                         </p:tgtEl>
                                         <p:attrNameLst>
                                           <p:attrName>ppt_y</p:attrName>
@@ -15840,6 +17379,7 @@
     <p:bldLst>
       <p:bldP spid="11" grpId="0" animBg="1"/>
       <p:bldP spid="8" grpId="0"/>
+      <p:bldP spid="2" grpId="0"/>
     </p:bldLst>
   </p:timing>
 </p:sld>
@@ -22792,7 +24332,7 @@
         </p:blipFill>
         <p:spPr>
           <a:xfrm>
-            <a:off x="3620110" y="2358950"/>
+            <a:off x="5517215" y="2406368"/>
             <a:ext cx="3312163" cy="1298067"/>
           </a:xfrm>
           <a:prstGeom prst="rect">
@@ -22812,6 +24352,102 @@
           </a:effectLst>
         </p:spPr>
       </p:pic>
+      <p:sp>
+        <p:nvSpPr>
+          <p:cNvPr id="3" name="Rectangle 2">
+            <a:extLst>
+              <a:ext uri="{FF2B5EF4-FFF2-40B4-BE49-F238E27FC236}">
+                <a16:creationId xmlns:a16="http://schemas.microsoft.com/office/drawing/2014/main" id="{01C3D4FB-4BCA-80A0-9134-D7240D515CE6}"/>
+              </a:ext>
+            </a:extLst>
+          </p:cNvPr>
+          <p:cNvSpPr/>
+          <p:nvPr/>
+        </p:nvSpPr>
+        <p:spPr>
+          <a:xfrm>
+            <a:off x="314622" y="1931169"/>
+            <a:ext cx="4742857" cy="2106421"/>
+          </a:xfrm>
+          <a:prstGeom prst="rect">
+            <a:avLst/>
+          </a:prstGeom>
+          <a:noFill/>
+          <a:ln w="28575">
+            <a:solidFill>
+              <a:srgbClr val="00B050"/>
+            </a:solidFill>
+          </a:ln>
+        </p:spPr>
+        <p:style>
+          <a:lnRef idx="2">
+            <a:schemeClr val="accent1">
+              <a:shade val="15000"/>
+            </a:schemeClr>
+          </a:lnRef>
+          <a:fillRef idx="1">
+            <a:schemeClr val="accent1"/>
+          </a:fillRef>
+          <a:effectRef idx="0">
+            <a:schemeClr val="accent1"/>
+          </a:effectRef>
+          <a:fontRef idx="minor">
+            <a:schemeClr val="lt1"/>
+          </a:fontRef>
+        </p:style>
+        <p:txBody>
+          <a:bodyPr rtlCol="0" anchor="ctr"/>
+          <a:lstStyle/>
+          <a:p>
+            <a:pPr algn="ctr"/>
+            <a:endParaRPr lang="en-US"/>
+          </a:p>
+        </p:txBody>
+      </p:sp>
+      <p:sp>
+        <p:nvSpPr>
+          <p:cNvPr id="9" name="TextBox 8">
+            <a:extLst>
+              <a:ext uri="{FF2B5EF4-FFF2-40B4-BE49-F238E27FC236}">
+                <a16:creationId xmlns:a16="http://schemas.microsoft.com/office/drawing/2014/main" id="{E1F6CF19-4E54-E3C6-A326-93CA7391A0DA}"/>
+              </a:ext>
+            </a:extLst>
+          </p:cNvPr>
+          <p:cNvSpPr txBox="1"/>
+          <p:nvPr/>
+        </p:nvSpPr>
+        <p:spPr>
+          <a:xfrm>
+            <a:off x="5517215" y="4881078"/>
+            <a:ext cx="3165431" cy="923330"/>
+          </a:xfrm>
+          <a:prstGeom prst="rect">
+            <a:avLst/>
+          </a:prstGeom>
+          <a:noFill/>
+        </p:spPr>
+        <p:txBody>
+          <a:bodyPr wrap="square" rtlCol="0">
+            <a:spAutoFit/>
+          </a:bodyPr>
+          <a:lstStyle/>
+          <a:p>
+            <a:pPr algn="ctr"/>
+            <a:r>
+              <a:rPr lang="en-US" b="1" dirty="0"/>
+              <a:t>np.vectorize() </a:t>
+            </a:r>
+            <a:r>
+              <a:rPr lang="en-US" dirty="0"/>
+              <a:t>helps a function become "vector aware" so it can act on a numpy </a:t>
+            </a:r>
+            <a:r>
+              <a:rPr lang="en-US" b="1" dirty="0"/>
+              <a:t>array</a:t>
+            </a:r>
+          </a:p>
+        </p:txBody>
+      </p:sp>
     </p:spTree>
     <p:extLst>
       <p:ext uri="{BB962C8B-B14F-4D97-AF65-F5344CB8AC3E}">
@@ -23086,30 +24722,74 @@
                             </p:childTnLst>
                           </p:cTn>
                         </p:par>
-                      </p:childTnLst>
-                    </p:cTn>
-                  </p:par>
-                  <p:par>
-                    <p:cTn id="27" fill="hold">
-                      <p:stCondLst>
-                        <p:cond delay="indefinite"/>
-                      </p:stCondLst>
-                      <p:childTnLst>
                         <p:par>
-                          <p:cTn id="28" fill="hold">
+                          <p:cTn id="27" fill="hold">
                             <p:stCondLst>
-                              <p:cond delay="0"/>
+                              <p:cond delay="500"/>
                             </p:stCondLst>
                             <p:childTnLst>
                               <p:par>
-                                <p:cTn id="29" presetID="22" presetClass="entr" presetSubtype="2" fill="hold" nodeType="clickEffect">
+                                <p:cTn id="28" presetID="22" presetClass="entr" presetSubtype="8" fill="hold" grpId="0" nodeType="afterEffect">
                                   <p:stCondLst>
                                     <p:cond delay="0"/>
                                   </p:stCondLst>
                                   <p:childTnLst>
                                     <p:set>
                                       <p:cBhvr>
-                                        <p:cTn id="30" dur="1" fill="hold">
+                                        <p:cTn id="29" dur="1" fill="hold">
+                                          <p:stCondLst>
+                                            <p:cond delay="0"/>
+                                          </p:stCondLst>
+                                        </p:cTn>
+                                        <p:tgtEl>
+                                          <p:spTgt spid="9"/>
+                                        </p:tgtEl>
+                                        <p:attrNameLst>
+                                          <p:attrName>style.visibility</p:attrName>
+                                        </p:attrNameLst>
+                                      </p:cBhvr>
+                                      <p:to>
+                                        <p:strVal val="visible"/>
+                                      </p:to>
+                                    </p:set>
+                                    <p:animEffect transition="in" filter="wipe(left)">
+                                      <p:cBhvr>
+                                        <p:cTn id="30" dur="500"/>
+                                        <p:tgtEl>
+                                          <p:spTgt spid="9"/>
+                                        </p:tgtEl>
+                                      </p:cBhvr>
+                                    </p:animEffect>
+                                  </p:childTnLst>
+                                </p:cTn>
+                              </p:par>
+                            </p:childTnLst>
+                          </p:cTn>
+                        </p:par>
+                      </p:childTnLst>
+                    </p:cTn>
+                  </p:par>
+                  <p:par>
+                    <p:cTn id="31" fill="hold">
+                      <p:stCondLst>
+                        <p:cond delay="indefinite"/>
+                      </p:stCondLst>
+                      <p:childTnLst>
+                        <p:par>
+                          <p:cTn id="32" fill="hold">
+                            <p:stCondLst>
+                              <p:cond delay="0"/>
+                            </p:stCondLst>
+                            <p:childTnLst>
+                              <p:par>
+                                <p:cTn id="33" presetID="22" presetClass="entr" presetSubtype="2" fill="hold" nodeType="clickEffect">
+                                  <p:stCondLst>
+                                    <p:cond delay="0"/>
+                                  </p:stCondLst>
+                                  <p:childTnLst>
+                                    <p:set>
+                                      <p:cBhvr>
+                                        <p:cTn id="34" dur="1" fill="hold">
                                           <p:stCondLst>
                                             <p:cond delay="0"/>
                                           </p:stCondLst>
@@ -23127,7 +24807,7 @@
                                     </p:set>
                                     <p:animEffect transition="in" filter="wipe(right)">
                                       <p:cBhvr>
-                                        <p:cTn id="31" dur="500"/>
+                                        <p:cTn id="35" dur="500"/>
                                         <p:tgtEl>
                                           <p:spTgt spid="45"/>
                                         </p:tgtEl>
@@ -23143,26 +24823,70 @@
                     </p:cTn>
                   </p:par>
                   <p:par>
-                    <p:cTn id="32" fill="hold">
+                    <p:cTn id="36" fill="hold">
                       <p:stCondLst>
                         <p:cond delay="indefinite"/>
                       </p:stCondLst>
                       <p:childTnLst>
                         <p:par>
-                          <p:cTn id="33" fill="hold">
+                          <p:cTn id="37" fill="hold">
                             <p:stCondLst>
                               <p:cond delay="0"/>
                             </p:stCondLst>
                             <p:childTnLst>
                               <p:par>
-                                <p:cTn id="34" presetID="22" presetClass="entr" presetSubtype="2" fill="hold" nodeType="clickEffect">
+                                <p:cTn id="38" presetID="16" presetClass="entr" presetSubtype="21" fill="hold" grpId="0" nodeType="clickEffect">
                                   <p:stCondLst>
                                     <p:cond delay="0"/>
                                   </p:stCondLst>
                                   <p:childTnLst>
                                     <p:set>
                                       <p:cBhvr>
-                                        <p:cTn id="35" dur="1" fill="hold">
+                                        <p:cTn id="39" dur="1" fill="hold">
+                                          <p:stCondLst>
+                                            <p:cond delay="0"/>
+                                          </p:stCondLst>
+                                        </p:cTn>
+                                        <p:tgtEl>
+                                          <p:spTgt spid="3"/>
+                                        </p:tgtEl>
+                                        <p:attrNameLst>
+                                          <p:attrName>style.visibility</p:attrName>
+                                        </p:attrNameLst>
+                                      </p:cBhvr>
+                                      <p:to>
+                                        <p:strVal val="visible"/>
+                                      </p:to>
+                                    </p:set>
+                                    <p:animEffect transition="in" filter="barn(inVertical)">
+                                      <p:cBhvr>
+                                        <p:cTn id="40" dur="500"/>
+                                        <p:tgtEl>
+                                          <p:spTgt spid="3"/>
+                                        </p:tgtEl>
+                                      </p:cBhvr>
+                                    </p:animEffect>
+                                  </p:childTnLst>
+                                </p:cTn>
+                              </p:par>
+                            </p:childTnLst>
+                          </p:cTn>
+                        </p:par>
+                        <p:par>
+                          <p:cTn id="41" fill="hold">
+                            <p:stCondLst>
+                              <p:cond delay="500"/>
+                            </p:stCondLst>
+                            <p:childTnLst>
+                              <p:par>
+                                <p:cTn id="42" presetID="22" presetClass="entr" presetSubtype="2" fill="hold" nodeType="afterEffect">
+                                  <p:stCondLst>
+                                    <p:cond delay="0"/>
+                                  </p:stCondLst>
+                                  <p:childTnLst>
+                                    <p:set>
+                                      <p:cBhvr>
+                                        <p:cTn id="43" dur="1" fill="hold">
                                           <p:stCondLst>
                                             <p:cond delay="0"/>
                                           </p:stCondLst>
@@ -23180,7 +24904,7 @@
                                     </p:set>
                                     <p:animEffect transition="in" filter="wipe(right)">
                                       <p:cBhvr>
-                                        <p:cTn id="36" dur="500"/>
+                                        <p:cTn id="44" dur="500"/>
                                         <p:tgtEl>
                                           <p:spTgt spid="48"/>
                                         </p:tgtEl>
@@ -23196,26 +24920,26 @@
                     </p:cTn>
                   </p:par>
                   <p:par>
-                    <p:cTn id="37" fill="hold">
+                    <p:cTn id="45" fill="hold">
                       <p:stCondLst>
                         <p:cond delay="indefinite"/>
                       </p:stCondLst>
                       <p:childTnLst>
                         <p:par>
-                          <p:cTn id="38" fill="hold">
+                          <p:cTn id="46" fill="hold">
                             <p:stCondLst>
                               <p:cond delay="0"/>
                             </p:stCondLst>
                             <p:childTnLst>
                               <p:par>
-                                <p:cTn id="39" presetID="22" presetClass="entr" presetSubtype="2" fill="hold" nodeType="clickEffect">
+                                <p:cTn id="47" presetID="22" presetClass="entr" presetSubtype="2" fill="hold" nodeType="clickEffect">
                                   <p:stCondLst>
                                     <p:cond delay="0"/>
                                   </p:stCondLst>
                                   <p:childTnLst>
                                     <p:set>
                                       <p:cBhvr>
-                                        <p:cTn id="40" dur="1" fill="hold">
+                                        <p:cTn id="48" dur="1" fill="hold">
                                           <p:stCondLst>
                                             <p:cond delay="0"/>
                                           </p:stCondLst>
@@ -23233,7 +24957,7 @@
                                     </p:set>
                                     <p:animEffect transition="in" filter="wipe(right)">
                                       <p:cBhvr>
-                                        <p:cTn id="41" dur="500"/>
+                                        <p:cTn id="49" dur="500"/>
                                         <p:tgtEl>
                                           <p:spTgt spid="51"/>
                                         </p:tgtEl>
@@ -23249,26 +24973,26 @@
                     </p:cTn>
                   </p:par>
                   <p:par>
-                    <p:cTn id="42" fill="hold">
+                    <p:cTn id="50" fill="hold">
                       <p:stCondLst>
                         <p:cond delay="indefinite"/>
                       </p:stCondLst>
                       <p:childTnLst>
                         <p:par>
-                          <p:cTn id="43" fill="hold">
+                          <p:cTn id="51" fill="hold">
                             <p:stCondLst>
                               <p:cond delay="0"/>
                             </p:stCondLst>
                             <p:childTnLst>
                               <p:par>
-                                <p:cTn id="44" presetID="22" presetClass="entr" presetSubtype="2" fill="hold" nodeType="clickEffect">
+                                <p:cTn id="52" presetID="22" presetClass="entr" presetSubtype="2" fill="hold" nodeType="clickEffect">
                                   <p:stCondLst>
                                     <p:cond delay="0"/>
                                   </p:stCondLst>
                                   <p:childTnLst>
                                     <p:set>
                                       <p:cBhvr>
-                                        <p:cTn id="45" dur="1" fill="hold">
+                                        <p:cTn id="53" dur="1" fill="hold">
                                           <p:stCondLst>
                                             <p:cond delay="0"/>
                                           </p:stCondLst>
@@ -23286,7 +25010,7 @@
                                     </p:set>
                                     <p:animEffect transition="in" filter="wipe(right)">
                                       <p:cBhvr>
-                                        <p:cTn id="46" dur="500"/>
+                                        <p:cTn id="54" dur="500"/>
                                         <p:tgtEl>
                                           <p:spTgt spid="54"/>
                                         </p:tgtEl>
@@ -23298,127 +25022,21 @@
                             </p:childTnLst>
                           </p:cTn>
                         </p:par>
-                      </p:childTnLst>
-                    </p:cTn>
-                  </p:par>
-                  <p:par>
-                    <p:cTn id="47" fill="hold">
-                      <p:stCondLst>
-                        <p:cond delay="indefinite"/>
-                      </p:stCondLst>
-                      <p:childTnLst>
                         <p:par>
-                          <p:cTn id="48" fill="hold">
+                          <p:cTn id="55" fill="hold">
                             <p:stCondLst>
-                              <p:cond delay="0"/>
+                              <p:cond delay="500"/>
                             </p:stCondLst>
                             <p:childTnLst>
                               <p:par>
-                                <p:cTn id="49" presetID="22" presetClass="entr" presetSubtype="2" fill="hold" nodeType="clickEffect">
+                                <p:cTn id="56" presetID="53" presetClass="entr" presetSubtype="16" fill="hold" nodeType="afterEffect">
                                   <p:stCondLst>
                                     <p:cond delay="0"/>
                                   </p:stCondLst>
                                   <p:childTnLst>
                                     <p:set>
                                       <p:cBhvr>
-                                        <p:cTn id="50" dur="1" fill="hold">
-                                          <p:stCondLst>
-                                            <p:cond delay="0"/>
-                                          </p:stCondLst>
-                                        </p:cTn>
-                                        <p:tgtEl>
-                                          <p:spTgt spid="57"/>
-                                        </p:tgtEl>
-                                        <p:attrNameLst>
-                                          <p:attrName>style.visibility</p:attrName>
-                                        </p:attrNameLst>
-                                      </p:cBhvr>
-                                      <p:to>
-                                        <p:strVal val="visible"/>
-                                      </p:to>
-                                    </p:set>
-                                    <p:animEffect transition="in" filter="wipe(right)">
-                                      <p:cBhvr>
-                                        <p:cTn id="51" dur="500"/>
-                                        <p:tgtEl>
-                                          <p:spTgt spid="57"/>
-                                        </p:tgtEl>
-                                      </p:cBhvr>
-                                    </p:animEffect>
-                                  </p:childTnLst>
-                                </p:cTn>
-                              </p:par>
-                            </p:childTnLst>
-                          </p:cTn>
-                        </p:par>
-                      </p:childTnLst>
-                    </p:cTn>
-                  </p:par>
-                  <p:par>
-                    <p:cTn id="52" fill="hold">
-                      <p:stCondLst>
-                        <p:cond delay="indefinite"/>
-                      </p:stCondLst>
-                      <p:childTnLst>
-                        <p:par>
-                          <p:cTn id="53" fill="hold">
-                            <p:stCondLst>
-                              <p:cond delay="0"/>
-                            </p:stCondLst>
-                            <p:childTnLst>
-                              <p:par>
-                                <p:cTn id="54" presetID="22" presetClass="entr" presetSubtype="2" fill="hold" nodeType="clickEffect">
-                                  <p:stCondLst>
-                                    <p:cond delay="0"/>
-                                  </p:stCondLst>
-                                  <p:childTnLst>
-                                    <p:set>
-                                      <p:cBhvr>
-                                        <p:cTn id="55" dur="1" fill="hold">
-                                          <p:stCondLst>
-                                            <p:cond delay="0"/>
-                                          </p:stCondLst>
-                                        </p:cTn>
-                                        <p:tgtEl>
-                                          <p:spTgt spid="60"/>
-                                        </p:tgtEl>
-                                        <p:attrNameLst>
-                                          <p:attrName>style.visibility</p:attrName>
-                                        </p:attrNameLst>
-                                      </p:cBhvr>
-                                      <p:to>
-                                        <p:strVal val="visible"/>
-                                      </p:to>
-                                    </p:set>
-                                    <p:animEffect transition="in" filter="wipe(right)">
-                                      <p:cBhvr>
-                                        <p:cTn id="56" dur="500"/>
-                                        <p:tgtEl>
-                                          <p:spTgt spid="60"/>
-                                        </p:tgtEl>
-                                      </p:cBhvr>
-                                    </p:animEffect>
-                                  </p:childTnLst>
-                                </p:cTn>
-                              </p:par>
-                            </p:childTnLst>
-                          </p:cTn>
-                        </p:par>
-                        <p:par>
-                          <p:cTn id="57" fill="hold">
-                            <p:stCondLst>
-                              <p:cond delay="500"/>
-                            </p:stCondLst>
-                            <p:childTnLst>
-                              <p:par>
-                                <p:cTn id="58" presetID="53" presetClass="entr" presetSubtype="16" fill="hold" nodeType="afterEffect">
-                                  <p:stCondLst>
-                                    <p:cond delay="0"/>
-                                  </p:stCondLst>
-                                  <p:childTnLst>
-                                    <p:set>
-                                      <p:cBhvr>
-                                        <p:cTn id="59" dur="1" fill="hold">
+                                        <p:cTn id="57" dur="1" fill="hold">
                                           <p:stCondLst>
                                             <p:cond delay="0"/>
                                           </p:stCondLst>
@@ -23436,7 +25054,7 @@
                                     </p:set>
                                     <p:anim calcmode="lin" valueType="num">
                                       <p:cBhvr>
-                                        <p:cTn id="60" dur="500" fill="hold"/>
+                                        <p:cTn id="58" dur="500" fill="hold"/>
                                         <p:tgtEl>
                                           <p:spTgt spid="63"/>
                                         </p:tgtEl>
@@ -23459,7 +25077,7 @@
                                     </p:anim>
                                     <p:anim calcmode="lin" valueType="num">
                                       <p:cBhvr>
-                                        <p:cTn id="61" dur="500" fill="hold"/>
+                                        <p:cTn id="59" dur="500" fill="hold"/>
                                         <p:tgtEl>
                                           <p:spTgt spid="63"/>
                                         </p:tgtEl>
@@ -23482,9 +25100,115 @@
                                     </p:anim>
                                     <p:animEffect transition="in" filter="fade">
                                       <p:cBhvr>
-                                        <p:cTn id="62" dur="500"/>
+                                        <p:cTn id="60" dur="500"/>
                                         <p:tgtEl>
                                           <p:spTgt spid="63"/>
+                                        </p:tgtEl>
+                                      </p:cBhvr>
+                                    </p:animEffect>
+                                  </p:childTnLst>
+                                </p:cTn>
+                              </p:par>
+                            </p:childTnLst>
+                          </p:cTn>
+                        </p:par>
+                      </p:childTnLst>
+                    </p:cTn>
+                  </p:par>
+                  <p:par>
+                    <p:cTn id="61" fill="hold">
+                      <p:stCondLst>
+                        <p:cond delay="indefinite"/>
+                      </p:stCondLst>
+                      <p:childTnLst>
+                        <p:par>
+                          <p:cTn id="62" fill="hold">
+                            <p:stCondLst>
+                              <p:cond delay="0"/>
+                            </p:stCondLst>
+                            <p:childTnLst>
+                              <p:par>
+                                <p:cTn id="63" presetID="22" presetClass="entr" presetSubtype="2" fill="hold" nodeType="clickEffect">
+                                  <p:stCondLst>
+                                    <p:cond delay="0"/>
+                                  </p:stCondLst>
+                                  <p:childTnLst>
+                                    <p:set>
+                                      <p:cBhvr>
+                                        <p:cTn id="64" dur="1" fill="hold">
+                                          <p:stCondLst>
+                                            <p:cond delay="0"/>
+                                          </p:stCondLst>
+                                        </p:cTn>
+                                        <p:tgtEl>
+                                          <p:spTgt spid="57"/>
+                                        </p:tgtEl>
+                                        <p:attrNameLst>
+                                          <p:attrName>style.visibility</p:attrName>
+                                        </p:attrNameLst>
+                                      </p:cBhvr>
+                                      <p:to>
+                                        <p:strVal val="visible"/>
+                                      </p:to>
+                                    </p:set>
+                                    <p:animEffect transition="in" filter="wipe(right)">
+                                      <p:cBhvr>
+                                        <p:cTn id="65" dur="500"/>
+                                        <p:tgtEl>
+                                          <p:spTgt spid="57"/>
+                                        </p:tgtEl>
+                                      </p:cBhvr>
+                                    </p:animEffect>
+                                  </p:childTnLst>
+                                </p:cTn>
+                              </p:par>
+                            </p:childTnLst>
+                          </p:cTn>
+                        </p:par>
+                      </p:childTnLst>
+                    </p:cTn>
+                  </p:par>
+                  <p:par>
+                    <p:cTn id="66" fill="hold">
+                      <p:stCondLst>
+                        <p:cond delay="indefinite"/>
+                      </p:stCondLst>
+                      <p:childTnLst>
+                        <p:par>
+                          <p:cTn id="67" fill="hold">
+                            <p:stCondLst>
+                              <p:cond delay="0"/>
+                            </p:stCondLst>
+                            <p:childTnLst>
+                              <p:par>
+                                <p:cTn id="68" presetID="22" presetClass="entr" presetSubtype="2" fill="hold" nodeType="clickEffect">
+                                  <p:stCondLst>
+                                    <p:cond delay="0"/>
+                                  </p:stCondLst>
+                                  <p:childTnLst>
+                                    <p:set>
+                                      <p:cBhvr>
+                                        <p:cTn id="69" dur="1" fill="hold">
+                                          <p:stCondLst>
+                                            <p:cond delay="0"/>
+                                          </p:stCondLst>
+                                        </p:cTn>
+                                        <p:tgtEl>
+                                          <p:spTgt spid="60"/>
+                                        </p:tgtEl>
+                                        <p:attrNameLst>
+                                          <p:attrName>style.visibility</p:attrName>
+                                        </p:attrNameLst>
+                                      </p:cBhvr>
+                                      <p:to>
+                                        <p:strVal val="visible"/>
+                                      </p:to>
+                                    </p:set>
+                                    <p:animEffect transition="in" filter="wipe(right)">
+                                      <p:cBhvr>
+                                        <p:cTn id="70" dur="500"/>
+                                        <p:tgtEl>
+                                          <p:spTgt spid="60"/>
                                         </p:tgtEl>
                                       </p:cBhvr>
                                     </p:animEffect>
@@ -23518,6 +25242,10 @@
         </p:cTn>
       </p:par>
     </p:tnLst>
+    <p:bldLst>
+      <p:bldP spid="3" grpId="0" animBg="1"/>
+      <p:bldP spid="9" grpId="0"/>
+    </p:bldLst>
   </p:timing>
 </p:sld>
 </file>
@@ -23565,11 +25293,11 @@
             <a:r>
               <a:rPr lang="en-US" sz="3200" b="1" dirty="0">
                 <a:solidFill>
-                  <a:srgbClr val="FF0000"/>
+                  <a:srgbClr val="00B050"/>
                 </a:solidFill>
                 <a:latin typeface="+mn-lt"/>
               </a:rPr>
-              <a:t>Edit</a:t>
+              <a:t>Run</a:t>
             </a:r>
             <a:r>
               <a:rPr lang="en-US" sz="3200" dirty="0">
@@ -23599,277 +25327,6 @@
               <a:rPr lang="en-US" smtClean="0"/>
               <a:pPr/>
               <a:t>32</a:t>
-            </a:fld>
-            <a:endParaRPr lang="en-US" dirty="0"/>
-          </a:p>
-        </p:txBody>
-      </p:sp>
-      <p:pic>
-        <p:nvPicPr>
-          <p:cNvPr id="6" name="Picture 5">
-            <a:extLst>
-              <a:ext uri="{FF2B5EF4-FFF2-40B4-BE49-F238E27FC236}">
-                <a16:creationId xmlns:a16="http://schemas.microsoft.com/office/drawing/2014/main" id="{705FA7BF-6F21-D79F-D4D0-56CF3795CBE1}"/>
-              </a:ext>
-            </a:extLst>
-          </p:cNvPr>
-          <p:cNvPicPr>
-            <a:picLocks noChangeAspect="1"/>
-          </p:cNvPicPr>
-          <p:nvPr/>
-        </p:nvPicPr>
-        <p:blipFill>
-          <a:blip r:embed="rId2"/>
-          <a:stretch>
-            <a:fillRect/>
-          </a:stretch>
-        </p:blipFill>
-        <p:spPr>
-          <a:xfrm>
-            <a:off x="2132012" y="1846299"/>
-            <a:ext cx="4879975" cy="3887437"/>
-          </a:xfrm>
-          <a:prstGeom prst="rect">
-            <a:avLst/>
-          </a:prstGeom>
-          <a:ln>
-            <a:solidFill>
-              <a:schemeClr val="tx1"/>
-            </a:solidFill>
-          </a:ln>
-        </p:spPr>
-      </p:pic>
-      <p:sp>
-        <p:nvSpPr>
-          <p:cNvPr id="7" name="Rectangle 6">
-            <a:extLst>
-              <a:ext uri="{FF2B5EF4-FFF2-40B4-BE49-F238E27FC236}">
-                <a16:creationId xmlns:a16="http://schemas.microsoft.com/office/drawing/2014/main" id="{E9745B13-8F44-B362-6F8A-939C19FC7AC9}"/>
-              </a:ext>
-            </a:extLst>
-          </p:cNvPr>
-          <p:cNvSpPr/>
-          <p:nvPr/>
-        </p:nvSpPr>
-        <p:spPr>
-          <a:xfrm>
-            <a:off x="2132012" y="2128671"/>
-            <a:ext cx="4879975" cy="2795598"/>
-          </a:xfrm>
-          <a:prstGeom prst="rect">
-            <a:avLst/>
-          </a:prstGeom>
-          <a:noFill/>
-          <a:ln w="28575">
-            <a:solidFill>
-              <a:srgbClr val="FF0000"/>
-            </a:solidFill>
-          </a:ln>
-        </p:spPr>
-        <p:style>
-          <a:lnRef idx="2">
-            <a:schemeClr val="accent1">
-              <a:shade val="15000"/>
-            </a:schemeClr>
-          </a:lnRef>
-          <a:fillRef idx="1">
-            <a:schemeClr val="accent1"/>
-          </a:fillRef>
-          <a:effectRef idx="0">
-            <a:schemeClr val="accent1"/>
-          </a:effectRef>
-          <a:fontRef idx="minor">
-            <a:schemeClr val="lt1"/>
-          </a:fontRef>
-        </p:style>
-        <p:txBody>
-          <a:bodyPr rtlCol="0" anchor="ctr"/>
-          <a:lstStyle/>
-          <a:p>
-            <a:pPr algn="ctr"/>
-            <a:endParaRPr lang="en-US"/>
-          </a:p>
-        </p:txBody>
-      </p:sp>
-    </p:spTree>
-    <p:extLst>
-      <p:ext uri="{BB962C8B-B14F-4D97-AF65-F5344CB8AC3E}">
-        <p14:creationId xmlns:p14="http://schemas.microsoft.com/office/powerpoint/2010/main" val="3125868529"/>
-      </p:ext>
-    </p:extLst>
-  </p:cSld>
-  <p:clrMapOvr>
-    <a:masterClrMapping/>
-  </p:clrMapOvr>
-  <p:timing>
-    <p:tnLst>
-      <p:par>
-        <p:cTn id="1" dur="indefinite" restart="never" nodeType="tmRoot">
-          <p:childTnLst>
-            <p:seq concurrent="1" nextAc="seek">
-              <p:cTn id="2" dur="indefinite" nodeType="mainSeq">
-                <p:childTnLst>
-                  <p:par>
-                    <p:cTn id="3" fill="hold">
-                      <p:stCondLst>
-                        <p:cond delay="indefinite"/>
-                        <p:cond evt="onBegin" delay="0">
-                          <p:tn val="2"/>
-                        </p:cond>
-                      </p:stCondLst>
-                      <p:childTnLst>
-                        <p:par>
-                          <p:cTn id="4" fill="hold">
-                            <p:stCondLst>
-                              <p:cond delay="0"/>
-                            </p:stCondLst>
-                            <p:childTnLst>
-                              <p:par>
-                                <p:cTn id="5" presetID="16" presetClass="entr" presetSubtype="21" fill="hold" grpId="0" nodeType="afterEffect">
-                                  <p:stCondLst>
-                                    <p:cond delay="0"/>
-                                  </p:stCondLst>
-                                  <p:childTnLst>
-                                    <p:set>
-                                      <p:cBhvr>
-                                        <p:cTn id="6" dur="1" fill="hold">
-                                          <p:stCondLst>
-                                            <p:cond delay="0"/>
-                                          </p:stCondLst>
-                                        </p:cTn>
-                                        <p:tgtEl>
-                                          <p:spTgt spid="7"/>
-                                        </p:tgtEl>
-                                        <p:attrNameLst>
-                                          <p:attrName>style.visibility</p:attrName>
-                                        </p:attrNameLst>
-                                      </p:cBhvr>
-                                      <p:to>
-                                        <p:strVal val="visible"/>
-                                      </p:to>
-                                    </p:set>
-                                    <p:animEffect transition="in" filter="barn(inVertical)">
-                                      <p:cBhvr>
-                                        <p:cTn id="7" dur="500"/>
-                                        <p:tgtEl>
-                                          <p:spTgt spid="7"/>
-                                        </p:tgtEl>
-                                      </p:cBhvr>
-                                    </p:animEffect>
-                                  </p:childTnLst>
-                                </p:cTn>
-                              </p:par>
-                            </p:childTnLst>
-                          </p:cTn>
-                        </p:par>
-                      </p:childTnLst>
-                    </p:cTn>
-                  </p:par>
-                </p:childTnLst>
-              </p:cTn>
-              <p:prevCondLst>
-                <p:cond evt="onPrev" delay="0">
-                  <p:tgtEl>
-                    <p:sldTgt/>
-                  </p:tgtEl>
-                </p:cond>
-              </p:prevCondLst>
-              <p:nextCondLst>
-                <p:cond evt="onNext" delay="0">
-                  <p:tgtEl>
-                    <p:sldTgt/>
-                  </p:tgtEl>
-                </p:cond>
-              </p:nextCondLst>
-            </p:seq>
-          </p:childTnLst>
-        </p:cTn>
-      </p:par>
-    </p:tnLst>
-    <p:bldLst>
-      <p:bldP spid="7" grpId="0" animBg="1"/>
-    </p:bldLst>
-  </p:timing>
-</p:sld>
-</file>
-
-<file path=ppt/slides/slide33.xml><?xml version="1.0" encoding="utf-8"?>
-<p:sld xmlns:a="http://schemas.openxmlformats.org/drawingml/2006/main" xmlns:r="http://schemas.openxmlformats.org/officeDocument/2006/relationships" xmlns:p="http://schemas.openxmlformats.org/presentationml/2006/main">
-  <p:cSld>
-    <p:spTree>
-      <p:nvGrpSpPr>
-        <p:cNvPr id="1" name=""/>
-        <p:cNvGrpSpPr/>
-        <p:nvPr/>
-      </p:nvGrpSpPr>
-      <p:grpSpPr>
-        <a:xfrm>
-          <a:off x="0" y="0"/>
-          <a:ext cx="0" cy="0"/>
-          <a:chOff x="0" y="0"/>
-          <a:chExt cx="0" cy="0"/>
-        </a:xfrm>
-      </p:grpSpPr>
-      <p:sp>
-        <p:nvSpPr>
-          <p:cNvPr id="2" name="Title 1"/>
-          <p:cNvSpPr>
-            <a:spLocks noGrp="1"/>
-          </p:cNvSpPr>
-          <p:nvPr>
-            <p:ph type="title"/>
-          </p:nvPr>
-        </p:nvSpPr>
-        <p:spPr>
-          <a:xfrm>
-            <a:off x="628650" y="365126"/>
-            <a:ext cx="7886700" cy="1103455"/>
-          </a:xfrm>
-        </p:spPr>
-        <p:txBody>
-          <a:bodyPr>
-            <a:noAutofit/>
-          </a:bodyPr>
-          <a:lstStyle/>
-          <a:p>
-            <a:pPr algn="ctr"/>
-            <a:r>
-              <a:rPr lang="en-US" sz="3200" b="1" dirty="0">
-                <a:solidFill>
-                  <a:srgbClr val="00B050"/>
-                </a:solidFill>
-                <a:latin typeface="+mn-lt"/>
-              </a:rPr>
-              <a:t>Run</a:t>
-            </a:r>
-            <a:r>
-              <a:rPr lang="en-US" sz="3200" dirty="0">
-                <a:latin typeface="+mn-lt"/>
-              </a:rPr>
-              <a:t> collatz_conjecture.py</a:t>
-            </a:r>
-          </a:p>
-        </p:txBody>
-      </p:sp>
-      <p:sp>
-        <p:nvSpPr>
-          <p:cNvPr id="4" name="Slide Number Placeholder 3"/>
-          <p:cNvSpPr>
-            <a:spLocks noGrp="1"/>
-          </p:cNvSpPr>
-          <p:nvPr>
-            <p:ph type="sldNum" sz="quarter" idx="12"/>
-          </p:nvPr>
-        </p:nvSpPr>
-        <p:spPr/>
-        <p:txBody>
-          <a:bodyPr/>
-          <a:lstStyle/>
-          <a:p>
-            <a:fld id="{650AD656-6FF9-465D-B7B0-1CD0DD39CD23}" type="slidenum">
-              <a:rPr lang="en-US" smtClean="0"/>
-              <a:pPr/>
-              <a:t>33</a:t>
             </a:fld>
             <a:endParaRPr lang="en-US" dirty="0"/>
           </a:p>
@@ -24298,7 +25755,7 @@
 </p:sld>
 </file>
 
-<file path=ppt/slides/slide34.xml><?xml version="1.0" encoding="utf-8"?>
+<file path=ppt/slides/slide33.xml><?xml version="1.0" encoding="utf-8"?>
 <p:sld xmlns:a="http://schemas.openxmlformats.org/drawingml/2006/main" xmlns:r="http://schemas.openxmlformats.org/officeDocument/2006/relationships" xmlns:p="http://schemas.openxmlformats.org/presentationml/2006/main">
   <p:cSld>
     <p:spTree>
@@ -24570,7 +26027,7 @@
           <a:p>
             <a:fld id="{650AD656-6FF9-465D-B7B0-1CD0DD39CD23}" type="slidenum">
               <a:rPr lang="en-US" smtClean="0"/>
-              <a:t>34</a:t>
+              <a:t>33</a:t>
             </a:fld>
             <a:endParaRPr lang="en-US" dirty="0"/>
           </a:p>
@@ -24790,7 +26247,7 @@
 </p:sld>
 </file>
 
-<file path=ppt/slides/slide35.xml><?xml version="1.0" encoding="utf-8"?>
+<file path=ppt/slides/slide34.xml><?xml version="1.0" encoding="utf-8"?>
 <p:sld xmlns:a="http://schemas.openxmlformats.org/drawingml/2006/main" xmlns:r="http://schemas.openxmlformats.org/officeDocument/2006/relationships" xmlns:p="http://schemas.openxmlformats.org/presentationml/2006/main">
   <p:cSld>
     <p:spTree>
@@ -24868,7 +26325,7 @@
             <a:r>
               <a:rPr lang="en-US" sz="3200" b="1" dirty="0">
                 <a:solidFill>
-                  <a:srgbClr val="00B050"/>
+                  <a:srgbClr val="0070C0"/>
                 </a:solidFill>
                 <a:latin typeface="+mn-lt"/>
               </a:rPr>
@@ -24901,7 +26358,7 @@
             <a:fld id="{650AD656-6FF9-465D-B7B0-1CD0DD39CD23}" type="slidenum">
               <a:rPr lang="en-US" smtClean="0"/>
               <a:pPr/>
-              <a:t>35</a:t>
+              <a:t>34</a:t>
             </a:fld>
             <a:endParaRPr lang="en-US" dirty="0"/>
           </a:p>
@@ -25867,6 +27324,46 @@
           </p:style>
         </p:cxnSp>
       </p:grpSp>
+      <p:sp>
+        <p:nvSpPr>
+          <p:cNvPr id="3" name="TextBox 2">
+            <a:extLst>
+              <a:ext uri="{FF2B5EF4-FFF2-40B4-BE49-F238E27FC236}">
+                <a16:creationId xmlns:a16="http://schemas.microsoft.com/office/drawing/2014/main" id="{4D8D1641-C013-B49B-171E-F22B17B419D9}"/>
+              </a:ext>
+            </a:extLst>
+          </p:cNvPr>
+          <p:cNvSpPr txBox="1"/>
+          <p:nvPr/>
+        </p:nvSpPr>
+        <p:spPr>
+          <a:xfrm>
+            <a:off x="7318982" y="407561"/>
+            <a:ext cx="1514007" cy="923330"/>
+          </a:xfrm>
+          <a:prstGeom prst="rect">
+            <a:avLst/>
+          </a:prstGeom>
+          <a:noFill/>
+        </p:spPr>
+        <p:txBody>
+          <a:bodyPr wrap="square" rtlCol="0">
+            <a:spAutoFit/>
+          </a:bodyPr>
+          <a:lstStyle/>
+          <a:p>
+            <a:pPr algn="ctr"/>
+            <a:r>
+              <a:rPr lang="en-US" b="1" dirty="0">
+                <a:solidFill>
+                  <a:srgbClr val="00B050"/>
+                </a:solidFill>
+              </a:rPr>
+              <a:t>Note: You should not edit this file!</a:t>
+            </a:r>
+          </a:p>
+        </p:txBody>
+      </p:sp>
     </p:spTree>
     <p:extLst>
       <p:ext uri="{BB962C8B-B14F-4D97-AF65-F5344CB8AC3E}">
@@ -25945,7 +27442,7 @@
                             </p:stCondLst>
                             <p:childTnLst>
                               <p:par>
-                                <p:cTn id="9" presetID="22" presetClass="entr" presetSubtype="2" fill="hold" nodeType="afterEffect">
+                                <p:cTn id="9" presetID="2" presetClass="entr" presetSubtype="2" fill="hold" grpId="0" nodeType="afterEffect">
                                   <p:stCondLst>
                                     <p:cond delay="0"/>
                                   </p:stCondLst>
@@ -25953,6 +27450,97 @@
                                     <p:set>
                                       <p:cBhvr>
                                         <p:cTn id="10" dur="1" fill="hold">
+                                          <p:stCondLst>
+                                            <p:cond delay="0"/>
+                                          </p:stCondLst>
+                                        </p:cTn>
+                                        <p:tgtEl>
+                                          <p:spTgt spid="3"/>
+                                        </p:tgtEl>
+                                        <p:attrNameLst>
+                                          <p:attrName>style.visibility</p:attrName>
+                                        </p:attrNameLst>
+                                      </p:cBhvr>
+                                      <p:to>
+                                        <p:strVal val="visible"/>
+                                      </p:to>
+                                    </p:set>
+                                    <p:anim calcmode="lin" valueType="num">
+                                      <p:cBhvr additive="base">
+                                        <p:cTn id="11" dur="500" fill="hold"/>
+                                        <p:tgtEl>
+                                          <p:spTgt spid="3"/>
+                                        </p:tgtEl>
+                                        <p:attrNameLst>
+                                          <p:attrName>ppt_x</p:attrName>
+                                        </p:attrNameLst>
+                                      </p:cBhvr>
+                                      <p:tavLst>
+                                        <p:tav tm="0">
+                                          <p:val>
+                                            <p:strVal val="1+#ppt_w/2"/>
+                                          </p:val>
+                                        </p:tav>
+                                        <p:tav tm="100000">
+                                          <p:val>
+                                            <p:strVal val="#ppt_x"/>
+                                          </p:val>
+                                        </p:tav>
+                                      </p:tavLst>
+                                    </p:anim>
+                                    <p:anim calcmode="lin" valueType="num">
+                                      <p:cBhvr additive="base">
+                                        <p:cTn id="12" dur="500" fill="hold"/>
+                                        <p:tgtEl>
+                                          <p:spTgt spid="3"/>
+                                        </p:tgtEl>
+                                        <p:attrNameLst>
+                                          <p:attrName>ppt_y</p:attrName>
+                                        </p:attrNameLst>
+                                      </p:cBhvr>
+                                      <p:tavLst>
+                                        <p:tav tm="0">
+                                          <p:val>
+                                            <p:strVal val="#ppt_y"/>
+                                          </p:val>
+                                        </p:tav>
+                                        <p:tav tm="100000">
+                                          <p:val>
+                                            <p:strVal val="#ppt_y"/>
+                                          </p:val>
+                                        </p:tav>
+                                      </p:tavLst>
+                                    </p:anim>
+                                  </p:childTnLst>
+                                </p:cTn>
+                              </p:par>
+                            </p:childTnLst>
+                          </p:cTn>
+                        </p:par>
+                      </p:childTnLst>
+                    </p:cTn>
+                  </p:par>
+                  <p:par>
+                    <p:cTn id="13" fill="hold">
+                      <p:stCondLst>
+                        <p:cond delay="indefinite"/>
+                      </p:stCondLst>
+                      <p:childTnLst>
+                        <p:par>
+                          <p:cTn id="14" fill="hold">
+                            <p:stCondLst>
+                              <p:cond delay="0"/>
+                            </p:stCondLst>
+                            <p:childTnLst>
+                              <p:par>
+                                <p:cTn id="15" presetID="22" presetClass="entr" presetSubtype="2" fill="hold" nodeType="clickEffect">
+                                  <p:stCondLst>
+                                    <p:cond delay="0"/>
+                                  </p:stCondLst>
+                                  <p:childTnLst>
+                                    <p:set>
+                                      <p:cBhvr>
+                                        <p:cTn id="16" dur="1" fill="hold">
                                           <p:stCondLst>
                                             <p:cond delay="0"/>
                                           </p:stCondLst>
@@ -25970,7 +27558,7 @@
                                     </p:set>
                                     <p:animEffect transition="in" filter="wipe(right)">
                                       <p:cBhvr>
-                                        <p:cTn id="11" dur="500"/>
+                                        <p:cTn id="17" dur="500"/>
                                         <p:tgtEl>
                                           <p:spTgt spid="8"/>
                                         </p:tgtEl>
@@ -25986,26 +27574,26 @@
                     </p:cTn>
                   </p:par>
                   <p:par>
-                    <p:cTn id="12" fill="hold">
+                    <p:cTn id="18" fill="hold">
                       <p:stCondLst>
                         <p:cond delay="indefinite"/>
                       </p:stCondLst>
                       <p:childTnLst>
                         <p:par>
-                          <p:cTn id="13" fill="hold">
+                          <p:cTn id="19" fill="hold">
                             <p:stCondLst>
                               <p:cond delay="0"/>
                             </p:stCondLst>
                             <p:childTnLst>
                               <p:par>
-                                <p:cTn id="14" presetID="22" presetClass="entr" presetSubtype="2" fill="hold" nodeType="clickEffect">
+                                <p:cTn id="20" presetID="22" presetClass="entr" presetSubtype="2" fill="hold" nodeType="clickEffect">
                                   <p:stCondLst>
                                     <p:cond delay="0"/>
                                   </p:stCondLst>
                                   <p:childTnLst>
                                     <p:set>
                                       <p:cBhvr>
-                                        <p:cTn id="15" dur="1" fill="hold">
+                                        <p:cTn id="21" dur="1" fill="hold">
                                           <p:stCondLst>
                                             <p:cond delay="0"/>
                                           </p:stCondLst>
@@ -26023,7 +27611,7 @@
                                     </p:set>
                                     <p:animEffect transition="in" filter="wipe(right)">
                                       <p:cBhvr>
-                                        <p:cTn id="16" dur="500"/>
+                                        <p:cTn id="22" dur="500"/>
                                         <p:tgtEl>
                                           <p:spTgt spid="11"/>
                                         </p:tgtEl>
@@ -26039,26 +27627,26 @@
                     </p:cTn>
                   </p:par>
                   <p:par>
-                    <p:cTn id="17" fill="hold">
+                    <p:cTn id="23" fill="hold">
                       <p:stCondLst>
                         <p:cond delay="indefinite"/>
                       </p:stCondLst>
                       <p:childTnLst>
                         <p:par>
-                          <p:cTn id="18" fill="hold">
+                          <p:cTn id="24" fill="hold">
                             <p:stCondLst>
                               <p:cond delay="0"/>
                             </p:stCondLst>
                             <p:childTnLst>
                               <p:par>
-                                <p:cTn id="19" presetID="22" presetClass="entr" presetSubtype="2" fill="hold" nodeType="clickEffect">
+                                <p:cTn id="25" presetID="22" presetClass="entr" presetSubtype="2" fill="hold" nodeType="clickEffect">
                                   <p:stCondLst>
                                     <p:cond delay="0"/>
                                   </p:stCondLst>
                                   <p:childTnLst>
                                     <p:set>
                                       <p:cBhvr>
-                                        <p:cTn id="20" dur="1" fill="hold">
+                                        <p:cTn id="26" dur="1" fill="hold">
                                           <p:stCondLst>
                                             <p:cond delay="0"/>
                                           </p:stCondLst>
@@ -26076,7 +27664,7 @@
                                     </p:set>
                                     <p:animEffect transition="in" filter="wipe(right)">
                                       <p:cBhvr>
-                                        <p:cTn id="21" dur="500"/>
+                                        <p:cTn id="27" dur="500"/>
                                         <p:tgtEl>
                                           <p:spTgt spid="14"/>
                                         </p:tgtEl>
@@ -26092,26 +27680,26 @@
                     </p:cTn>
                   </p:par>
                   <p:par>
-                    <p:cTn id="22" fill="hold">
+                    <p:cTn id="28" fill="hold">
                       <p:stCondLst>
                         <p:cond delay="indefinite"/>
                       </p:stCondLst>
                       <p:childTnLst>
                         <p:par>
-                          <p:cTn id="23" fill="hold">
+                          <p:cTn id="29" fill="hold">
                             <p:stCondLst>
                               <p:cond delay="0"/>
                             </p:stCondLst>
                             <p:childTnLst>
                               <p:par>
-                                <p:cTn id="24" presetID="22" presetClass="entr" presetSubtype="2" fill="hold" nodeType="clickEffect">
+                                <p:cTn id="30" presetID="22" presetClass="entr" presetSubtype="2" fill="hold" nodeType="clickEffect">
                                   <p:stCondLst>
                                     <p:cond delay="0"/>
                                   </p:stCondLst>
                                   <p:childTnLst>
                                     <p:set>
                                       <p:cBhvr>
-                                        <p:cTn id="25" dur="1" fill="hold">
+                                        <p:cTn id="31" dur="1" fill="hold">
                                           <p:stCondLst>
                                             <p:cond delay="0"/>
                                           </p:stCondLst>
@@ -26129,7 +27717,7 @@
                                     </p:set>
                                     <p:animEffect transition="in" filter="wipe(right)">
                                       <p:cBhvr>
-                                        <p:cTn id="26" dur="500"/>
+                                        <p:cTn id="32" dur="500"/>
                                         <p:tgtEl>
                                           <p:spTgt spid="17"/>
                                         </p:tgtEl>
@@ -26145,26 +27733,26 @@
                     </p:cTn>
                   </p:par>
                   <p:par>
-                    <p:cTn id="27" fill="hold">
+                    <p:cTn id="33" fill="hold">
                       <p:stCondLst>
                         <p:cond delay="indefinite"/>
                       </p:stCondLst>
                       <p:childTnLst>
                         <p:par>
-                          <p:cTn id="28" fill="hold">
+                          <p:cTn id="34" fill="hold">
                             <p:stCondLst>
                               <p:cond delay="0"/>
                             </p:stCondLst>
                             <p:childTnLst>
                               <p:par>
-                                <p:cTn id="29" presetID="22" presetClass="entr" presetSubtype="2" fill="hold" nodeType="clickEffect">
+                                <p:cTn id="35" presetID="22" presetClass="entr" presetSubtype="2" fill="hold" nodeType="clickEffect">
                                   <p:stCondLst>
                                     <p:cond delay="0"/>
                                   </p:stCondLst>
                                   <p:childTnLst>
                                     <p:set>
                                       <p:cBhvr>
-                                        <p:cTn id="30" dur="1" fill="hold">
+                                        <p:cTn id="36" dur="1" fill="hold">
                                           <p:stCondLst>
                                             <p:cond delay="0"/>
                                           </p:stCondLst>
@@ -26182,7 +27770,7 @@
                                     </p:set>
                                     <p:animEffect transition="in" filter="wipe(right)">
                                       <p:cBhvr>
-                                        <p:cTn id="31" dur="500"/>
+                                        <p:cTn id="37" dur="500"/>
                                         <p:tgtEl>
                                           <p:spTgt spid="20"/>
                                         </p:tgtEl>
@@ -26198,26 +27786,26 @@
                     </p:cTn>
                   </p:par>
                   <p:par>
-                    <p:cTn id="32" fill="hold">
+                    <p:cTn id="38" fill="hold">
                       <p:stCondLst>
                         <p:cond delay="indefinite"/>
                       </p:stCondLst>
                       <p:childTnLst>
                         <p:par>
-                          <p:cTn id="33" fill="hold">
+                          <p:cTn id="39" fill="hold">
                             <p:stCondLst>
                               <p:cond delay="0"/>
                             </p:stCondLst>
                             <p:childTnLst>
                               <p:par>
-                                <p:cTn id="34" presetID="22" presetClass="entr" presetSubtype="2" fill="hold" nodeType="clickEffect">
+                                <p:cTn id="40" presetID="22" presetClass="entr" presetSubtype="2" fill="hold" nodeType="clickEffect">
                                   <p:stCondLst>
                                     <p:cond delay="0"/>
                                   </p:stCondLst>
                                   <p:childTnLst>
                                     <p:set>
                                       <p:cBhvr>
-                                        <p:cTn id="35" dur="1" fill="hold">
+                                        <p:cTn id="41" dur="1" fill="hold">
                                           <p:stCondLst>
                                             <p:cond delay="0"/>
                                           </p:stCondLst>
@@ -26235,7 +27823,7 @@
                                     </p:set>
                                     <p:animEffect transition="in" filter="wipe(right)">
                                       <p:cBhvr>
-                                        <p:cTn id="36" dur="500"/>
+                                        <p:cTn id="42" dur="500"/>
                                         <p:tgtEl>
                                           <p:spTgt spid="23"/>
                                         </p:tgtEl>
@@ -26251,26 +27839,26 @@
                     </p:cTn>
                   </p:par>
                   <p:par>
-                    <p:cTn id="37" fill="hold">
+                    <p:cTn id="43" fill="hold">
                       <p:stCondLst>
                         <p:cond delay="indefinite"/>
                       </p:stCondLst>
                       <p:childTnLst>
                         <p:par>
-                          <p:cTn id="38" fill="hold">
+                          <p:cTn id="44" fill="hold">
                             <p:stCondLst>
                               <p:cond delay="0"/>
                             </p:stCondLst>
                             <p:childTnLst>
                               <p:par>
-                                <p:cTn id="39" presetID="22" presetClass="entr" presetSubtype="2" fill="hold" nodeType="clickEffect">
+                                <p:cTn id="45" presetID="22" presetClass="entr" presetSubtype="2" fill="hold" nodeType="clickEffect">
                                   <p:stCondLst>
                                     <p:cond delay="0"/>
                                   </p:stCondLst>
                                   <p:childTnLst>
                                     <p:set>
                                       <p:cBhvr>
-                                        <p:cTn id="40" dur="1" fill="hold">
+                                        <p:cTn id="46" dur="1" fill="hold">
                                           <p:stCondLst>
                                             <p:cond delay="0"/>
                                           </p:stCondLst>
@@ -26288,7 +27876,7 @@
                                     </p:set>
                                     <p:animEffect transition="in" filter="wipe(right)">
                                       <p:cBhvr>
-                                        <p:cTn id="41" dur="500"/>
+                                        <p:cTn id="47" dur="500"/>
                                         <p:tgtEl>
                                           <p:spTgt spid="26"/>
                                         </p:tgtEl>
@@ -26304,26 +27892,26 @@
                     </p:cTn>
                   </p:par>
                   <p:par>
-                    <p:cTn id="42" fill="hold">
+                    <p:cTn id="48" fill="hold">
                       <p:stCondLst>
                         <p:cond delay="indefinite"/>
                       </p:stCondLst>
                       <p:childTnLst>
                         <p:par>
-                          <p:cTn id="43" fill="hold">
+                          <p:cTn id="49" fill="hold">
                             <p:stCondLst>
                               <p:cond delay="0"/>
                             </p:stCondLst>
                             <p:childTnLst>
                               <p:par>
-                                <p:cTn id="44" presetID="22" presetClass="entr" presetSubtype="2" fill="hold" nodeType="clickEffect">
+                                <p:cTn id="50" presetID="22" presetClass="entr" presetSubtype="2" fill="hold" nodeType="clickEffect">
                                   <p:stCondLst>
                                     <p:cond delay="0"/>
                                   </p:stCondLst>
                                   <p:childTnLst>
                                     <p:set>
                                       <p:cBhvr>
-                                        <p:cTn id="45" dur="1" fill="hold">
+                                        <p:cTn id="51" dur="1" fill="hold">
                                           <p:stCondLst>
                                             <p:cond delay="0"/>
                                           </p:stCondLst>
@@ -26341,7 +27929,7 @@
                                     </p:set>
                                     <p:animEffect transition="in" filter="wipe(right)">
                                       <p:cBhvr>
-                                        <p:cTn id="46" dur="500"/>
+                                        <p:cTn id="52" dur="500"/>
                                         <p:tgtEl>
                                           <p:spTgt spid="29"/>
                                         </p:tgtEl>
@@ -26377,11 +27965,14 @@
         </p:cTn>
       </p:par>
     </p:tnLst>
+    <p:bldLst>
+      <p:bldP spid="3" grpId="0"/>
+    </p:bldLst>
   </p:timing>
 </p:sld>
 </file>
 
-<file path=ppt/slides/slide36.xml><?xml version="1.0" encoding="utf-8"?>
+<file path=ppt/slides/slide35.xml><?xml version="1.0" encoding="utf-8"?>
 <p:sld xmlns:a="http://schemas.openxmlformats.org/drawingml/2006/main" xmlns:r="http://schemas.openxmlformats.org/officeDocument/2006/relationships" xmlns:p="http://schemas.openxmlformats.org/presentationml/2006/main">
   <p:cSld>
     <p:spTree>
@@ -26457,7 +28048,7 @@
             <a:fld id="{650AD656-6FF9-465D-B7B0-1CD0DD39CD23}" type="slidenum">
               <a:rPr lang="en-US" smtClean="0"/>
               <a:pPr/>
-              <a:t>36</a:t>
+              <a:t>35</a:t>
             </a:fld>
             <a:endParaRPr lang="en-US" dirty="0"/>
           </a:p>
@@ -28187,7 +29778,7 @@
 </p:sld>
 </file>
 
-<file path=ppt/slides/slide37.xml><?xml version="1.0" encoding="utf-8"?>
+<file path=ppt/slides/slide36.xml><?xml version="1.0" encoding="utf-8"?>
 <p:sld xmlns:a="http://schemas.openxmlformats.org/drawingml/2006/main" xmlns:r="http://schemas.openxmlformats.org/officeDocument/2006/relationships" xmlns:p="http://schemas.openxmlformats.org/presentationml/2006/main">
   <p:cSld>
     <p:spTree>
@@ -28263,7 +29854,7 @@
             <a:fld id="{650AD656-6FF9-465D-B7B0-1CD0DD39CD23}" type="slidenum">
               <a:rPr lang="en-US" smtClean="0"/>
               <a:pPr/>
-              <a:t>37</a:t>
+              <a:t>36</a:t>
             </a:fld>
             <a:endParaRPr lang="en-US" dirty="0"/>
           </a:p>
@@ -29603,7 +31194,7 @@
 </p:sld>
 </file>
 
-<file path=ppt/slides/slide38.xml><?xml version="1.0" encoding="utf-8"?>
+<file path=ppt/slides/slide37.xml><?xml version="1.0" encoding="utf-8"?>
 <p:sld xmlns:a="http://schemas.openxmlformats.org/drawingml/2006/main" xmlns:r="http://schemas.openxmlformats.org/officeDocument/2006/relationships" xmlns:p="http://schemas.openxmlformats.org/presentationml/2006/main">
   <p:cSld>
     <p:spTree>
@@ -29679,7 +31270,7 @@
             <a:fld id="{650AD656-6FF9-465D-B7B0-1CD0DD39CD23}" type="slidenum">
               <a:rPr lang="en-US" smtClean="0"/>
               <a:pPr/>
-              <a:t>38</a:t>
+              <a:t>37</a:t>
             </a:fld>
             <a:endParaRPr lang="en-US" dirty="0"/>
           </a:p>
@@ -30016,6 +31607,158 @@
           </p:txBody>
         </p:sp>
       </p:grpSp>
+      <p:sp>
+        <p:nvSpPr>
+          <p:cNvPr id="3" name="Rectangle 2">
+            <a:extLst>
+              <a:ext uri="{FF2B5EF4-FFF2-40B4-BE49-F238E27FC236}">
+                <a16:creationId xmlns:a16="http://schemas.microsoft.com/office/drawing/2014/main" id="{B240BAC0-4D90-AE56-BC44-55C124AB0A21}"/>
+              </a:ext>
+            </a:extLst>
+          </p:cNvPr>
+          <p:cNvSpPr/>
+          <p:nvPr/>
+        </p:nvSpPr>
+        <p:spPr>
+          <a:xfrm>
+            <a:off x="6655633" y="5471410"/>
+            <a:ext cx="292308" cy="449705"/>
+          </a:xfrm>
+          <a:prstGeom prst="rect">
+            <a:avLst/>
+          </a:prstGeom>
+          <a:noFill/>
+          <a:ln w="28575">
+            <a:solidFill>
+              <a:srgbClr val="FF0000"/>
+            </a:solidFill>
+          </a:ln>
+        </p:spPr>
+        <p:style>
+          <a:lnRef idx="2">
+            <a:schemeClr val="accent1">
+              <a:shade val="15000"/>
+            </a:schemeClr>
+          </a:lnRef>
+          <a:fillRef idx="1">
+            <a:schemeClr val="accent1"/>
+          </a:fillRef>
+          <a:effectRef idx="0">
+            <a:schemeClr val="accent1"/>
+          </a:effectRef>
+          <a:fontRef idx="minor">
+            <a:schemeClr val="lt1"/>
+          </a:fontRef>
+        </p:style>
+        <p:txBody>
+          <a:bodyPr rtlCol="0" anchor="ctr"/>
+          <a:lstStyle/>
+          <a:p>
+            <a:pPr algn="ctr"/>
+            <a:endParaRPr lang="en-US"/>
+          </a:p>
+        </p:txBody>
+      </p:sp>
+      <p:sp>
+        <p:nvSpPr>
+          <p:cNvPr id="5" name="Rectangle 4">
+            <a:extLst>
+              <a:ext uri="{FF2B5EF4-FFF2-40B4-BE49-F238E27FC236}">
+                <a16:creationId xmlns:a16="http://schemas.microsoft.com/office/drawing/2014/main" id="{41267AB0-396F-188B-61BF-F1AB6C6049D2}"/>
+              </a:ext>
+            </a:extLst>
+          </p:cNvPr>
+          <p:cNvSpPr/>
+          <p:nvPr/>
+        </p:nvSpPr>
+        <p:spPr>
+          <a:xfrm>
+            <a:off x="1927525" y="2073919"/>
+            <a:ext cx="383458" cy="369332"/>
+          </a:xfrm>
+          <a:prstGeom prst="rect">
+            <a:avLst/>
+          </a:prstGeom>
+          <a:noFill/>
+          <a:ln w="28575">
+            <a:solidFill>
+              <a:srgbClr val="FF0000"/>
+            </a:solidFill>
+          </a:ln>
+        </p:spPr>
+        <p:style>
+          <a:lnRef idx="2">
+            <a:schemeClr val="accent1">
+              <a:shade val="15000"/>
+            </a:schemeClr>
+          </a:lnRef>
+          <a:fillRef idx="1">
+            <a:schemeClr val="accent1"/>
+          </a:fillRef>
+          <a:effectRef idx="0">
+            <a:schemeClr val="accent1"/>
+          </a:effectRef>
+          <a:fontRef idx="minor">
+            <a:schemeClr val="lt1"/>
+          </a:fontRef>
+        </p:style>
+        <p:txBody>
+          <a:bodyPr rtlCol="0" anchor="ctr"/>
+          <a:lstStyle/>
+          <a:p>
+            <a:pPr algn="ctr"/>
+            <a:endParaRPr lang="en-US"/>
+          </a:p>
+        </p:txBody>
+      </p:sp>
+      <p:cxnSp>
+        <p:nvCxnSpPr>
+          <p:cNvPr id="8" name="Connector: Elbow 7">
+            <a:extLst>
+              <a:ext uri="{FF2B5EF4-FFF2-40B4-BE49-F238E27FC236}">
+                <a16:creationId xmlns:a16="http://schemas.microsoft.com/office/drawing/2014/main" id="{6C5A8F93-1507-36BF-1A0B-A25101E98E37}"/>
+              </a:ext>
+            </a:extLst>
+          </p:cNvPr>
+          <p:cNvCxnSpPr>
+            <a:stCxn id="3" idx="2"/>
+            <a:endCxn id="5" idx="1"/>
+          </p:cNvCxnSpPr>
+          <p:nvPr/>
+        </p:nvCxnSpPr>
+        <p:spPr>
+          <a:xfrm rot="5400000" flipH="1">
+            <a:off x="2533391" y="1652719"/>
+            <a:ext cx="3662530" cy="4874262"/>
+          </a:xfrm>
+          <a:prstGeom prst="bentConnector4">
+            <a:avLst>
+              <a:gd name="adj1" fmla="val -12381"/>
+              <a:gd name="adj2" fmla="val 118529"/>
+            </a:avLst>
+          </a:prstGeom>
+          <a:ln w="28575">
+            <a:solidFill>
+              <a:srgbClr val="FF0000"/>
+            </a:solidFill>
+            <a:tailEnd type="triangle"/>
+          </a:ln>
+        </p:spPr>
+        <p:style>
+          <a:lnRef idx="1">
+            <a:schemeClr val="accent1"/>
+          </a:lnRef>
+          <a:fillRef idx="0">
+            <a:schemeClr val="accent1"/>
+          </a:fillRef>
+          <a:effectRef idx="0">
+            <a:schemeClr val="accent1"/>
+          </a:effectRef>
+          <a:fontRef idx="minor">
+            <a:schemeClr val="tx1"/>
+          </a:fontRef>
+        </p:style>
+      </p:cxnSp>
     </p:spTree>
     <p:extLst>
       <p:ext uri="{BB962C8B-B14F-4D97-AF65-F5344CB8AC3E}">
@@ -30275,6 +32018,138 @@
                             </p:childTnLst>
                           </p:cTn>
                         </p:par>
+                        <p:par>
+                          <p:cTn id="23" fill="hold">
+                            <p:stCondLst>
+                              <p:cond delay="500"/>
+                            </p:stCondLst>
+                            <p:childTnLst>
+                              <p:par>
+                                <p:cTn id="24" presetID="22" presetClass="entr" presetSubtype="1" fill="hold" grpId="0" nodeType="afterEffect">
+                                  <p:stCondLst>
+                                    <p:cond delay="0"/>
+                                  </p:stCondLst>
+                                  <p:childTnLst>
+                                    <p:set>
+                                      <p:cBhvr>
+                                        <p:cTn id="25" dur="1" fill="hold">
+                                          <p:stCondLst>
+                                            <p:cond delay="0"/>
+                                          </p:stCondLst>
+                                        </p:cTn>
+                                        <p:tgtEl>
+                                          <p:spTgt spid="3"/>
+                                        </p:tgtEl>
+                                        <p:attrNameLst>
+                                          <p:attrName>style.visibility</p:attrName>
+                                        </p:attrNameLst>
+                                      </p:cBhvr>
+                                      <p:to>
+                                        <p:strVal val="visible"/>
+                                      </p:to>
+                                    </p:set>
+                                    <p:animEffect transition="in" filter="wipe(up)">
+                                      <p:cBhvr>
+                                        <p:cTn id="26" dur="500"/>
+                                        <p:tgtEl>
+                                          <p:spTgt spid="3"/>
+                                        </p:tgtEl>
+                                      </p:cBhvr>
+                                    </p:animEffect>
+                                  </p:childTnLst>
+                                </p:cTn>
+                              </p:par>
+                            </p:childTnLst>
+                          </p:cTn>
+                        </p:par>
+                        <p:par>
+                          <p:cTn id="27" fill="hold">
+                            <p:stCondLst>
+                              <p:cond delay="1000"/>
+                            </p:stCondLst>
+                            <p:childTnLst>
+                              <p:par>
+                                <p:cTn id="28" presetID="22" presetClass="entr" presetSubtype="4" fill="hold" nodeType="afterEffect">
+                                  <p:stCondLst>
+                                    <p:cond delay="0"/>
+                                  </p:stCondLst>
+                                  <p:childTnLst>
+                                    <p:set>
+                                      <p:cBhvr>
+                                        <p:cTn id="29" dur="1" fill="hold">
+                                          <p:stCondLst>
+                                            <p:cond delay="0"/>
+                                          </p:stCondLst>
+                                        </p:cTn>
+                                        <p:tgtEl>
+                                          <p:spTgt spid="8"/>
+                                        </p:tgtEl>
+                                        <p:attrNameLst>
+                                          <p:attrName>style.visibility</p:attrName>
+                                        </p:attrNameLst>
+                                      </p:cBhvr>
+                                      <p:to>
+                                        <p:strVal val="visible"/>
+                                      </p:to>
+                                    </p:set>
+                                    <p:animEffect transition="in" filter="wipe(down)">
+                                      <p:cBhvr>
+                                        <p:cTn id="30" dur="500"/>
+                                        <p:tgtEl>
+                                          <p:spTgt spid="8"/>
+                                        </p:tgtEl>
+                                      </p:cBhvr>
+                                    </p:animEffect>
+                                  </p:childTnLst>
+                                </p:cTn>
+                              </p:par>
+                            </p:childTnLst>
+                          </p:cTn>
+                        </p:par>
+                        <p:par>
+                          <p:cTn id="31" fill="hold">
+                            <p:stCondLst>
+                              <p:cond delay="1500"/>
+                            </p:stCondLst>
+                            <p:childTnLst>
+                              <p:par>
+                                <p:cTn id="32" presetID="22" presetClass="entr" presetSubtype="8" fill="hold" grpId="0" nodeType="afterEffect">
+                                  <p:stCondLst>
+                                    <p:cond delay="0"/>
+                                  </p:stCondLst>
+                                  <p:childTnLst>
+                                    <p:set>
+                                      <p:cBhvr>
+                                        <p:cTn id="33" dur="1" fill="hold">
+                                          <p:stCondLst>
+                                            <p:cond delay="0"/>
+                                          </p:stCondLst>
+                                        </p:cTn>
+                                        <p:tgtEl>
+                                          <p:spTgt spid="5"/>
+                                        </p:tgtEl>
+                                        <p:attrNameLst>
+                                          <p:attrName>style.visibility</p:attrName>
+                                        </p:attrNameLst>
+                                      </p:cBhvr>
+                                      <p:to>
+                                        <p:strVal val="visible"/>
+                                      </p:to>
+                                    </p:set>
+                                    <p:animEffect transition="in" filter="wipe(left)">
+                                      <p:cBhvr>
+                                        <p:cTn id="34" dur="500"/>
+                                        <p:tgtEl>
+                                          <p:spTgt spid="5"/>
+                                        </p:tgtEl>
+                                      </p:cBhvr>
+                                    </p:animEffect>
+                                  </p:childTnLst>
+                                </p:cTn>
+                              </p:par>
+                            </p:childTnLst>
+                          </p:cTn>
+                        </p:par>
                       </p:childTnLst>
                     </p:cTn>
                   </p:par>
@@ -30301,12 +32176,14 @@
     </p:tnLst>
     <p:bldLst>
       <p:bldP spid="7" grpId="0" animBg="1"/>
+      <p:bldP spid="3" grpId="0" animBg="1"/>
+      <p:bldP spid="5" grpId="0" animBg="1"/>
     </p:bldLst>
   </p:timing>
 </p:sld>
 </file>
 
-<file path=ppt/slides/slide39.xml><?xml version="1.0" encoding="utf-8"?>
+<file path=ppt/slides/slide38.xml><?xml version="1.0" encoding="utf-8"?>
 <p:sld xmlns:a="http://schemas.openxmlformats.org/drawingml/2006/main" xmlns:r="http://schemas.openxmlformats.org/officeDocument/2006/relationships" xmlns:p="http://schemas.openxmlformats.org/presentationml/2006/main">
   <p:cSld>
     <p:spTree>
@@ -30437,7 +32314,30 @@
             </a:r>
             <a:r>
               <a:rPr lang="en-US" sz="2400" dirty="0"/>
-              <a:t>loop to enumerate over an </a:t>
+              <a:t>loop to enumerate over a </a:t>
+            </a:r>
+            <a:r>
+              <a:rPr lang="en-US" sz="2400" b="1" dirty="0"/>
+              <a:t>range()</a:t>
+            </a:r>
+            <a:endParaRPr lang="en-US" sz="2400" b="1" dirty="0">
+              <a:solidFill>
+                <a:srgbClr val="FF0000"/>
+              </a:solidFill>
+            </a:endParaRPr>
+          </a:p>
+          <a:p>
+            <a:r>
+              <a:rPr lang="en-US" sz="2400" dirty="0"/>
+              <a:t>That </a:t>
+            </a:r>
+            <a:r>
+              <a:rPr lang="en-US" sz="2400" b="1" dirty="0"/>
+              <a:t>np.arange()</a:t>
+            </a:r>
+            <a:r>
+              <a:rPr lang="en-US" sz="2400" dirty="0"/>
+              <a:t> creates an array containing numbers in the closed-open interval </a:t>
             </a:r>
             <a:r>
               <a:rPr lang="en-US" sz="2400" b="1" dirty="0">
@@ -30445,8 +32345,29 @@
                   <a:srgbClr val="FF0000"/>
                 </a:solidFill>
               </a:rPr>
-              <a:t>array</a:t>
-            </a:r>
+              <a:t>[start, stop) </a:t>
+            </a:r>
+            <a:r>
+              <a:rPr lang="en-US" sz="2400" dirty="0"/>
+              <a:t>using a given </a:t>
+            </a:r>
+            <a:r>
+              <a:rPr lang="en-US" sz="2400" b="1" dirty="0">
+                <a:solidFill>
+                  <a:srgbClr val="00B050"/>
+                </a:solidFill>
+              </a:rPr>
+              <a:t>step</a:t>
+            </a:r>
+            <a:r>
+              <a:rPr lang="en-US" sz="2400" dirty="0"/>
+              <a:t> </a:t>
+            </a:r>
+            <a:r>
+              <a:rPr lang="en-US" sz="2400" u="sng" dirty="0"/>
+              <a:t>size</a:t>
+            </a:r>
+            <a:endParaRPr lang="en-US" sz="2400" dirty="0"/>
           </a:p>
           <a:p>
             <a:r>
@@ -30465,7 +32386,15 @@
           <a:p>
             <a:r>
               <a:rPr lang="en-US" sz="2400" dirty="0"/>
-              <a:t>How to make a scope loop using the </a:t>
+              <a:t>How to make a scope </a:t>
+            </a:r>
+            <a:r>
+              <a:rPr lang="en-US" sz="2400" u="sng" dirty="0"/>
+              <a:t>loop</a:t>
+            </a:r>
+            <a:r>
+              <a:rPr lang="en-US" sz="2400" dirty="0"/>
+              <a:t> using the </a:t>
             </a:r>
             <a:r>
               <a:rPr lang="en-US" sz="2400" b="1" dirty="0">
@@ -30492,24 +32421,6 @@
             <a:r>
               <a:rPr lang="en-US" sz="2400" dirty="0"/>
               <a:t>function to select elements of an array that match a condition</a:t>
-            </a:r>
-          </a:p>
-          <a:p>
-            <a:r>
-              <a:rPr lang="en-US" sz="2400" dirty="0"/>
-              <a:t>We can often use </a:t>
-            </a:r>
-            <a:r>
-              <a:rPr lang="en-US" sz="2400" b="1" dirty="0">
-                <a:solidFill>
-                  <a:srgbClr val="FF0000"/>
-                </a:solidFill>
-              </a:rPr>
-              <a:t>random numbers </a:t>
-            </a:r>
-            <a:r>
-              <a:rPr lang="en-US" sz="2400" dirty="0"/>
-              <a:t>to calculate something</a:t>
             </a:r>
           </a:p>
           <a:p>
@@ -30575,7 +32486,7 @@
             <a:fld id="{650AD656-6FF9-465D-B7B0-1CD0DD39CD23}" type="slidenum">
               <a:rPr lang="en-US" smtClean="0"/>
               <a:pPr/>
-              <a:t>39</a:t>
+              <a:t>38</a:t>
             </a:fld>
             <a:endParaRPr lang="en-US"/>
           </a:p>
@@ -30967,591 +32878,7 @@
 </p:sld>
 </file>
 
-<file path=ppt/slides/slide4.xml><?xml version="1.0" encoding="utf-8"?>
-<p:sld xmlns:a="http://schemas.openxmlformats.org/drawingml/2006/main" xmlns:r="http://schemas.openxmlformats.org/officeDocument/2006/relationships" xmlns:p="http://schemas.openxmlformats.org/presentationml/2006/main">
-  <p:cSld>
-    <p:spTree>
-      <p:nvGrpSpPr>
-        <p:cNvPr id="1" name=""/>
-        <p:cNvGrpSpPr/>
-        <p:nvPr/>
-      </p:nvGrpSpPr>
-      <p:grpSpPr>
-        <a:xfrm>
-          <a:off x="0" y="0"/>
-          <a:ext cx="0" cy="0"/>
-          <a:chOff x="0" y="0"/>
-          <a:chExt cx="0" cy="0"/>
-        </a:xfrm>
-      </p:grpSpPr>
-      <p:pic>
-        <p:nvPicPr>
-          <p:cNvPr id="7" name="Picture 6">
-            <a:extLst>
-              <a:ext uri="{FF2B5EF4-FFF2-40B4-BE49-F238E27FC236}">
-                <a16:creationId xmlns:a16="http://schemas.microsoft.com/office/drawing/2014/main" id="{84B4C782-42FC-39F1-88FF-811738D07E80}"/>
-              </a:ext>
-            </a:extLst>
-          </p:cNvPr>
-          <p:cNvPicPr>
-            <a:picLocks noChangeAspect="1"/>
-          </p:cNvPicPr>
-          <p:nvPr/>
-        </p:nvPicPr>
-        <p:blipFill>
-          <a:blip r:embed="rId2"/>
-          <a:stretch>
-            <a:fillRect/>
-          </a:stretch>
-        </p:blipFill>
-        <p:spPr>
-          <a:xfrm>
-            <a:off x="1629201" y="3129986"/>
-            <a:ext cx="5885597" cy="1568134"/>
-          </a:xfrm>
-          <a:prstGeom prst="rect">
-            <a:avLst/>
-          </a:prstGeom>
-          <a:ln>
-            <a:solidFill>
-              <a:schemeClr val="tx1"/>
-            </a:solidFill>
-          </a:ln>
-        </p:spPr>
-      </p:pic>
-      <p:sp>
-        <p:nvSpPr>
-          <p:cNvPr id="2" name="Title 1"/>
-          <p:cNvSpPr>
-            <a:spLocks noGrp="1"/>
-          </p:cNvSpPr>
-          <p:nvPr>
-            <p:ph type="title"/>
-          </p:nvPr>
-        </p:nvSpPr>
-        <p:spPr>
-          <a:xfrm>
-            <a:off x="628650" y="365126"/>
-            <a:ext cx="7886700" cy="1103455"/>
-          </a:xfrm>
-        </p:spPr>
-        <p:txBody>
-          <a:bodyPr>
-            <a:noAutofit/>
-          </a:bodyPr>
-          <a:lstStyle/>
-          <a:p>
-            <a:pPr algn="ctr"/>
-            <a:r>
-              <a:rPr lang="en-US" sz="3200" dirty="0">
-                <a:latin typeface="+mn-lt"/>
-              </a:rPr>
-              <a:t>Statements and Scopes</a:t>
-            </a:r>
-          </a:p>
-        </p:txBody>
-      </p:sp>
-      <p:sp>
-        <p:nvSpPr>
-          <p:cNvPr id="3" name="Slide Number Placeholder 2"/>
-          <p:cNvSpPr>
-            <a:spLocks noGrp="1"/>
-          </p:cNvSpPr>
-          <p:nvPr>
-            <p:ph type="sldNum" sz="quarter" idx="12"/>
-          </p:nvPr>
-        </p:nvSpPr>
-        <p:spPr/>
-        <p:txBody>
-          <a:bodyPr/>
-          <a:lstStyle/>
-          <a:p>
-            <a:fld id="{650AD656-6FF9-465D-B7B0-1CD0DD39CD23}" type="slidenum">
-              <a:rPr lang="en-US" smtClean="0"/>
-              <a:t>4</a:t>
-            </a:fld>
-            <a:endParaRPr lang="en-US" dirty="0"/>
-          </a:p>
-        </p:txBody>
-      </p:sp>
-      <p:sp>
-        <p:nvSpPr>
-          <p:cNvPr id="11" name="Speech Bubble: Rectangle with Corners Rounded 10">
-            <a:extLst>
-              <a:ext uri="{FF2B5EF4-FFF2-40B4-BE49-F238E27FC236}">
-                <a16:creationId xmlns:a16="http://schemas.microsoft.com/office/drawing/2014/main" id="{7671151E-53F3-44FE-8DF3-D97B4DA0856D}"/>
-              </a:ext>
-            </a:extLst>
-          </p:cNvPr>
-          <p:cNvSpPr/>
-          <p:nvPr/>
-        </p:nvSpPr>
-        <p:spPr>
-          <a:xfrm>
-            <a:off x="6408361" y="1870834"/>
-            <a:ext cx="2212874" cy="1103455"/>
-          </a:xfrm>
-          <a:prstGeom prst="wedgeRoundRectCallout">
-            <a:avLst>
-              <a:gd name="adj1" fmla="val -17958"/>
-              <a:gd name="adj2" fmla="val 87051"/>
-              <a:gd name="adj3" fmla="val 16667"/>
-            </a:avLst>
-          </a:prstGeom>
-          <a:solidFill>
-            <a:schemeClr val="bg1"/>
-          </a:solidFill>
-          <a:ln>
-            <a:solidFill>
-              <a:srgbClr val="FF0000"/>
-            </a:solidFill>
-          </a:ln>
-        </p:spPr>
-        <p:style>
-          <a:lnRef idx="2">
-            <a:schemeClr val="accent1">
-              <a:shade val="50000"/>
-            </a:schemeClr>
-          </a:lnRef>
-          <a:fillRef idx="1">
-            <a:schemeClr val="accent1"/>
-          </a:fillRef>
-          <a:effectRef idx="0">
-            <a:schemeClr val="accent1"/>
-          </a:effectRef>
-          <a:fontRef idx="minor">
-            <a:schemeClr val="lt1"/>
-          </a:fontRef>
-        </p:style>
-        <p:txBody>
-          <a:bodyPr rtlCol="0" anchor="ctr"/>
-          <a:lstStyle/>
-          <a:p>
-            <a:pPr algn="ctr"/>
-            <a:r>
-              <a:rPr lang="en-US" dirty="0">
-                <a:solidFill>
-                  <a:schemeClr val="tx1"/>
-                </a:solidFill>
-              </a:rPr>
-              <a:t>A </a:t>
-            </a:r>
-            <a:r>
-              <a:rPr lang="en-US" b="1" dirty="0">
-                <a:solidFill>
-                  <a:srgbClr val="7030A0"/>
-                </a:solidFill>
-              </a:rPr>
-              <a:t>for</a:t>
-            </a:r>
-            <a:r>
-              <a:rPr lang="en-US" dirty="0">
-                <a:solidFill>
-                  <a:srgbClr val="7030A0"/>
-                </a:solidFill>
-              </a:rPr>
-              <a:t> </a:t>
-            </a:r>
-            <a:r>
-              <a:rPr lang="en-US" dirty="0">
-                <a:solidFill>
-                  <a:schemeClr val="tx1"/>
-                </a:solidFill>
-              </a:rPr>
-              <a:t>loop introduces a scope with a </a:t>
-            </a:r>
-            <a:r>
-              <a:rPr lang="en-US" b="1" dirty="0">
-                <a:solidFill>
-                  <a:schemeClr val="tx1"/>
-                </a:solidFill>
-              </a:rPr>
-              <a:t>colon :</a:t>
-            </a:r>
-          </a:p>
-        </p:txBody>
-      </p:sp>
-      <p:sp>
-        <p:nvSpPr>
-          <p:cNvPr id="8" name="Speech Bubble: Rectangle with Corners Rounded 7">
-            <a:extLst>
-              <a:ext uri="{FF2B5EF4-FFF2-40B4-BE49-F238E27FC236}">
-                <a16:creationId xmlns:a16="http://schemas.microsoft.com/office/drawing/2014/main" id="{A142F2F2-B276-121D-D052-574A8C0E2111}"/>
-              </a:ext>
-            </a:extLst>
-          </p:cNvPr>
-          <p:cNvSpPr/>
-          <p:nvPr/>
-        </p:nvSpPr>
-        <p:spPr>
-          <a:xfrm>
-            <a:off x="6118551" y="4113678"/>
-            <a:ext cx="2212874" cy="1103455"/>
-          </a:xfrm>
-          <a:prstGeom prst="wedgeRoundRectCallout">
-            <a:avLst>
-              <a:gd name="adj1" fmla="val -73844"/>
-              <a:gd name="adj2" fmla="val -65777"/>
-              <a:gd name="adj3" fmla="val 16667"/>
-            </a:avLst>
-          </a:prstGeom>
-          <a:solidFill>
-            <a:schemeClr val="bg1"/>
-          </a:solidFill>
-          <a:ln>
-            <a:solidFill>
-              <a:srgbClr val="FF0000"/>
-            </a:solidFill>
-          </a:ln>
-        </p:spPr>
-        <p:style>
-          <a:lnRef idx="2">
-            <a:schemeClr val="accent1">
-              <a:shade val="50000"/>
-            </a:schemeClr>
-          </a:lnRef>
-          <a:fillRef idx="1">
-            <a:schemeClr val="accent1"/>
-          </a:fillRef>
-          <a:effectRef idx="0">
-            <a:schemeClr val="accent1"/>
-          </a:effectRef>
-          <a:fontRef idx="minor">
-            <a:schemeClr val="lt1"/>
-          </a:fontRef>
-        </p:style>
-        <p:txBody>
-          <a:bodyPr rtlCol="0" anchor="ctr"/>
-          <a:lstStyle/>
-          <a:p>
-            <a:pPr algn="ctr"/>
-            <a:r>
-              <a:rPr lang="en-US" dirty="0">
-                <a:solidFill>
-                  <a:schemeClr val="tx1"/>
-                </a:solidFill>
-              </a:rPr>
-              <a:t>An </a:t>
-            </a:r>
-            <a:r>
-              <a:rPr lang="en-US" b="1" dirty="0">
-                <a:solidFill>
-                  <a:srgbClr val="7030A0"/>
-                </a:solidFill>
-              </a:rPr>
-              <a:t>if</a:t>
-            </a:r>
-            <a:r>
-              <a:rPr lang="en-US" dirty="0">
-                <a:solidFill>
-                  <a:srgbClr val="7030A0"/>
-                </a:solidFill>
-              </a:rPr>
-              <a:t> </a:t>
-            </a:r>
-            <a:r>
-              <a:rPr lang="en-US" dirty="0">
-                <a:solidFill>
-                  <a:schemeClr val="tx1"/>
-                </a:solidFill>
-              </a:rPr>
-              <a:t>statement introduces a scope with a </a:t>
-            </a:r>
-            <a:r>
-              <a:rPr lang="en-US" b="1" dirty="0">
-                <a:solidFill>
-                  <a:schemeClr val="tx1"/>
-                </a:solidFill>
-              </a:rPr>
-              <a:t>colon :</a:t>
-            </a:r>
-          </a:p>
-        </p:txBody>
-      </p:sp>
-      <p:sp>
-        <p:nvSpPr>
-          <p:cNvPr id="10" name="Speech Bubble: Rectangle with Corners Rounded 9">
-            <a:extLst>
-              <a:ext uri="{FF2B5EF4-FFF2-40B4-BE49-F238E27FC236}">
-                <a16:creationId xmlns:a16="http://schemas.microsoft.com/office/drawing/2014/main" id="{943D76A3-2A56-EB3E-7FF3-3BDBD08EFC9E}"/>
-              </a:ext>
-            </a:extLst>
-          </p:cNvPr>
-          <p:cNvSpPr/>
-          <p:nvPr/>
-        </p:nvSpPr>
-        <p:spPr>
-          <a:xfrm>
-            <a:off x="754570" y="4955626"/>
-            <a:ext cx="2212874" cy="1103455"/>
-          </a:xfrm>
-          <a:prstGeom prst="wedgeRoundRectCallout">
-            <a:avLst>
-              <a:gd name="adj1" fmla="val 42670"/>
-              <a:gd name="adj2" fmla="val -107889"/>
-              <a:gd name="adj3" fmla="val 16667"/>
-            </a:avLst>
-          </a:prstGeom>
-          <a:solidFill>
-            <a:schemeClr val="bg1"/>
-          </a:solidFill>
-          <a:ln>
-            <a:solidFill>
-              <a:srgbClr val="FF0000"/>
-            </a:solidFill>
-          </a:ln>
-        </p:spPr>
-        <p:style>
-          <a:lnRef idx="2">
-            <a:schemeClr val="accent1">
-              <a:shade val="50000"/>
-            </a:schemeClr>
-          </a:lnRef>
-          <a:fillRef idx="1">
-            <a:schemeClr val="accent1"/>
-          </a:fillRef>
-          <a:effectRef idx="0">
-            <a:schemeClr val="accent1"/>
-          </a:effectRef>
-          <a:fontRef idx="minor">
-            <a:schemeClr val="lt1"/>
-          </a:fontRef>
-        </p:style>
-        <p:txBody>
-          <a:bodyPr rtlCol="0" anchor="ctr"/>
-          <a:lstStyle/>
-          <a:p>
-            <a:pPr algn="ctr"/>
-            <a:r>
-              <a:rPr lang="en-US" dirty="0">
-                <a:solidFill>
-                  <a:schemeClr val="tx1"/>
-                </a:solidFill>
-              </a:rPr>
-              <a:t>Statements within a scope are </a:t>
-            </a:r>
-            <a:r>
-              <a:rPr lang="en-US" b="1" dirty="0">
-                <a:solidFill>
-                  <a:schemeClr val="tx1"/>
-                </a:solidFill>
-              </a:rPr>
-              <a:t>indented</a:t>
-            </a:r>
-          </a:p>
-        </p:txBody>
-      </p:sp>
-    </p:spTree>
-    <p:extLst>
-      <p:ext uri="{BB962C8B-B14F-4D97-AF65-F5344CB8AC3E}">
-        <p14:creationId xmlns:p14="http://schemas.microsoft.com/office/powerpoint/2010/main" val="322011209"/>
-      </p:ext>
-    </p:extLst>
-  </p:cSld>
-  <p:clrMapOvr>
-    <a:masterClrMapping/>
-  </p:clrMapOvr>
-  <p:timing>
-    <p:tnLst>
-      <p:par>
-        <p:cTn id="1" dur="indefinite" restart="never" nodeType="tmRoot">
-          <p:childTnLst>
-            <p:seq concurrent="1" nextAc="seek">
-              <p:cTn id="2" dur="indefinite" nodeType="mainSeq">
-                <p:childTnLst>
-                  <p:par>
-                    <p:cTn id="3" fill="hold">
-                      <p:stCondLst>
-                        <p:cond delay="indefinite"/>
-                        <p:cond evt="onBegin" delay="0">
-                          <p:tn val="2"/>
-                        </p:cond>
-                      </p:stCondLst>
-                      <p:childTnLst>
-                        <p:par>
-                          <p:cTn id="4" fill="hold">
-                            <p:stCondLst>
-                              <p:cond delay="0"/>
-                            </p:stCondLst>
-                            <p:childTnLst>
-                              <p:par>
-                                <p:cTn id="5" presetID="22" presetClass="entr" presetSubtype="1" fill="hold" grpId="0" nodeType="afterEffect">
-                                  <p:stCondLst>
-                                    <p:cond delay="0"/>
-                                  </p:stCondLst>
-                                  <p:childTnLst>
-                                    <p:set>
-                                      <p:cBhvr>
-                                        <p:cTn id="6" dur="1" fill="hold">
-                                          <p:stCondLst>
-                                            <p:cond delay="0"/>
-                                          </p:stCondLst>
-                                        </p:cTn>
-                                        <p:tgtEl>
-                                          <p:spTgt spid="11"/>
-                                        </p:tgtEl>
-                                        <p:attrNameLst>
-                                          <p:attrName>style.visibility</p:attrName>
-                                        </p:attrNameLst>
-                                      </p:cBhvr>
-                                      <p:to>
-                                        <p:strVal val="visible"/>
-                                      </p:to>
-                                    </p:set>
-                                    <p:animEffect transition="in" filter="wipe(up)">
-                                      <p:cBhvr>
-                                        <p:cTn id="7" dur="500"/>
-                                        <p:tgtEl>
-                                          <p:spTgt spid="11"/>
-                                        </p:tgtEl>
-                                      </p:cBhvr>
-                                    </p:animEffect>
-                                  </p:childTnLst>
-                                </p:cTn>
-                              </p:par>
-                            </p:childTnLst>
-                          </p:cTn>
-                        </p:par>
-                      </p:childTnLst>
-                    </p:cTn>
-                  </p:par>
-                  <p:par>
-                    <p:cTn id="8" fill="hold">
-                      <p:stCondLst>
-                        <p:cond delay="indefinite"/>
-                      </p:stCondLst>
-                      <p:childTnLst>
-                        <p:par>
-                          <p:cTn id="9" fill="hold">
-                            <p:stCondLst>
-                              <p:cond delay="0"/>
-                            </p:stCondLst>
-                            <p:childTnLst>
-                              <p:par>
-                                <p:cTn id="10" presetID="22" presetClass="entr" presetSubtype="2" fill="hold" grpId="0" nodeType="clickEffect">
-                                  <p:stCondLst>
-                                    <p:cond delay="0"/>
-                                  </p:stCondLst>
-                                  <p:childTnLst>
-                                    <p:set>
-                                      <p:cBhvr>
-                                        <p:cTn id="11" dur="1" fill="hold">
-                                          <p:stCondLst>
-                                            <p:cond delay="0"/>
-                                          </p:stCondLst>
-                                        </p:cTn>
-                                        <p:tgtEl>
-                                          <p:spTgt spid="8"/>
-                                        </p:tgtEl>
-                                        <p:attrNameLst>
-                                          <p:attrName>style.visibility</p:attrName>
-                                        </p:attrNameLst>
-                                      </p:cBhvr>
-                                      <p:to>
-                                        <p:strVal val="visible"/>
-                                      </p:to>
-                                    </p:set>
-                                    <p:animEffect transition="in" filter="wipe(right)">
-                                      <p:cBhvr>
-                                        <p:cTn id="12" dur="500"/>
-                                        <p:tgtEl>
-                                          <p:spTgt spid="8"/>
-                                        </p:tgtEl>
-                                      </p:cBhvr>
-                                    </p:animEffect>
-                                  </p:childTnLst>
-                                </p:cTn>
-                              </p:par>
-                            </p:childTnLst>
-                          </p:cTn>
-                        </p:par>
-                      </p:childTnLst>
-                    </p:cTn>
-                  </p:par>
-                  <p:par>
-                    <p:cTn id="13" fill="hold">
-                      <p:stCondLst>
-                        <p:cond delay="indefinite"/>
-                      </p:stCondLst>
-                      <p:childTnLst>
-                        <p:par>
-                          <p:cTn id="14" fill="hold">
-                            <p:stCondLst>
-                              <p:cond delay="0"/>
-                            </p:stCondLst>
-                            <p:childTnLst>
-                              <p:par>
-                                <p:cTn id="15" presetID="22" presetClass="entr" presetSubtype="4" fill="hold" grpId="0" nodeType="clickEffect">
-                                  <p:stCondLst>
-                                    <p:cond delay="0"/>
-                                  </p:stCondLst>
-                                  <p:childTnLst>
-                                    <p:set>
-                                      <p:cBhvr>
-                                        <p:cTn id="16" dur="1" fill="hold">
-                                          <p:stCondLst>
-                                            <p:cond delay="0"/>
-                                          </p:stCondLst>
-                                        </p:cTn>
-                                        <p:tgtEl>
-                                          <p:spTgt spid="10"/>
-                                        </p:tgtEl>
-                                        <p:attrNameLst>
-                                          <p:attrName>style.visibility</p:attrName>
-                                        </p:attrNameLst>
-                                      </p:cBhvr>
-                                      <p:to>
-                                        <p:strVal val="visible"/>
-                                      </p:to>
-                                    </p:set>
-                                    <p:animEffect transition="in" filter="wipe(down)">
-                                      <p:cBhvr>
-                                        <p:cTn id="17" dur="500"/>
-                                        <p:tgtEl>
-                                          <p:spTgt spid="10"/>
-                                        </p:tgtEl>
-                                      </p:cBhvr>
-                                    </p:animEffect>
-                                  </p:childTnLst>
-                                </p:cTn>
-                              </p:par>
-                            </p:childTnLst>
-                          </p:cTn>
-                        </p:par>
-                      </p:childTnLst>
-                    </p:cTn>
-                  </p:par>
-                </p:childTnLst>
-              </p:cTn>
-              <p:prevCondLst>
-                <p:cond evt="onPrev" delay="0">
-                  <p:tgtEl>
-                    <p:sldTgt/>
-                  </p:tgtEl>
-                </p:cond>
-              </p:prevCondLst>
-              <p:nextCondLst>
-                <p:cond evt="onNext" delay="0">
-                  <p:tgtEl>
-                    <p:sldTgt/>
-                  </p:tgtEl>
-                </p:cond>
-              </p:nextCondLst>
-            </p:seq>
-          </p:childTnLst>
-        </p:cTn>
-      </p:par>
-    </p:tnLst>
-    <p:bldLst>
-      <p:bldP spid="11" grpId="0" animBg="1"/>
-      <p:bldP spid="8" grpId="0" animBg="1"/>
-      <p:bldP spid="10" grpId="0" animBg="1"/>
-    </p:bldLst>
-  </p:timing>
-</p:sld>
-</file>
-
-<file path=ppt/slides/slide40.xml><?xml version="1.0" encoding="utf-8"?>
+<file path=ppt/slides/slide39.xml><?xml version="1.0" encoding="utf-8"?>
 <p:sld xmlns:a="http://schemas.openxmlformats.org/drawingml/2006/main" xmlns:r="http://schemas.openxmlformats.org/officeDocument/2006/relationships" xmlns:p="http://schemas.openxmlformats.org/presentationml/2006/main">
   <p:cSld>
     <p:spTree>
@@ -31885,7 +33212,7 @@
             <a:fld id="{650AD656-6FF9-465D-B7B0-1CD0DD39CD23}" type="slidenum">
               <a:rPr lang="en-US" smtClean="0"/>
               <a:pPr/>
-              <a:t>40</a:t>
+              <a:t>39</a:t>
             </a:fld>
             <a:endParaRPr lang="en-US"/>
           </a:p>
@@ -32126,6 +33453,590 @@
         </p:cTn>
       </p:par>
     </p:tnLst>
+  </p:timing>
+</p:sld>
+</file>
+
+<file path=ppt/slides/slide4.xml><?xml version="1.0" encoding="utf-8"?>
+<p:sld xmlns:a="http://schemas.openxmlformats.org/drawingml/2006/main" xmlns:r="http://schemas.openxmlformats.org/officeDocument/2006/relationships" xmlns:p="http://schemas.openxmlformats.org/presentationml/2006/main">
+  <p:cSld>
+    <p:spTree>
+      <p:nvGrpSpPr>
+        <p:cNvPr id="1" name=""/>
+        <p:cNvGrpSpPr/>
+        <p:nvPr/>
+      </p:nvGrpSpPr>
+      <p:grpSpPr>
+        <a:xfrm>
+          <a:off x="0" y="0"/>
+          <a:ext cx="0" cy="0"/>
+          <a:chOff x="0" y="0"/>
+          <a:chExt cx="0" cy="0"/>
+        </a:xfrm>
+      </p:grpSpPr>
+      <p:pic>
+        <p:nvPicPr>
+          <p:cNvPr id="5" name="Picture 4">
+            <a:extLst>
+              <a:ext uri="{FF2B5EF4-FFF2-40B4-BE49-F238E27FC236}">
+                <a16:creationId xmlns:a16="http://schemas.microsoft.com/office/drawing/2014/main" id="{8FB9CA0D-C432-6613-DE59-C10CD96FA4C7}"/>
+              </a:ext>
+            </a:extLst>
+          </p:cNvPr>
+          <p:cNvPicPr>
+            <a:picLocks noChangeAspect="1"/>
+          </p:cNvPicPr>
+          <p:nvPr/>
+        </p:nvPicPr>
+        <p:blipFill>
+          <a:blip r:embed="rId2"/>
+          <a:stretch>
+            <a:fillRect/>
+          </a:stretch>
+        </p:blipFill>
+        <p:spPr>
+          <a:xfrm>
+            <a:off x="1704240" y="3097652"/>
+            <a:ext cx="5735520" cy="1720657"/>
+          </a:xfrm>
+          <a:prstGeom prst="rect">
+            <a:avLst/>
+          </a:prstGeom>
+          <a:ln>
+            <a:solidFill>
+              <a:schemeClr val="tx1"/>
+            </a:solidFill>
+          </a:ln>
+        </p:spPr>
+      </p:pic>
+      <p:sp>
+        <p:nvSpPr>
+          <p:cNvPr id="2" name="Title 1"/>
+          <p:cNvSpPr>
+            <a:spLocks noGrp="1"/>
+          </p:cNvSpPr>
+          <p:nvPr>
+            <p:ph type="title"/>
+          </p:nvPr>
+        </p:nvSpPr>
+        <p:spPr>
+          <a:xfrm>
+            <a:off x="628650" y="365126"/>
+            <a:ext cx="7886700" cy="1103455"/>
+          </a:xfrm>
+        </p:spPr>
+        <p:txBody>
+          <a:bodyPr>
+            <a:noAutofit/>
+          </a:bodyPr>
+          <a:lstStyle/>
+          <a:p>
+            <a:pPr algn="ctr"/>
+            <a:r>
+              <a:rPr lang="en-US" sz="3200" dirty="0">
+                <a:latin typeface="+mn-lt"/>
+              </a:rPr>
+              <a:t>Statements and Scopes</a:t>
+            </a:r>
+          </a:p>
+        </p:txBody>
+      </p:sp>
+      <p:sp>
+        <p:nvSpPr>
+          <p:cNvPr id="3" name="Slide Number Placeholder 2"/>
+          <p:cNvSpPr>
+            <a:spLocks noGrp="1"/>
+          </p:cNvSpPr>
+          <p:nvPr>
+            <p:ph type="sldNum" sz="quarter" idx="12"/>
+          </p:nvPr>
+        </p:nvSpPr>
+        <p:spPr/>
+        <p:txBody>
+          <a:bodyPr/>
+          <a:lstStyle/>
+          <a:p>
+            <a:fld id="{650AD656-6FF9-465D-B7B0-1CD0DD39CD23}" type="slidenum">
+              <a:rPr lang="en-US" smtClean="0"/>
+              <a:t>4</a:t>
+            </a:fld>
+            <a:endParaRPr lang="en-US" dirty="0"/>
+          </a:p>
+        </p:txBody>
+      </p:sp>
+      <p:sp>
+        <p:nvSpPr>
+          <p:cNvPr id="11" name="Speech Bubble: Rectangle with Corners Rounded 10">
+            <a:extLst>
+              <a:ext uri="{FF2B5EF4-FFF2-40B4-BE49-F238E27FC236}">
+                <a16:creationId xmlns:a16="http://schemas.microsoft.com/office/drawing/2014/main" id="{7671151E-53F3-44FE-8DF3-D97B4DA0856D}"/>
+              </a:ext>
+            </a:extLst>
+          </p:cNvPr>
+          <p:cNvSpPr/>
+          <p:nvPr/>
+        </p:nvSpPr>
+        <p:spPr>
+          <a:xfrm>
+            <a:off x="6408361" y="1870834"/>
+            <a:ext cx="2212874" cy="1103455"/>
+          </a:xfrm>
+          <a:prstGeom prst="wedgeRoundRectCallout">
+            <a:avLst>
+              <a:gd name="adj1" fmla="val -17958"/>
+              <a:gd name="adj2" fmla="val 87051"/>
+              <a:gd name="adj3" fmla="val 16667"/>
+            </a:avLst>
+          </a:prstGeom>
+          <a:solidFill>
+            <a:schemeClr val="bg1"/>
+          </a:solidFill>
+          <a:ln>
+            <a:solidFill>
+              <a:srgbClr val="FF0000"/>
+            </a:solidFill>
+          </a:ln>
+        </p:spPr>
+        <p:style>
+          <a:lnRef idx="2">
+            <a:schemeClr val="accent1">
+              <a:shade val="50000"/>
+            </a:schemeClr>
+          </a:lnRef>
+          <a:fillRef idx="1">
+            <a:schemeClr val="accent1"/>
+          </a:fillRef>
+          <a:effectRef idx="0">
+            <a:schemeClr val="accent1"/>
+          </a:effectRef>
+          <a:fontRef idx="minor">
+            <a:schemeClr val="lt1"/>
+          </a:fontRef>
+        </p:style>
+        <p:txBody>
+          <a:bodyPr rtlCol="0" anchor="ctr"/>
+          <a:lstStyle/>
+          <a:p>
+            <a:pPr algn="ctr"/>
+            <a:r>
+              <a:rPr lang="en-US" dirty="0">
+                <a:solidFill>
+                  <a:schemeClr val="tx1"/>
+                </a:solidFill>
+              </a:rPr>
+              <a:t>A </a:t>
+            </a:r>
+            <a:r>
+              <a:rPr lang="en-US" b="1" dirty="0">
+                <a:solidFill>
+                  <a:srgbClr val="7030A0"/>
+                </a:solidFill>
+              </a:rPr>
+              <a:t>for</a:t>
+            </a:r>
+            <a:r>
+              <a:rPr lang="en-US" dirty="0">
+                <a:solidFill>
+                  <a:srgbClr val="7030A0"/>
+                </a:solidFill>
+              </a:rPr>
+              <a:t> </a:t>
+            </a:r>
+            <a:r>
+              <a:rPr lang="en-US" dirty="0">
+                <a:solidFill>
+                  <a:schemeClr val="tx1"/>
+                </a:solidFill>
+              </a:rPr>
+              <a:t>loop introduces a scope with a </a:t>
+            </a:r>
+            <a:r>
+              <a:rPr lang="en-US" b="1" dirty="0">
+                <a:solidFill>
+                  <a:schemeClr val="tx1"/>
+                </a:solidFill>
+              </a:rPr>
+              <a:t>colon :</a:t>
+            </a:r>
+          </a:p>
+        </p:txBody>
+      </p:sp>
+      <p:sp>
+        <p:nvSpPr>
+          <p:cNvPr id="8" name="Speech Bubble: Rectangle with Corners Rounded 7">
+            <a:extLst>
+              <a:ext uri="{FF2B5EF4-FFF2-40B4-BE49-F238E27FC236}">
+                <a16:creationId xmlns:a16="http://schemas.microsoft.com/office/drawing/2014/main" id="{A142F2F2-B276-121D-D052-574A8C0E2111}"/>
+              </a:ext>
+            </a:extLst>
+          </p:cNvPr>
+          <p:cNvSpPr/>
+          <p:nvPr/>
+        </p:nvSpPr>
+        <p:spPr>
+          <a:xfrm>
+            <a:off x="6748138" y="4196124"/>
+            <a:ext cx="2212874" cy="1103455"/>
+          </a:xfrm>
+          <a:prstGeom prst="wedgeRoundRectCallout">
+            <a:avLst>
+              <a:gd name="adj1" fmla="val -73844"/>
+              <a:gd name="adj2" fmla="val -65777"/>
+              <a:gd name="adj3" fmla="val 16667"/>
+            </a:avLst>
+          </a:prstGeom>
+          <a:solidFill>
+            <a:schemeClr val="bg1"/>
+          </a:solidFill>
+          <a:ln>
+            <a:solidFill>
+              <a:srgbClr val="FF0000"/>
+            </a:solidFill>
+          </a:ln>
+        </p:spPr>
+        <p:style>
+          <a:lnRef idx="2">
+            <a:schemeClr val="accent1">
+              <a:shade val="50000"/>
+            </a:schemeClr>
+          </a:lnRef>
+          <a:fillRef idx="1">
+            <a:schemeClr val="accent1"/>
+          </a:fillRef>
+          <a:effectRef idx="0">
+            <a:schemeClr val="accent1"/>
+          </a:effectRef>
+          <a:fontRef idx="minor">
+            <a:schemeClr val="lt1"/>
+          </a:fontRef>
+        </p:style>
+        <p:txBody>
+          <a:bodyPr rtlCol="0" anchor="ctr"/>
+          <a:lstStyle/>
+          <a:p>
+            <a:pPr algn="ctr"/>
+            <a:r>
+              <a:rPr lang="en-US" dirty="0">
+                <a:solidFill>
+                  <a:schemeClr val="tx1"/>
+                </a:solidFill>
+              </a:rPr>
+              <a:t>An </a:t>
+            </a:r>
+            <a:r>
+              <a:rPr lang="en-US" b="1" dirty="0">
+                <a:solidFill>
+                  <a:srgbClr val="7030A0"/>
+                </a:solidFill>
+              </a:rPr>
+              <a:t>if</a:t>
+            </a:r>
+            <a:r>
+              <a:rPr lang="en-US" dirty="0">
+                <a:solidFill>
+                  <a:srgbClr val="7030A0"/>
+                </a:solidFill>
+              </a:rPr>
+              <a:t> </a:t>
+            </a:r>
+            <a:r>
+              <a:rPr lang="en-US" dirty="0">
+                <a:solidFill>
+                  <a:schemeClr val="tx1"/>
+                </a:solidFill>
+              </a:rPr>
+              <a:t>statement introduces a scope with a </a:t>
+            </a:r>
+            <a:r>
+              <a:rPr lang="en-US" b="1" dirty="0">
+                <a:solidFill>
+                  <a:schemeClr val="tx1"/>
+                </a:solidFill>
+              </a:rPr>
+              <a:t>colon :</a:t>
+            </a:r>
+          </a:p>
+        </p:txBody>
+      </p:sp>
+      <p:sp>
+        <p:nvSpPr>
+          <p:cNvPr id="10" name="Speech Bubble: Rectangle with Corners Rounded 9">
+            <a:extLst>
+              <a:ext uri="{FF2B5EF4-FFF2-40B4-BE49-F238E27FC236}">
+                <a16:creationId xmlns:a16="http://schemas.microsoft.com/office/drawing/2014/main" id="{943D76A3-2A56-EB3E-7FF3-3BDBD08EFC9E}"/>
+              </a:ext>
+            </a:extLst>
+          </p:cNvPr>
+          <p:cNvSpPr/>
+          <p:nvPr/>
+        </p:nvSpPr>
+        <p:spPr>
+          <a:xfrm>
+            <a:off x="1384156" y="5278471"/>
+            <a:ext cx="2212874" cy="1103455"/>
+          </a:xfrm>
+          <a:prstGeom prst="wedgeRoundRectCallout">
+            <a:avLst>
+              <a:gd name="adj1" fmla="val 42670"/>
+              <a:gd name="adj2" fmla="val -107889"/>
+              <a:gd name="adj3" fmla="val 16667"/>
+            </a:avLst>
+          </a:prstGeom>
+          <a:solidFill>
+            <a:schemeClr val="bg1"/>
+          </a:solidFill>
+          <a:ln>
+            <a:solidFill>
+              <a:srgbClr val="FF0000"/>
+            </a:solidFill>
+          </a:ln>
+        </p:spPr>
+        <p:style>
+          <a:lnRef idx="2">
+            <a:schemeClr val="accent1">
+              <a:shade val="50000"/>
+            </a:schemeClr>
+          </a:lnRef>
+          <a:fillRef idx="1">
+            <a:schemeClr val="accent1"/>
+          </a:fillRef>
+          <a:effectRef idx="0">
+            <a:schemeClr val="accent1"/>
+          </a:effectRef>
+          <a:fontRef idx="minor">
+            <a:schemeClr val="lt1"/>
+          </a:fontRef>
+        </p:style>
+        <p:txBody>
+          <a:bodyPr rtlCol="0" anchor="ctr"/>
+          <a:lstStyle/>
+          <a:p>
+            <a:pPr algn="ctr"/>
+            <a:r>
+              <a:rPr lang="en-US" dirty="0">
+                <a:solidFill>
+                  <a:schemeClr val="tx1"/>
+                </a:solidFill>
+              </a:rPr>
+              <a:t>Statements within a scope are </a:t>
+            </a:r>
+            <a:r>
+              <a:rPr lang="en-US" b="1" dirty="0">
+                <a:solidFill>
+                  <a:schemeClr val="tx1"/>
+                </a:solidFill>
+              </a:rPr>
+              <a:t>indented</a:t>
+            </a:r>
+          </a:p>
+        </p:txBody>
+      </p:sp>
+    </p:spTree>
+    <p:extLst>
+      <p:ext uri="{BB962C8B-B14F-4D97-AF65-F5344CB8AC3E}">
+        <p14:creationId xmlns:p14="http://schemas.microsoft.com/office/powerpoint/2010/main" val="322011209"/>
+      </p:ext>
+    </p:extLst>
+  </p:cSld>
+  <p:clrMapOvr>
+    <a:masterClrMapping/>
+  </p:clrMapOvr>
+  <p:timing>
+    <p:tnLst>
+      <p:par>
+        <p:cTn id="1" dur="indefinite" restart="never" nodeType="tmRoot">
+          <p:childTnLst>
+            <p:seq concurrent="1" nextAc="seek">
+              <p:cTn id="2" dur="indefinite" nodeType="mainSeq">
+                <p:childTnLst>
+                  <p:par>
+                    <p:cTn id="3" fill="hold">
+                      <p:stCondLst>
+                        <p:cond delay="indefinite"/>
+                        <p:cond evt="onBegin" delay="0">
+                          <p:tn val="2"/>
+                        </p:cond>
+                      </p:stCondLst>
+                      <p:childTnLst>
+                        <p:par>
+                          <p:cTn id="4" fill="hold">
+                            <p:stCondLst>
+                              <p:cond delay="0"/>
+                            </p:stCondLst>
+                            <p:childTnLst>
+                              <p:par>
+                                <p:cTn id="5" presetID="22" presetClass="entr" presetSubtype="1" fill="hold" grpId="0" nodeType="afterEffect">
+                                  <p:stCondLst>
+                                    <p:cond delay="0"/>
+                                  </p:stCondLst>
+                                  <p:childTnLst>
+                                    <p:set>
+                                      <p:cBhvr>
+                                        <p:cTn id="6" dur="1" fill="hold">
+                                          <p:stCondLst>
+                                            <p:cond delay="0"/>
+                                          </p:stCondLst>
+                                        </p:cTn>
+                                        <p:tgtEl>
+                                          <p:spTgt spid="11"/>
+                                        </p:tgtEl>
+                                        <p:attrNameLst>
+                                          <p:attrName>style.visibility</p:attrName>
+                                        </p:attrNameLst>
+                                      </p:cBhvr>
+                                      <p:to>
+                                        <p:strVal val="visible"/>
+                                      </p:to>
+                                    </p:set>
+                                    <p:animEffect transition="in" filter="wipe(up)">
+                                      <p:cBhvr>
+                                        <p:cTn id="7" dur="500"/>
+                                        <p:tgtEl>
+                                          <p:spTgt spid="11"/>
+                                        </p:tgtEl>
+                                      </p:cBhvr>
+                                    </p:animEffect>
+                                  </p:childTnLst>
+                                </p:cTn>
+                              </p:par>
+                            </p:childTnLst>
+                          </p:cTn>
+                        </p:par>
+                      </p:childTnLst>
+                    </p:cTn>
+                  </p:par>
+                  <p:par>
+                    <p:cTn id="8" fill="hold">
+                      <p:stCondLst>
+                        <p:cond delay="indefinite"/>
+                      </p:stCondLst>
+                      <p:childTnLst>
+                        <p:par>
+                          <p:cTn id="9" fill="hold">
+                            <p:stCondLst>
+                              <p:cond delay="0"/>
+                            </p:stCondLst>
+                            <p:childTnLst>
+                              <p:par>
+                                <p:cTn id="10" presetID="22" presetClass="entr" presetSubtype="2" fill="hold" grpId="0" nodeType="clickEffect">
+                                  <p:stCondLst>
+                                    <p:cond delay="0"/>
+                                  </p:stCondLst>
+                                  <p:childTnLst>
+                                    <p:set>
+                                      <p:cBhvr>
+                                        <p:cTn id="11" dur="1" fill="hold">
+                                          <p:stCondLst>
+                                            <p:cond delay="0"/>
+                                          </p:stCondLst>
+                                        </p:cTn>
+                                        <p:tgtEl>
+                                          <p:spTgt spid="8"/>
+                                        </p:tgtEl>
+                                        <p:attrNameLst>
+                                          <p:attrName>style.visibility</p:attrName>
+                                        </p:attrNameLst>
+                                      </p:cBhvr>
+                                      <p:to>
+                                        <p:strVal val="visible"/>
+                                      </p:to>
+                                    </p:set>
+                                    <p:animEffect transition="in" filter="wipe(right)">
+                                      <p:cBhvr>
+                                        <p:cTn id="12" dur="500"/>
+                                        <p:tgtEl>
+                                          <p:spTgt spid="8"/>
+                                        </p:tgtEl>
+                                      </p:cBhvr>
+                                    </p:animEffect>
+                                  </p:childTnLst>
+                                </p:cTn>
+                              </p:par>
+                            </p:childTnLst>
+                          </p:cTn>
+                        </p:par>
+                      </p:childTnLst>
+                    </p:cTn>
+                  </p:par>
+                  <p:par>
+                    <p:cTn id="13" fill="hold">
+                      <p:stCondLst>
+                        <p:cond delay="indefinite"/>
+                      </p:stCondLst>
+                      <p:childTnLst>
+                        <p:par>
+                          <p:cTn id="14" fill="hold">
+                            <p:stCondLst>
+                              <p:cond delay="0"/>
+                            </p:stCondLst>
+                            <p:childTnLst>
+                              <p:par>
+                                <p:cTn id="15" presetID="22" presetClass="entr" presetSubtype="4" fill="hold" grpId="0" nodeType="clickEffect">
+                                  <p:stCondLst>
+                                    <p:cond delay="0"/>
+                                  </p:stCondLst>
+                                  <p:childTnLst>
+                                    <p:set>
+                                      <p:cBhvr>
+                                        <p:cTn id="16" dur="1" fill="hold">
+                                          <p:stCondLst>
+                                            <p:cond delay="0"/>
+                                          </p:stCondLst>
+                                        </p:cTn>
+                                        <p:tgtEl>
+                                          <p:spTgt spid="10"/>
+                                        </p:tgtEl>
+                                        <p:attrNameLst>
+                                          <p:attrName>style.visibility</p:attrName>
+                                        </p:attrNameLst>
+                                      </p:cBhvr>
+                                      <p:to>
+                                        <p:strVal val="visible"/>
+                                      </p:to>
+                                    </p:set>
+                                    <p:animEffect transition="in" filter="wipe(down)">
+                                      <p:cBhvr>
+                                        <p:cTn id="17" dur="500"/>
+                                        <p:tgtEl>
+                                          <p:spTgt spid="10"/>
+                                        </p:tgtEl>
+                                      </p:cBhvr>
+                                    </p:animEffect>
+                                  </p:childTnLst>
+                                </p:cTn>
+                              </p:par>
+                            </p:childTnLst>
+                          </p:cTn>
+                        </p:par>
+                      </p:childTnLst>
+                    </p:cTn>
+                  </p:par>
+                </p:childTnLst>
+              </p:cTn>
+              <p:prevCondLst>
+                <p:cond evt="onPrev" delay="0">
+                  <p:tgtEl>
+                    <p:sldTgt/>
+                  </p:tgtEl>
+                </p:cond>
+              </p:prevCondLst>
+              <p:nextCondLst>
+                <p:cond evt="onNext" delay="0">
+                  <p:tgtEl>
+                    <p:sldTgt/>
+                  </p:tgtEl>
+                </p:cond>
+              </p:nextCondLst>
+            </p:seq>
+          </p:childTnLst>
+        </p:cTn>
+      </p:par>
+    </p:tnLst>
+    <p:bldLst>
+      <p:bldP spid="11" grpId="0" animBg="1"/>
+      <p:bldP spid="8" grpId="0" animBg="1"/>
+      <p:bldP spid="10" grpId="0" animBg="1"/>
+    </p:bldLst>
   </p:timing>
 </p:sld>
 </file>
@@ -32892,24 +34803,13 @@
             </a:r>
             <a:r>
               <a:rPr lang="en-US" sz="2400" dirty="0"/>
-              <a:t> item in the </a:t>
-            </a:r>
-            <a:r>
-              <a:rPr lang="en-US" sz="2400" b="1" dirty="0"/>
-              <a:t>array</a:t>
-            </a:r>
-            <a:r>
-              <a:rPr lang="en-US" sz="2400" dirty="0"/>
-              <a:t> passed to the </a:t>
-            </a:r>
-            <a:r>
-              <a:rPr lang="en-US" sz="2400" b="1" dirty="0">
-                <a:solidFill>
-                  <a:srgbClr val="7030A0"/>
-                </a:solidFill>
-              </a:rPr>
-              <a:t>for</a:t>
-            </a:r>
+              <a:t> number in a given range</a:t>
+            </a:r>
+            <a:endParaRPr lang="en-US" sz="2400" b="1" dirty="0">
+              <a:solidFill>
+                <a:srgbClr val="7030A0"/>
+              </a:solidFill>
+            </a:endParaRPr>
           </a:p>
           <a:p>
             <a:pPr>
@@ -32926,7 +34826,7 @@
             </a:r>
             <a:r>
               <a:rPr lang="en-US" sz="2400" b="1" dirty="0"/>
-              <a:t>np.arange</a:t>
+              <a:t>range</a:t>
             </a:r>
             <a:r>
               <a:rPr lang="en-US" sz="2400" dirty="0"/>
@@ -32960,7 +34860,7 @@
             </a:r>
             <a:r>
               <a:rPr lang="en-US" sz="2400" b="1" dirty="0"/>
-              <a:t>np.arange</a:t>
+              <a:t>range</a:t>
             </a:r>
             <a:r>
               <a:rPr lang="en-US" sz="2400" dirty="0"/>
@@ -33587,6 +35487,718 @@
             <p:ph type="title"/>
           </p:nvPr>
         </p:nvSpPr>
+        <p:spPr/>
+        <p:txBody>
+          <a:bodyPr>
+            <a:noAutofit/>
+          </a:bodyPr>
+          <a:lstStyle/>
+          <a:p>
+            <a:pPr algn="ctr"/>
+            <a:r>
+              <a:rPr lang="en-US" sz="3200" dirty="0">
+                <a:latin typeface="+mn-lt"/>
+              </a:rPr>
+              <a:t>A </a:t>
+            </a:r>
+            <a:r>
+              <a:rPr lang="en-US" sz="3200" b="1" dirty="0">
+                <a:latin typeface="+mn-lt"/>
+              </a:rPr>
+              <a:t>Numpy</a:t>
+            </a:r>
+            <a:r>
+              <a:rPr lang="en-US" sz="3200" dirty="0">
+                <a:latin typeface="+mn-lt"/>
+              </a:rPr>
+              <a:t> </a:t>
+            </a:r>
+            <a:r>
+              <a:rPr lang="en-US" sz="3200" b="1" dirty="0">
+                <a:solidFill>
+                  <a:srgbClr val="0070C0"/>
+                </a:solidFill>
+                <a:latin typeface="+mn-lt"/>
+              </a:rPr>
+              <a:t>Array</a:t>
+            </a:r>
+            <a:r>
+              <a:rPr lang="en-US" sz="3200" dirty="0">
+                <a:latin typeface="+mn-lt"/>
+              </a:rPr>
+              <a:t> from a </a:t>
+            </a:r>
+            <a:r>
+              <a:rPr lang="en-US" sz="3200" b="1" dirty="0">
+                <a:solidFill>
+                  <a:srgbClr val="0070C0"/>
+                </a:solidFill>
+                <a:latin typeface="+mn-lt"/>
+              </a:rPr>
+              <a:t>Range</a:t>
+            </a:r>
+          </a:p>
+        </p:txBody>
+      </p:sp>
+      <p:sp>
+        <p:nvSpPr>
+          <p:cNvPr id="3" name="Slide Number Placeholder 2"/>
+          <p:cNvSpPr>
+            <a:spLocks noGrp="1"/>
+          </p:cNvSpPr>
+          <p:nvPr>
+            <p:ph type="sldNum" sz="quarter" idx="12"/>
+          </p:nvPr>
+        </p:nvSpPr>
+        <p:spPr/>
+        <p:txBody>
+          <a:bodyPr/>
+          <a:lstStyle/>
+          <a:p>
+            <a:fld id="{650AD656-6FF9-465D-B7B0-1CD0DD39CD23}" type="slidenum">
+              <a:rPr lang="en-US" smtClean="0"/>
+              <a:t>7</a:t>
+            </a:fld>
+            <a:endParaRPr lang="en-US" dirty="0"/>
+          </a:p>
+        </p:txBody>
+      </p:sp>
+      <p:pic>
+        <p:nvPicPr>
+          <p:cNvPr id="23" name="Picture 22">
+            <a:extLst>
+              <a:ext uri="{FF2B5EF4-FFF2-40B4-BE49-F238E27FC236}">
+                <a16:creationId xmlns:a16="http://schemas.microsoft.com/office/drawing/2014/main" id="{905ED3BD-FDAE-2887-2058-323DF12E5415}"/>
+              </a:ext>
+            </a:extLst>
+          </p:cNvPr>
+          <p:cNvPicPr>
+            <a:picLocks noChangeAspect="1"/>
+          </p:cNvPicPr>
+          <p:nvPr/>
+        </p:nvPicPr>
+        <p:blipFill>
+          <a:blip r:embed="rId2"/>
+          <a:stretch>
+            <a:fillRect/>
+          </a:stretch>
+        </p:blipFill>
+        <p:spPr>
+          <a:xfrm>
+            <a:off x="1661074" y="3779274"/>
+            <a:ext cx="5825576" cy="2501605"/>
+          </a:xfrm>
+          <a:prstGeom prst="rect">
+            <a:avLst/>
+          </a:prstGeom>
+        </p:spPr>
+      </p:pic>
+      <p:pic>
+        <p:nvPicPr>
+          <p:cNvPr id="15" name="Picture 14">
+            <a:extLst>
+              <a:ext uri="{FF2B5EF4-FFF2-40B4-BE49-F238E27FC236}">
+                <a16:creationId xmlns:a16="http://schemas.microsoft.com/office/drawing/2014/main" id="{48EC2514-7C57-DE66-51BB-AD4E62C08A5A}"/>
+              </a:ext>
+            </a:extLst>
+          </p:cNvPr>
+          <p:cNvPicPr>
+            <a:picLocks noChangeAspect="1"/>
+          </p:cNvPicPr>
+          <p:nvPr/>
+        </p:nvPicPr>
+        <p:blipFill rotWithShape="1">
+          <a:blip r:embed="rId3"/>
+          <a:srcRect b="8044"/>
+          <a:stretch/>
+        </p:blipFill>
+        <p:spPr>
+          <a:xfrm>
+            <a:off x="2765334" y="1566412"/>
+            <a:ext cx="3613333" cy="1866592"/>
+          </a:xfrm>
+          <a:prstGeom prst="rect">
+            <a:avLst/>
+          </a:prstGeom>
+        </p:spPr>
+      </p:pic>
+      <p:sp>
+        <p:nvSpPr>
+          <p:cNvPr id="24" name="TextBox 23">
+            <a:extLst>
+              <a:ext uri="{FF2B5EF4-FFF2-40B4-BE49-F238E27FC236}">
+                <a16:creationId xmlns:a16="http://schemas.microsoft.com/office/drawing/2014/main" id="{38F70808-80BC-5012-F4AB-16C44D646C40}"/>
+              </a:ext>
+            </a:extLst>
+          </p:cNvPr>
+          <p:cNvSpPr txBox="1"/>
+          <p:nvPr/>
+        </p:nvSpPr>
+        <p:spPr>
+          <a:xfrm>
+            <a:off x="351020" y="1761044"/>
+            <a:ext cx="2286000" cy="1477328"/>
+          </a:xfrm>
+          <a:prstGeom prst="rect">
+            <a:avLst/>
+          </a:prstGeom>
+          <a:noFill/>
+        </p:spPr>
+        <p:txBody>
+          <a:bodyPr wrap="square" rtlCol="0">
+            <a:spAutoFit/>
+          </a:bodyPr>
+          <a:lstStyle/>
+          <a:p>
+            <a:pPr algn="ctr"/>
+            <a:r>
+              <a:rPr lang="en-US" dirty="0">
+                <a:solidFill>
+                  <a:srgbClr val="7030A0"/>
+                </a:solidFill>
+              </a:rPr>
+              <a:t>Creates a "street" of </a:t>
+            </a:r>
+            <a:r>
+              <a:rPr lang="en-US" i="1" dirty="0">
+                <a:solidFill>
+                  <a:srgbClr val="7030A0"/>
+                </a:solidFill>
+              </a:rPr>
+              <a:t>mailboxes</a:t>
+            </a:r>
+            <a:r>
+              <a:rPr lang="en-US" dirty="0">
+                <a:solidFill>
+                  <a:srgbClr val="7030A0"/>
+                </a:solidFill>
+              </a:rPr>
+              <a:t> where the </a:t>
+            </a:r>
+            <a:r>
+              <a:rPr lang="en-US" b="1" dirty="0">
+                <a:solidFill>
+                  <a:srgbClr val="7030A0"/>
+                </a:solidFill>
+              </a:rPr>
+              <a:t>value</a:t>
+            </a:r>
+            <a:r>
+              <a:rPr lang="en-US" dirty="0">
+                <a:solidFill>
+                  <a:srgbClr val="7030A0"/>
+                </a:solidFill>
+              </a:rPr>
+              <a:t> inside each mailbox follows the requested </a:t>
+            </a:r>
+            <a:r>
+              <a:rPr lang="en-US" b="1" dirty="0">
+                <a:solidFill>
+                  <a:srgbClr val="7030A0"/>
+                </a:solidFill>
+              </a:rPr>
+              <a:t>range</a:t>
+            </a:r>
+          </a:p>
+        </p:txBody>
+      </p:sp>
+      <p:sp>
+        <p:nvSpPr>
+          <p:cNvPr id="25" name="TextBox 24">
+            <a:extLst>
+              <a:ext uri="{FF2B5EF4-FFF2-40B4-BE49-F238E27FC236}">
+                <a16:creationId xmlns:a16="http://schemas.microsoft.com/office/drawing/2014/main" id="{471C0696-5D91-A6C8-8A0D-D782EA7627BD}"/>
+              </a:ext>
+            </a:extLst>
+          </p:cNvPr>
+          <p:cNvSpPr txBox="1"/>
+          <p:nvPr/>
+        </p:nvSpPr>
+        <p:spPr>
+          <a:xfrm>
+            <a:off x="6506980" y="1622545"/>
+            <a:ext cx="2286000" cy="1754326"/>
+          </a:xfrm>
+          <a:prstGeom prst="rect">
+            <a:avLst/>
+          </a:prstGeom>
+          <a:noFill/>
+        </p:spPr>
+        <p:txBody>
+          <a:bodyPr wrap="square" rtlCol="0">
+            <a:spAutoFit/>
+          </a:bodyPr>
+          <a:lstStyle/>
+          <a:p>
+            <a:pPr algn="ctr"/>
+            <a:r>
+              <a:rPr lang="en-US" dirty="0">
+                <a:solidFill>
+                  <a:srgbClr val="7030A0"/>
+                </a:solidFill>
+              </a:rPr>
+              <a:t>Just like </a:t>
+            </a:r>
+            <a:r>
+              <a:rPr lang="en-US" b="1" dirty="0"/>
+              <a:t>range()</a:t>
+            </a:r>
+          </a:p>
+          <a:p>
+            <a:pPr algn="ctr"/>
+            <a:r>
+              <a:rPr lang="en-US" dirty="0">
+                <a:solidFill>
+                  <a:srgbClr val="7030A0"/>
+                </a:solidFill>
+              </a:rPr>
+              <a:t>the </a:t>
+            </a:r>
+            <a:r>
+              <a:rPr lang="en-US" i="1" dirty="0">
+                <a:solidFill>
+                  <a:srgbClr val="7030A0"/>
+                </a:solidFill>
+              </a:rPr>
+              <a:t>default</a:t>
+            </a:r>
+            <a:r>
+              <a:rPr lang="en-US" dirty="0">
+                <a:solidFill>
+                  <a:srgbClr val="7030A0"/>
+                </a:solidFill>
+              </a:rPr>
+              <a:t> </a:t>
+            </a:r>
+            <a:r>
+              <a:rPr lang="en-US" b="1" dirty="0">
+                <a:solidFill>
+                  <a:srgbClr val="7030A0"/>
+                </a:solidFill>
+              </a:rPr>
+              <a:t>start</a:t>
+            </a:r>
+            <a:r>
+              <a:rPr lang="en-US" dirty="0">
+                <a:solidFill>
+                  <a:srgbClr val="7030A0"/>
+                </a:solidFill>
+              </a:rPr>
+              <a:t> value is </a:t>
+            </a:r>
+            <a:r>
+              <a:rPr lang="en-US" b="1" dirty="0">
+                <a:solidFill>
+                  <a:srgbClr val="7030A0"/>
+                </a:solidFill>
+              </a:rPr>
+              <a:t>0</a:t>
+            </a:r>
+            <a:r>
+              <a:rPr lang="en-US" dirty="0">
+                <a:solidFill>
+                  <a:srgbClr val="7030A0"/>
+                </a:solidFill>
+              </a:rPr>
+              <a:t> and the </a:t>
+            </a:r>
+            <a:r>
+              <a:rPr lang="en-US" i="1" dirty="0">
+                <a:solidFill>
+                  <a:srgbClr val="7030A0"/>
+                </a:solidFill>
+              </a:rPr>
+              <a:t>default</a:t>
+            </a:r>
+            <a:r>
+              <a:rPr lang="en-US" dirty="0">
+                <a:solidFill>
+                  <a:srgbClr val="7030A0"/>
+                </a:solidFill>
+              </a:rPr>
+              <a:t> </a:t>
+            </a:r>
+            <a:r>
+              <a:rPr lang="en-US" b="1" dirty="0">
+                <a:solidFill>
+                  <a:srgbClr val="7030A0"/>
+                </a:solidFill>
+              </a:rPr>
+              <a:t>step</a:t>
+            </a:r>
+            <a:r>
+              <a:rPr lang="en-US" dirty="0">
+                <a:solidFill>
+                  <a:srgbClr val="7030A0"/>
+                </a:solidFill>
+              </a:rPr>
+              <a:t> value is </a:t>
+            </a:r>
+            <a:r>
+              <a:rPr lang="en-US" b="1" dirty="0">
+                <a:solidFill>
+                  <a:srgbClr val="7030A0"/>
+                </a:solidFill>
+              </a:rPr>
+              <a:t>1</a:t>
+            </a:r>
+            <a:r>
+              <a:rPr lang="en-US" dirty="0">
+                <a:solidFill>
+                  <a:srgbClr val="7030A0"/>
+                </a:solidFill>
+              </a:rPr>
+              <a:t>, and the stop value is </a:t>
+            </a:r>
+            <a:r>
+              <a:rPr lang="en-US" u="sng" dirty="0">
+                <a:solidFill>
+                  <a:srgbClr val="7030A0"/>
+                </a:solidFill>
+              </a:rPr>
+              <a:t>exclusive</a:t>
+            </a:r>
+            <a:endParaRPr lang="en-US" b="1" u="sng" dirty="0">
+              <a:solidFill>
+                <a:srgbClr val="7030A0"/>
+              </a:solidFill>
+            </a:endParaRPr>
+          </a:p>
+        </p:txBody>
+      </p:sp>
+      <p:sp>
+        <p:nvSpPr>
+          <p:cNvPr id="28" name="Rectangle 27">
+            <a:extLst>
+              <a:ext uri="{FF2B5EF4-FFF2-40B4-BE49-F238E27FC236}">
+                <a16:creationId xmlns:a16="http://schemas.microsoft.com/office/drawing/2014/main" id="{ED2F8190-8CD4-8C44-5496-70F39B63E23D}"/>
+              </a:ext>
+            </a:extLst>
+          </p:cNvPr>
+          <p:cNvSpPr/>
+          <p:nvPr/>
+        </p:nvSpPr>
+        <p:spPr>
+          <a:xfrm>
+            <a:off x="3822493" y="1650206"/>
+            <a:ext cx="1499016" cy="301247"/>
+          </a:xfrm>
+          <a:prstGeom prst="rect">
+            <a:avLst/>
+          </a:prstGeom>
+          <a:noFill/>
+          <a:ln w="28575">
+            <a:solidFill>
+              <a:srgbClr val="FF0000"/>
+            </a:solidFill>
+          </a:ln>
+        </p:spPr>
+        <p:style>
+          <a:lnRef idx="2">
+            <a:schemeClr val="accent1">
+              <a:shade val="15000"/>
+            </a:schemeClr>
+          </a:lnRef>
+          <a:fillRef idx="1">
+            <a:schemeClr val="accent1"/>
+          </a:fillRef>
+          <a:effectRef idx="0">
+            <a:schemeClr val="accent1"/>
+          </a:effectRef>
+          <a:fontRef idx="minor">
+            <a:schemeClr val="lt1"/>
+          </a:fontRef>
+        </p:style>
+        <p:txBody>
+          <a:bodyPr rtlCol="0" anchor="ctr"/>
+          <a:lstStyle/>
+          <a:p>
+            <a:pPr algn="ctr"/>
+            <a:endParaRPr lang="en-US"/>
+          </a:p>
+        </p:txBody>
+      </p:sp>
+    </p:spTree>
+    <p:extLst>
+      <p:ext uri="{BB962C8B-B14F-4D97-AF65-F5344CB8AC3E}">
+        <p14:creationId xmlns:p14="http://schemas.microsoft.com/office/powerpoint/2010/main" val="3501970068"/>
+      </p:ext>
+    </p:extLst>
+  </p:cSld>
+  <p:clrMapOvr>
+    <a:masterClrMapping/>
+  </p:clrMapOvr>
+  <p:timing>
+    <p:tnLst>
+      <p:par>
+        <p:cTn id="1" dur="indefinite" restart="never" nodeType="tmRoot">
+          <p:childTnLst>
+            <p:seq concurrent="1" nextAc="seek">
+              <p:cTn id="2" dur="indefinite" nodeType="mainSeq">
+                <p:childTnLst>
+                  <p:par>
+                    <p:cTn id="3" fill="hold">
+                      <p:stCondLst>
+                        <p:cond delay="indefinite"/>
+                        <p:cond evt="onBegin" delay="0">
+                          <p:tn val="2"/>
+                        </p:cond>
+                      </p:stCondLst>
+                      <p:childTnLst>
+                        <p:par>
+                          <p:cTn id="4" fill="hold">
+                            <p:stCondLst>
+                              <p:cond delay="0"/>
+                            </p:stCondLst>
+                            <p:childTnLst>
+                              <p:par>
+                                <p:cTn id="5" presetID="16" presetClass="entr" presetSubtype="21" fill="hold" grpId="0" nodeType="afterEffect">
+                                  <p:stCondLst>
+                                    <p:cond delay="0"/>
+                                  </p:stCondLst>
+                                  <p:childTnLst>
+                                    <p:set>
+                                      <p:cBhvr>
+                                        <p:cTn id="6" dur="1" fill="hold">
+                                          <p:stCondLst>
+                                            <p:cond delay="0"/>
+                                          </p:stCondLst>
+                                        </p:cTn>
+                                        <p:tgtEl>
+                                          <p:spTgt spid="28"/>
+                                        </p:tgtEl>
+                                        <p:attrNameLst>
+                                          <p:attrName>style.visibility</p:attrName>
+                                        </p:attrNameLst>
+                                      </p:cBhvr>
+                                      <p:to>
+                                        <p:strVal val="visible"/>
+                                      </p:to>
+                                    </p:set>
+                                    <p:animEffect transition="in" filter="barn(inVertical)">
+                                      <p:cBhvr>
+                                        <p:cTn id="7" dur="500"/>
+                                        <p:tgtEl>
+                                          <p:spTgt spid="28"/>
+                                        </p:tgtEl>
+                                      </p:cBhvr>
+                                    </p:animEffect>
+                                  </p:childTnLst>
+                                </p:cTn>
+                              </p:par>
+                            </p:childTnLst>
+                          </p:cTn>
+                        </p:par>
+                        <p:par>
+                          <p:cTn id="8" fill="hold">
+                            <p:stCondLst>
+                              <p:cond delay="500"/>
+                            </p:stCondLst>
+                            <p:childTnLst>
+                              <p:par>
+                                <p:cTn id="9" presetID="22" presetClass="entr" presetSubtype="1" fill="hold" grpId="0" nodeType="afterEffect">
+                                  <p:stCondLst>
+                                    <p:cond delay="0"/>
+                                  </p:stCondLst>
+                                  <p:childTnLst>
+                                    <p:set>
+                                      <p:cBhvr>
+                                        <p:cTn id="10" dur="1" fill="hold">
+                                          <p:stCondLst>
+                                            <p:cond delay="0"/>
+                                          </p:stCondLst>
+                                        </p:cTn>
+                                        <p:tgtEl>
+                                          <p:spTgt spid="24"/>
+                                        </p:tgtEl>
+                                        <p:attrNameLst>
+                                          <p:attrName>style.visibility</p:attrName>
+                                        </p:attrNameLst>
+                                      </p:cBhvr>
+                                      <p:to>
+                                        <p:strVal val="visible"/>
+                                      </p:to>
+                                    </p:set>
+                                    <p:animEffect transition="in" filter="wipe(up)">
+                                      <p:cBhvr>
+                                        <p:cTn id="11" dur="500"/>
+                                        <p:tgtEl>
+                                          <p:spTgt spid="24"/>
+                                        </p:tgtEl>
+                                      </p:cBhvr>
+                                    </p:animEffect>
+                                  </p:childTnLst>
+                                </p:cTn>
+                              </p:par>
+                            </p:childTnLst>
+                          </p:cTn>
+                        </p:par>
+                      </p:childTnLst>
+                    </p:cTn>
+                  </p:par>
+                  <p:par>
+                    <p:cTn id="12" fill="hold">
+                      <p:stCondLst>
+                        <p:cond delay="indefinite"/>
+                      </p:stCondLst>
+                      <p:childTnLst>
+                        <p:par>
+                          <p:cTn id="13" fill="hold">
+                            <p:stCondLst>
+                              <p:cond delay="0"/>
+                            </p:stCondLst>
+                            <p:childTnLst>
+                              <p:par>
+                                <p:cTn id="14" presetID="22" presetClass="entr" presetSubtype="1" fill="hold" grpId="0" nodeType="clickEffect">
+                                  <p:stCondLst>
+                                    <p:cond delay="0"/>
+                                  </p:stCondLst>
+                                  <p:childTnLst>
+                                    <p:set>
+                                      <p:cBhvr>
+                                        <p:cTn id="15" dur="1" fill="hold">
+                                          <p:stCondLst>
+                                            <p:cond delay="0"/>
+                                          </p:stCondLst>
+                                        </p:cTn>
+                                        <p:tgtEl>
+                                          <p:spTgt spid="25"/>
+                                        </p:tgtEl>
+                                        <p:attrNameLst>
+                                          <p:attrName>style.visibility</p:attrName>
+                                        </p:attrNameLst>
+                                      </p:cBhvr>
+                                      <p:to>
+                                        <p:strVal val="visible"/>
+                                      </p:to>
+                                    </p:set>
+                                    <p:animEffect transition="in" filter="wipe(up)">
+                                      <p:cBhvr>
+                                        <p:cTn id="16" dur="500"/>
+                                        <p:tgtEl>
+                                          <p:spTgt spid="25"/>
+                                        </p:tgtEl>
+                                      </p:cBhvr>
+                                    </p:animEffect>
+                                  </p:childTnLst>
+                                </p:cTn>
+                              </p:par>
+                            </p:childTnLst>
+                          </p:cTn>
+                        </p:par>
+                      </p:childTnLst>
+                    </p:cTn>
+                  </p:par>
+                  <p:par>
+                    <p:cTn id="17" fill="hold">
+                      <p:stCondLst>
+                        <p:cond delay="indefinite"/>
+                      </p:stCondLst>
+                      <p:childTnLst>
+                        <p:par>
+                          <p:cTn id="18" fill="hold">
+                            <p:stCondLst>
+                              <p:cond delay="0"/>
+                            </p:stCondLst>
+                            <p:childTnLst>
+                              <p:par>
+                                <p:cTn id="19" presetID="22" presetClass="entr" presetSubtype="8" fill="hold" nodeType="clickEffect">
+                                  <p:stCondLst>
+                                    <p:cond delay="0"/>
+                                  </p:stCondLst>
+                                  <p:childTnLst>
+                                    <p:set>
+                                      <p:cBhvr>
+                                        <p:cTn id="20" dur="1" fill="hold">
+                                          <p:stCondLst>
+                                            <p:cond delay="0"/>
+                                          </p:stCondLst>
+                                        </p:cTn>
+                                        <p:tgtEl>
+                                          <p:spTgt spid="23"/>
+                                        </p:tgtEl>
+                                        <p:attrNameLst>
+                                          <p:attrName>style.visibility</p:attrName>
+                                        </p:attrNameLst>
+                                      </p:cBhvr>
+                                      <p:to>
+                                        <p:strVal val="visible"/>
+                                      </p:to>
+                                    </p:set>
+                                    <p:animEffect transition="in" filter="wipe(left)">
+                                      <p:cBhvr>
+                                        <p:cTn id="21" dur="500"/>
+                                        <p:tgtEl>
+                                          <p:spTgt spid="23"/>
+                                        </p:tgtEl>
+                                      </p:cBhvr>
+                                    </p:animEffect>
+                                  </p:childTnLst>
+                                </p:cTn>
+                              </p:par>
+                            </p:childTnLst>
+                          </p:cTn>
+                        </p:par>
+                      </p:childTnLst>
+                    </p:cTn>
+                  </p:par>
+                </p:childTnLst>
+              </p:cTn>
+              <p:prevCondLst>
+                <p:cond evt="onPrev" delay="0">
+                  <p:tgtEl>
+                    <p:sldTgt/>
+                  </p:tgtEl>
+                </p:cond>
+              </p:prevCondLst>
+              <p:nextCondLst>
+                <p:cond evt="onNext" delay="0">
+                  <p:tgtEl>
+                    <p:sldTgt/>
+                  </p:tgtEl>
+                </p:cond>
+              </p:nextCondLst>
+            </p:seq>
+          </p:childTnLst>
+        </p:cTn>
+      </p:par>
+    </p:tnLst>
+    <p:bldLst>
+      <p:bldP spid="24" grpId="0"/>
+      <p:bldP spid="25" grpId="0"/>
+      <p:bldP spid="28" grpId="0" animBg="1"/>
+    </p:bldLst>
+  </p:timing>
+</p:sld>
+</file>
+
+<file path=ppt/slides/slide8.xml><?xml version="1.0" encoding="utf-8"?>
+<p:sld xmlns:a="http://schemas.openxmlformats.org/drawingml/2006/main" xmlns:r="http://schemas.openxmlformats.org/officeDocument/2006/relationships" xmlns:p="http://schemas.openxmlformats.org/presentationml/2006/main">
+  <p:cSld>
+    <p:spTree>
+      <p:nvGrpSpPr>
+        <p:cNvPr id="1" name=""/>
+        <p:cNvGrpSpPr/>
+        <p:nvPr/>
+      </p:nvGrpSpPr>
+      <p:grpSpPr>
+        <a:xfrm>
+          <a:off x="0" y="0"/>
+          <a:ext cx="0" cy="0"/>
+          <a:chOff x="0" y="0"/>
+          <a:chExt cx="0" cy="0"/>
+        </a:xfrm>
+      </p:grpSpPr>
+      <p:sp>
+        <p:nvSpPr>
+          <p:cNvPr id="2" name="Title 1"/>
+          <p:cNvSpPr>
+            <a:spLocks noGrp="1"/>
+          </p:cNvSpPr>
+          <p:nvPr>
+            <p:ph type="title"/>
+          </p:nvPr>
+        </p:nvSpPr>
         <p:spPr>
           <a:xfrm>
             <a:off x="628650" y="365126"/>
@@ -34004,7 +36616,7 @@
           <a:p>
             <a:fld id="{650AD656-6FF9-465D-B7B0-1CD0DD39CD23}" type="slidenum">
               <a:rPr lang="en-US" smtClean="0"/>
-              <a:t>7</a:t>
+              <a:t>8</a:t>
             </a:fld>
             <a:endParaRPr lang="en-US" dirty="0"/>
           </a:p>
@@ -34347,7 +36959,7 @@
 </p:sld>
 </file>
 
-<file path=ppt/slides/slide8.xml><?xml version="1.0" encoding="utf-8"?>
+<file path=ppt/slides/slide9.xml><?xml version="1.0" encoding="utf-8"?>
 <p:sld xmlns:a="http://schemas.openxmlformats.org/drawingml/2006/main" xmlns:r="http://schemas.openxmlformats.org/officeDocument/2006/relationships" xmlns:p="http://schemas.openxmlformats.org/presentationml/2006/main">
   <p:cSld>
     <p:spTree>
@@ -34431,7 +37043,7 @@
           <a:p>
             <a:fld id="{650AD656-6FF9-465D-B7B0-1CD0DD39CD23}" type="slidenum">
               <a:rPr lang="en-US" smtClean="0"/>
-              <a:t>8</a:t>
+              <a:t>9</a:t>
             </a:fld>
             <a:endParaRPr lang="en-US" dirty="0"/>
           </a:p>
@@ -36003,471 +38615,6 @@
 </p:sld>
 </file>
 
-<file path=ppt/slides/slide9.xml><?xml version="1.0" encoding="utf-8"?>
-<p:sld xmlns:a="http://schemas.openxmlformats.org/drawingml/2006/main" xmlns:r="http://schemas.openxmlformats.org/officeDocument/2006/relationships" xmlns:p="http://schemas.openxmlformats.org/presentationml/2006/main">
-  <p:cSld>
-    <p:spTree>
-      <p:nvGrpSpPr>
-        <p:cNvPr id="1" name=""/>
-        <p:cNvGrpSpPr/>
-        <p:nvPr/>
-      </p:nvGrpSpPr>
-      <p:grpSpPr>
-        <a:xfrm>
-          <a:off x="0" y="0"/>
-          <a:ext cx="0" cy="0"/>
-          <a:chOff x="0" y="0"/>
-          <a:chExt cx="0" cy="0"/>
-        </a:xfrm>
-      </p:grpSpPr>
-      <p:pic>
-        <p:nvPicPr>
-          <p:cNvPr id="7" name="Picture 6">
-            <a:extLst>
-              <a:ext uri="{FF2B5EF4-FFF2-40B4-BE49-F238E27FC236}">
-                <a16:creationId xmlns:a16="http://schemas.microsoft.com/office/drawing/2014/main" id="{81748BD4-561A-B636-E927-CBFDBD79105C}"/>
-              </a:ext>
-            </a:extLst>
-          </p:cNvPr>
-          <p:cNvPicPr>
-            <a:picLocks noChangeAspect="1"/>
-          </p:cNvPicPr>
-          <p:nvPr/>
-        </p:nvPicPr>
-        <p:blipFill>
-          <a:blip r:embed="rId2"/>
-          <a:stretch>
-            <a:fillRect/>
-          </a:stretch>
-        </p:blipFill>
-        <p:spPr>
-          <a:xfrm>
-            <a:off x="1519143" y="3565062"/>
-            <a:ext cx="6105713" cy="1568134"/>
-          </a:xfrm>
-          <a:prstGeom prst="rect">
-            <a:avLst/>
-          </a:prstGeom>
-          <a:ln>
-            <a:solidFill>
-              <a:schemeClr val="tx1"/>
-            </a:solidFill>
-          </a:ln>
-        </p:spPr>
-      </p:pic>
-      <p:sp>
-        <p:nvSpPr>
-          <p:cNvPr id="2" name="Title 1"/>
-          <p:cNvSpPr>
-            <a:spLocks noGrp="1"/>
-          </p:cNvSpPr>
-          <p:nvPr>
-            <p:ph type="title"/>
-          </p:nvPr>
-        </p:nvSpPr>
-        <p:spPr>
-          <a:xfrm>
-            <a:off x="628650" y="365126"/>
-            <a:ext cx="7886700" cy="1103455"/>
-          </a:xfrm>
-        </p:spPr>
-        <p:txBody>
-          <a:bodyPr>
-            <a:noAutofit/>
-          </a:bodyPr>
-          <a:lstStyle/>
-          <a:p>
-            <a:pPr algn="ctr"/>
-            <a:r>
-              <a:rPr lang="en-US" sz="3200" dirty="0">
-                <a:latin typeface="+mn-lt"/>
-              </a:rPr>
-              <a:t>The Modulus (</a:t>
-            </a:r>
-            <a:r>
-              <a:rPr lang="en-US" sz="3200" b="1" dirty="0">
-                <a:latin typeface="+mn-lt"/>
-              </a:rPr>
-              <a:t>%</a:t>
-            </a:r>
-            <a:r>
-              <a:rPr lang="en-US" sz="3200" dirty="0">
-                <a:latin typeface="+mn-lt"/>
-              </a:rPr>
-              <a:t>) Operator</a:t>
-            </a:r>
-          </a:p>
-        </p:txBody>
-      </p:sp>
-      <p:sp>
-        <p:nvSpPr>
-          <p:cNvPr id="3" name="Content Placeholder 2"/>
-          <p:cNvSpPr>
-            <a:spLocks noGrp="1"/>
-          </p:cNvSpPr>
-          <p:nvPr>
-            <p:ph idx="1"/>
-          </p:nvPr>
-        </p:nvSpPr>
-        <p:spPr>
-          <a:xfrm>
-            <a:off x="613020" y="1825624"/>
-            <a:ext cx="7886700" cy="1382395"/>
-          </a:xfrm>
-        </p:spPr>
-        <p:txBody>
-          <a:bodyPr>
-            <a:noAutofit/>
-          </a:bodyPr>
-          <a:lstStyle/>
-          <a:p>
-            <a:pPr>
-              <a:spcBef>
-                <a:spcPts val="0"/>
-              </a:spcBef>
-              <a:spcAft>
-                <a:spcPts val="1200"/>
-              </a:spcAft>
-            </a:pPr>
-            <a:r>
-              <a:rPr lang="en-US" sz="2400" dirty="0"/>
-              <a:t>The “</a:t>
-            </a:r>
-            <a:r>
-              <a:rPr lang="en-US" sz="2400" b="1" dirty="0">
-                <a:solidFill>
-                  <a:srgbClr val="00B050"/>
-                </a:solidFill>
-              </a:rPr>
-              <a:t>mod</a:t>
-            </a:r>
-            <a:r>
-              <a:rPr lang="en-US" sz="2400" dirty="0"/>
-              <a:t>” operator (</a:t>
-            </a:r>
-            <a:r>
-              <a:rPr lang="en-US" sz="2400" b="1" dirty="0"/>
-              <a:t>%</a:t>
-            </a:r>
-            <a:r>
-              <a:rPr lang="en-US" sz="2400" dirty="0"/>
-              <a:t>) returns the integer </a:t>
-            </a:r>
-            <a:r>
-              <a:rPr lang="en-US" sz="2400" b="1" dirty="0"/>
-              <a:t>remainder</a:t>
-            </a:r>
-            <a:r>
-              <a:rPr lang="en-US" sz="2400" dirty="0"/>
-              <a:t> of an implicit division operation, e.g., </a:t>
-            </a:r>
-            <a:r>
-              <a:rPr lang="en-US" sz="2400" b="1" dirty="0">
-                <a:solidFill>
-                  <a:srgbClr val="FF0000"/>
-                </a:solidFill>
-              </a:rPr>
-              <a:t>37 % 5 = 2</a:t>
-            </a:r>
-          </a:p>
-          <a:p>
-            <a:pPr>
-              <a:spcBef>
-                <a:spcPts val="0"/>
-              </a:spcBef>
-              <a:spcAft>
-                <a:spcPts val="1200"/>
-              </a:spcAft>
-            </a:pPr>
-            <a:r>
-              <a:rPr lang="en-US" sz="2400" dirty="0"/>
-              <a:t>Use double equals operator (</a:t>
-            </a:r>
-            <a:r>
-              <a:rPr lang="en-US" sz="2400" b="1" dirty="0"/>
-              <a:t>==</a:t>
-            </a:r>
-            <a:r>
-              <a:rPr lang="en-US" sz="2400" dirty="0"/>
-              <a:t>) when testing for </a:t>
-            </a:r>
-            <a:r>
-              <a:rPr lang="en-US" sz="2400" b="1" dirty="0">
-                <a:solidFill>
-                  <a:srgbClr val="0070C0"/>
-                </a:solidFill>
-              </a:rPr>
-              <a:t>equality</a:t>
-            </a:r>
-            <a:endParaRPr lang="en-US" sz="2000" b="1" dirty="0">
-              <a:solidFill>
-                <a:srgbClr val="0070C0"/>
-              </a:solidFill>
-            </a:endParaRPr>
-          </a:p>
-        </p:txBody>
-      </p:sp>
-      <p:sp>
-        <p:nvSpPr>
-          <p:cNvPr id="5" name="Slide Number Placeholder 4"/>
-          <p:cNvSpPr>
-            <a:spLocks noGrp="1"/>
-          </p:cNvSpPr>
-          <p:nvPr>
-            <p:ph type="sldNum" sz="quarter" idx="12"/>
-          </p:nvPr>
-        </p:nvSpPr>
-        <p:spPr/>
-        <p:txBody>
-          <a:bodyPr/>
-          <a:lstStyle/>
-          <a:p>
-            <a:fld id="{650AD656-6FF9-465D-B7B0-1CD0DD39CD23}" type="slidenum">
-              <a:rPr lang="en-US" smtClean="0"/>
-              <a:t>9</a:t>
-            </a:fld>
-            <a:endParaRPr lang="en-US" dirty="0"/>
-          </a:p>
-        </p:txBody>
-      </p:sp>
-      <p:sp>
-        <p:nvSpPr>
-          <p:cNvPr id="10" name="Rectangle 9"/>
-          <p:cNvSpPr/>
-          <p:nvPr/>
-        </p:nvSpPr>
-        <p:spPr>
-          <a:xfrm>
-            <a:off x="5286375" y="4366529"/>
-            <a:ext cx="1651001" cy="319771"/>
-          </a:xfrm>
-          <a:prstGeom prst="rect">
-            <a:avLst/>
-          </a:prstGeom>
-          <a:noFill/>
-          <a:ln w="28575">
-            <a:solidFill>
-              <a:srgbClr val="FF0000"/>
-            </a:solidFill>
-          </a:ln>
-        </p:spPr>
-        <p:style>
-          <a:lnRef idx="2">
-            <a:schemeClr val="accent1">
-              <a:shade val="50000"/>
-            </a:schemeClr>
-          </a:lnRef>
-          <a:fillRef idx="1">
-            <a:schemeClr val="accent1"/>
-          </a:fillRef>
-          <a:effectRef idx="0">
-            <a:schemeClr val="accent1"/>
-          </a:effectRef>
-          <a:fontRef idx="minor">
-            <a:schemeClr val="lt1"/>
-          </a:fontRef>
-        </p:style>
-        <p:txBody>
-          <a:bodyPr rtlCol="0" anchor="ctr"/>
-          <a:lstStyle/>
-          <a:p>
-            <a:pPr algn="ctr"/>
-            <a:endParaRPr lang="en-US"/>
-          </a:p>
-        </p:txBody>
-      </p:sp>
-    </p:spTree>
-    <p:extLst>
-      <p:ext uri="{BB962C8B-B14F-4D97-AF65-F5344CB8AC3E}">
-        <p14:creationId xmlns:p14="http://schemas.microsoft.com/office/powerpoint/2010/main" val="2624093043"/>
-      </p:ext>
-    </p:extLst>
-  </p:cSld>
-  <p:clrMapOvr>
-    <a:masterClrMapping/>
-  </p:clrMapOvr>
-  <p:timing>
-    <p:tnLst>
-      <p:par>
-        <p:cTn id="1" dur="indefinite" restart="never" nodeType="tmRoot">
-          <p:childTnLst>
-            <p:seq concurrent="1" nextAc="seek">
-              <p:cTn id="2" dur="indefinite" nodeType="mainSeq">
-                <p:childTnLst>
-                  <p:par>
-                    <p:cTn id="3" fill="hold">
-                      <p:stCondLst>
-                        <p:cond delay="indefinite"/>
-                      </p:stCondLst>
-                      <p:childTnLst>
-                        <p:par>
-                          <p:cTn id="4" fill="hold">
-                            <p:stCondLst>
-                              <p:cond delay="0"/>
-                            </p:stCondLst>
-                            <p:childTnLst>
-                              <p:par>
-                                <p:cTn id="5" presetID="1" presetClass="entr" presetSubtype="0" fill="hold" nodeType="clickEffect">
-                                  <p:stCondLst>
-                                    <p:cond delay="0"/>
-                                  </p:stCondLst>
-                                  <p:childTnLst>
-                                    <p:set>
-                                      <p:cBhvr>
-                                        <p:cTn id="6" dur="1" fill="hold">
-                                          <p:stCondLst>
-                                            <p:cond delay="0"/>
-                                          </p:stCondLst>
-                                        </p:cTn>
-                                        <p:tgtEl>
-                                          <p:spTgt spid="3">
-                                            <p:txEl>
-                                              <p:pRg st="1" end="1"/>
-                                            </p:txEl>
-                                          </p:spTgt>
-                                        </p:tgtEl>
-                                        <p:attrNameLst>
-                                          <p:attrName>style.visibility</p:attrName>
-                                        </p:attrNameLst>
-                                      </p:cBhvr>
-                                      <p:to>
-                                        <p:strVal val="visible"/>
-                                      </p:to>
-                                    </p:set>
-                                  </p:childTnLst>
-                                </p:cTn>
-                              </p:par>
-                            </p:childTnLst>
-                          </p:cTn>
-                        </p:par>
-                      </p:childTnLst>
-                    </p:cTn>
-                  </p:par>
-                  <p:par>
-                    <p:cTn id="7" fill="hold">
-                      <p:stCondLst>
-                        <p:cond delay="indefinite"/>
-                      </p:stCondLst>
-                      <p:childTnLst>
-                        <p:par>
-                          <p:cTn id="8" fill="hold">
-                            <p:stCondLst>
-                              <p:cond delay="0"/>
-                            </p:stCondLst>
-                            <p:childTnLst>
-                              <p:par>
-                                <p:cTn id="9" presetID="22" presetClass="entr" presetSubtype="1" fill="hold" nodeType="clickEffect">
-                                  <p:stCondLst>
-                                    <p:cond delay="0"/>
-                                  </p:stCondLst>
-                                  <p:childTnLst>
-                                    <p:set>
-                                      <p:cBhvr>
-                                        <p:cTn id="10" dur="1" fill="hold">
-                                          <p:stCondLst>
-                                            <p:cond delay="0"/>
-                                          </p:stCondLst>
-                                        </p:cTn>
-                                        <p:tgtEl>
-                                          <p:spTgt spid="7"/>
-                                        </p:tgtEl>
-                                        <p:attrNameLst>
-                                          <p:attrName>style.visibility</p:attrName>
-                                        </p:attrNameLst>
-                                      </p:cBhvr>
-                                      <p:to>
-                                        <p:strVal val="visible"/>
-                                      </p:to>
-                                    </p:set>
-                                    <p:animEffect transition="in" filter="wipe(up)">
-                                      <p:cBhvr>
-                                        <p:cTn id="11" dur="500"/>
-                                        <p:tgtEl>
-                                          <p:spTgt spid="7"/>
-                                        </p:tgtEl>
-                                      </p:cBhvr>
-                                    </p:animEffect>
-                                  </p:childTnLst>
-                                </p:cTn>
-                              </p:par>
-                            </p:childTnLst>
-                          </p:cTn>
-                        </p:par>
-                        <p:par>
-                          <p:cTn id="12" fill="hold">
-                            <p:stCondLst>
-                              <p:cond delay="500"/>
-                            </p:stCondLst>
-                            <p:childTnLst>
-                              <p:par>
-                                <p:cTn id="13" presetID="16" presetClass="entr" presetSubtype="21" fill="hold" grpId="0" nodeType="afterEffect">
-                                  <p:stCondLst>
-                                    <p:cond delay="0"/>
-                                  </p:stCondLst>
-                                  <p:childTnLst>
-                                    <p:set>
-                                      <p:cBhvr>
-                                        <p:cTn id="14" dur="1" fill="hold">
-                                          <p:stCondLst>
-                                            <p:cond delay="0"/>
-                                          </p:stCondLst>
-                                        </p:cTn>
-                                        <p:tgtEl>
-                                          <p:spTgt spid="10"/>
-                                        </p:tgtEl>
-                                        <p:attrNameLst>
-                                          <p:attrName>style.visibility</p:attrName>
-                                        </p:attrNameLst>
-                                      </p:cBhvr>
-                                      <p:to>
-                                        <p:strVal val="visible"/>
-                                      </p:to>
-                                    </p:set>
-                                    <p:animEffect transition="in" filter="barn(inVertical)">
-                                      <p:cBhvr>
-                                        <p:cTn id="15" dur="500"/>
-                                        <p:tgtEl>
-                                          <p:spTgt spid="10"/>
-                                        </p:tgtEl>
-                                      </p:cBhvr>
-                                    </p:animEffect>
-                                  </p:childTnLst>
-                                </p:cTn>
-                              </p:par>
-                            </p:childTnLst>
-                          </p:cTn>
-                        </p:par>
-                      </p:childTnLst>
-                    </p:cTn>
-                  </p:par>
-                </p:childTnLst>
-              </p:cTn>
-              <p:prevCondLst>
-                <p:cond evt="onPrev" delay="0">
-                  <p:tgtEl>
-                    <p:sldTgt/>
-                  </p:tgtEl>
-                </p:cond>
-              </p:prevCondLst>
-              <p:nextCondLst>
-                <p:cond evt="onNext" delay="0">
-                  <p:tgtEl>
-                    <p:sldTgt/>
-                  </p:tgtEl>
-                </p:cond>
-              </p:nextCondLst>
-            </p:seq>
-          </p:childTnLst>
-        </p:cTn>
-      </p:par>
-    </p:tnLst>
-    <p:bldLst>
-      <p:bldP spid="10" grpId="0" animBg="1"/>
-    </p:bldLst>
-  </p:timing>
-</p:sld>
-</file>
-
 <file path=ppt/theme/theme1.xml><?xml version="1.0" encoding="utf-8"?>
 <a:theme xmlns:a="http://schemas.openxmlformats.org/drawingml/2006/main" name="Office Theme">
   <a:themeElements>

--- a/Session 04 - Functions and Logic/Session 04 - Functions and Logic.pptx
+++ b/Session 04 - Functions and Logic/Session 04 - Functions and Logic.pptx
@@ -46,7 +46,7 @@
     <p:sldId id="397" r:id="rId34"/>
     <p:sldId id="1274" r:id="rId35"/>
     <p:sldId id="1273" r:id="rId36"/>
-    <p:sldId id="1275" r:id="rId37"/>
+    <p:sldId id="1277" r:id="rId37"/>
     <p:sldId id="1276" r:id="rId38"/>
     <p:sldId id="973" r:id="rId39"/>
     <p:sldId id="1008" r:id="rId40"/>
@@ -9748,8 +9748,8 @@
           </a:p>
         </p:txBody>
       </p:sp>
-      <mc:AlternateContent xmlns:mc="http://schemas.openxmlformats.org/markup-compatibility/2006">
-        <mc:Choice xmlns:a14="http://schemas.microsoft.com/office/drawing/2010/main" Requires="a14">
+      <mc:AlternateContent xmlns:mc="http://schemas.openxmlformats.org/markup-compatibility/2006" xmlns:a14="http://schemas.microsoft.com/office/drawing/2010/main">
+        <mc:Choice Requires="a14">
           <p:sp>
             <p:nvSpPr>
               <p:cNvPr id="3" name="Content Placeholder 2"/>
@@ -9997,7 +9997,7 @@
             </p:txBody>
           </p:sp>
         </mc:Choice>
-        <mc:Fallback>
+        <mc:Fallback xmlns="">
           <p:sp>
             <p:nvSpPr>
               <p:cNvPr id="3" name="Content Placeholder 2"/>
@@ -15890,7 +15890,11 @@
               <a:t>loop to enumerate over a </a:t>
             </a:r>
             <a:r>
-              <a:rPr lang="en-US" sz="2400" b="1" dirty="0"/>
+              <a:rPr lang="en-US" sz="2400" b="1" dirty="0">
+                <a:solidFill>
+                  <a:srgbClr val="7030A0"/>
+                </a:solidFill>
+              </a:rPr>
               <a:t>range</a:t>
             </a:r>
             <a:r>
@@ -26266,10 +26270,10 @@
       </p:grpSpPr>
       <p:pic>
         <p:nvPicPr>
-          <p:cNvPr id="6" name="Picture 5">
+          <p:cNvPr id="7" name="Picture 6">
             <a:extLst>
               <a:ext uri="{FF2B5EF4-FFF2-40B4-BE49-F238E27FC236}">
-                <a16:creationId xmlns:a16="http://schemas.microsoft.com/office/drawing/2014/main" id="{71AF339D-57C6-55D7-5184-299A604AB6C7}"/>
+                <a16:creationId xmlns:a16="http://schemas.microsoft.com/office/drawing/2014/main" id="{D018C882-84EC-5B74-F4C9-ECA8C8ACDAF1}"/>
               </a:ext>
             </a:extLst>
           </p:cNvPr>
@@ -26286,8 +26290,8 @@
         </p:blipFill>
         <p:spPr>
           <a:xfrm>
-            <a:off x="1525077" y="1373326"/>
-            <a:ext cx="6093846" cy="5165587"/>
+            <a:off x="1733152" y="1315089"/>
+            <a:ext cx="5677697" cy="5223824"/>
           </a:xfrm>
           <a:prstGeom prst="rect">
             <a:avLst/>
@@ -26378,7 +26382,7 @@
         </p:nvGrpSpPr>
         <p:grpSpPr>
           <a:xfrm>
-            <a:off x="3728094" y="1373326"/>
+            <a:off x="3976764" y="1373419"/>
             <a:ext cx="1076632" cy="369332"/>
             <a:chOff x="4968362" y="2079211"/>
             <a:chExt cx="1076632" cy="369332"/>
@@ -26498,7 +26502,7 @@
         </p:nvGrpSpPr>
         <p:grpSpPr>
           <a:xfrm>
-            <a:off x="4095356" y="1819085"/>
+            <a:off x="4282732" y="1803669"/>
             <a:ext cx="1076632" cy="369332"/>
             <a:chOff x="4704120" y="2356972"/>
             <a:chExt cx="1076632" cy="369332"/>
@@ -26618,7 +26622,7 @@
         </p:nvGrpSpPr>
         <p:grpSpPr>
           <a:xfrm>
-            <a:off x="5454765" y="1988759"/>
+            <a:off x="5592835" y="1967981"/>
             <a:ext cx="1068643" cy="369332"/>
             <a:chOff x="3647644" y="4910075"/>
             <a:chExt cx="1068643" cy="369332"/>
@@ -26738,7 +26742,7 @@
         </p:nvGrpSpPr>
         <p:grpSpPr>
           <a:xfrm>
-            <a:off x="4515080" y="2373083"/>
+            <a:off x="4667297" y="2381053"/>
             <a:ext cx="1064340" cy="369332"/>
             <a:chOff x="3647644" y="5421073"/>
             <a:chExt cx="1064340" cy="369332"/>
@@ -26858,7 +26862,7 @@
         </p:nvGrpSpPr>
         <p:grpSpPr>
           <a:xfrm>
-            <a:off x="2701266" y="3029688"/>
+            <a:off x="2908121" y="3000812"/>
             <a:ext cx="1068643" cy="369332"/>
             <a:chOff x="3647644" y="5359159"/>
             <a:chExt cx="1068643" cy="369332"/>
@@ -26978,7 +26982,7 @@
         </p:nvGrpSpPr>
         <p:grpSpPr>
           <a:xfrm>
-            <a:off x="5480119" y="4215059"/>
+            <a:off x="5621326" y="4184828"/>
             <a:ext cx="1076632" cy="369332"/>
             <a:chOff x="2157212" y="5356391"/>
             <a:chExt cx="1076632" cy="369332"/>
@@ -27098,7 +27102,7 @@
         </p:nvGrpSpPr>
         <p:grpSpPr>
           <a:xfrm>
-            <a:off x="6972395" y="5082952"/>
+            <a:off x="7151176" y="5041546"/>
             <a:ext cx="1076632" cy="369332"/>
             <a:chOff x="2157212" y="5356391"/>
             <a:chExt cx="1076632" cy="369332"/>
@@ -27218,7 +27222,7 @@
         </p:nvGrpSpPr>
         <p:grpSpPr>
           <a:xfrm>
-            <a:off x="5619160" y="5587935"/>
+            <a:off x="5776557" y="5565396"/>
             <a:ext cx="1076632" cy="369332"/>
             <a:chOff x="2157212" y="5356391"/>
             <a:chExt cx="1076632" cy="369332"/>
@@ -27398,7 +27402,7 @@
                             </p:stCondLst>
                             <p:childTnLst>
                               <p:par>
-                                <p:cTn id="5" presetID="22" presetClass="entr" presetSubtype="1" fill="hold" nodeType="afterEffect">
+                                <p:cTn id="5" presetID="2" presetClass="entr" presetSubtype="2" fill="hold" grpId="0" nodeType="afterEffect">
                                   <p:stCondLst>
                                     <p:cond delay="0"/>
                                   </p:stCondLst>
@@ -27406,50 +27410,6 @@
                                     <p:set>
                                       <p:cBhvr>
                                         <p:cTn id="6" dur="1" fill="hold">
-                                          <p:stCondLst>
-                                            <p:cond delay="0"/>
-                                          </p:stCondLst>
-                                        </p:cTn>
-                                        <p:tgtEl>
-                                          <p:spTgt spid="6"/>
-                                        </p:tgtEl>
-                                        <p:attrNameLst>
-                                          <p:attrName>style.visibility</p:attrName>
-                                        </p:attrNameLst>
-                                      </p:cBhvr>
-                                      <p:to>
-                                        <p:strVal val="visible"/>
-                                      </p:to>
-                                    </p:set>
-                                    <p:animEffect transition="in" filter="wipe(up)">
-                                      <p:cBhvr>
-                                        <p:cTn id="7" dur="500"/>
-                                        <p:tgtEl>
-                                          <p:spTgt spid="6"/>
-                                        </p:tgtEl>
-                                      </p:cBhvr>
-                                    </p:animEffect>
-                                  </p:childTnLst>
-                                </p:cTn>
-                              </p:par>
-                            </p:childTnLst>
-                          </p:cTn>
-                        </p:par>
-                        <p:par>
-                          <p:cTn id="8" fill="hold">
-                            <p:stCondLst>
-                              <p:cond delay="500"/>
-                            </p:stCondLst>
-                            <p:childTnLst>
-                              <p:par>
-                                <p:cTn id="9" presetID="2" presetClass="entr" presetSubtype="2" fill="hold" grpId="0" nodeType="afterEffect">
-                                  <p:stCondLst>
-                                    <p:cond delay="0"/>
-                                  </p:stCondLst>
-                                  <p:childTnLst>
-                                    <p:set>
-                                      <p:cBhvr>
-                                        <p:cTn id="10" dur="1" fill="hold">
                                           <p:stCondLst>
                                             <p:cond delay="0"/>
                                           </p:stCondLst>
@@ -27467,7 +27427,7 @@
                                     </p:set>
                                     <p:anim calcmode="lin" valueType="num">
                                       <p:cBhvr additive="base">
-                                        <p:cTn id="11" dur="500" fill="hold"/>
+                                        <p:cTn id="7" dur="500" fill="hold"/>
                                         <p:tgtEl>
                                           <p:spTgt spid="3"/>
                                         </p:tgtEl>
@@ -27490,7 +27450,7 @@
                                     </p:anim>
                                     <p:anim calcmode="lin" valueType="num">
                                       <p:cBhvr additive="base">
-                                        <p:cTn id="12" dur="500" fill="hold"/>
+                                        <p:cTn id="8" dur="500" fill="hold"/>
                                         <p:tgtEl>
                                           <p:spTgt spid="3"/>
                                         </p:tgtEl>
@@ -27521,26 +27481,26 @@
                     </p:cTn>
                   </p:par>
                   <p:par>
-                    <p:cTn id="13" fill="hold">
+                    <p:cTn id="9" fill="hold">
                       <p:stCondLst>
                         <p:cond delay="indefinite"/>
                       </p:stCondLst>
                       <p:childTnLst>
                         <p:par>
-                          <p:cTn id="14" fill="hold">
+                          <p:cTn id="10" fill="hold">
                             <p:stCondLst>
                               <p:cond delay="0"/>
                             </p:stCondLst>
                             <p:childTnLst>
                               <p:par>
-                                <p:cTn id="15" presetID="22" presetClass="entr" presetSubtype="2" fill="hold" nodeType="clickEffect">
+                                <p:cTn id="11" presetID="22" presetClass="entr" presetSubtype="2" fill="hold" nodeType="clickEffect">
                                   <p:stCondLst>
                                     <p:cond delay="0"/>
                                   </p:stCondLst>
                                   <p:childTnLst>
                                     <p:set>
                                       <p:cBhvr>
-                                        <p:cTn id="16" dur="1" fill="hold">
+                                        <p:cTn id="12" dur="1" fill="hold">
                                           <p:stCondLst>
                                             <p:cond delay="0"/>
                                           </p:stCondLst>
@@ -27558,7 +27518,7 @@
                                     </p:set>
                                     <p:animEffect transition="in" filter="wipe(right)">
                                       <p:cBhvr>
-                                        <p:cTn id="17" dur="500"/>
+                                        <p:cTn id="13" dur="500"/>
                                         <p:tgtEl>
                                           <p:spTgt spid="8"/>
                                         </p:tgtEl>
@@ -27574,26 +27534,26 @@
                     </p:cTn>
                   </p:par>
                   <p:par>
-                    <p:cTn id="18" fill="hold">
+                    <p:cTn id="14" fill="hold">
                       <p:stCondLst>
                         <p:cond delay="indefinite"/>
                       </p:stCondLst>
                       <p:childTnLst>
                         <p:par>
-                          <p:cTn id="19" fill="hold">
+                          <p:cTn id="15" fill="hold">
                             <p:stCondLst>
                               <p:cond delay="0"/>
                             </p:stCondLst>
                             <p:childTnLst>
                               <p:par>
-                                <p:cTn id="20" presetID="22" presetClass="entr" presetSubtype="2" fill="hold" nodeType="clickEffect">
+                                <p:cTn id="16" presetID="22" presetClass="entr" presetSubtype="2" fill="hold" nodeType="clickEffect">
                                   <p:stCondLst>
                                     <p:cond delay="0"/>
                                   </p:stCondLst>
                                   <p:childTnLst>
                                     <p:set>
                                       <p:cBhvr>
-                                        <p:cTn id="21" dur="1" fill="hold">
+                                        <p:cTn id="17" dur="1" fill="hold">
                                           <p:stCondLst>
                                             <p:cond delay="0"/>
                                           </p:stCondLst>
@@ -27611,7 +27571,7 @@
                                     </p:set>
                                     <p:animEffect transition="in" filter="wipe(right)">
                                       <p:cBhvr>
-                                        <p:cTn id="22" dur="500"/>
+                                        <p:cTn id="18" dur="500"/>
                                         <p:tgtEl>
                                           <p:spTgt spid="11"/>
                                         </p:tgtEl>
@@ -27627,26 +27587,26 @@
                     </p:cTn>
                   </p:par>
                   <p:par>
-                    <p:cTn id="23" fill="hold">
+                    <p:cTn id="19" fill="hold">
                       <p:stCondLst>
                         <p:cond delay="indefinite"/>
                       </p:stCondLst>
                       <p:childTnLst>
                         <p:par>
-                          <p:cTn id="24" fill="hold">
+                          <p:cTn id="20" fill="hold">
                             <p:stCondLst>
                               <p:cond delay="0"/>
                             </p:stCondLst>
                             <p:childTnLst>
                               <p:par>
-                                <p:cTn id="25" presetID="22" presetClass="entr" presetSubtype="2" fill="hold" nodeType="clickEffect">
+                                <p:cTn id="21" presetID="22" presetClass="entr" presetSubtype="2" fill="hold" nodeType="clickEffect">
                                   <p:stCondLst>
                                     <p:cond delay="0"/>
                                   </p:stCondLst>
                                   <p:childTnLst>
                                     <p:set>
                                       <p:cBhvr>
-                                        <p:cTn id="26" dur="1" fill="hold">
+                                        <p:cTn id="22" dur="1" fill="hold">
                                           <p:stCondLst>
                                             <p:cond delay="0"/>
                                           </p:stCondLst>
@@ -27664,7 +27624,7 @@
                                     </p:set>
                                     <p:animEffect transition="in" filter="wipe(right)">
                                       <p:cBhvr>
-                                        <p:cTn id="27" dur="500"/>
+                                        <p:cTn id="23" dur="500"/>
                                         <p:tgtEl>
                                           <p:spTgt spid="14"/>
                                         </p:tgtEl>
@@ -27680,26 +27640,26 @@
                     </p:cTn>
                   </p:par>
                   <p:par>
-                    <p:cTn id="28" fill="hold">
+                    <p:cTn id="24" fill="hold">
                       <p:stCondLst>
                         <p:cond delay="indefinite"/>
                       </p:stCondLst>
                       <p:childTnLst>
                         <p:par>
-                          <p:cTn id="29" fill="hold">
+                          <p:cTn id="25" fill="hold">
                             <p:stCondLst>
                               <p:cond delay="0"/>
                             </p:stCondLst>
                             <p:childTnLst>
                               <p:par>
-                                <p:cTn id="30" presetID="22" presetClass="entr" presetSubtype="2" fill="hold" nodeType="clickEffect">
+                                <p:cTn id="26" presetID="22" presetClass="entr" presetSubtype="2" fill="hold" nodeType="clickEffect">
                                   <p:stCondLst>
                                     <p:cond delay="0"/>
                                   </p:stCondLst>
                                   <p:childTnLst>
                                     <p:set>
                                       <p:cBhvr>
-                                        <p:cTn id="31" dur="1" fill="hold">
+                                        <p:cTn id="27" dur="1" fill="hold">
                                           <p:stCondLst>
                                             <p:cond delay="0"/>
                                           </p:stCondLst>
@@ -27717,7 +27677,7 @@
                                     </p:set>
                                     <p:animEffect transition="in" filter="wipe(right)">
                                       <p:cBhvr>
-                                        <p:cTn id="32" dur="500"/>
+                                        <p:cTn id="28" dur="500"/>
                                         <p:tgtEl>
                                           <p:spTgt spid="17"/>
                                         </p:tgtEl>
@@ -27733,26 +27693,26 @@
                     </p:cTn>
                   </p:par>
                   <p:par>
-                    <p:cTn id="33" fill="hold">
+                    <p:cTn id="29" fill="hold">
                       <p:stCondLst>
                         <p:cond delay="indefinite"/>
                       </p:stCondLst>
                       <p:childTnLst>
                         <p:par>
-                          <p:cTn id="34" fill="hold">
+                          <p:cTn id="30" fill="hold">
                             <p:stCondLst>
                               <p:cond delay="0"/>
                             </p:stCondLst>
                             <p:childTnLst>
                               <p:par>
-                                <p:cTn id="35" presetID="22" presetClass="entr" presetSubtype="2" fill="hold" nodeType="clickEffect">
+                                <p:cTn id="31" presetID="22" presetClass="entr" presetSubtype="2" fill="hold" nodeType="clickEffect">
                                   <p:stCondLst>
                                     <p:cond delay="0"/>
                                   </p:stCondLst>
                                   <p:childTnLst>
                                     <p:set>
                                       <p:cBhvr>
-                                        <p:cTn id="36" dur="1" fill="hold">
+                                        <p:cTn id="32" dur="1" fill="hold">
                                           <p:stCondLst>
                                             <p:cond delay="0"/>
                                           </p:stCondLst>
@@ -27770,7 +27730,7 @@
                                     </p:set>
                                     <p:animEffect transition="in" filter="wipe(right)">
                                       <p:cBhvr>
-                                        <p:cTn id="37" dur="500"/>
+                                        <p:cTn id="33" dur="500"/>
                                         <p:tgtEl>
                                           <p:spTgt spid="20"/>
                                         </p:tgtEl>
@@ -27786,26 +27746,26 @@
                     </p:cTn>
                   </p:par>
                   <p:par>
-                    <p:cTn id="38" fill="hold">
+                    <p:cTn id="34" fill="hold">
                       <p:stCondLst>
                         <p:cond delay="indefinite"/>
                       </p:stCondLst>
                       <p:childTnLst>
                         <p:par>
-                          <p:cTn id="39" fill="hold">
+                          <p:cTn id="35" fill="hold">
                             <p:stCondLst>
                               <p:cond delay="0"/>
                             </p:stCondLst>
                             <p:childTnLst>
                               <p:par>
-                                <p:cTn id="40" presetID="22" presetClass="entr" presetSubtype="2" fill="hold" nodeType="clickEffect">
+                                <p:cTn id="36" presetID="22" presetClass="entr" presetSubtype="2" fill="hold" nodeType="clickEffect">
                                   <p:stCondLst>
                                     <p:cond delay="0"/>
                                   </p:stCondLst>
                                   <p:childTnLst>
                                     <p:set>
                                       <p:cBhvr>
-                                        <p:cTn id="41" dur="1" fill="hold">
+                                        <p:cTn id="37" dur="1" fill="hold">
                                           <p:stCondLst>
                                             <p:cond delay="0"/>
                                           </p:stCondLst>
@@ -27823,7 +27783,7 @@
                                     </p:set>
                                     <p:animEffect transition="in" filter="wipe(right)">
                                       <p:cBhvr>
-                                        <p:cTn id="42" dur="500"/>
+                                        <p:cTn id="38" dur="500"/>
                                         <p:tgtEl>
                                           <p:spTgt spid="23"/>
                                         </p:tgtEl>
@@ -27839,26 +27799,26 @@
                     </p:cTn>
                   </p:par>
                   <p:par>
-                    <p:cTn id="43" fill="hold">
+                    <p:cTn id="39" fill="hold">
                       <p:stCondLst>
                         <p:cond delay="indefinite"/>
                       </p:stCondLst>
                       <p:childTnLst>
                         <p:par>
-                          <p:cTn id="44" fill="hold">
+                          <p:cTn id="40" fill="hold">
                             <p:stCondLst>
                               <p:cond delay="0"/>
                             </p:stCondLst>
                             <p:childTnLst>
                               <p:par>
-                                <p:cTn id="45" presetID="22" presetClass="entr" presetSubtype="2" fill="hold" nodeType="clickEffect">
+                                <p:cTn id="41" presetID="22" presetClass="entr" presetSubtype="2" fill="hold" nodeType="clickEffect">
                                   <p:stCondLst>
                                     <p:cond delay="0"/>
                                   </p:stCondLst>
                                   <p:childTnLst>
                                     <p:set>
                                       <p:cBhvr>
-                                        <p:cTn id="46" dur="1" fill="hold">
+                                        <p:cTn id="42" dur="1" fill="hold">
                                           <p:stCondLst>
                                             <p:cond delay="0"/>
                                           </p:stCondLst>
@@ -27876,7 +27836,7 @@
                                     </p:set>
                                     <p:animEffect transition="in" filter="wipe(right)">
                                       <p:cBhvr>
-                                        <p:cTn id="47" dur="500"/>
+                                        <p:cTn id="43" dur="500"/>
                                         <p:tgtEl>
                                           <p:spTgt spid="26"/>
                                         </p:tgtEl>
@@ -27892,26 +27852,26 @@
                     </p:cTn>
                   </p:par>
                   <p:par>
-                    <p:cTn id="48" fill="hold">
+                    <p:cTn id="44" fill="hold">
                       <p:stCondLst>
                         <p:cond delay="indefinite"/>
                       </p:stCondLst>
                       <p:childTnLst>
                         <p:par>
-                          <p:cTn id="49" fill="hold">
+                          <p:cTn id="45" fill="hold">
                             <p:stCondLst>
                               <p:cond delay="0"/>
                             </p:stCondLst>
                             <p:childTnLst>
                               <p:par>
-                                <p:cTn id="50" presetID="22" presetClass="entr" presetSubtype="2" fill="hold" nodeType="clickEffect">
+                                <p:cTn id="46" presetID="22" presetClass="entr" presetSubtype="2" fill="hold" nodeType="clickEffect">
                                   <p:stCondLst>
                                     <p:cond delay="0"/>
                                   </p:stCondLst>
                                   <p:childTnLst>
                                     <p:set>
                                       <p:cBhvr>
-                                        <p:cTn id="51" dur="1" fill="hold">
+                                        <p:cTn id="47" dur="1" fill="hold">
                                           <p:stCondLst>
                                             <p:cond delay="0"/>
                                           </p:stCondLst>
@@ -27929,7 +27889,7 @@
                                     </p:set>
                                     <p:animEffect transition="in" filter="wipe(right)">
                                       <p:cBhvr>
-                                        <p:cTn id="52" dur="500"/>
+                                        <p:cTn id="48" dur="500"/>
                                         <p:tgtEl>
                                           <p:spTgt spid="29"/>
                                         </p:tgtEl>
@@ -27989,6 +27949,41 @@
           <a:chExt cx="0" cy="0"/>
         </a:xfrm>
       </p:grpSpPr>
+      <p:pic>
+        <p:nvPicPr>
+          <p:cNvPr id="6" name="Picture 5">
+            <a:extLst>
+              <a:ext uri="{FF2B5EF4-FFF2-40B4-BE49-F238E27FC236}">
+                <a16:creationId xmlns:a16="http://schemas.microsoft.com/office/drawing/2014/main" id="{FC1E3D7C-6EA7-D983-25BF-F0339E618FDB}"/>
+              </a:ext>
+            </a:extLst>
+          </p:cNvPr>
+          <p:cNvPicPr>
+            <a:picLocks noChangeAspect="1"/>
+          </p:cNvPicPr>
+          <p:nvPr/>
+        </p:nvPicPr>
+        <p:blipFill>
+          <a:blip r:embed="rId2"/>
+          <a:stretch>
+            <a:fillRect/>
+          </a:stretch>
+        </p:blipFill>
+        <p:spPr>
+          <a:xfrm>
+            <a:off x="1472571" y="1396336"/>
+            <a:ext cx="6198859" cy="5130383"/>
+          </a:xfrm>
+          <a:prstGeom prst="rect">
+            <a:avLst/>
+          </a:prstGeom>
+          <a:ln>
+            <a:solidFill>
+              <a:schemeClr val="tx1"/>
+            </a:solidFill>
+          </a:ln>
+        </p:spPr>
+      </p:pic>
       <p:sp>
         <p:nvSpPr>
           <p:cNvPr id="2" name="Title 1"/>
@@ -28054,41 +28049,6 @@
           </a:p>
         </p:txBody>
       </p:sp>
-      <p:pic>
-        <p:nvPicPr>
-          <p:cNvPr id="5" name="Picture 4">
-            <a:extLst>
-              <a:ext uri="{FF2B5EF4-FFF2-40B4-BE49-F238E27FC236}">
-                <a16:creationId xmlns:a16="http://schemas.microsoft.com/office/drawing/2014/main" id="{2D43313F-7FC1-1133-F4E2-B450ED3FD88A}"/>
-              </a:ext>
-            </a:extLst>
-          </p:cNvPr>
-          <p:cNvPicPr>
-            <a:picLocks noChangeAspect="1"/>
-          </p:cNvPicPr>
-          <p:nvPr/>
-        </p:nvPicPr>
-        <p:blipFill>
-          <a:blip r:embed="rId2"/>
-          <a:stretch>
-            <a:fillRect/>
-          </a:stretch>
-        </p:blipFill>
-        <p:spPr>
-          <a:xfrm>
-            <a:off x="1573623" y="1386756"/>
-            <a:ext cx="5996754" cy="5140075"/>
-          </a:xfrm>
-          <a:prstGeom prst="rect">
-            <a:avLst/>
-          </a:prstGeom>
-          <a:ln>
-            <a:solidFill>
-              <a:schemeClr val="tx1"/>
-            </a:solidFill>
-          </a:ln>
-        </p:spPr>
-      </p:pic>
       <p:grpSp>
         <p:nvGrpSpPr>
           <p:cNvPr id="8" name="Group 7">
@@ -28103,7 +28063,7 @@
         </p:nvGrpSpPr>
         <p:grpSpPr>
           <a:xfrm>
-            <a:off x="3945450" y="4393841"/>
+            <a:off x="3849236" y="4386202"/>
             <a:ext cx="1076632" cy="369332"/>
             <a:chOff x="4968362" y="2079211"/>
             <a:chExt cx="1076632" cy="369332"/>
@@ -28265,7 +28225,7 @@
         </p:nvGrpSpPr>
         <p:grpSpPr>
           <a:xfrm>
-            <a:off x="4140322" y="4563517"/>
+            <a:off x="4093080" y="4556424"/>
             <a:ext cx="1076632" cy="369332"/>
             <a:chOff x="4704120" y="2356972"/>
             <a:chExt cx="1076632" cy="369332"/>
@@ -28385,7 +28345,7 @@
         </p:nvGrpSpPr>
         <p:grpSpPr>
           <a:xfrm>
-            <a:off x="4553041" y="4733192"/>
+            <a:off x="4284440" y="4725680"/>
             <a:ext cx="1068643" cy="369332"/>
             <a:chOff x="3647644" y="4910075"/>
             <a:chExt cx="1068643" cy="369332"/>
@@ -28505,7 +28465,7 @@
         </p:nvGrpSpPr>
         <p:grpSpPr>
           <a:xfrm>
-            <a:off x="3068657" y="4917859"/>
+            <a:off x="2940365" y="4902161"/>
             <a:ext cx="1064340" cy="369332"/>
             <a:chOff x="3647644" y="5421073"/>
             <a:chExt cx="1064340" cy="369332"/>
@@ -28625,7 +28585,7 @@
         </p:nvGrpSpPr>
         <p:grpSpPr>
           <a:xfrm>
-            <a:off x="5216954" y="5072543"/>
+            <a:off x="4878430" y="5072779"/>
             <a:ext cx="1068643" cy="369332"/>
             <a:chOff x="3647644" y="5359159"/>
             <a:chExt cx="1068643" cy="369332"/>
@@ -28745,7 +28705,7 @@
         </p:nvGrpSpPr>
         <p:grpSpPr>
           <a:xfrm>
-            <a:off x="4721681" y="5239451"/>
+            <a:off x="4576204" y="5230268"/>
             <a:ext cx="1076632" cy="369332"/>
             <a:chOff x="2157212" y="5356391"/>
             <a:chExt cx="1076632" cy="369332"/>
@@ -28865,7 +28825,7 @@
         </p:nvGrpSpPr>
         <p:grpSpPr>
           <a:xfrm>
-            <a:off x="3985357" y="5400482"/>
+            <a:off x="3857403" y="5392869"/>
             <a:ext cx="1076632" cy="369332"/>
             <a:chOff x="2157212" y="5356391"/>
             <a:chExt cx="1076632" cy="369332"/>
@@ -28985,7 +28945,7 @@
         </p:nvGrpSpPr>
         <p:grpSpPr>
           <a:xfrm>
-            <a:off x="4538299" y="5585148"/>
+            <a:off x="4403392" y="5575292"/>
             <a:ext cx="1076632" cy="369332"/>
             <a:chOff x="2157212" y="5356391"/>
             <a:chExt cx="1076632" cy="369332"/>
@@ -29105,7 +29065,7 @@
         </p:nvGrpSpPr>
         <p:grpSpPr>
           <a:xfrm>
-            <a:off x="3010817" y="5758512"/>
+            <a:off x="2901532" y="5744810"/>
             <a:ext cx="1076632" cy="369332"/>
             <a:chOff x="2157212" y="5356391"/>
             <a:chExt cx="1076632" cy="369332"/>
@@ -29215,1572 +29175,6 @@
     <p:extLst>
       <p:ext uri="{BB962C8B-B14F-4D97-AF65-F5344CB8AC3E}">
         <p14:creationId xmlns:p14="http://schemas.microsoft.com/office/powerpoint/2010/main" val="2771385554"/>
-      </p:ext>
-    </p:extLst>
-  </p:cSld>
-  <p:clrMapOvr>
-    <a:masterClrMapping/>
-  </p:clrMapOvr>
-  <p:timing>
-    <p:tnLst>
-      <p:par>
-        <p:cTn id="1" dur="indefinite" restart="never" nodeType="tmRoot">
-          <p:childTnLst>
-            <p:seq concurrent="1" nextAc="seek">
-              <p:cTn id="2" dur="indefinite" nodeType="mainSeq">
-                <p:childTnLst>
-                  <p:par>
-                    <p:cTn id="3" fill="hold">
-                      <p:stCondLst>
-                        <p:cond delay="indefinite"/>
-                        <p:cond evt="onBegin" delay="0">
-                          <p:tn val="2"/>
-                        </p:cond>
-                      </p:stCondLst>
-                      <p:childTnLst>
-                        <p:par>
-                          <p:cTn id="4" fill="hold">
-                            <p:stCondLst>
-                              <p:cond delay="0"/>
-                            </p:stCondLst>
-                            <p:childTnLst>
-                              <p:par>
-                                <p:cTn id="5" presetID="22" presetClass="entr" presetSubtype="1" fill="hold" nodeType="afterEffect">
-                                  <p:stCondLst>
-                                    <p:cond delay="0"/>
-                                  </p:stCondLst>
-                                  <p:childTnLst>
-                                    <p:set>
-                                      <p:cBhvr>
-                                        <p:cTn id="6" dur="1" fill="hold">
-                                          <p:stCondLst>
-                                            <p:cond delay="0"/>
-                                          </p:stCondLst>
-                                        </p:cTn>
-                                        <p:tgtEl>
-                                          <p:spTgt spid="5"/>
-                                        </p:tgtEl>
-                                        <p:attrNameLst>
-                                          <p:attrName>style.visibility</p:attrName>
-                                        </p:attrNameLst>
-                                      </p:cBhvr>
-                                      <p:to>
-                                        <p:strVal val="visible"/>
-                                      </p:to>
-                                    </p:set>
-                                    <p:animEffect transition="in" filter="wipe(up)">
-                                      <p:cBhvr>
-                                        <p:cTn id="7" dur="500"/>
-                                        <p:tgtEl>
-                                          <p:spTgt spid="5"/>
-                                        </p:tgtEl>
-                                      </p:cBhvr>
-                                    </p:animEffect>
-                                  </p:childTnLst>
-                                </p:cTn>
-                              </p:par>
-                            </p:childTnLst>
-                          </p:cTn>
-                        </p:par>
-                        <p:par>
-                          <p:cTn id="8" fill="hold">
-                            <p:stCondLst>
-                              <p:cond delay="500"/>
-                            </p:stCondLst>
-                            <p:childTnLst>
-                              <p:par>
-                                <p:cTn id="9" presetID="22" presetClass="entr" presetSubtype="2" fill="hold" nodeType="afterEffect">
-                                  <p:stCondLst>
-                                    <p:cond delay="0"/>
-                                  </p:stCondLst>
-                                  <p:childTnLst>
-                                    <p:set>
-                                      <p:cBhvr>
-                                        <p:cTn id="10" dur="1" fill="hold">
-                                          <p:stCondLst>
-                                            <p:cond delay="0"/>
-                                          </p:stCondLst>
-                                        </p:cTn>
-                                        <p:tgtEl>
-                                          <p:spTgt spid="8"/>
-                                        </p:tgtEl>
-                                        <p:attrNameLst>
-                                          <p:attrName>style.visibility</p:attrName>
-                                        </p:attrNameLst>
-                                      </p:cBhvr>
-                                      <p:to>
-                                        <p:strVal val="visible"/>
-                                      </p:to>
-                                    </p:set>
-                                    <p:animEffect transition="in" filter="wipe(right)">
-                                      <p:cBhvr>
-                                        <p:cTn id="11" dur="500"/>
-                                        <p:tgtEl>
-                                          <p:spTgt spid="8"/>
-                                        </p:tgtEl>
-                                      </p:cBhvr>
-                                    </p:animEffect>
-                                  </p:childTnLst>
-                                </p:cTn>
-                              </p:par>
-                            </p:childTnLst>
-                          </p:cTn>
-                        </p:par>
-                      </p:childTnLst>
-                    </p:cTn>
-                  </p:par>
-                  <p:par>
-                    <p:cTn id="12" fill="hold">
-                      <p:stCondLst>
-                        <p:cond delay="indefinite"/>
-                      </p:stCondLst>
-                      <p:childTnLst>
-                        <p:par>
-                          <p:cTn id="13" fill="hold">
-                            <p:stCondLst>
-                              <p:cond delay="0"/>
-                            </p:stCondLst>
-                            <p:childTnLst>
-                              <p:par>
-                                <p:cTn id="14" presetID="22" presetClass="entr" presetSubtype="2" fill="hold" nodeType="clickEffect">
-                                  <p:stCondLst>
-                                    <p:cond delay="0"/>
-                                  </p:stCondLst>
-                                  <p:childTnLst>
-                                    <p:set>
-                                      <p:cBhvr>
-                                        <p:cTn id="15" dur="1" fill="hold">
-                                          <p:stCondLst>
-                                            <p:cond delay="0"/>
-                                          </p:stCondLst>
-                                        </p:cTn>
-                                        <p:tgtEl>
-                                          <p:spTgt spid="13"/>
-                                        </p:tgtEl>
-                                        <p:attrNameLst>
-                                          <p:attrName>style.visibility</p:attrName>
-                                        </p:attrNameLst>
-                                      </p:cBhvr>
-                                      <p:to>
-                                        <p:strVal val="visible"/>
-                                      </p:to>
-                                    </p:set>
-                                    <p:animEffect transition="in" filter="wipe(right)">
-                                      <p:cBhvr>
-                                        <p:cTn id="16" dur="500"/>
-                                        <p:tgtEl>
-                                          <p:spTgt spid="13"/>
-                                        </p:tgtEl>
-                                      </p:cBhvr>
-                                    </p:animEffect>
-                                  </p:childTnLst>
-                                </p:cTn>
-                              </p:par>
-                            </p:childTnLst>
-                          </p:cTn>
-                        </p:par>
-                      </p:childTnLst>
-                    </p:cTn>
-                  </p:par>
-                  <p:par>
-                    <p:cTn id="17" fill="hold">
-                      <p:stCondLst>
-                        <p:cond delay="indefinite"/>
-                      </p:stCondLst>
-                      <p:childTnLst>
-                        <p:par>
-                          <p:cTn id="18" fill="hold">
-                            <p:stCondLst>
-                              <p:cond delay="0"/>
-                            </p:stCondLst>
-                            <p:childTnLst>
-                              <p:par>
-                                <p:cTn id="19" presetID="22" presetClass="entr" presetSubtype="2" fill="hold" nodeType="clickEffect">
-                                  <p:stCondLst>
-                                    <p:cond delay="0"/>
-                                  </p:stCondLst>
-                                  <p:childTnLst>
-                                    <p:set>
-                                      <p:cBhvr>
-                                        <p:cTn id="20" dur="1" fill="hold">
-                                          <p:stCondLst>
-                                            <p:cond delay="0"/>
-                                          </p:stCondLst>
-                                        </p:cTn>
-                                        <p:tgtEl>
-                                          <p:spTgt spid="16"/>
-                                        </p:tgtEl>
-                                        <p:attrNameLst>
-                                          <p:attrName>style.visibility</p:attrName>
-                                        </p:attrNameLst>
-                                      </p:cBhvr>
-                                      <p:to>
-                                        <p:strVal val="visible"/>
-                                      </p:to>
-                                    </p:set>
-                                    <p:animEffect transition="in" filter="wipe(right)">
-                                      <p:cBhvr>
-                                        <p:cTn id="21" dur="500"/>
-                                        <p:tgtEl>
-                                          <p:spTgt spid="16"/>
-                                        </p:tgtEl>
-                                      </p:cBhvr>
-                                    </p:animEffect>
-                                  </p:childTnLst>
-                                </p:cTn>
-                              </p:par>
-                            </p:childTnLst>
-                          </p:cTn>
-                        </p:par>
-                      </p:childTnLst>
-                    </p:cTn>
-                  </p:par>
-                  <p:par>
-                    <p:cTn id="22" fill="hold">
-                      <p:stCondLst>
-                        <p:cond delay="indefinite"/>
-                      </p:stCondLst>
-                      <p:childTnLst>
-                        <p:par>
-                          <p:cTn id="23" fill="hold">
-                            <p:stCondLst>
-                              <p:cond delay="0"/>
-                            </p:stCondLst>
-                            <p:childTnLst>
-                              <p:par>
-                                <p:cTn id="24" presetID="22" presetClass="entr" presetSubtype="2" fill="hold" nodeType="clickEffect">
-                                  <p:stCondLst>
-                                    <p:cond delay="0"/>
-                                  </p:stCondLst>
-                                  <p:childTnLst>
-                                    <p:set>
-                                      <p:cBhvr>
-                                        <p:cTn id="25" dur="1" fill="hold">
-                                          <p:stCondLst>
-                                            <p:cond delay="0"/>
-                                          </p:stCondLst>
-                                        </p:cTn>
-                                        <p:tgtEl>
-                                          <p:spTgt spid="19"/>
-                                        </p:tgtEl>
-                                        <p:attrNameLst>
-                                          <p:attrName>style.visibility</p:attrName>
-                                        </p:attrNameLst>
-                                      </p:cBhvr>
-                                      <p:to>
-                                        <p:strVal val="visible"/>
-                                      </p:to>
-                                    </p:set>
-                                    <p:animEffect transition="in" filter="wipe(right)">
-                                      <p:cBhvr>
-                                        <p:cTn id="26" dur="500"/>
-                                        <p:tgtEl>
-                                          <p:spTgt spid="19"/>
-                                        </p:tgtEl>
-                                      </p:cBhvr>
-                                    </p:animEffect>
-                                  </p:childTnLst>
-                                </p:cTn>
-                              </p:par>
-                            </p:childTnLst>
-                          </p:cTn>
-                        </p:par>
-                      </p:childTnLst>
-                    </p:cTn>
-                  </p:par>
-                  <p:par>
-                    <p:cTn id="27" fill="hold">
-                      <p:stCondLst>
-                        <p:cond delay="indefinite"/>
-                      </p:stCondLst>
-                      <p:childTnLst>
-                        <p:par>
-                          <p:cTn id="28" fill="hold">
-                            <p:stCondLst>
-                              <p:cond delay="0"/>
-                            </p:stCondLst>
-                            <p:childTnLst>
-                              <p:par>
-                                <p:cTn id="29" presetID="22" presetClass="entr" presetSubtype="2" fill="hold" nodeType="clickEffect">
-                                  <p:stCondLst>
-                                    <p:cond delay="0"/>
-                                  </p:stCondLst>
-                                  <p:childTnLst>
-                                    <p:set>
-                                      <p:cBhvr>
-                                        <p:cTn id="30" dur="1" fill="hold">
-                                          <p:stCondLst>
-                                            <p:cond delay="0"/>
-                                          </p:stCondLst>
-                                        </p:cTn>
-                                        <p:tgtEl>
-                                          <p:spTgt spid="22"/>
-                                        </p:tgtEl>
-                                        <p:attrNameLst>
-                                          <p:attrName>style.visibility</p:attrName>
-                                        </p:attrNameLst>
-                                      </p:cBhvr>
-                                      <p:to>
-                                        <p:strVal val="visible"/>
-                                      </p:to>
-                                    </p:set>
-                                    <p:animEffect transition="in" filter="wipe(right)">
-                                      <p:cBhvr>
-                                        <p:cTn id="31" dur="500"/>
-                                        <p:tgtEl>
-                                          <p:spTgt spid="22"/>
-                                        </p:tgtEl>
-                                      </p:cBhvr>
-                                    </p:animEffect>
-                                  </p:childTnLst>
-                                </p:cTn>
-                              </p:par>
-                            </p:childTnLst>
-                          </p:cTn>
-                        </p:par>
-                      </p:childTnLst>
-                    </p:cTn>
-                  </p:par>
-                  <p:par>
-                    <p:cTn id="32" fill="hold">
-                      <p:stCondLst>
-                        <p:cond delay="indefinite"/>
-                      </p:stCondLst>
-                      <p:childTnLst>
-                        <p:par>
-                          <p:cTn id="33" fill="hold">
-                            <p:stCondLst>
-                              <p:cond delay="0"/>
-                            </p:stCondLst>
-                            <p:childTnLst>
-                              <p:par>
-                                <p:cTn id="34" presetID="22" presetClass="entr" presetSubtype="2" fill="hold" nodeType="clickEffect">
-                                  <p:stCondLst>
-                                    <p:cond delay="0"/>
-                                  </p:stCondLst>
-                                  <p:childTnLst>
-                                    <p:set>
-                                      <p:cBhvr>
-                                        <p:cTn id="35" dur="1" fill="hold">
-                                          <p:stCondLst>
-                                            <p:cond delay="0"/>
-                                          </p:stCondLst>
-                                        </p:cTn>
-                                        <p:tgtEl>
-                                          <p:spTgt spid="25"/>
-                                        </p:tgtEl>
-                                        <p:attrNameLst>
-                                          <p:attrName>style.visibility</p:attrName>
-                                        </p:attrNameLst>
-                                      </p:cBhvr>
-                                      <p:to>
-                                        <p:strVal val="visible"/>
-                                      </p:to>
-                                    </p:set>
-                                    <p:animEffect transition="in" filter="wipe(right)">
-                                      <p:cBhvr>
-                                        <p:cTn id="36" dur="500"/>
-                                        <p:tgtEl>
-                                          <p:spTgt spid="25"/>
-                                        </p:tgtEl>
-                                      </p:cBhvr>
-                                    </p:animEffect>
-                                  </p:childTnLst>
-                                </p:cTn>
-                              </p:par>
-                            </p:childTnLst>
-                          </p:cTn>
-                        </p:par>
-                      </p:childTnLst>
-                    </p:cTn>
-                  </p:par>
-                  <p:par>
-                    <p:cTn id="37" fill="hold">
-                      <p:stCondLst>
-                        <p:cond delay="indefinite"/>
-                      </p:stCondLst>
-                      <p:childTnLst>
-                        <p:par>
-                          <p:cTn id="38" fill="hold">
-                            <p:stCondLst>
-                              <p:cond delay="0"/>
-                            </p:stCondLst>
-                            <p:childTnLst>
-                              <p:par>
-                                <p:cTn id="39" presetID="22" presetClass="entr" presetSubtype="2" fill="hold" nodeType="clickEffect">
-                                  <p:stCondLst>
-                                    <p:cond delay="0"/>
-                                  </p:stCondLst>
-                                  <p:childTnLst>
-                                    <p:set>
-                                      <p:cBhvr>
-                                        <p:cTn id="40" dur="1" fill="hold">
-                                          <p:stCondLst>
-                                            <p:cond delay="0"/>
-                                          </p:stCondLst>
-                                        </p:cTn>
-                                        <p:tgtEl>
-                                          <p:spTgt spid="28"/>
-                                        </p:tgtEl>
-                                        <p:attrNameLst>
-                                          <p:attrName>style.visibility</p:attrName>
-                                        </p:attrNameLst>
-                                      </p:cBhvr>
-                                      <p:to>
-                                        <p:strVal val="visible"/>
-                                      </p:to>
-                                    </p:set>
-                                    <p:animEffect transition="in" filter="wipe(right)">
-                                      <p:cBhvr>
-                                        <p:cTn id="41" dur="500"/>
-                                        <p:tgtEl>
-                                          <p:spTgt spid="28"/>
-                                        </p:tgtEl>
-                                      </p:cBhvr>
-                                    </p:animEffect>
-                                  </p:childTnLst>
-                                </p:cTn>
-                              </p:par>
-                            </p:childTnLst>
-                          </p:cTn>
-                        </p:par>
-                      </p:childTnLst>
-                    </p:cTn>
-                  </p:par>
-                  <p:par>
-                    <p:cTn id="42" fill="hold">
-                      <p:stCondLst>
-                        <p:cond delay="indefinite"/>
-                      </p:stCondLst>
-                      <p:childTnLst>
-                        <p:par>
-                          <p:cTn id="43" fill="hold">
-                            <p:stCondLst>
-                              <p:cond delay="0"/>
-                            </p:stCondLst>
-                            <p:childTnLst>
-                              <p:par>
-                                <p:cTn id="44" presetID="22" presetClass="entr" presetSubtype="2" fill="hold" nodeType="clickEffect">
-                                  <p:stCondLst>
-                                    <p:cond delay="0"/>
-                                  </p:stCondLst>
-                                  <p:childTnLst>
-                                    <p:set>
-                                      <p:cBhvr>
-                                        <p:cTn id="45" dur="1" fill="hold">
-                                          <p:stCondLst>
-                                            <p:cond delay="0"/>
-                                          </p:stCondLst>
-                                        </p:cTn>
-                                        <p:tgtEl>
-                                          <p:spTgt spid="31"/>
-                                        </p:tgtEl>
-                                        <p:attrNameLst>
-                                          <p:attrName>style.visibility</p:attrName>
-                                        </p:attrNameLst>
-                                      </p:cBhvr>
-                                      <p:to>
-                                        <p:strVal val="visible"/>
-                                      </p:to>
-                                    </p:set>
-                                    <p:animEffect transition="in" filter="wipe(right)">
-                                      <p:cBhvr>
-                                        <p:cTn id="46" dur="500"/>
-                                        <p:tgtEl>
-                                          <p:spTgt spid="31"/>
-                                        </p:tgtEl>
-                                      </p:cBhvr>
-                                    </p:animEffect>
-                                  </p:childTnLst>
-                                </p:cTn>
-                              </p:par>
-                            </p:childTnLst>
-                          </p:cTn>
-                        </p:par>
-                      </p:childTnLst>
-                    </p:cTn>
-                  </p:par>
-                  <p:par>
-                    <p:cTn id="47" fill="hold">
-                      <p:stCondLst>
-                        <p:cond delay="indefinite"/>
-                      </p:stCondLst>
-                      <p:childTnLst>
-                        <p:par>
-                          <p:cTn id="48" fill="hold">
-                            <p:stCondLst>
-                              <p:cond delay="0"/>
-                            </p:stCondLst>
-                            <p:childTnLst>
-                              <p:par>
-                                <p:cTn id="49" presetID="22" presetClass="entr" presetSubtype="2" fill="hold" nodeType="clickEffect">
-                                  <p:stCondLst>
-                                    <p:cond delay="0"/>
-                                  </p:stCondLst>
-                                  <p:childTnLst>
-                                    <p:set>
-                                      <p:cBhvr>
-                                        <p:cTn id="50" dur="1" fill="hold">
-                                          <p:stCondLst>
-                                            <p:cond delay="0"/>
-                                          </p:stCondLst>
-                                        </p:cTn>
-                                        <p:tgtEl>
-                                          <p:spTgt spid="34"/>
-                                        </p:tgtEl>
-                                        <p:attrNameLst>
-                                          <p:attrName>style.visibility</p:attrName>
-                                        </p:attrNameLst>
-                                      </p:cBhvr>
-                                      <p:to>
-                                        <p:strVal val="visible"/>
-                                      </p:to>
-                                    </p:set>
-                                    <p:animEffect transition="in" filter="wipe(right)">
-                                      <p:cBhvr>
-                                        <p:cTn id="51" dur="500"/>
-                                        <p:tgtEl>
-                                          <p:spTgt spid="34"/>
-                                        </p:tgtEl>
-                                      </p:cBhvr>
-                                    </p:animEffect>
-                                  </p:childTnLst>
-                                </p:cTn>
-                              </p:par>
-                            </p:childTnLst>
-                          </p:cTn>
-                        </p:par>
-                      </p:childTnLst>
-                    </p:cTn>
-                  </p:par>
-                </p:childTnLst>
-              </p:cTn>
-              <p:prevCondLst>
-                <p:cond evt="onPrev" delay="0">
-                  <p:tgtEl>
-                    <p:sldTgt/>
-                  </p:tgtEl>
-                </p:cond>
-              </p:prevCondLst>
-              <p:nextCondLst>
-                <p:cond evt="onNext" delay="0">
-                  <p:tgtEl>
-                    <p:sldTgt/>
-                  </p:tgtEl>
-                </p:cond>
-              </p:nextCondLst>
-            </p:seq>
-          </p:childTnLst>
-        </p:cTn>
-      </p:par>
-    </p:tnLst>
-  </p:timing>
-</p:sld>
-</file>
-
-<file path=ppt/slides/slide36.xml><?xml version="1.0" encoding="utf-8"?>
-<p:sld xmlns:a="http://schemas.openxmlformats.org/drawingml/2006/main" xmlns:r="http://schemas.openxmlformats.org/officeDocument/2006/relationships" xmlns:p="http://schemas.openxmlformats.org/presentationml/2006/main">
-  <p:cSld>
-    <p:spTree>
-      <p:nvGrpSpPr>
-        <p:cNvPr id="1" name=""/>
-        <p:cNvGrpSpPr/>
-        <p:nvPr/>
-      </p:nvGrpSpPr>
-      <p:grpSpPr>
-        <a:xfrm>
-          <a:off x="0" y="0"/>
-          <a:ext cx="0" cy="0"/>
-          <a:chOff x="0" y="0"/>
-          <a:chExt cx="0" cy="0"/>
-        </a:xfrm>
-      </p:grpSpPr>
-      <p:sp>
-        <p:nvSpPr>
-          <p:cNvPr id="2" name="Title 1"/>
-          <p:cNvSpPr>
-            <a:spLocks noGrp="1"/>
-          </p:cNvSpPr>
-          <p:nvPr>
-            <p:ph type="title"/>
-          </p:nvPr>
-        </p:nvSpPr>
-        <p:spPr>
-          <a:xfrm>
-            <a:off x="628650" y="365126"/>
-            <a:ext cx="7886700" cy="1103455"/>
-          </a:xfrm>
-        </p:spPr>
-        <p:txBody>
-          <a:bodyPr>
-            <a:noAutofit/>
-          </a:bodyPr>
-          <a:lstStyle/>
-          <a:p>
-            <a:pPr algn="ctr"/>
-            <a:r>
-              <a:rPr lang="en-US" sz="3200" b="1" dirty="0">
-                <a:solidFill>
-                  <a:srgbClr val="0070C0"/>
-                </a:solidFill>
-                <a:latin typeface="+mn-lt"/>
-              </a:rPr>
-              <a:t>View</a:t>
-            </a:r>
-            <a:r>
-              <a:rPr lang="en-US" sz="3200" dirty="0">
-                <a:latin typeface="+mn-lt"/>
-              </a:rPr>
-              <a:t> birthday_paradox.py</a:t>
-            </a:r>
-          </a:p>
-        </p:txBody>
-      </p:sp>
-      <p:sp>
-        <p:nvSpPr>
-          <p:cNvPr id="4" name="Slide Number Placeholder 3"/>
-          <p:cNvSpPr>
-            <a:spLocks noGrp="1"/>
-          </p:cNvSpPr>
-          <p:nvPr>
-            <p:ph type="sldNum" sz="quarter" idx="12"/>
-          </p:nvPr>
-        </p:nvSpPr>
-        <p:spPr/>
-        <p:txBody>
-          <a:bodyPr/>
-          <a:lstStyle/>
-          <a:p>
-            <a:fld id="{650AD656-6FF9-465D-B7B0-1CD0DD39CD23}" type="slidenum">
-              <a:rPr lang="en-US" smtClean="0"/>
-              <a:pPr/>
-              <a:t>36</a:t>
-            </a:fld>
-            <a:endParaRPr lang="en-US" dirty="0"/>
-          </a:p>
-        </p:txBody>
-      </p:sp>
-      <p:pic>
-        <p:nvPicPr>
-          <p:cNvPr id="5" name="Picture 4">
-            <a:extLst>
-              <a:ext uri="{FF2B5EF4-FFF2-40B4-BE49-F238E27FC236}">
-                <a16:creationId xmlns:a16="http://schemas.microsoft.com/office/drawing/2014/main" id="{2D43313F-7FC1-1133-F4E2-B450ED3FD88A}"/>
-              </a:ext>
-            </a:extLst>
-          </p:cNvPr>
-          <p:cNvPicPr>
-            <a:picLocks noChangeAspect="1"/>
-          </p:cNvPicPr>
-          <p:nvPr/>
-        </p:nvPicPr>
-        <p:blipFill>
-          <a:blip r:embed="rId2"/>
-          <a:stretch>
-            <a:fillRect/>
-          </a:stretch>
-        </p:blipFill>
-        <p:spPr>
-          <a:xfrm>
-            <a:off x="1573623" y="1386756"/>
-            <a:ext cx="5996754" cy="5140075"/>
-          </a:xfrm>
-          <a:prstGeom prst="rect">
-            <a:avLst/>
-          </a:prstGeom>
-          <a:ln>
-            <a:solidFill>
-              <a:schemeClr val="tx1"/>
-            </a:solidFill>
-          </a:ln>
-        </p:spPr>
-      </p:pic>
-      <p:grpSp>
-        <p:nvGrpSpPr>
-          <p:cNvPr id="8" name="Group 7">
-            <a:extLst>
-              <a:ext uri="{FF2B5EF4-FFF2-40B4-BE49-F238E27FC236}">
-                <a16:creationId xmlns:a16="http://schemas.microsoft.com/office/drawing/2014/main" id="{8DB3C458-BC10-C33F-9AD8-53A8497D8FB5}"/>
-              </a:ext>
-            </a:extLst>
-          </p:cNvPr>
-          <p:cNvGrpSpPr/>
-          <p:nvPr/>
-        </p:nvGrpSpPr>
-        <p:grpSpPr>
-          <a:xfrm>
-            <a:off x="4595590" y="2703963"/>
-            <a:ext cx="1076632" cy="369332"/>
-            <a:chOff x="4968362" y="2079211"/>
-            <a:chExt cx="1076632" cy="369332"/>
-          </a:xfrm>
-        </p:grpSpPr>
-        <p:cxnSp>
-          <p:nvCxnSpPr>
-            <p:cNvPr id="9" name="Straight Arrow Connector 8">
-              <a:extLst>
-                <a:ext uri="{FF2B5EF4-FFF2-40B4-BE49-F238E27FC236}">
-                  <a16:creationId xmlns:a16="http://schemas.microsoft.com/office/drawing/2014/main" id="{1BFCBB14-6999-F5A7-9AC4-D6977C053E2A}"/>
-                </a:ext>
-              </a:extLst>
-            </p:cNvPr>
-            <p:cNvCxnSpPr>
-              <a:cxnSpLocks/>
-            </p:cNvCxnSpPr>
-            <p:nvPr/>
-          </p:nvCxnSpPr>
-          <p:spPr>
-            <a:xfrm flipH="1">
-              <a:off x="4968362" y="2263877"/>
-              <a:ext cx="693174" cy="0"/>
-            </a:xfrm>
-            <a:prstGeom prst="straightConnector1">
-              <a:avLst/>
-            </a:prstGeom>
-            <a:ln w="38100">
-              <a:solidFill>
-                <a:srgbClr val="FF0000"/>
-              </a:solidFill>
-              <a:tailEnd type="triangle"/>
-            </a:ln>
-          </p:spPr>
-          <p:style>
-            <a:lnRef idx="1">
-              <a:schemeClr val="accent1"/>
-            </a:lnRef>
-            <a:fillRef idx="0">
-              <a:schemeClr val="accent1"/>
-            </a:fillRef>
-            <a:effectRef idx="0">
-              <a:schemeClr val="accent1"/>
-            </a:effectRef>
-            <a:fontRef idx="minor">
-              <a:schemeClr val="tx1"/>
-            </a:fontRef>
-          </p:style>
-        </p:cxnSp>
-        <p:sp>
-          <p:nvSpPr>
-            <p:cNvPr id="10" name="TextBox 9">
-              <a:extLst>
-                <a:ext uri="{FF2B5EF4-FFF2-40B4-BE49-F238E27FC236}">
-                  <a16:creationId xmlns:a16="http://schemas.microsoft.com/office/drawing/2014/main" id="{4C07B39C-7F67-8133-BC73-826361A05BF0}"/>
-                </a:ext>
-              </a:extLst>
-            </p:cNvPr>
-            <p:cNvSpPr txBox="1"/>
-            <p:nvPr/>
-          </p:nvSpPr>
-          <p:spPr>
-            <a:xfrm>
-              <a:off x="5661536" y="2079211"/>
-              <a:ext cx="383458" cy="369332"/>
-            </a:xfrm>
-            <a:prstGeom prst="rect">
-              <a:avLst/>
-            </a:prstGeom>
-            <a:noFill/>
-          </p:spPr>
-          <p:txBody>
-            <a:bodyPr wrap="square" rtlCol="0">
-              <a:spAutoFit/>
-            </a:bodyPr>
-            <a:lstStyle/>
-            <a:p>
-              <a:r>
-                <a:rPr lang="en-US" dirty="0">
-                  <a:ln>
-                    <a:solidFill>
-                      <a:srgbClr val="FF0000"/>
-                    </a:solidFill>
-                  </a:ln>
-                  <a:solidFill>
-                    <a:srgbClr val="FF0000"/>
-                  </a:solidFill>
-                  <a:sym typeface="Wingdings" panose="05000000000000000000" pitchFamily="2" charset="2"/>
-                </a:rPr>
-                <a:t></a:t>
-              </a:r>
-              <a:endParaRPr lang="en-US" dirty="0">
-                <a:ln>
-                  <a:solidFill>
-                    <a:srgbClr val="FF0000"/>
-                  </a:solidFill>
-                </a:ln>
-                <a:solidFill>
-                  <a:srgbClr val="FF0000"/>
-                </a:solidFill>
-              </a:endParaRPr>
-            </a:p>
-          </p:txBody>
-        </p:sp>
-      </p:grpSp>
-      <p:pic>
-        <p:nvPicPr>
-          <p:cNvPr id="12" name="Picture 11">
-            <a:extLst>
-              <a:ext uri="{FF2B5EF4-FFF2-40B4-BE49-F238E27FC236}">
-                <a16:creationId xmlns:a16="http://schemas.microsoft.com/office/drawing/2014/main" id="{B9A08F57-0448-8021-1FCD-342830B67D47}"/>
-              </a:ext>
-            </a:extLst>
-          </p:cNvPr>
-          <p:cNvPicPr>
-            <a:picLocks noChangeAspect="1"/>
-          </p:cNvPicPr>
-          <p:nvPr/>
-        </p:nvPicPr>
-        <p:blipFill>
-          <a:blip r:embed="rId3"/>
-          <a:stretch>
-            <a:fillRect/>
-          </a:stretch>
-        </p:blipFill>
-        <p:spPr>
-          <a:xfrm>
-            <a:off x="4849213" y="1701058"/>
-            <a:ext cx="2505046" cy="497797"/>
-          </a:xfrm>
-          <a:prstGeom prst="rect">
-            <a:avLst/>
-          </a:prstGeom>
-          <a:ln>
-            <a:solidFill>
-              <a:schemeClr val="tx1"/>
-            </a:solidFill>
-          </a:ln>
-          <a:effectLst>
-            <a:outerShdw blurRad="50800" dist="38100" dir="2700000" algn="tl" rotWithShape="0">
-              <a:prstClr val="black">
-                <a:alpha val="40000"/>
-              </a:prstClr>
-            </a:outerShdw>
-          </a:effectLst>
-        </p:spPr>
-      </p:pic>
-      <p:grpSp>
-        <p:nvGrpSpPr>
-          <p:cNvPr id="13" name="Group 12">
-            <a:extLst>
-              <a:ext uri="{FF2B5EF4-FFF2-40B4-BE49-F238E27FC236}">
-                <a16:creationId xmlns:a16="http://schemas.microsoft.com/office/drawing/2014/main" id="{3700D97B-0966-4331-2C99-7CC96B9E32E4}"/>
-              </a:ext>
-            </a:extLst>
-          </p:cNvPr>
-          <p:cNvGrpSpPr/>
-          <p:nvPr/>
-        </p:nvGrpSpPr>
-        <p:grpSpPr>
-          <a:xfrm>
-            <a:off x="5534407" y="2873639"/>
-            <a:ext cx="1076632" cy="369332"/>
-            <a:chOff x="4704120" y="2356972"/>
-            <a:chExt cx="1076632" cy="369332"/>
-          </a:xfrm>
-        </p:grpSpPr>
-        <p:cxnSp>
-          <p:nvCxnSpPr>
-            <p:cNvPr id="14" name="Straight Arrow Connector 13">
-              <a:extLst>
-                <a:ext uri="{FF2B5EF4-FFF2-40B4-BE49-F238E27FC236}">
-                  <a16:creationId xmlns:a16="http://schemas.microsoft.com/office/drawing/2014/main" id="{671EC7A4-42D3-A943-678C-DFCC0E11BE61}"/>
-                </a:ext>
-              </a:extLst>
-            </p:cNvPr>
-            <p:cNvCxnSpPr>
-              <a:cxnSpLocks/>
-            </p:cNvCxnSpPr>
-            <p:nvPr/>
-          </p:nvCxnSpPr>
-          <p:spPr>
-            <a:xfrm flipH="1">
-              <a:off x="4704120" y="2541638"/>
-              <a:ext cx="693174" cy="0"/>
-            </a:xfrm>
-            <a:prstGeom prst="straightConnector1">
-              <a:avLst/>
-            </a:prstGeom>
-            <a:ln w="38100">
-              <a:solidFill>
-                <a:srgbClr val="FF0000"/>
-              </a:solidFill>
-              <a:tailEnd type="triangle"/>
-            </a:ln>
-          </p:spPr>
-          <p:style>
-            <a:lnRef idx="1">
-              <a:schemeClr val="accent1"/>
-            </a:lnRef>
-            <a:fillRef idx="0">
-              <a:schemeClr val="accent1"/>
-            </a:fillRef>
-            <a:effectRef idx="0">
-              <a:schemeClr val="accent1"/>
-            </a:effectRef>
-            <a:fontRef idx="minor">
-              <a:schemeClr val="tx1"/>
-            </a:fontRef>
-          </p:style>
-        </p:cxnSp>
-        <p:sp>
-          <p:nvSpPr>
-            <p:cNvPr id="15" name="TextBox 14">
-              <a:extLst>
-                <a:ext uri="{FF2B5EF4-FFF2-40B4-BE49-F238E27FC236}">
-                  <a16:creationId xmlns:a16="http://schemas.microsoft.com/office/drawing/2014/main" id="{E7B14BBF-183D-6ACF-F3D5-5A3D0D90758B}"/>
-                </a:ext>
-              </a:extLst>
-            </p:cNvPr>
-            <p:cNvSpPr txBox="1"/>
-            <p:nvPr/>
-          </p:nvSpPr>
-          <p:spPr>
-            <a:xfrm>
-              <a:off x="5397294" y="2356972"/>
-              <a:ext cx="383458" cy="369332"/>
-            </a:xfrm>
-            <a:prstGeom prst="rect">
-              <a:avLst/>
-            </a:prstGeom>
-            <a:noFill/>
-          </p:spPr>
-          <p:txBody>
-            <a:bodyPr wrap="square" rtlCol="0">
-              <a:spAutoFit/>
-            </a:bodyPr>
-            <a:lstStyle/>
-            <a:p>
-              <a:r>
-                <a:rPr lang="en-US" dirty="0">
-                  <a:ln>
-                    <a:solidFill>
-                      <a:srgbClr val="FF0000"/>
-                    </a:solidFill>
-                  </a:ln>
-                  <a:solidFill>
-                    <a:srgbClr val="FF0000"/>
-                  </a:solidFill>
-                  <a:sym typeface="Wingdings" panose="05000000000000000000" pitchFamily="2" charset="2"/>
-                </a:rPr>
-                <a:t></a:t>
-              </a:r>
-              <a:endParaRPr lang="en-US" dirty="0">
-                <a:ln>
-                  <a:solidFill>
-                    <a:srgbClr val="FF0000"/>
-                  </a:solidFill>
-                </a:ln>
-                <a:solidFill>
-                  <a:srgbClr val="FF0000"/>
-                </a:solidFill>
-              </a:endParaRPr>
-            </a:p>
-          </p:txBody>
-        </p:sp>
-      </p:grpSp>
-      <p:grpSp>
-        <p:nvGrpSpPr>
-          <p:cNvPr id="16" name="Group 15">
-            <a:extLst>
-              <a:ext uri="{FF2B5EF4-FFF2-40B4-BE49-F238E27FC236}">
-                <a16:creationId xmlns:a16="http://schemas.microsoft.com/office/drawing/2014/main" id="{E3873BE9-4072-AC91-D6AF-914A7E71E8E2}"/>
-              </a:ext>
-            </a:extLst>
-          </p:cNvPr>
-          <p:cNvGrpSpPr/>
-          <p:nvPr/>
-        </p:nvGrpSpPr>
-        <p:grpSpPr>
-          <a:xfrm>
-            <a:off x="4724161" y="3043248"/>
-            <a:ext cx="1068643" cy="369332"/>
-            <a:chOff x="3647644" y="4910075"/>
-            <a:chExt cx="1068643" cy="369332"/>
-          </a:xfrm>
-        </p:grpSpPr>
-        <p:sp>
-          <p:nvSpPr>
-            <p:cNvPr id="17" name="TextBox 16">
-              <a:extLst>
-                <a:ext uri="{FF2B5EF4-FFF2-40B4-BE49-F238E27FC236}">
-                  <a16:creationId xmlns:a16="http://schemas.microsoft.com/office/drawing/2014/main" id="{5F847D1A-BCB4-9AE0-1662-6B1B0F34D16C}"/>
-                </a:ext>
-              </a:extLst>
-            </p:cNvPr>
-            <p:cNvSpPr txBox="1"/>
-            <p:nvPr/>
-          </p:nvSpPr>
-          <p:spPr>
-            <a:xfrm>
-              <a:off x="4332829" y="4910075"/>
-              <a:ext cx="383458" cy="369332"/>
-            </a:xfrm>
-            <a:prstGeom prst="rect">
-              <a:avLst/>
-            </a:prstGeom>
-            <a:noFill/>
-          </p:spPr>
-          <p:txBody>
-            <a:bodyPr wrap="square" rtlCol="0">
-              <a:spAutoFit/>
-            </a:bodyPr>
-            <a:lstStyle/>
-            <a:p>
-              <a:r>
-                <a:rPr lang="en-US" dirty="0">
-                  <a:ln>
-                    <a:solidFill>
-                      <a:srgbClr val="FF0000"/>
-                    </a:solidFill>
-                  </a:ln>
-                  <a:solidFill>
-                    <a:srgbClr val="FF0000"/>
-                  </a:solidFill>
-                  <a:sym typeface="Wingdings" panose="05000000000000000000" pitchFamily="2" charset="2"/>
-                </a:rPr>
-                <a:t></a:t>
-              </a:r>
-              <a:endParaRPr lang="en-US" dirty="0">
-                <a:ln>
-                  <a:solidFill>
-                    <a:srgbClr val="FF0000"/>
-                  </a:solidFill>
-                </a:ln>
-                <a:solidFill>
-                  <a:srgbClr val="FF0000"/>
-                </a:solidFill>
-              </a:endParaRPr>
-            </a:p>
-          </p:txBody>
-        </p:sp>
-        <p:cxnSp>
-          <p:nvCxnSpPr>
-            <p:cNvPr id="18" name="Straight Arrow Connector 17">
-              <a:extLst>
-                <a:ext uri="{FF2B5EF4-FFF2-40B4-BE49-F238E27FC236}">
-                  <a16:creationId xmlns:a16="http://schemas.microsoft.com/office/drawing/2014/main" id="{2CFA65A8-0D68-94E6-EEAF-4953A7AFDFA7}"/>
-                </a:ext>
-              </a:extLst>
-            </p:cNvPr>
-            <p:cNvCxnSpPr>
-              <a:cxnSpLocks/>
-            </p:cNvCxnSpPr>
-            <p:nvPr/>
-          </p:nvCxnSpPr>
-          <p:spPr>
-            <a:xfrm flipH="1">
-              <a:off x="3647644" y="5094741"/>
-              <a:ext cx="693174" cy="0"/>
-            </a:xfrm>
-            <a:prstGeom prst="straightConnector1">
-              <a:avLst/>
-            </a:prstGeom>
-            <a:ln w="38100">
-              <a:solidFill>
-                <a:srgbClr val="FF0000"/>
-              </a:solidFill>
-              <a:tailEnd type="triangle"/>
-            </a:ln>
-          </p:spPr>
-          <p:style>
-            <a:lnRef idx="1">
-              <a:schemeClr val="accent1"/>
-            </a:lnRef>
-            <a:fillRef idx="0">
-              <a:schemeClr val="accent1"/>
-            </a:fillRef>
-            <a:effectRef idx="0">
-              <a:schemeClr val="accent1"/>
-            </a:effectRef>
-            <a:fontRef idx="minor">
-              <a:schemeClr val="tx1"/>
-            </a:fontRef>
-          </p:style>
-        </p:cxnSp>
-      </p:grpSp>
-      <p:grpSp>
-        <p:nvGrpSpPr>
-          <p:cNvPr id="19" name="Group 18">
-            <a:extLst>
-              <a:ext uri="{FF2B5EF4-FFF2-40B4-BE49-F238E27FC236}">
-                <a16:creationId xmlns:a16="http://schemas.microsoft.com/office/drawing/2014/main" id="{3D63306B-F1FF-DC5D-5714-1BD53794827B}"/>
-              </a:ext>
-            </a:extLst>
-          </p:cNvPr>
-          <p:cNvGrpSpPr/>
-          <p:nvPr/>
-        </p:nvGrpSpPr>
-        <p:grpSpPr>
-          <a:xfrm>
-            <a:off x="5199997" y="3224508"/>
-            <a:ext cx="1064340" cy="369332"/>
-            <a:chOff x="3647644" y="5421073"/>
-            <a:chExt cx="1064340" cy="369332"/>
-          </a:xfrm>
-        </p:grpSpPr>
-        <p:sp>
-          <p:nvSpPr>
-            <p:cNvPr id="20" name="TextBox 19">
-              <a:extLst>
-                <a:ext uri="{FF2B5EF4-FFF2-40B4-BE49-F238E27FC236}">
-                  <a16:creationId xmlns:a16="http://schemas.microsoft.com/office/drawing/2014/main" id="{25FF495D-BB9C-50D7-A961-E393C1EA9098}"/>
-                </a:ext>
-              </a:extLst>
-            </p:cNvPr>
-            <p:cNvSpPr txBox="1"/>
-            <p:nvPr/>
-          </p:nvSpPr>
-          <p:spPr>
-            <a:xfrm>
-              <a:off x="4328526" y="5421073"/>
-              <a:ext cx="383458" cy="369332"/>
-            </a:xfrm>
-            <a:prstGeom prst="rect">
-              <a:avLst/>
-            </a:prstGeom>
-            <a:noFill/>
-          </p:spPr>
-          <p:txBody>
-            <a:bodyPr wrap="square" rtlCol="0">
-              <a:spAutoFit/>
-            </a:bodyPr>
-            <a:lstStyle/>
-            <a:p>
-              <a:r>
-                <a:rPr lang="en-US" dirty="0">
-                  <a:ln>
-                    <a:solidFill>
-                      <a:srgbClr val="FF0000"/>
-                    </a:solidFill>
-                  </a:ln>
-                  <a:solidFill>
-                    <a:srgbClr val="FF0000"/>
-                  </a:solidFill>
-                  <a:sym typeface="Wingdings" panose="05000000000000000000" pitchFamily="2" charset="2"/>
-                </a:rPr>
-                <a:t></a:t>
-              </a:r>
-              <a:endParaRPr lang="en-US" dirty="0">
-                <a:ln>
-                  <a:solidFill>
-                    <a:srgbClr val="FF0000"/>
-                  </a:solidFill>
-                </a:ln>
-                <a:solidFill>
-                  <a:srgbClr val="FF0000"/>
-                </a:solidFill>
-              </a:endParaRPr>
-            </a:p>
-          </p:txBody>
-        </p:sp>
-        <p:cxnSp>
-          <p:nvCxnSpPr>
-            <p:cNvPr id="21" name="Straight Arrow Connector 20">
-              <a:extLst>
-                <a:ext uri="{FF2B5EF4-FFF2-40B4-BE49-F238E27FC236}">
-                  <a16:creationId xmlns:a16="http://schemas.microsoft.com/office/drawing/2014/main" id="{99496FB6-6BA2-E534-6083-3CF63780437F}"/>
-                </a:ext>
-              </a:extLst>
-            </p:cNvPr>
-            <p:cNvCxnSpPr>
-              <a:cxnSpLocks/>
-            </p:cNvCxnSpPr>
-            <p:nvPr/>
-          </p:nvCxnSpPr>
-          <p:spPr>
-            <a:xfrm flipH="1">
-              <a:off x="3647644" y="5594437"/>
-              <a:ext cx="693174" cy="0"/>
-            </a:xfrm>
-            <a:prstGeom prst="straightConnector1">
-              <a:avLst/>
-            </a:prstGeom>
-            <a:ln w="38100">
-              <a:solidFill>
-                <a:srgbClr val="FF0000"/>
-              </a:solidFill>
-              <a:tailEnd type="triangle"/>
-            </a:ln>
-          </p:spPr>
-          <p:style>
-            <a:lnRef idx="1">
-              <a:schemeClr val="accent1"/>
-            </a:lnRef>
-            <a:fillRef idx="0">
-              <a:schemeClr val="accent1"/>
-            </a:fillRef>
-            <a:effectRef idx="0">
-              <a:schemeClr val="accent1"/>
-            </a:effectRef>
-            <a:fontRef idx="minor">
-              <a:schemeClr val="tx1"/>
-            </a:fontRef>
-          </p:style>
-        </p:cxnSp>
-      </p:grpSp>
-      <p:grpSp>
-        <p:nvGrpSpPr>
-          <p:cNvPr id="22" name="Group 21">
-            <a:extLst>
-              <a:ext uri="{FF2B5EF4-FFF2-40B4-BE49-F238E27FC236}">
-                <a16:creationId xmlns:a16="http://schemas.microsoft.com/office/drawing/2014/main" id="{21A3AA71-8189-7944-0A9D-B55E3C7B09EF}"/>
-              </a:ext>
-            </a:extLst>
-          </p:cNvPr>
-          <p:cNvGrpSpPr/>
-          <p:nvPr/>
-        </p:nvGrpSpPr>
-        <p:grpSpPr>
-          <a:xfrm>
-            <a:off x="4927566" y="3385646"/>
-            <a:ext cx="1068643" cy="369332"/>
-            <a:chOff x="3647644" y="5359159"/>
-            <a:chExt cx="1068643" cy="369332"/>
-          </a:xfrm>
-        </p:grpSpPr>
-        <p:sp>
-          <p:nvSpPr>
-            <p:cNvPr id="23" name="TextBox 22">
-              <a:extLst>
-                <a:ext uri="{FF2B5EF4-FFF2-40B4-BE49-F238E27FC236}">
-                  <a16:creationId xmlns:a16="http://schemas.microsoft.com/office/drawing/2014/main" id="{BA1E17C5-3ED1-FD24-58C5-2453D5961724}"/>
-                </a:ext>
-              </a:extLst>
-            </p:cNvPr>
-            <p:cNvSpPr txBox="1"/>
-            <p:nvPr/>
-          </p:nvSpPr>
-          <p:spPr>
-            <a:xfrm>
-              <a:off x="4332829" y="5359159"/>
-              <a:ext cx="383458" cy="369332"/>
-            </a:xfrm>
-            <a:prstGeom prst="rect">
-              <a:avLst/>
-            </a:prstGeom>
-            <a:noFill/>
-          </p:spPr>
-          <p:txBody>
-            <a:bodyPr wrap="square" rtlCol="0">
-              <a:spAutoFit/>
-            </a:bodyPr>
-            <a:lstStyle/>
-            <a:p>
-              <a:r>
-                <a:rPr lang="en-US" dirty="0">
-                  <a:ln>
-                    <a:solidFill>
-                      <a:srgbClr val="FF0000"/>
-                    </a:solidFill>
-                  </a:ln>
-                  <a:solidFill>
-                    <a:srgbClr val="FF0000"/>
-                  </a:solidFill>
-                  <a:sym typeface="Wingdings" panose="05000000000000000000" pitchFamily="2" charset="2"/>
-                </a:rPr>
-                <a:t></a:t>
-              </a:r>
-              <a:endParaRPr lang="en-US" dirty="0">
-                <a:ln>
-                  <a:solidFill>
-                    <a:srgbClr val="FF0000"/>
-                  </a:solidFill>
-                </a:ln>
-                <a:solidFill>
-                  <a:srgbClr val="FF0000"/>
-                </a:solidFill>
-              </a:endParaRPr>
-            </a:p>
-          </p:txBody>
-        </p:sp>
-        <p:cxnSp>
-          <p:nvCxnSpPr>
-            <p:cNvPr id="24" name="Straight Arrow Connector 23">
-              <a:extLst>
-                <a:ext uri="{FF2B5EF4-FFF2-40B4-BE49-F238E27FC236}">
-                  <a16:creationId xmlns:a16="http://schemas.microsoft.com/office/drawing/2014/main" id="{469AD8E3-4903-7370-F3D0-24B3ADB68694}"/>
-                </a:ext>
-              </a:extLst>
-            </p:cNvPr>
-            <p:cNvCxnSpPr>
-              <a:cxnSpLocks/>
-            </p:cNvCxnSpPr>
-            <p:nvPr/>
-          </p:nvCxnSpPr>
-          <p:spPr>
-            <a:xfrm flipH="1">
-              <a:off x="3647644" y="5541057"/>
-              <a:ext cx="693174" cy="0"/>
-            </a:xfrm>
-            <a:prstGeom prst="straightConnector1">
-              <a:avLst/>
-            </a:prstGeom>
-            <a:ln w="38100">
-              <a:solidFill>
-                <a:srgbClr val="FF0000"/>
-              </a:solidFill>
-              <a:tailEnd type="triangle"/>
-            </a:ln>
-          </p:spPr>
-          <p:style>
-            <a:lnRef idx="1">
-              <a:schemeClr val="accent1"/>
-            </a:lnRef>
-            <a:fillRef idx="0">
-              <a:schemeClr val="accent1"/>
-            </a:fillRef>
-            <a:effectRef idx="0">
-              <a:schemeClr val="accent1"/>
-            </a:effectRef>
-            <a:fontRef idx="minor">
-              <a:schemeClr val="tx1"/>
-            </a:fontRef>
-          </p:style>
-        </p:cxnSp>
-      </p:grpSp>
-      <p:grpSp>
-        <p:nvGrpSpPr>
-          <p:cNvPr id="25" name="Group 24">
-            <a:extLst>
-              <a:ext uri="{FF2B5EF4-FFF2-40B4-BE49-F238E27FC236}">
-                <a16:creationId xmlns:a16="http://schemas.microsoft.com/office/drawing/2014/main" id="{89BEAE90-91AA-7CB3-ABF7-E9E30F865A43}"/>
-              </a:ext>
-            </a:extLst>
-          </p:cNvPr>
-          <p:cNvGrpSpPr/>
-          <p:nvPr/>
-        </p:nvGrpSpPr>
-        <p:grpSpPr>
-          <a:xfrm>
-            <a:off x="4123691" y="3553149"/>
-            <a:ext cx="1076632" cy="369332"/>
-            <a:chOff x="2157212" y="5356391"/>
-            <a:chExt cx="1076632" cy="369332"/>
-          </a:xfrm>
-        </p:grpSpPr>
-        <p:sp>
-          <p:nvSpPr>
-            <p:cNvPr id="26" name="TextBox 25">
-              <a:extLst>
-                <a:ext uri="{FF2B5EF4-FFF2-40B4-BE49-F238E27FC236}">
-                  <a16:creationId xmlns:a16="http://schemas.microsoft.com/office/drawing/2014/main" id="{9D510893-5521-2348-6683-817D04BD6B9D}"/>
-                </a:ext>
-              </a:extLst>
-            </p:cNvPr>
-            <p:cNvSpPr txBox="1"/>
-            <p:nvPr/>
-          </p:nvSpPr>
-          <p:spPr>
-            <a:xfrm>
-              <a:off x="2850386" y="5356391"/>
-              <a:ext cx="383458" cy="369332"/>
-            </a:xfrm>
-            <a:prstGeom prst="rect">
-              <a:avLst/>
-            </a:prstGeom>
-            <a:noFill/>
-          </p:spPr>
-          <p:txBody>
-            <a:bodyPr wrap="square" rtlCol="0">
-              <a:spAutoFit/>
-            </a:bodyPr>
-            <a:lstStyle/>
-            <a:p>
-              <a:r>
-                <a:rPr lang="en-US" dirty="0">
-                  <a:ln>
-                    <a:solidFill>
-                      <a:srgbClr val="FF0000"/>
-                    </a:solidFill>
-                  </a:ln>
-                  <a:solidFill>
-                    <a:srgbClr val="FF0000"/>
-                  </a:solidFill>
-                  <a:sym typeface="Wingdings" panose="05000000000000000000" pitchFamily="2" charset="2"/>
-                </a:rPr>
-                <a:t></a:t>
-              </a:r>
-              <a:endParaRPr lang="en-US" dirty="0">
-                <a:ln>
-                  <a:solidFill>
-                    <a:srgbClr val="FF0000"/>
-                  </a:solidFill>
-                </a:ln>
-                <a:solidFill>
-                  <a:srgbClr val="FF0000"/>
-                </a:solidFill>
-              </a:endParaRPr>
-            </a:p>
-          </p:txBody>
-        </p:sp>
-        <p:cxnSp>
-          <p:nvCxnSpPr>
-            <p:cNvPr id="27" name="Straight Arrow Connector 26">
-              <a:extLst>
-                <a:ext uri="{FF2B5EF4-FFF2-40B4-BE49-F238E27FC236}">
-                  <a16:creationId xmlns:a16="http://schemas.microsoft.com/office/drawing/2014/main" id="{86C8A190-E8FB-C57E-C42A-315EA5B03BDF}"/>
-                </a:ext>
-              </a:extLst>
-            </p:cNvPr>
-            <p:cNvCxnSpPr>
-              <a:cxnSpLocks/>
-            </p:cNvCxnSpPr>
-            <p:nvPr/>
-          </p:nvCxnSpPr>
-          <p:spPr>
-            <a:xfrm flipH="1">
-              <a:off x="2157212" y="5545146"/>
-              <a:ext cx="693174" cy="0"/>
-            </a:xfrm>
-            <a:prstGeom prst="straightConnector1">
-              <a:avLst/>
-            </a:prstGeom>
-            <a:ln w="38100">
-              <a:solidFill>
-                <a:srgbClr val="FF0000"/>
-              </a:solidFill>
-              <a:tailEnd type="triangle"/>
-            </a:ln>
-          </p:spPr>
-          <p:style>
-            <a:lnRef idx="1">
-              <a:schemeClr val="accent1"/>
-            </a:lnRef>
-            <a:fillRef idx="0">
-              <a:schemeClr val="accent1"/>
-            </a:fillRef>
-            <a:effectRef idx="0">
-              <a:schemeClr val="accent1"/>
-            </a:effectRef>
-            <a:fontRef idx="minor">
-              <a:schemeClr val="tx1"/>
-            </a:fontRef>
-          </p:style>
-        </p:cxnSp>
-      </p:grpSp>
-      <p:grpSp>
-        <p:nvGrpSpPr>
-          <p:cNvPr id="28" name="Group 27">
-            <a:extLst>
-              <a:ext uri="{FF2B5EF4-FFF2-40B4-BE49-F238E27FC236}">
-                <a16:creationId xmlns:a16="http://schemas.microsoft.com/office/drawing/2014/main" id="{4A2C10D8-778B-F46B-A761-803A35393684}"/>
-              </a:ext>
-            </a:extLst>
-          </p:cNvPr>
-          <p:cNvGrpSpPr/>
-          <p:nvPr/>
-        </p:nvGrpSpPr>
-        <p:grpSpPr>
-          <a:xfrm>
-            <a:off x="3323686" y="3714122"/>
-            <a:ext cx="1076632" cy="369332"/>
-            <a:chOff x="2157212" y="5356391"/>
-            <a:chExt cx="1076632" cy="369332"/>
-          </a:xfrm>
-        </p:grpSpPr>
-        <p:sp>
-          <p:nvSpPr>
-            <p:cNvPr id="29" name="TextBox 28">
-              <a:extLst>
-                <a:ext uri="{FF2B5EF4-FFF2-40B4-BE49-F238E27FC236}">
-                  <a16:creationId xmlns:a16="http://schemas.microsoft.com/office/drawing/2014/main" id="{AD2BBF30-BDAC-20D3-0C6F-FCF8B20481E8}"/>
-                </a:ext>
-              </a:extLst>
-            </p:cNvPr>
-            <p:cNvSpPr txBox="1"/>
-            <p:nvPr/>
-          </p:nvSpPr>
-          <p:spPr>
-            <a:xfrm>
-              <a:off x="2850386" y="5356391"/>
-              <a:ext cx="383458" cy="369332"/>
-            </a:xfrm>
-            <a:prstGeom prst="rect">
-              <a:avLst/>
-            </a:prstGeom>
-            <a:noFill/>
-          </p:spPr>
-          <p:txBody>
-            <a:bodyPr wrap="square" rtlCol="0">
-              <a:spAutoFit/>
-            </a:bodyPr>
-            <a:lstStyle/>
-            <a:p>
-              <a:r>
-                <a:rPr lang="en-US" dirty="0">
-                  <a:ln>
-                    <a:solidFill>
-                      <a:srgbClr val="FF0000"/>
-                    </a:solidFill>
-                  </a:ln>
-                  <a:solidFill>
-                    <a:srgbClr val="FF0000"/>
-                  </a:solidFill>
-                  <a:sym typeface="Wingdings" panose="05000000000000000000" pitchFamily="2" charset="2"/>
-                </a:rPr>
-                <a:t></a:t>
-              </a:r>
-              <a:endParaRPr lang="en-US" dirty="0">
-                <a:ln>
-                  <a:solidFill>
-                    <a:srgbClr val="FF0000"/>
-                  </a:solidFill>
-                </a:ln>
-                <a:solidFill>
-                  <a:srgbClr val="FF0000"/>
-                </a:solidFill>
-              </a:endParaRPr>
-            </a:p>
-          </p:txBody>
-        </p:sp>
-        <p:cxnSp>
-          <p:nvCxnSpPr>
-            <p:cNvPr id="30" name="Straight Arrow Connector 29">
-              <a:extLst>
-                <a:ext uri="{FF2B5EF4-FFF2-40B4-BE49-F238E27FC236}">
-                  <a16:creationId xmlns:a16="http://schemas.microsoft.com/office/drawing/2014/main" id="{A84DF4C1-CB6B-E1B2-DE8F-7EFF2CC4C487}"/>
-                </a:ext>
-              </a:extLst>
-            </p:cNvPr>
-            <p:cNvCxnSpPr>
-              <a:cxnSpLocks/>
-            </p:cNvCxnSpPr>
-            <p:nvPr/>
-          </p:nvCxnSpPr>
-          <p:spPr>
-            <a:xfrm flipH="1">
-              <a:off x="2157212" y="5545146"/>
-              <a:ext cx="693174" cy="0"/>
-            </a:xfrm>
-            <a:prstGeom prst="straightConnector1">
-              <a:avLst/>
-            </a:prstGeom>
-            <a:ln w="38100">
-              <a:solidFill>
-                <a:srgbClr val="FF0000"/>
-              </a:solidFill>
-              <a:tailEnd type="triangle"/>
-            </a:ln>
-          </p:spPr>
-          <p:style>
-            <a:lnRef idx="1">
-              <a:schemeClr val="accent1"/>
-            </a:lnRef>
-            <a:fillRef idx="0">
-              <a:schemeClr val="accent1"/>
-            </a:fillRef>
-            <a:effectRef idx="0">
-              <a:schemeClr val="accent1"/>
-            </a:effectRef>
-            <a:fontRef idx="minor">
-              <a:schemeClr val="tx1"/>
-            </a:fontRef>
-          </p:style>
-        </p:cxnSp>
-      </p:grpSp>
-    </p:spTree>
-    <p:extLst>
-      <p:ext uri="{BB962C8B-B14F-4D97-AF65-F5344CB8AC3E}">
-        <p14:creationId xmlns:p14="http://schemas.microsoft.com/office/powerpoint/2010/main" val="3126197562"/>
       </p:ext>
     </p:extLst>
   </p:cSld>
@@ -31157,6 +29551,1528 @@
                                         <p:cTn id="37" dur="500"/>
                                         <p:tgtEl>
                                           <p:spTgt spid="28"/>
+                                        </p:tgtEl>
+                                      </p:cBhvr>
+                                    </p:animEffect>
+                                  </p:childTnLst>
+                                </p:cTn>
+                              </p:par>
+                            </p:childTnLst>
+                          </p:cTn>
+                        </p:par>
+                      </p:childTnLst>
+                    </p:cTn>
+                  </p:par>
+                  <p:par>
+                    <p:cTn id="38" fill="hold">
+                      <p:stCondLst>
+                        <p:cond delay="indefinite"/>
+                      </p:stCondLst>
+                      <p:childTnLst>
+                        <p:par>
+                          <p:cTn id="39" fill="hold">
+                            <p:stCondLst>
+                              <p:cond delay="0"/>
+                            </p:stCondLst>
+                            <p:childTnLst>
+                              <p:par>
+                                <p:cTn id="40" presetID="22" presetClass="entr" presetSubtype="2" fill="hold" nodeType="clickEffect">
+                                  <p:stCondLst>
+                                    <p:cond delay="0"/>
+                                  </p:stCondLst>
+                                  <p:childTnLst>
+                                    <p:set>
+                                      <p:cBhvr>
+                                        <p:cTn id="41" dur="1" fill="hold">
+                                          <p:stCondLst>
+                                            <p:cond delay="0"/>
+                                          </p:stCondLst>
+                                        </p:cTn>
+                                        <p:tgtEl>
+                                          <p:spTgt spid="31"/>
+                                        </p:tgtEl>
+                                        <p:attrNameLst>
+                                          <p:attrName>style.visibility</p:attrName>
+                                        </p:attrNameLst>
+                                      </p:cBhvr>
+                                      <p:to>
+                                        <p:strVal val="visible"/>
+                                      </p:to>
+                                    </p:set>
+                                    <p:animEffect transition="in" filter="wipe(right)">
+                                      <p:cBhvr>
+                                        <p:cTn id="42" dur="500"/>
+                                        <p:tgtEl>
+                                          <p:spTgt spid="31"/>
+                                        </p:tgtEl>
+                                      </p:cBhvr>
+                                    </p:animEffect>
+                                  </p:childTnLst>
+                                </p:cTn>
+                              </p:par>
+                            </p:childTnLst>
+                          </p:cTn>
+                        </p:par>
+                      </p:childTnLst>
+                    </p:cTn>
+                  </p:par>
+                  <p:par>
+                    <p:cTn id="43" fill="hold">
+                      <p:stCondLst>
+                        <p:cond delay="indefinite"/>
+                      </p:stCondLst>
+                      <p:childTnLst>
+                        <p:par>
+                          <p:cTn id="44" fill="hold">
+                            <p:stCondLst>
+                              <p:cond delay="0"/>
+                            </p:stCondLst>
+                            <p:childTnLst>
+                              <p:par>
+                                <p:cTn id="45" presetID="22" presetClass="entr" presetSubtype="2" fill="hold" nodeType="clickEffect">
+                                  <p:stCondLst>
+                                    <p:cond delay="0"/>
+                                  </p:stCondLst>
+                                  <p:childTnLst>
+                                    <p:set>
+                                      <p:cBhvr>
+                                        <p:cTn id="46" dur="1" fill="hold">
+                                          <p:stCondLst>
+                                            <p:cond delay="0"/>
+                                          </p:stCondLst>
+                                        </p:cTn>
+                                        <p:tgtEl>
+                                          <p:spTgt spid="34"/>
+                                        </p:tgtEl>
+                                        <p:attrNameLst>
+                                          <p:attrName>style.visibility</p:attrName>
+                                        </p:attrNameLst>
+                                      </p:cBhvr>
+                                      <p:to>
+                                        <p:strVal val="visible"/>
+                                      </p:to>
+                                    </p:set>
+                                    <p:animEffect transition="in" filter="wipe(right)">
+                                      <p:cBhvr>
+                                        <p:cTn id="47" dur="500"/>
+                                        <p:tgtEl>
+                                          <p:spTgt spid="34"/>
+                                        </p:tgtEl>
+                                      </p:cBhvr>
+                                    </p:animEffect>
+                                  </p:childTnLst>
+                                </p:cTn>
+                              </p:par>
+                            </p:childTnLst>
+                          </p:cTn>
+                        </p:par>
+                      </p:childTnLst>
+                    </p:cTn>
+                  </p:par>
+                </p:childTnLst>
+              </p:cTn>
+              <p:prevCondLst>
+                <p:cond evt="onPrev" delay="0">
+                  <p:tgtEl>
+                    <p:sldTgt/>
+                  </p:tgtEl>
+                </p:cond>
+              </p:prevCondLst>
+              <p:nextCondLst>
+                <p:cond evt="onNext" delay="0">
+                  <p:tgtEl>
+                    <p:sldTgt/>
+                  </p:tgtEl>
+                </p:cond>
+              </p:nextCondLst>
+            </p:seq>
+          </p:childTnLst>
+        </p:cTn>
+      </p:par>
+    </p:tnLst>
+  </p:timing>
+</p:sld>
+</file>
+
+<file path=ppt/slides/slide36.xml><?xml version="1.0" encoding="utf-8"?>
+<p:sld xmlns:a="http://schemas.openxmlformats.org/drawingml/2006/main" xmlns:r="http://schemas.openxmlformats.org/officeDocument/2006/relationships" xmlns:p="http://schemas.openxmlformats.org/presentationml/2006/main">
+  <p:cSld>
+    <p:spTree>
+      <p:nvGrpSpPr>
+        <p:cNvPr id="1" name=""/>
+        <p:cNvGrpSpPr/>
+        <p:nvPr/>
+      </p:nvGrpSpPr>
+      <p:grpSpPr>
+        <a:xfrm>
+          <a:off x="0" y="0"/>
+          <a:ext cx="0" cy="0"/>
+          <a:chOff x="0" y="0"/>
+          <a:chExt cx="0" cy="0"/>
+        </a:xfrm>
+      </p:grpSpPr>
+      <p:pic>
+        <p:nvPicPr>
+          <p:cNvPr id="6" name="Picture 5">
+            <a:extLst>
+              <a:ext uri="{FF2B5EF4-FFF2-40B4-BE49-F238E27FC236}">
+                <a16:creationId xmlns:a16="http://schemas.microsoft.com/office/drawing/2014/main" id="{FC1E3D7C-6EA7-D983-25BF-F0339E618FDB}"/>
+              </a:ext>
+            </a:extLst>
+          </p:cNvPr>
+          <p:cNvPicPr>
+            <a:picLocks noChangeAspect="1"/>
+          </p:cNvPicPr>
+          <p:nvPr/>
+        </p:nvPicPr>
+        <p:blipFill>
+          <a:blip r:embed="rId2"/>
+          <a:stretch>
+            <a:fillRect/>
+          </a:stretch>
+        </p:blipFill>
+        <p:spPr>
+          <a:xfrm>
+            <a:off x="1472571" y="1396336"/>
+            <a:ext cx="6198859" cy="5130383"/>
+          </a:xfrm>
+          <a:prstGeom prst="rect">
+            <a:avLst/>
+          </a:prstGeom>
+          <a:ln>
+            <a:solidFill>
+              <a:schemeClr val="tx1"/>
+            </a:solidFill>
+          </a:ln>
+        </p:spPr>
+      </p:pic>
+      <p:sp>
+        <p:nvSpPr>
+          <p:cNvPr id="2" name="Title 1"/>
+          <p:cNvSpPr>
+            <a:spLocks noGrp="1"/>
+          </p:cNvSpPr>
+          <p:nvPr>
+            <p:ph type="title"/>
+          </p:nvPr>
+        </p:nvSpPr>
+        <p:spPr>
+          <a:xfrm>
+            <a:off x="628650" y="365126"/>
+            <a:ext cx="7886700" cy="1103455"/>
+          </a:xfrm>
+        </p:spPr>
+        <p:txBody>
+          <a:bodyPr>
+            <a:noAutofit/>
+          </a:bodyPr>
+          <a:lstStyle/>
+          <a:p>
+            <a:pPr algn="ctr"/>
+            <a:r>
+              <a:rPr lang="en-US" sz="3200" b="1" dirty="0">
+                <a:solidFill>
+                  <a:srgbClr val="0070C0"/>
+                </a:solidFill>
+                <a:latin typeface="+mn-lt"/>
+              </a:rPr>
+              <a:t>View</a:t>
+            </a:r>
+            <a:r>
+              <a:rPr lang="en-US" sz="3200" dirty="0">
+                <a:latin typeface="+mn-lt"/>
+              </a:rPr>
+              <a:t> birthday_paradox.py</a:t>
+            </a:r>
+          </a:p>
+        </p:txBody>
+      </p:sp>
+      <p:sp>
+        <p:nvSpPr>
+          <p:cNvPr id="4" name="Slide Number Placeholder 3"/>
+          <p:cNvSpPr>
+            <a:spLocks noGrp="1"/>
+          </p:cNvSpPr>
+          <p:nvPr>
+            <p:ph type="sldNum" sz="quarter" idx="12"/>
+          </p:nvPr>
+        </p:nvSpPr>
+        <p:spPr/>
+        <p:txBody>
+          <a:bodyPr/>
+          <a:lstStyle/>
+          <a:p>
+            <a:fld id="{650AD656-6FF9-465D-B7B0-1CD0DD39CD23}" type="slidenum">
+              <a:rPr lang="en-US" smtClean="0"/>
+              <a:pPr/>
+              <a:t>36</a:t>
+            </a:fld>
+            <a:endParaRPr lang="en-US" dirty="0"/>
+          </a:p>
+        </p:txBody>
+      </p:sp>
+      <p:pic>
+        <p:nvPicPr>
+          <p:cNvPr id="12" name="Picture 11">
+            <a:extLst>
+              <a:ext uri="{FF2B5EF4-FFF2-40B4-BE49-F238E27FC236}">
+                <a16:creationId xmlns:a16="http://schemas.microsoft.com/office/drawing/2014/main" id="{B9A08F57-0448-8021-1FCD-342830B67D47}"/>
+              </a:ext>
+            </a:extLst>
+          </p:cNvPr>
+          <p:cNvPicPr>
+            <a:picLocks noChangeAspect="1"/>
+          </p:cNvPicPr>
+          <p:nvPr/>
+        </p:nvPicPr>
+        <p:blipFill>
+          <a:blip r:embed="rId3"/>
+          <a:stretch>
+            <a:fillRect/>
+          </a:stretch>
+        </p:blipFill>
+        <p:spPr>
+          <a:xfrm>
+            <a:off x="4849213" y="1701058"/>
+            <a:ext cx="2505046" cy="497797"/>
+          </a:xfrm>
+          <a:prstGeom prst="rect">
+            <a:avLst/>
+          </a:prstGeom>
+          <a:ln>
+            <a:solidFill>
+              <a:schemeClr val="tx1"/>
+            </a:solidFill>
+          </a:ln>
+          <a:effectLst>
+            <a:outerShdw blurRad="50800" dist="38100" dir="2700000" algn="tl" rotWithShape="0">
+              <a:prstClr val="black">
+                <a:alpha val="40000"/>
+              </a:prstClr>
+            </a:outerShdw>
+          </a:effectLst>
+        </p:spPr>
+      </p:pic>
+      <p:grpSp>
+        <p:nvGrpSpPr>
+          <p:cNvPr id="3" name="Group 2">
+            <a:extLst>
+              <a:ext uri="{FF2B5EF4-FFF2-40B4-BE49-F238E27FC236}">
+                <a16:creationId xmlns:a16="http://schemas.microsoft.com/office/drawing/2014/main" id="{97A164B2-1581-E54B-CBC0-9B8F7D8007F8}"/>
+              </a:ext>
+            </a:extLst>
+          </p:cNvPr>
+          <p:cNvGrpSpPr/>
+          <p:nvPr/>
+        </p:nvGrpSpPr>
+        <p:grpSpPr>
+          <a:xfrm>
+            <a:off x="4473019" y="2688470"/>
+            <a:ext cx="1076632" cy="369332"/>
+            <a:chOff x="4968362" y="2079211"/>
+            <a:chExt cx="1076632" cy="369332"/>
+          </a:xfrm>
+        </p:grpSpPr>
+        <p:cxnSp>
+          <p:nvCxnSpPr>
+            <p:cNvPr id="5" name="Straight Arrow Connector 4">
+              <a:extLst>
+                <a:ext uri="{FF2B5EF4-FFF2-40B4-BE49-F238E27FC236}">
+                  <a16:creationId xmlns:a16="http://schemas.microsoft.com/office/drawing/2014/main" id="{31444A22-3F79-1279-E405-BF3DCB18E308}"/>
+                </a:ext>
+              </a:extLst>
+            </p:cNvPr>
+            <p:cNvCxnSpPr>
+              <a:cxnSpLocks/>
+            </p:cNvCxnSpPr>
+            <p:nvPr/>
+          </p:nvCxnSpPr>
+          <p:spPr>
+            <a:xfrm flipH="1">
+              <a:off x="4968362" y="2263877"/>
+              <a:ext cx="693174" cy="0"/>
+            </a:xfrm>
+            <a:prstGeom prst="straightConnector1">
+              <a:avLst/>
+            </a:prstGeom>
+            <a:ln w="38100">
+              <a:solidFill>
+                <a:srgbClr val="FF0000"/>
+              </a:solidFill>
+              <a:tailEnd type="triangle"/>
+            </a:ln>
+          </p:spPr>
+          <p:style>
+            <a:lnRef idx="1">
+              <a:schemeClr val="accent1"/>
+            </a:lnRef>
+            <a:fillRef idx="0">
+              <a:schemeClr val="accent1"/>
+            </a:fillRef>
+            <a:effectRef idx="0">
+              <a:schemeClr val="accent1"/>
+            </a:effectRef>
+            <a:fontRef idx="minor">
+              <a:schemeClr val="tx1"/>
+            </a:fontRef>
+          </p:style>
+        </p:cxnSp>
+        <p:sp>
+          <p:nvSpPr>
+            <p:cNvPr id="7" name="TextBox 6">
+              <a:extLst>
+                <a:ext uri="{FF2B5EF4-FFF2-40B4-BE49-F238E27FC236}">
+                  <a16:creationId xmlns:a16="http://schemas.microsoft.com/office/drawing/2014/main" id="{80FC8067-A88F-7E99-5AE7-B07CA101A9A6}"/>
+                </a:ext>
+              </a:extLst>
+            </p:cNvPr>
+            <p:cNvSpPr txBox="1"/>
+            <p:nvPr/>
+          </p:nvSpPr>
+          <p:spPr>
+            <a:xfrm>
+              <a:off x="5661536" y="2079211"/>
+              <a:ext cx="383458" cy="369332"/>
+            </a:xfrm>
+            <a:prstGeom prst="rect">
+              <a:avLst/>
+            </a:prstGeom>
+            <a:noFill/>
+          </p:spPr>
+          <p:txBody>
+            <a:bodyPr wrap="square" rtlCol="0">
+              <a:spAutoFit/>
+            </a:bodyPr>
+            <a:lstStyle/>
+            <a:p>
+              <a:r>
+                <a:rPr lang="en-US" dirty="0">
+                  <a:ln>
+                    <a:solidFill>
+                      <a:srgbClr val="FF0000"/>
+                    </a:solidFill>
+                  </a:ln>
+                  <a:solidFill>
+                    <a:srgbClr val="FF0000"/>
+                  </a:solidFill>
+                  <a:sym typeface="Wingdings" panose="05000000000000000000" pitchFamily="2" charset="2"/>
+                </a:rPr>
+                <a:t></a:t>
+              </a:r>
+              <a:endParaRPr lang="en-US" dirty="0">
+                <a:ln>
+                  <a:solidFill>
+                    <a:srgbClr val="FF0000"/>
+                  </a:solidFill>
+                </a:ln>
+                <a:solidFill>
+                  <a:srgbClr val="FF0000"/>
+                </a:solidFill>
+              </a:endParaRPr>
+            </a:p>
+          </p:txBody>
+        </p:sp>
+      </p:grpSp>
+      <p:grpSp>
+        <p:nvGrpSpPr>
+          <p:cNvPr id="11" name="Group 10">
+            <a:extLst>
+              <a:ext uri="{FF2B5EF4-FFF2-40B4-BE49-F238E27FC236}">
+                <a16:creationId xmlns:a16="http://schemas.microsoft.com/office/drawing/2014/main" id="{278CD389-9751-4709-B689-D8EDAA4D8B52}"/>
+              </a:ext>
+            </a:extLst>
+          </p:cNvPr>
+          <p:cNvGrpSpPr/>
+          <p:nvPr/>
+        </p:nvGrpSpPr>
+        <p:grpSpPr>
+          <a:xfrm>
+            <a:off x="5350710" y="2858141"/>
+            <a:ext cx="1076632" cy="369332"/>
+            <a:chOff x="4704120" y="2356972"/>
+            <a:chExt cx="1076632" cy="369332"/>
+          </a:xfrm>
+        </p:grpSpPr>
+        <p:cxnSp>
+          <p:nvCxnSpPr>
+            <p:cNvPr id="37" name="Straight Arrow Connector 36">
+              <a:extLst>
+                <a:ext uri="{FF2B5EF4-FFF2-40B4-BE49-F238E27FC236}">
+                  <a16:creationId xmlns:a16="http://schemas.microsoft.com/office/drawing/2014/main" id="{F1E89743-2E72-3992-000B-2721CA1EEDE7}"/>
+                </a:ext>
+              </a:extLst>
+            </p:cNvPr>
+            <p:cNvCxnSpPr>
+              <a:cxnSpLocks/>
+            </p:cNvCxnSpPr>
+            <p:nvPr/>
+          </p:nvCxnSpPr>
+          <p:spPr>
+            <a:xfrm flipH="1">
+              <a:off x="4704120" y="2541638"/>
+              <a:ext cx="693174" cy="0"/>
+            </a:xfrm>
+            <a:prstGeom prst="straightConnector1">
+              <a:avLst/>
+            </a:prstGeom>
+            <a:ln w="38100">
+              <a:solidFill>
+                <a:srgbClr val="FF0000"/>
+              </a:solidFill>
+              <a:tailEnd type="triangle"/>
+            </a:ln>
+          </p:spPr>
+          <p:style>
+            <a:lnRef idx="1">
+              <a:schemeClr val="accent1"/>
+            </a:lnRef>
+            <a:fillRef idx="0">
+              <a:schemeClr val="accent1"/>
+            </a:fillRef>
+            <a:effectRef idx="0">
+              <a:schemeClr val="accent1"/>
+            </a:effectRef>
+            <a:fontRef idx="minor">
+              <a:schemeClr val="tx1"/>
+            </a:fontRef>
+          </p:style>
+        </p:cxnSp>
+        <p:sp>
+          <p:nvSpPr>
+            <p:cNvPr id="38" name="TextBox 37">
+              <a:extLst>
+                <a:ext uri="{FF2B5EF4-FFF2-40B4-BE49-F238E27FC236}">
+                  <a16:creationId xmlns:a16="http://schemas.microsoft.com/office/drawing/2014/main" id="{DB3B5AD2-9554-8A4C-3B7F-5553646D75CF}"/>
+                </a:ext>
+              </a:extLst>
+            </p:cNvPr>
+            <p:cNvSpPr txBox="1"/>
+            <p:nvPr/>
+          </p:nvSpPr>
+          <p:spPr>
+            <a:xfrm>
+              <a:off x="5397294" y="2356972"/>
+              <a:ext cx="383458" cy="369332"/>
+            </a:xfrm>
+            <a:prstGeom prst="rect">
+              <a:avLst/>
+            </a:prstGeom>
+            <a:noFill/>
+          </p:spPr>
+          <p:txBody>
+            <a:bodyPr wrap="square" rtlCol="0">
+              <a:spAutoFit/>
+            </a:bodyPr>
+            <a:lstStyle/>
+            <a:p>
+              <a:r>
+                <a:rPr lang="en-US" dirty="0">
+                  <a:ln>
+                    <a:solidFill>
+                      <a:srgbClr val="FF0000"/>
+                    </a:solidFill>
+                  </a:ln>
+                  <a:solidFill>
+                    <a:srgbClr val="FF0000"/>
+                  </a:solidFill>
+                  <a:sym typeface="Wingdings" panose="05000000000000000000" pitchFamily="2" charset="2"/>
+                </a:rPr>
+                <a:t></a:t>
+              </a:r>
+              <a:endParaRPr lang="en-US" dirty="0">
+                <a:ln>
+                  <a:solidFill>
+                    <a:srgbClr val="FF0000"/>
+                  </a:solidFill>
+                </a:ln>
+                <a:solidFill>
+                  <a:srgbClr val="FF0000"/>
+                </a:solidFill>
+              </a:endParaRPr>
+            </a:p>
+          </p:txBody>
+        </p:sp>
+      </p:grpSp>
+      <p:grpSp>
+        <p:nvGrpSpPr>
+          <p:cNvPr id="39" name="Group 38">
+            <a:extLst>
+              <a:ext uri="{FF2B5EF4-FFF2-40B4-BE49-F238E27FC236}">
+                <a16:creationId xmlns:a16="http://schemas.microsoft.com/office/drawing/2014/main" id="{D76491F3-81D4-D062-FB0B-856544AB0D69}"/>
+              </a:ext>
+            </a:extLst>
+          </p:cNvPr>
+          <p:cNvGrpSpPr/>
+          <p:nvPr/>
+        </p:nvGrpSpPr>
+        <p:grpSpPr>
+          <a:xfrm>
+            <a:off x="4268760" y="3028413"/>
+            <a:ext cx="1068643" cy="369332"/>
+            <a:chOff x="3647644" y="4910075"/>
+            <a:chExt cx="1068643" cy="369332"/>
+          </a:xfrm>
+        </p:grpSpPr>
+        <p:sp>
+          <p:nvSpPr>
+            <p:cNvPr id="40" name="TextBox 39">
+              <a:extLst>
+                <a:ext uri="{FF2B5EF4-FFF2-40B4-BE49-F238E27FC236}">
+                  <a16:creationId xmlns:a16="http://schemas.microsoft.com/office/drawing/2014/main" id="{8EBC6BE7-D572-93CD-4826-0E9EB2AB6D93}"/>
+                </a:ext>
+              </a:extLst>
+            </p:cNvPr>
+            <p:cNvSpPr txBox="1"/>
+            <p:nvPr/>
+          </p:nvSpPr>
+          <p:spPr>
+            <a:xfrm>
+              <a:off x="4332829" y="4910075"/>
+              <a:ext cx="383458" cy="369332"/>
+            </a:xfrm>
+            <a:prstGeom prst="rect">
+              <a:avLst/>
+            </a:prstGeom>
+            <a:noFill/>
+          </p:spPr>
+          <p:txBody>
+            <a:bodyPr wrap="square" rtlCol="0">
+              <a:spAutoFit/>
+            </a:bodyPr>
+            <a:lstStyle/>
+            <a:p>
+              <a:r>
+                <a:rPr lang="en-US" dirty="0">
+                  <a:ln>
+                    <a:solidFill>
+                      <a:srgbClr val="FF0000"/>
+                    </a:solidFill>
+                  </a:ln>
+                  <a:solidFill>
+                    <a:srgbClr val="FF0000"/>
+                  </a:solidFill>
+                  <a:sym typeface="Wingdings" panose="05000000000000000000" pitchFamily="2" charset="2"/>
+                </a:rPr>
+                <a:t></a:t>
+              </a:r>
+              <a:endParaRPr lang="en-US" dirty="0">
+                <a:ln>
+                  <a:solidFill>
+                    <a:srgbClr val="FF0000"/>
+                  </a:solidFill>
+                </a:ln>
+                <a:solidFill>
+                  <a:srgbClr val="FF0000"/>
+                </a:solidFill>
+              </a:endParaRPr>
+            </a:p>
+          </p:txBody>
+        </p:sp>
+        <p:cxnSp>
+          <p:nvCxnSpPr>
+            <p:cNvPr id="41" name="Straight Arrow Connector 40">
+              <a:extLst>
+                <a:ext uri="{FF2B5EF4-FFF2-40B4-BE49-F238E27FC236}">
+                  <a16:creationId xmlns:a16="http://schemas.microsoft.com/office/drawing/2014/main" id="{3DB186E9-3469-DC96-5A33-C94D725B0438}"/>
+                </a:ext>
+              </a:extLst>
+            </p:cNvPr>
+            <p:cNvCxnSpPr>
+              <a:cxnSpLocks/>
+            </p:cNvCxnSpPr>
+            <p:nvPr/>
+          </p:nvCxnSpPr>
+          <p:spPr>
+            <a:xfrm flipH="1">
+              <a:off x="3647644" y="5094741"/>
+              <a:ext cx="693174" cy="0"/>
+            </a:xfrm>
+            <a:prstGeom prst="straightConnector1">
+              <a:avLst/>
+            </a:prstGeom>
+            <a:ln w="38100">
+              <a:solidFill>
+                <a:srgbClr val="FF0000"/>
+              </a:solidFill>
+              <a:tailEnd type="triangle"/>
+            </a:ln>
+          </p:spPr>
+          <p:style>
+            <a:lnRef idx="1">
+              <a:schemeClr val="accent1"/>
+            </a:lnRef>
+            <a:fillRef idx="0">
+              <a:schemeClr val="accent1"/>
+            </a:fillRef>
+            <a:effectRef idx="0">
+              <a:schemeClr val="accent1"/>
+            </a:effectRef>
+            <a:fontRef idx="minor">
+              <a:schemeClr val="tx1"/>
+            </a:fontRef>
+          </p:style>
+        </p:cxnSp>
+      </p:grpSp>
+      <p:grpSp>
+        <p:nvGrpSpPr>
+          <p:cNvPr id="42" name="Group 41">
+            <a:extLst>
+              <a:ext uri="{FF2B5EF4-FFF2-40B4-BE49-F238E27FC236}">
+                <a16:creationId xmlns:a16="http://schemas.microsoft.com/office/drawing/2014/main" id="{3FA2FD23-6699-A880-BC89-2F23DAD6169C}"/>
+              </a:ext>
+            </a:extLst>
+          </p:cNvPr>
+          <p:cNvGrpSpPr/>
+          <p:nvPr/>
+        </p:nvGrpSpPr>
+        <p:grpSpPr>
+          <a:xfrm>
+            <a:off x="4818363" y="3203691"/>
+            <a:ext cx="1064340" cy="369332"/>
+            <a:chOff x="3647644" y="5421073"/>
+            <a:chExt cx="1064340" cy="369332"/>
+          </a:xfrm>
+        </p:grpSpPr>
+        <p:sp>
+          <p:nvSpPr>
+            <p:cNvPr id="43" name="TextBox 42">
+              <a:extLst>
+                <a:ext uri="{FF2B5EF4-FFF2-40B4-BE49-F238E27FC236}">
+                  <a16:creationId xmlns:a16="http://schemas.microsoft.com/office/drawing/2014/main" id="{50E45222-9177-330D-19C6-C62E8BD2EC61}"/>
+                </a:ext>
+              </a:extLst>
+            </p:cNvPr>
+            <p:cNvSpPr txBox="1"/>
+            <p:nvPr/>
+          </p:nvSpPr>
+          <p:spPr>
+            <a:xfrm>
+              <a:off x="4328526" y="5421073"/>
+              <a:ext cx="383458" cy="369332"/>
+            </a:xfrm>
+            <a:prstGeom prst="rect">
+              <a:avLst/>
+            </a:prstGeom>
+            <a:noFill/>
+          </p:spPr>
+          <p:txBody>
+            <a:bodyPr wrap="square" rtlCol="0">
+              <a:spAutoFit/>
+            </a:bodyPr>
+            <a:lstStyle/>
+            <a:p>
+              <a:r>
+                <a:rPr lang="en-US" dirty="0">
+                  <a:ln>
+                    <a:solidFill>
+                      <a:srgbClr val="FF0000"/>
+                    </a:solidFill>
+                  </a:ln>
+                  <a:solidFill>
+                    <a:srgbClr val="FF0000"/>
+                  </a:solidFill>
+                  <a:sym typeface="Wingdings" panose="05000000000000000000" pitchFamily="2" charset="2"/>
+                </a:rPr>
+                <a:t></a:t>
+              </a:r>
+              <a:endParaRPr lang="en-US" dirty="0">
+                <a:ln>
+                  <a:solidFill>
+                    <a:srgbClr val="FF0000"/>
+                  </a:solidFill>
+                </a:ln>
+                <a:solidFill>
+                  <a:srgbClr val="FF0000"/>
+                </a:solidFill>
+              </a:endParaRPr>
+            </a:p>
+          </p:txBody>
+        </p:sp>
+        <p:cxnSp>
+          <p:nvCxnSpPr>
+            <p:cNvPr id="44" name="Straight Arrow Connector 43">
+              <a:extLst>
+                <a:ext uri="{FF2B5EF4-FFF2-40B4-BE49-F238E27FC236}">
+                  <a16:creationId xmlns:a16="http://schemas.microsoft.com/office/drawing/2014/main" id="{070DD6A9-C31D-CEC7-70BE-4A5CF6764AC1}"/>
+                </a:ext>
+              </a:extLst>
+            </p:cNvPr>
+            <p:cNvCxnSpPr>
+              <a:cxnSpLocks/>
+            </p:cNvCxnSpPr>
+            <p:nvPr/>
+          </p:nvCxnSpPr>
+          <p:spPr>
+            <a:xfrm flipH="1">
+              <a:off x="3647644" y="5594437"/>
+              <a:ext cx="693174" cy="0"/>
+            </a:xfrm>
+            <a:prstGeom prst="straightConnector1">
+              <a:avLst/>
+            </a:prstGeom>
+            <a:ln w="38100">
+              <a:solidFill>
+                <a:srgbClr val="FF0000"/>
+              </a:solidFill>
+              <a:tailEnd type="triangle"/>
+            </a:ln>
+          </p:spPr>
+          <p:style>
+            <a:lnRef idx="1">
+              <a:schemeClr val="accent1"/>
+            </a:lnRef>
+            <a:fillRef idx="0">
+              <a:schemeClr val="accent1"/>
+            </a:fillRef>
+            <a:effectRef idx="0">
+              <a:schemeClr val="accent1"/>
+            </a:effectRef>
+            <a:fontRef idx="minor">
+              <a:schemeClr val="tx1"/>
+            </a:fontRef>
+          </p:style>
+        </p:cxnSp>
+      </p:grpSp>
+      <p:grpSp>
+        <p:nvGrpSpPr>
+          <p:cNvPr id="45" name="Group 44">
+            <a:extLst>
+              <a:ext uri="{FF2B5EF4-FFF2-40B4-BE49-F238E27FC236}">
+                <a16:creationId xmlns:a16="http://schemas.microsoft.com/office/drawing/2014/main" id="{F7790446-F096-2973-24AE-A77FFCA68FF8}"/>
+              </a:ext>
+            </a:extLst>
+          </p:cNvPr>
+          <p:cNvGrpSpPr/>
+          <p:nvPr/>
+        </p:nvGrpSpPr>
+        <p:grpSpPr>
+          <a:xfrm>
+            <a:off x="4117659" y="3368483"/>
+            <a:ext cx="1068643" cy="369332"/>
+            <a:chOff x="3647644" y="5359159"/>
+            <a:chExt cx="1068643" cy="369332"/>
+          </a:xfrm>
+        </p:grpSpPr>
+        <p:sp>
+          <p:nvSpPr>
+            <p:cNvPr id="46" name="TextBox 45">
+              <a:extLst>
+                <a:ext uri="{FF2B5EF4-FFF2-40B4-BE49-F238E27FC236}">
+                  <a16:creationId xmlns:a16="http://schemas.microsoft.com/office/drawing/2014/main" id="{5BD86BD6-B611-9300-4A9B-5A7783F7ADDD}"/>
+                </a:ext>
+              </a:extLst>
+            </p:cNvPr>
+            <p:cNvSpPr txBox="1"/>
+            <p:nvPr/>
+          </p:nvSpPr>
+          <p:spPr>
+            <a:xfrm>
+              <a:off x="4332829" y="5359159"/>
+              <a:ext cx="383458" cy="369332"/>
+            </a:xfrm>
+            <a:prstGeom prst="rect">
+              <a:avLst/>
+            </a:prstGeom>
+            <a:noFill/>
+          </p:spPr>
+          <p:txBody>
+            <a:bodyPr wrap="square" rtlCol="0">
+              <a:spAutoFit/>
+            </a:bodyPr>
+            <a:lstStyle/>
+            <a:p>
+              <a:r>
+                <a:rPr lang="en-US" dirty="0">
+                  <a:ln>
+                    <a:solidFill>
+                      <a:srgbClr val="FF0000"/>
+                    </a:solidFill>
+                  </a:ln>
+                  <a:solidFill>
+                    <a:srgbClr val="FF0000"/>
+                  </a:solidFill>
+                  <a:sym typeface="Wingdings" panose="05000000000000000000" pitchFamily="2" charset="2"/>
+                </a:rPr>
+                <a:t></a:t>
+              </a:r>
+              <a:endParaRPr lang="en-US" dirty="0">
+                <a:ln>
+                  <a:solidFill>
+                    <a:srgbClr val="FF0000"/>
+                  </a:solidFill>
+                </a:ln>
+                <a:solidFill>
+                  <a:srgbClr val="FF0000"/>
+                </a:solidFill>
+              </a:endParaRPr>
+            </a:p>
+          </p:txBody>
+        </p:sp>
+        <p:cxnSp>
+          <p:nvCxnSpPr>
+            <p:cNvPr id="47" name="Straight Arrow Connector 46">
+              <a:extLst>
+                <a:ext uri="{FF2B5EF4-FFF2-40B4-BE49-F238E27FC236}">
+                  <a16:creationId xmlns:a16="http://schemas.microsoft.com/office/drawing/2014/main" id="{73A7AFA0-3D65-35CA-FA41-D597EFB8EC37}"/>
+                </a:ext>
+              </a:extLst>
+            </p:cNvPr>
+            <p:cNvCxnSpPr>
+              <a:cxnSpLocks/>
+            </p:cNvCxnSpPr>
+            <p:nvPr/>
+          </p:nvCxnSpPr>
+          <p:spPr>
+            <a:xfrm flipH="1">
+              <a:off x="3647644" y="5541057"/>
+              <a:ext cx="693174" cy="0"/>
+            </a:xfrm>
+            <a:prstGeom prst="straightConnector1">
+              <a:avLst/>
+            </a:prstGeom>
+            <a:ln w="38100">
+              <a:solidFill>
+                <a:srgbClr val="FF0000"/>
+              </a:solidFill>
+              <a:tailEnd type="triangle"/>
+            </a:ln>
+          </p:spPr>
+          <p:style>
+            <a:lnRef idx="1">
+              <a:schemeClr val="accent1"/>
+            </a:lnRef>
+            <a:fillRef idx="0">
+              <a:schemeClr val="accent1"/>
+            </a:fillRef>
+            <a:effectRef idx="0">
+              <a:schemeClr val="accent1"/>
+            </a:effectRef>
+            <a:fontRef idx="minor">
+              <a:schemeClr val="tx1"/>
+            </a:fontRef>
+          </p:style>
+        </p:cxnSp>
+      </p:grpSp>
+      <p:grpSp>
+        <p:nvGrpSpPr>
+          <p:cNvPr id="48" name="Group 47">
+            <a:extLst>
+              <a:ext uri="{FF2B5EF4-FFF2-40B4-BE49-F238E27FC236}">
+                <a16:creationId xmlns:a16="http://schemas.microsoft.com/office/drawing/2014/main" id="{86345A54-8DE1-3E2E-7697-CDCAE8390008}"/>
+              </a:ext>
+            </a:extLst>
+          </p:cNvPr>
+          <p:cNvGrpSpPr/>
+          <p:nvPr/>
+        </p:nvGrpSpPr>
+        <p:grpSpPr>
+          <a:xfrm>
+            <a:off x="4029243" y="3532176"/>
+            <a:ext cx="1076632" cy="369332"/>
+            <a:chOff x="2157212" y="5356391"/>
+            <a:chExt cx="1076632" cy="369332"/>
+          </a:xfrm>
+        </p:grpSpPr>
+        <p:sp>
+          <p:nvSpPr>
+            <p:cNvPr id="49" name="TextBox 48">
+              <a:extLst>
+                <a:ext uri="{FF2B5EF4-FFF2-40B4-BE49-F238E27FC236}">
+                  <a16:creationId xmlns:a16="http://schemas.microsoft.com/office/drawing/2014/main" id="{5BAC1A69-32BF-B0C0-010C-8B2DE676F07A}"/>
+                </a:ext>
+              </a:extLst>
+            </p:cNvPr>
+            <p:cNvSpPr txBox="1"/>
+            <p:nvPr/>
+          </p:nvSpPr>
+          <p:spPr>
+            <a:xfrm>
+              <a:off x="2850386" y="5356391"/>
+              <a:ext cx="383458" cy="369332"/>
+            </a:xfrm>
+            <a:prstGeom prst="rect">
+              <a:avLst/>
+            </a:prstGeom>
+            <a:noFill/>
+          </p:spPr>
+          <p:txBody>
+            <a:bodyPr wrap="square" rtlCol="0">
+              <a:spAutoFit/>
+            </a:bodyPr>
+            <a:lstStyle/>
+            <a:p>
+              <a:r>
+                <a:rPr lang="en-US" dirty="0">
+                  <a:ln>
+                    <a:solidFill>
+                      <a:srgbClr val="FF0000"/>
+                    </a:solidFill>
+                  </a:ln>
+                  <a:solidFill>
+                    <a:srgbClr val="FF0000"/>
+                  </a:solidFill>
+                  <a:sym typeface="Wingdings" panose="05000000000000000000" pitchFamily="2" charset="2"/>
+                </a:rPr>
+                <a:t></a:t>
+              </a:r>
+              <a:endParaRPr lang="en-US" dirty="0">
+                <a:ln>
+                  <a:solidFill>
+                    <a:srgbClr val="FF0000"/>
+                  </a:solidFill>
+                </a:ln>
+                <a:solidFill>
+                  <a:srgbClr val="FF0000"/>
+                </a:solidFill>
+              </a:endParaRPr>
+            </a:p>
+          </p:txBody>
+        </p:sp>
+        <p:cxnSp>
+          <p:nvCxnSpPr>
+            <p:cNvPr id="50" name="Straight Arrow Connector 49">
+              <a:extLst>
+                <a:ext uri="{FF2B5EF4-FFF2-40B4-BE49-F238E27FC236}">
+                  <a16:creationId xmlns:a16="http://schemas.microsoft.com/office/drawing/2014/main" id="{AF6279F1-CB91-A709-FF4F-85FCAAB65E2D}"/>
+                </a:ext>
+              </a:extLst>
+            </p:cNvPr>
+            <p:cNvCxnSpPr>
+              <a:cxnSpLocks/>
+            </p:cNvCxnSpPr>
+            <p:nvPr/>
+          </p:nvCxnSpPr>
+          <p:spPr>
+            <a:xfrm flipH="1">
+              <a:off x="2157212" y="5545146"/>
+              <a:ext cx="693174" cy="0"/>
+            </a:xfrm>
+            <a:prstGeom prst="straightConnector1">
+              <a:avLst/>
+            </a:prstGeom>
+            <a:ln w="38100">
+              <a:solidFill>
+                <a:srgbClr val="FF0000"/>
+              </a:solidFill>
+              <a:tailEnd type="triangle"/>
+            </a:ln>
+          </p:spPr>
+          <p:style>
+            <a:lnRef idx="1">
+              <a:schemeClr val="accent1"/>
+            </a:lnRef>
+            <a:fillRef idx="0">
+              <a:schemeClr val="accent1"/>
+            </a:fillRef>
+            <a:effectRef idx="0">
+              <a:schemeClr val="accent1"/>
+            </a:effectRef>
+            <a:fontRef idx="minor">
+              <a:schemeClr val="tx1"/>
+            </a:fontRef>
+          </p:style>
+        </p:cxnSp>
+      </p:grpSp>
+      <p:grpSp>
+        <p:nvGrpSpPr>
+          <p:cNvPr id="51" name="Group 50">
+            <a:extLst>
+              <a:ext uri="{FF2B5EF4-FFF2-40B4-BE49-F238E27FC236}">
+                <a16:creationId xmlns:a16="http://schemas.microsoft.com/office/drawing/2014/main" id="{E2996ADB-2D4B-1361-D615-1D8F67A6259A}"/>
+              </a:ext>
+            </a:extLst>
+          </p:cNvPr>
+          <p:cNvGrpSpPr/>
+          <p:nvPr/>
+        </p:nvGrpSpPr>
+        <p:grpSpPr>
+          <a:xfrm>
+            <a:off x="3213121" y="3699165"/>
+            <a:ext cx="1076632" cy="369332"/>
+            <a:chOff x="2157212" y="5356391"/>
+            <a:chExt cx="1076632" cy="369332"/>
+          </a:xfrm>
+        </p:grpSpPr>
+        <p:sp>
+          <p:nvSpPr>
+            <p:cNvPr id="52" name="TextBox 51">
+              <a:extLst>
+                <a:ext uri="{FF2B5EF4-FFF2-40B4-BE49-F238E27FC236}">
+                  <a16:creationId xmlns:a16="http://schemas.microsoft.com/office/drawing/2014/main" id="{72F2903B-A3A7-C0A3-F984-CD26A5DEC529}"/>
+                </a:ext>
+              </a:extLst>
+            </p:cNvPr>
+            <p:cNvSpPr txBox="1"/>
+            <p:nvPr/>
+          </p:nvSpPr>
+          <p:spPr>
+            <a:xfrm>
+              <a:off x="2850386" y="5356391"/>
+              <a:ext cx="383458" cy="369332"/>
+            </a:xfrm>
+            <a:prstGeom prst="rect">
+              <a:avLst/>
+            </a:prstGeom>
+            <a:noFill/>
+          </p:spPr>
+          <p:txBody>
+            <a:bodyPr wrap="square" rtlCol="0">
+              <a:spAutoFit/>
+            </a:bodyPr>
+            <a:lstStyle/>
+            <a:p>
+              <a:r>
+                <a:rPr lang="en-US" dirty="0">
+                  <a:ln>
+                    <a:solidFill>
+                      <a:srgbClr val="FF0000"/>
+                    </a:solidFill>
+                  </a:ln>
+                  <a:solidFill>
+                    <a:srgbClr val="FF0000"/>
+                  </a:solidFill>
+                  <a:sym typeface="Wingdings" panose="05000000000000000000" pitchFamily="2" charset="2"/>
+                </a:rPr>
+                <a:t></a:t>
+              </a:r>
+              <a:endParaRPr lang="en-US" dirty="0">
+                <a:ln>
+                  <a:solidFill>
+                    <a:srgbClr val="FF0000"/>
+                  </a:solidFill>
+                </a:ln>
+                <a:solidFill>
+                  <a:srgbClr val="FF0000"/>
+                </a:solidFill>
+              </a:endParaRPr>
+            </a:p>
+          </p:txBody>
+        </p:sp>
+        <p:cxnSp>
+          <p:nvCxnSpPr>
+            <p:cNvPr id="53" name="Straight Arrow Connector 52">
+              <a:extLst>
+                <a:ext uri="{FF2B5EF4-FFF2-40B4-BE49-F238E27FC236}">
+                  <a16:creationId xmlns:a16="http://schemas.microsoft.com/office/drawing/2014/main" id="{276AF144-9CC3-5B2E-8D8D-8FA918B27215}"/>
+                </a:ext>
+              </a:extLst>
+            </p:cNvPr>
+            <p:cNvCxnSpPr>
+              <a:cxnSpLocks/>
+            </p:cNvCxnSpPr>
+            <p:nvPr/>
+          </p:nvCxnSpPr>
+          <p:spPr>
+            <a:xfrm flipH="1">
+              <a:off x="2157212" y="5545146"/>
+              <a:ext cx="693174" cy="0"/>
+            </a:xfrm>
+            <a:prstGeom prst="straightConnector1">
+              <a:avLst/>
+            </a:prstGeom>
+            <a:ln w="38100">
+              <a:solidFill>
+                <a:srgbClr val="FF0000"/>
+              </a:solidFill>
+              <a:tailEnd type="triangle"/>
+            </a:ln>
+          </p:spPr>
+          <p:style>
+            <a:lnRef idx="1">
+              <a:schemeClr val="accent1"/>
+            </a:lnRef>
+            <a:fillRef idx="0">
+              <a:schemeClr val="accent1"/>
+            </a:fillRef>
+            <a:effectRef idx="0">
+              <a:schemeClr val="accent1"/>
+            </a:effectRef>
+            <a:fontRef idx="minor">
+              <a:schemeClr val="tx1"/>
+            </a:fontRef>
+          </p:style>
+        </p:cxnSp>
+      </p:grpSp>
+    </p:spTree>
+    <p:extLst>
+      <p:ext uri="{BB962C8B-B14F-4D97-AF65-F5344CB8AC3E}">
+        <p14:creationId xmlns:p14="http://schemas.microsoft.com/office/powerpoint/2010/main" val="1344783272"/>
+      </p:ext>
+    </p:extLst>
+  </p:cSld>
+  <p:clrMapOvr>
+    <a:masterClrMapping/>
+  </p:clrMapOvr>
+  <p:timing>
+    <p:tnLst>
+      <p:par>
+        <p:cTn id="1" dur="indefinite" restart="never" nodeType="tmRoot">
+          <p:childTnLst>
+            <p:seq concurrent="1" nextAc="seek">
+              <p:cTn id="2" dur="indefinite" nodeType="mainSeq">
+                <p:childTnLst>
+                  <p:par>
+                    <p:cTn id="3" fill="hold">
+                      <p:stCondLst>
+                        <p:cond delay="indefinite"/>
+                        <p:cond evt="onBegin" delay="0">
+                          <p:tn val="2"/>
+                        </p:cond>
+                      </p:stCondLst>
+                      <p:childTnLst>
+                        <p:par>
+                          <p:cTn id="4" fill="hold">
+                            <p:stCondLst>
+                              <p:cond delay="0"/>
+                            </p:stCondLst>
+                            <p:childTnLst>
+                              <p:par>
+                                <p:cTn id="5" presetID="22" presetClass="entr" presetSubtype="2" fill="hold" nodeType="afterEffect">
+                                  <p:stCondLst>
+                                    <p:cond delay="0"/>
+                                  </p:stCondLst>
+                                  <p:childTnLst>
+                                    <p:set>
+                                      <p:cBhvr>
+                                        <p:cTn id="6" dur="1" fill="hold">
+                                          <p:stCondLst>
+                                            <p:cond delay="0"/>
+                                          </p:stCondLst>
+                                        </p:cTn>
+                                        <p:tgtEl>
+                                          <p:spTgt spid="3"/>
+                                        </p:tgtEl>
+                                        <p:attrNameLst>
+                                          <p:attrName>style.visibility</p:attrName>
+                                        </p:attrNameLst>
+                                      </p:cBhvr>
+                                      <p:to>
+                                        <p:strVal val="visible"/>
+                                      </p:to>
+                                    </p:set>
+                                    <p:animEffect transition="in" filter="wipe(right)">
+                                      <p:cBhvr>
+                                        <p:cTn id="7" dur="500"/>
+                                        <p:tgtEl>
+                                          <p:spTgt spid="3"/>
+                                        </p:tgtEl>
+                                      </p:cBhvr>
+                                    </p:animEffect>
+                                  </p:childTnLst>
+                                </p:cTn>
+                              </p:par>
+                            </p:childTnLst>
+                          </p:cTn>
+                        </p:par>
+                      </p:childTnLst>
+                    </p:cTn>
+                  </p:par>
+                  <p:par>
+                    <p:cTn id="8" fill="hold">
+                      <p:stCondLst>
+                        <p:cond delay="indefinite"/>
+                      </p:stCondLst>
+                      <p:childTnLst>
+                        <p:par>
+                          <p:cTn id="9" fill="hold">
+                            <p:stCondLst>
+                              <p:cond delay="0"/>
+                            </p:stCondLst>
+                            <p:childTnLst>
+                              <p:par>
+                                <p:cTn id="10" presetID="22" presetClass="entr" presetSubtype="2" fill="hold" nodeType="clickEffect">
+                                  <p:stCondLst>
+                                    <p:cond delay="0"/>
+                                  </p:stCondLst>
+                                  <p:childTnLst>
+                                    <p:set>
+                                      <p:cBhvr>
+                                        <p:cTn id="11" dur="1" fill="hold">
+                                          <p:stCondLst>
+                                            <p:cond delay="0"/>
+                                          </p:stCondLst>
+                                        </p:cTn>
+                                        <p:tgtEl>
+                                          <p:spTgt spid="11"/>
+                                        </p:tgtEl>
+                                        <p:attrNameLst>
+                                          <p:attrName>style.visibility</p:attrName>
+                                        </p:attrNameLst>
+                                      </p:cBhvr>
+                                      <p:to>
+                                        <p:strVal val="visible"/>
+                                      </p:to>
+                                    </p:set>
+                                    <p:animEffect transition="in" filter="wipe(right)">
+                                      <p:cBhvr>
+                                        <p:cTn id="12" dur="500"/>
+                                        <p:tgtEl>
+                                          <p:spTgt spid="11"/>
+                                        </p:tgtEl>
+                                      </p:cBhvr>
+                                    </p:animEffect>
+                                  </p:childTnLst>
+                                </p:cTn>
+                              </p:par>
+                            </p:childTnLst>
+                          </p:cTn>
+                        </p:par>
+                      </p:childTnLst>
+                    </p:cTn>
+                  </p:par>
+                  <p:par>
+                    <p:cTn id="13" fill="hold">
+                      <p:stCondLst>
+                        <p:cond delay="indefinite"/>
+                      </p:stCondLst>
+                      <p:childTnLst>
+                        <p:par>
+                          <p:cTn id="14" fill="hold">
+                            <p:stCondLst>
+                              <p:cond delay="0"/>
+                            </p:stCondLst>
+                            <p:childTnLst>
+                              <p:par>
+                                <p:cTn id="15" presetID="22" presetClass="entr" presetSubtype="2" fill="hold" nodeType="clickEffect">
+                                  <p:stCondLst>
+                                    <p:cond delay="0"/>
+                                  </p:stCondLst>
+                                  <p:childTnLst>
+                                    <p:set>
+                                      <p:cBhvr>
+                                        <p:cTn id="16" dur="1" fill="hold">
+                                          <p:stCondLst>
+                                            <p:cond delay="0"/>
+                                          </p:stCondLst>
+                                        </p:cTn>
+                                        <p:tgtEl>
+                                          <p:spTgt spid="39"/>
+                                        </p:tgtEl>
+                                        <p:attrNameLst>
+                                          <p:attrName>style.visibility</p:attrName>
+                                        </p:attrNameLst>
+                                      </p:cBhvr>
+                                      <p:to>
+                                        <p:strVal val="visible"/>
+                                      </p:to>
+                                    </p:set>
+                                    <p:animEffect transition="in" filter="wipe(right)">
+                                      <p:cBhvr>
+                                        <p:cTn id="17" dur="500"/>
+                                        <p:tgtEl>
+                                          <p:spTgt spid="39"/>
+                                        </p:tgtEl>
+                                      </p:cBhvr>
+                                    </p:animEffect>
+                                  </p:childTnLst>
+                                </p:cTn>
+                              </p:par>
+                            </p:childTnLst>
+                          </p:cTn>
+                        </p:par>
+                      </p:childTnLst>
+                    </p:cTn>
+                  </p:par>
+                  <p:par>
+                    <p:cTn id="18" fill="hold">
+                      <p:stCondLst>
+                        <p:cond delay="indefinite"/>
+                      </p:stCondLst>
+                      <p:childTnLst>
+                        <p:par>
+                          <p:cTn id="19" fill="hold">
+                            <p:stCondLst>
+                              <p:cond delay="0"/>
+                            </p:stCondLst>
+                            <p:childTnLst>
+                              <p:par>
+                                <p:cTn id="20" presetID="22" presetClass="entr" presetSubtype="2" fill="hold" nodeType="clickEffect">
+                                  <p:stCondLst>
+                                    <p:cond delay="0"/>
+                                  </p:stCondLst>
+                                  <p:childTnLst>
+                                    <p:set>
+                                      <p:cBhvr>
+                                        <p:cTn id="21" dur="1" fill="hold">
+                                          <p:stCondLst>
+                                            <p:cond delay="0"/>
+                                          </p:stCondLst>
+                                        </p:cTn>
+                                        <p:tgtEl>
+                                          <p:spTgt spid="42"/>
+                                        </p:tgtEl>
+                                        <p:attrNameLst>
+                                          <p:attrName>style.visibility</p:attrName>
+                                        </p:attrNameLst>
+                                      </p:cBhvr>
+                                      <p:to>
+                                        <p:strVal val="visible"/>
+                                      </p:to>
+                                    </p:set>
+                                    <p:animEffect transition="in" filter="wipe(right)">
+                                      <p:cBhvr>
+                                        <p:cTn id="22" dur="500"/>
+                                        <p:tgtEl>
+                                          <p:spTgt spid="42"/>
+                                        </p:tgtEl>
+                                      </p:cBhvr>
+                                    </p:animEffect>
+                                  </p:childTnLst>
+                                </p:cTn>
+                              </p:par>
+                            </p:childTnLst>
+                          </p:cTn>
+                        </p:par>
+                      </p:childTnLst>
+                    </p:cTn>
+                  </p:par>
+                  <p:par>
+                    <p:cTn id="23" fill="hold">
+                      <p:stCondLst>
+                        <p:cond delay="indefinite"/>
+                      </p:stCondLst>
+                      <p:childTnLst>
+                        <p:par>
+                          <p:cTn id="24" fill="hold">
+                            <p:stCondLst>
+                              <p:cond delay="0"/>
+                            </p:stCondLst>
+                            <p:childTnLst>
+                              <p:par>
+                                <p:cTn id="25" presetID="22" presetClass="entr" presetSubtype="2" fill="hold" nodeType="clickEffect">
+                                  <p:stCondLst>
+                                    <p:cond delay="0"/>
+                                  </p:stCondLst>
+                                  <p:childTnLst>
+                                    <p:set>
+                                      <p:cBhvr>
+                                        <p:cTn id="26" dur="1" fill="hold">
+                                          <p:stCondLst>
+                                            <p:cond delay="0"/>
+                                          </p:stCondLst>
+                                        </p:cTn>
+                                        <p:tgtEl>
+                                          <p:spTgt spid="45"/>
+                                        </p:tgtEl>
+                                        <p:attrNameLst>
+                                          <p:attrName>style.visibility</p:attrName>
+                                        </p:attrNameLst>
+                                      </p:cBhvr>
+                                      <p:to>
+                                        <p:strVal val="visible"/>
+                                      </p:to>
+                                    </p:set>
+                                    <p:animEffect transition="in" filter="wipe(right)">
+                                      <p:cBhvr>
+                                        <p:cTn id="27" dur="500"/>
+                                        <p:tgtEl>
+                                          <p:spTgt spid="45"/>
+                                        </p:tgtEl>
+                                      </p:cBhvr>
+                                    </p:animEffect>
+                                  </p:childTnLst>
+                                </p:cTn>
+                              </p:par>
+                            </p:childTnLst>
+                          </p:cTn>
+                        </p:par>
+                      </p:childTnLst>
+                    </p:cTn>
+                  </p:par>
+                  <p:par>
+                    <p:cTn id="28" fill="hold">
+                      <p:stCondLst>
+                        <p:cond delay="indefinite"/>
+                      </p:stCondLst>
+                      <p:childTnLst>
+                        <p:par>
+                          <p:cTn id="29" fill="hold">
+                            <p:stCondLst>
+                              <p:cond delay="0"/>
+                            </p:stCondLst>
+                            <p:childTnLst>
+                              <p:par>
+                                <p:cTn id="30" presetID="22" presetClass="entr" presetSubtype="2" fill="hold" nodeType="clickEffect">
+                                  <p:stCondLst>
+                                    <p:cond delay="0"/>
+                                  </p:stCondLst>
+                                  <p:childTnLst>
+                                    <p:set>
+                                      <p:cBhvr>
+                                        <p:cTn id="31" dur="1" fill="hold">
+                                          <p:stCondLst>
+                                            <p:cond delay="0"/>
+                                          </p:stCondLst>
+                                        </p:cTn>
+                                        <p:tgtEl>
+                                          <p:spTgt spid="48"/>
+                                        </p:tgtEl>
+                                        <p:attrNameLst>
+                                          <p:attrName>style.visibility</p:attrName>
+                                        </p:attrNameLst>
+                                      </p:cBhvr>
+                                      <p:to>
+                                        <p:strVal val="visible"/>
+                                      </p:to>
+                                    </p:set>
+                                    <p:animEffect transition="in" filter="wipe(right)">
+                                      <p:cBhvr>
+                                        <p:cTn id="32" dur="500"/>
+                                        <p:tgtEl>
+                                          <p:spTgt spid="48"/>
+                                        </p:tgtEl>
+                                      </p:cBhvr>
+                                    </p:animEffect>
+                                  </p:childTnLst>
+                                </p:cTn>
+                              </p:par>
+                            </p:childTnLst>
+                          </p:cTn>
+                        </p:par>
+                      </p:childTnLst>
+                    </p:cTn>
+                  </p:par>
+                  <p:par>
+                    <p:cTn id="33" fill="hold">
+                      <p:stCondLst>
+                        <p:cond delay="indefinite"/>
+                      </p:stCondLst>
+                      <p:childTnLst>
+                        <p:par>
+                          <p:cTn id="34" fill="hold">
+                            <p:stCondLst>
+                              <p:cond delay="0"/>
+                            </p:stCondLst>
+                            <p:childTnLst>
+                              <p:par>
+                                <p:cTn id="35" presetID="22" presetClass="entr" presetSubtype="2" fill="hold" nodeType="clickEffect">
+                                  <p:stCondLst>
+                                    <p:cond delay="0"/>
+                                  </p:stCondLst>
+                                  <p:childTnLst>
+                                    <p:set>
+                                      <p:cBhvr>
+                                        <p:cTn id="36" dur="1" fill="hold">
+                                          <p:stCondLst>
+                                            <p:cond delay="0"/>
+                                          </p:stCondLst>
+                                        </p:cTn>
+                                        <p:tgtEl>
+                                          <p:spTgt spid="51"/>
+                                        </p:tgtEl>
+                                        <p:attrNameLst>
+                                          <p:attrName>style.visibility</p:attrName>
+                                        </p:attrNameLst>
+                                      </p:cBhvr>
+                                      <p:to>
+                                        <p:strVal val="visible"/>
+                                      </p:to>
+                                    </p:set>
+                                    <p:animEffect transition="in" filter="wipe(right)">
+                                      <p:cBhvr>
+                                        <p:cTn id="37" dur="500"/>
+                                        <p:tgtEl>
+                                          <p:spTgt spid="51"/>
                                         </p:tgtEl>
                                       </p:cBhvr>
                                     </p:animEffect>
@@ -36278,7 +36194,7 @@
             </a:r>
             <a:r>
               <a:rPr lang="en-US" sz="2400" dirty="0"/>
-              <a:t> statement identifies which code block (scope) to run based upon the value of a </a:t>
+              <a:t> statement identifies which code block (scope) to run based on the value of a </a:t>
             </a:r>
             <a:r>
               <a:rPr lang="en-US" sz="2400" b="1" dirty="0">
@@ -36519,7 +36435,7 @@
               <a:t>You can also use </a:t>
             </a:r>
             <a:r>
-              <a:rPr lang="en-US" sz="2000" b="1" dirty="0" err="1">
+              <a:rPr lang="en-US" sz="2000" b="1" dirty="0">
                 <a:solidFill>
                   <a:srgbClr val="0070C0"/>
                 </a:solidFill>
@@ -36557,7 +36473,7 @@
               <a:t>, </a:t>
             </a:r>
             <a:r>
-              <a:rPr lang="en-US" sz="2400" b="1" dirty="0" err="1">
+              <a:rPr lang="en-US" sz="2400" b="1" dirty="0">
                 <a:solidFill>
                   <a:srgbClr val="0070C0"/>
                 </a:solidFill>

--- a/Session 04 - Functions and Logic/Session 04 - Functions and Logic.pptx
+++ b/Session 04 - Functions and Logic/Session 04 - Functions and Logic.pptx
@@ -40154,8 +40154,8 @@
           </a:p>
         </p:txBody>
       </p:sp>
-      <mc:AlternateContent xmlns:mc="http://schemas.openxmlformats.org/markup-compatibility/2006" xmlns:a14="http://schemas.microsoft.com/office/drawing/2010/main">
-        <mc:Choice Requires="a14">
+      <mc:AlternateContent xmlns:mc="http://schemas.openxmlformats.org/markup-compatibility/2006">
+        <mc:Choice xmlns:a14="http://schemas.microsoft.com/office/drawing/2010/main" Requires="a14">
           <p:sp>
             <p:nvSpPr>
               <p:cNvPr id="3" name="Content Placeholder 2">
@@ -40181,15 +40181,15 @@
               <a:p>
                 <a:r>
                   <a:rPr lang="en-US" sz="2400" dirty="0"/>
-                  <a:t>Your scientist needs you to calculate the Leibniz series out to </a:t>
+                  <a:t>Update the code in </a:t>
                 </a:r>
                 <a:r>
                   <a:rPr lang="en-US" sz="2400" b="1" dirty="0"/>
-                  <a:t>one million</a:t>
+                  <a:t>leibniz_formula.py</a:t>
                 </a:r>
                 <a:r>
                   <a:rPr lang="en-US" sz="2400" dirty="0"/>
-                  <a:t> terms</a:t>
+                  <a:t> to calculate the Leibniz series out to one million terms</a:t>
                 </a:r>
               </a:p>
               <a:p>
@@ -40374,7 +40374,7 @@
             </p:txBody>
           </p:sp>
         </mc:Choice>
-        <mc:Fallback xmlns="">
+        <mc:Fallback>
           <p:sp>
             <p:nvSpPr>
               <p:cNvPr id="3" name="Content Placeholder 2">
@@ -40490,7 +40490,7 @@
                                         <p:tgtEl>
                                           <p:spTgt spid="3">
                                             <p:txEl>
-                                              <p:pRg st="0" end="0"/>
+                                              <p:pRg st="1" end="1"/>
                                             </p:txEl>
                                           </p:spTgt>
                                         </p:tgtEl>
@@ -40539,7 +40539,7 @@
                                         <p:tgtEl>
                                           <p:spTgt spid="3">
                                             <p:txEl>
-                                              <p:pRg st="1" end="1"/>
+                                              <p:pRg st="3" end="3"/>
                                             </p:txEl>
                                           </p:spTgt>
                                         </p:tgtEl>
@@ -40581,55 +40581,6 @@
                                     <p:set>
                                       <p:cBhvr>
                                         <p:cTn id="14" dur="1" fill="hold">
-                                          <p:stCondLst>
-                                            <p:cond delay="0"/>
-                                          </p:stCondLst>
-                                        </p:cTn>
-                                        <p:tgtEl>
-                                          <p:spTgt spid="3">
-                                            <p:txEl>
-                                              <p:pRg st="3" end="3"/>
-                                            </p:txEl>
-                                          </p:spTgt>
-                                        </p:tgtEl>
-                                        <p:attrNameLst>
-                                          <p:attrName>style.visibility</p:attrName>
-                                        </p:attrNameLst>
-                                      </p:cBhvr>
-                                      <p:to>
-                                        <p:strVal val="visible"/>
-                                      </p:to>
-                                    </p:set>
-                                  </p:childTnLst>
-                                </p:cTn>
-                              </p:par>
-                            </p:childTnLst>
-                          </p:cTn>
-                        </p:par>
-                      </p:childTnLst>
-                    </p:cTn>
-                  </p:par>
-                  <p:par>
-                    <p:cTn id="15" fill="hold">
-                      <p:stCondLst>
-                        <p:cond delay="indefinite"/>
-                      </p:stCondLst>
-                      <p:childTnLst>
-                        <p:par>
-                          <p:cTn id="16" fill="hold">
-                            <p:stCondLst>
-                              <p:cond delay="0"/>
-                            </p:stCondLst>
-                            <p:childTnLst>
-                              <p:par>
-                                <p:cTn id="17" presetID="1" presetClass="entr" presetSubtype="0" fill="hold" nodeType="clickEffect">
-                                  <p:stCondLst>
-                                    <p:cond delay="0"/>
-                                  </p:stCondLst>
-                                  <p:childTnLst>
-                                    <p:set>
-                                      <p:cBhvr>
-                                        <p:cTn id="18" dur="1" fill="hold">
                                           <p:stCondLst>
                                             <p:cond delay="0"/>
                                           </p:stCondLst>

--- a/Session 04 - Functions and Logic/Session 04 - Functions and Logic.pptx
+++ b/Session 04 - Functions and Logic/Session 04 - Functions and Logic.pptx
@@ -308,7 +308,7 @@
           <a:p>
             <a:fld id="{A241AC98-512A-4A35-865E-757B6C1F07A2}" type="datetimeFigureOut">
               <a:rPr lang="en-US" smtClean="0"/>
-              <a:t>9/24/2023</a:t>
+              <a:t>10/16/2023</a:t>
             </a:fld>
             <a:endParaRPr lang="en-US"/>
           </a:p>
@@ -474,7 +474,7 @@
           <a:p>
             <a:fld id="{3854CEE7-15DE-41D9-8CA2-D1E137B1D850}" type="datetimeFigureOut">
               <a:rPr lang="en-US" smtClean="0"/>
-              <a:t>9/24/2023</a:t>
+              <a:t>10/16/2023</a:t>
             </a:fld>
             <a:endParaRPr lang="en-US"/>
           </a:p>
@@ -1917,7 +1917,7 @@
           <a:p>
             <a:fld id="{5555EB2C-244D-4423-AD97-018ED6478B87}" type="datetime1">
               <a:rPr lang="en-US" smtClean="0"/>
-              <a:t>9/24/2023</a:t>
+              <a:t>10/16/2023</a:t>
             </a:fld>
             <a:endParaRPr lang="en-US"/>
           </a:p>
@@ -2096,7 +2096,7 @@
           <a:p>
             <a:fld id="{A2B41D1F-7576-4C60-B4EB-5115BC56CF40}" type="datetime1">
               <a:rPr lang="en-US" smtClean="0"/>
-              <a:t>9/24/2023</a:t>
+              <a:t>10/16/2023</a:t>
             </a:fld>
             <a:endParaRPr lang="en-US"/>
           </a:p>
@@ -2288,7 +2288,7 @@
           <a:p>
             <a:fld id="{E79D1398-4D56-44F9-BA35-34ACF3159A64}" type="datetime1">
               <a:rPr lang="en-US" smtClean="0"/>
-              <a:t>9/24/2023</a:t>
+              <a:t>10/16/2023</a:t>
             </a:fld>
             <a:endParaRPr lang="en-US"/>
           </a:p>
@@ -2470,7 +2470,7 @@
           <a:p>
             <a:fld id="{A3CF632E-48CB-4EEB-A6B6-DEC7AD7CC976}" type="datetime1">
               <a:rPr lang="en-US" smtClean="0"/>
-              <a:t>9/24/2023</a:t>
+              <a:t>10/16/2023</a:t>
             </a:fld>
             <a:endParaRPr lang="en-US"/>
           </a:p>
@@ -2723,7 +2723,7 @@
           <a:p>
             <a:fld id="{BAEEE52C-3A57-458E-95F6-96B2FA9D1DD4}" type="datetime1">
               <a:rPr lang="en-US" smtClean="0"/>
-              <a:t>9/24/2023</a:t>
+              <a:t>10/16/2023</a:t>
             </a:fld>
             <a:endParaRPr lang="en-US"/>
           </a:p>
@@ -2967,7 +2967,7 @@
           <a:p>
             <a:fld id="{766FC747-A48A-4FF2-8EE4-3E95ECD1C2A8}" type="datetime1">
               <a:rPr lang="en-US" smtClean="0"/>
-              <a:t>9/24/2023</a:t>
+              <a:t>10/16/2023</a:t>
             </a:fld>
             <a:endParaRPr lang="en-US"/>
           </a:p>
@@ -3346,7 +3346,7 @@
           <a:p>
             <a:fld id="{C9BF5758-AB7F-463D-B638-E1729B95E126}" type="datetime1">
               <a:rPr lang="en-US" smtClean="0"/>
-              <a:t>9/24/2023</a:t>
+              <a:t>10/16/2023</a:t>
             </a:fld>
             <a:endParaRPr lang="en-US"/>
           </a:p>
@@ -3476,7 +3476,7 @@
           <a:p>
             <a:fld id="{F3718C77-7DD0-4738-BF52-D0EC9F78A76E}" type="datetime1">
               <a:rPr lang="en-US" smtClean="0"/>
-              <a:t>9/24/2023</a:t>
+              <a:t>10/16/2023</a:t>
             </a:fld>
             <a:endParaRPr lang="en-US"/>
           </a:p>
@@ -3583,7 +3583,7 @@
           <a:p>
             <a:fld id="{948970CF-13D9-4E1D-A74F-2CFE4953FCDB}" type="datetime1">
               <a:rPr lang="en-US" smtClean="0"/>
-              <a:t>9/24/2023</a:t>
+              <a:t>10/16/2023</a:t>
             </a:fld>
             <a:endParaRPr lang="en-US"/>
           </a:p>
@@ -3872,7 +3872,7 @@
           <a:p>
             <a:fld id="{F68C49B9-4E1C-4967-B9CF-0BF9FECBE837}" type="datetime1">
               <a:rPr lang="en-US" smtClean="0"/>
-              <a:t>9/24/2023</a:t>
+              <a:t>10/16/2023</a:t>
             </a:fld>
             <a:endParaRPr lang="en-US"/>
           </a:p>
@@ -4140,7 +4140,7 @@
           <a:p>
             <a:fld id="{7E338CBB-1F06-4333-9BBF-66628B15E581}" type="datetime1">
               <a:rPr lang="en-US" smtClean="0"/>
-              <a:t>9/24/2023</a:t>
+              <a:t>10/16/2023</a:t>
             </a:fld>
             <a:endParaRPr lang="en-US"/>
           </a:p>
@@ -4365,7 +4365,7 @@
           <a:p>
             <a:fld id="{705EC883-F03C-4CA3-AF62-BEF30EEA4F65}" type="datetime1">
               <a:rPr lang="en-US" smtClean="0"/>
-              <a:t>9/24/2023</a:t>
+              <a:t>10/16/2023</a:t>
             </a:fld>
             <a:endParaRPr lang="en-US"/>
           </a:p>
@@ -39835,7 +39835,153 @@
                   <a:srgbClr val="FF0000"/>
                 </a:solidFill>
               </a:rPr>
-              <a:t>The inbound parameters</a:t>
+              <a:t>The </a:t>
+            </a:r>
+            <a:r>
+              <a:rPr lang="en-US" b="1" dirty="0">
+                <a:solidFill>
+                  <a:srgbClr val="FF0000"/>
+                </a:solidFill>
+              </a:rPr>
+              <a:t>inbound</a:t>
+            </a:r>
+            <a:r>
+              <a:rPr lang="en-US" dirty="0">
+                <a:solidFill>
+                  <a:srgbClr val="FF0000"/>
+                </a:solidFill>
+              </a:rPr>
+              <a:t> </a:t>
+            </a:r>
+            <a:r>
+              <a:rPr lang="en-US" i="1" dirty="0">
+                <a:solidFill>
+                  <a:srgbClr val="FF0000"/>
+                </a:solidFill>
+              </a:rPr>
+              <a:t>parameters</a:t>
+            </a:r>
+          </a:p>
+        </p:txBody>
+      </p:sp>
+      <p:sp>
+        <p:nvSpPr>
+          <p:cNvPr id="5" name="Rectangle: Rounded Corners 4">
+            <a:extLst>
+              <a:ext uri="{FF2B5EF4-FFF2-40B4-BE49-F238E27FC236}">
+                <a16:creationId xmlns:a16="http://schemas.microsoft.com/office/drawing/2014/main" id="{126FB89A-E16B-E092-7CA5-453392825B1A}"/>
+              </a:ext>
+            </a:extLst>
+          </p:cNvPr>
+          <p:cNvSpPr/>
+          <p:nvPr/>
+        </p:nvSpPr>
+        <p:spPr>
+          <a:xfrm>
+            <a:off x="6163102" y="5087396"/>
+            <a:ext cx="1948721" cy="879262"/>
+          </a:xfrm>
+          <a:prstGeom prst="roundRect">
+            <a:avLst/>
+          </a:prstGeom>
+        </p:spPr>
+        <p:style>
+          <a:lnRef idx="2">
+            <a:schemeClr val="accent1">
+              <a:shade val="15000"/>
+            </a:schemeClr>
+          </a:lnRef>
+          <a:fillRef idx="1">
+            <a:schemeClr val="accent1"/>
+          </a:fillRef>
+          <a:effectRef idx="0">
+            <a:schemeClr val="accent1"/>
+          </a:effectRef>
+          <a:fontRef idx="minor">
+            <a:schemeClr val="lt1"/>
+          </a:fontRef>
+        </p:style>
+        <p:txBody>
+          <a:bodyPr rtlCol="0" anchor="ctr"/>
+          <a:lstStyle/>
+          <a:p>
+            <a:pPr algn="ctr"/>
+            <a:r>
+              <a:rPr lang="en-US" dirty="0">
+                <a:ln>
+                  <a:solidFill>
+                    <a:srgbClr val="FFFF00"/>
+                  </a:solidFill>
+                </a:ln>
+                <a:solidFill>
+                  <a:srgbClr val="FFFF00"/>
+                </a:solidFill>
+              </a:rPr>
+              <a:t>Functions are just "named" scopes!</a:t>
+            </a:r>
+          </a:p>
+        </p:txBody>
+      </p:sp>
+      <p:sp>
+        <p:nvSpPr>
+          <p:cNvPr id="6" name="Speech Bubble: Rectangle 5">
+            <a:extLst>
+              <a:ext uri="{FF2B5EF4-FFF2-40B4-BE49-F238E27FC236}">
+                <a16:creationId xmlns:a16="http://schemas.microsoft.com/office/drawing/2014/main" id="{47B56059-E681-93C9-EAEF-26FD7E30425C}"/>
+              </a:ext>
+            </a:extLst>
+          </p:cNvPr>
+          <p:cNvSpPr/>
+          <p:nvPr/>
+        </p:nvSpPr>
+        <p:spPr>
+          <a:xfrm>
+            <a:off x="6038245" y="2980085"/>
+            <a:ext cx="1948721" cy="716525"/>
+          </a:xfrm>
+          <a:prstGeom prst="wedgeRectCallout">
+            <a:avLst>
+              <a:gd name="adj1" fmla="val -139445"/>
+              <a:gd name="adj2" fmla="val 14819"/>
+            </a:avLst>
+          </a:prstGeom>
+          <a:solidFill>
+            <a:schemeClr val="bg1"/>
+          </a:solidFill>
+          <a:ln w="28575">
+            <a:solidFill>
+              <a:srgbClr val="FF0000"/>
+            </a:solidFill>
+          </a:ln>
+        </p:spPr>
+        <p:style>
+          <a:lnRef idx="2">
+            <a:schemeClr val="accent1">
+              <a:shade val="50000"/>
+            </a:schemeClr>
+          </a:lnRef>
+          <a:fillRef idx="1">
+            <a:schemeClr val="accent1"/>
+          </a:fillRef>
+          <a:effectRef idx="0">
+            <a:schemeClr val="accent1"/>
+          </a:effectRef>
+          <a:fontRef idx="minor">
+            <a:schemeClr val="lt1"/>
+          </a:fontRef>
+        </p:style>
+        <p:txBody>
+          <a:bodyPr rtlCol="0" anchor="ctr"/>
+          <a:lstStyle/>
+          <a:p>
+            <a:pPr algn="ctr"/>
+            <a:r>
+              <a:rPr lang="en-US" dirty="0">
+                <a:solidFill>
+                  <a:srgbClr val="FF0000"/>
+                </a:solidFill>
+              </a:rPr>
+              <a:t>A function introduces a scope</a:t>
             </a:r>
           </a:p>
         </p:txBody>
@@ -40033,7 +40179,7 @@
                             </p:stCondLst>
                             <p:childTnLst>
                               <p:par>
-                                <p:cTn id="20" presetID="22" presetClass="entr" presetSubtype="4" fill="hold" grpId="0" nodeType="clickEffect">
+                                <p:cTn id="20" presetID="22" presetClass="entr" presetSubtype="2" fill="hold" grpId="0" nodeType="clickEffect">
                                   <p:stCondLst>
                                     <p:cond delay="0"/>
                                   </p:stCondLst>
@@ -40041,6 +40187,59 @@
                                     <p:set>
                                       <p:cBhvr>
                                         <p:cTn id="21" dur="1" fill="hold">
+                                          <p:stCondLst>
+                                            <p:cond delay="0"/>
+                                          </p:stCondLst>
+                                        </p:cTn>
+                                        <p:tgtEl>
+                                          <p:spTgt spid="6"/>
+                                        </p:tgtEl>
+                                        <p:attrNameLst>
+                                          <p:attrName>style.visibility</p:attrName>
+                                        </p:attrNameLst>
+                                      </p:cBhvr>
+                                      <p:to>
+                                        <p:strVal val="visible"/>
+                                      </p:to>
+                                    </p:set>
+                                    <p:animEffect transition="in" filter="wipe(right)">
+                                      <p:cBhvr>
+                                        <p:cTn id="22" dur="500"/>
+                                        <p:tgtEl>
+                                          <p:spTgt spid="6"/>
+                                        </p:tgtEl>
+                                      </p:cBhvr>
+                                    </p:animEffect>
+                                  </p:childTnLst>
+                                </p:cTn>
+                              </p:par>
+                            </p:childTnLst>
+                          </p:cTn>
+                        </p:par>
+                      </p:childTnLst>
+                    </p:cTn>
+                  </p:par>
+                  <p:par>
+                    <p:cTn id="23" fill="hold">
+                      <p:stCondLst>
+                        <p:cond delay="indefinite"/>
+                      </p:stCondLst>
+                      <p:childTnLst>
+                        <p:par>
+                          <p:cTn id="24" fill="hold">
+                            <p:stCondLst>
+                              <p:cond delay="0"/>
+                            </p:stCondLst>
+                            <p:childTnLst>
+                              <p:par>
+                                <p:cTn id="25" presetID="22" presetClass="entr" presetSubtype="4" fill="hold" grpId="0" nodeType="clickEffect">
+                                  <p:stCondLst>
+                                    <p:cond delay="0"/>
+                                  </p:stCondLst>
+                                  <p:childTnLst>
+                                    <p:set>
+                                      <p:cBhvr>
+                                        <p:cTn id="26" dur="1" fill="hold">
                                           <p:stCondLst>
                                             <p:cond delay="0"/>
                                           </p:stCondLst>
@@ -40058,12 +40257,103 @@
                                     </p:set>
                                     <p:animEffect transition="in" filter="wipe(down)">
                                       <p:cBhvr>
-                                        <p:cTn id="22" dur="500"/>
+                                        <p:cTn id="27" dur="500"/>
                                         <p:tgtEl>
                                           <p:spTgt spid="28"/>
                                         </p:tgtEl>
                                       </p:cBhvr>
                                     </p:animEffect>
+                                  </p:childTnLst>
+                                </p:cTn>
+                              </p:par>
+                            </p:childTnLst>
+                          </p:cTn>
+                        </p:par>
+                      </p:childTnLst>
+                    </p:cTn>
+                  </p:par>
+                  <p:par>
+                    <p:cTn id="28" fill="hold">
+                      <p:stCondLst>
+                        <p:cond delay="indefinite"/>
+                      </p:stCondLst>
+                      <p:childTnLst>
+                        <p:par>
+                          <p:cTn id="29" fill="hold">
+                            <p:stCondLst>
+                              <p:cond delay="0"/>
+                            </p:stCondLst>
+                            <p:childTnLst>
+                              <p:par>
+                                <p:cTn id="30" presetID="2" presetClass="entr" presetSubtype="2" fill="hold" grpId="0" nodeType="clickEffect">
+                                  <p:stCondLst>
+                                    <p:cond delay="0"/>
+                                  </p:stCondLst>
+                                  <p:childTnLst>
+                                    <p:set>
+                                      <p:cBhvr>
+                                        <p:cTn id="31" dur="1" fill="hold">
+                                          <p:stCondLst>
+                                            <p:cond delay="0"/>
+                                          </p:stCondLst>
+                                        </p:cTn>
+                                        <p:tgtEl>
+                                          <p:spTgt spid="5"/>
+                                        </p:tgtEl>
+                                        <p:attrNameLst>
+                                          <p:attrName>style.visibility</p:attrName>
+                                        </p:attrNameLst>
+                                      </p:cBhvr>
+                                      <p:to>
+                                        <p:strVal val="visible"/>
+                                      </p:to>
+                                    </p:set>
+                                    <p:anim calcmode="lin" valueType="num">
+                                      <p:cBhvr additive="base">
+                                        <p:cTn id="32" dur="500" fill="hold"/>
+                                        <p:tgtEl>
+                                          <p:spTgt spid="5"/>
+                                        </p:tgtEl>
+                                        <p:attrNameLst>
+                                          <p:attrName>ppt_x</p:attrName>
+                                        </p:attrNameLst>
+                                      </p:cBhvr>
+                                      <p:tavLst>
+                                        <p:tav tm="0">
+                                          <p:val>
+                                            <p:strVal val="1+#ppt_w/2"/>
+                                          </p:val>
+                                        </p:tav>
+                                        <p:tav tm="100000">
+                                          <p:val>
+                                            <p:strVal val="#ppt_x"/>
+                                          </p:val>
+                                        </p:tav>
+                                      </p:tavLst>
+                                    </p:anim>
+                                    <p:anim calcmode="lin" valueType="num">
+                                      <p:cBhvr additive="base">
+                                        <p:cTn id="33" dur="500" fill="hold"/>
+                                        <p:tgtEl>
+                                          <p:spTgt spid="5"/>
+                                        </p:tgtEl>
+                                        <p:attrNameLst>
+                                          <p:attrName>ppt_y</p:attrName>
+                                        </p:attrNameLst>
+                                      </p:cBhvr>
+                                      <p:tavLst>
+                                        <p:tav tm="0">
+                                          <p:val>
+                                            <p:strVal val="#ppt_y"/>
+                                          </p:val>
+                                        </p:tav>
+                                        <p:tav tm="100000">
+                                          <p:val>
+                                            <p:strVal val="#ppt_y"/>
+                                          </p:val>
+                                        </p:tav>
+                                      </p:tavLst>
+                                    </p:anim>
                                   </p:childTnLst>
                                 </p:cTn>
                               </p:par>
@@ -40099,6 +40389,8 @@
       <p:bldP spid="28" grpId="0" animBg="1"/>
       <p:bldP spid="29" grpId="0" animBg="1"/>
       <p:bldP spid="30" grpId="0" animBg="1"/>
+      <p:bldP spid="5" grpId="0" animBg="1"/>
+      <p:bldP spid="6" grpId="0" animBg="1"/>
     </p:bldLst>
   </p:timing>
 </p:sld>
@@ -40154,8 +40446,8 @@
           </a:p>
         </p:txBody>
       </p:sp>
-      <mc:AlternateContent xmlns:mc="http://schemas.openxmlformats.org/markup-compatibility/2006">
-        <mc:Choice xmlns:a14="http://schemas.microsoft.com/office/drawing/2010/main" Requires="a14">
+      <mc:AlternateContent xmlns:mc="http://schemas.openxmlformats.org/markup-compatibility/2006" xmlns:a14="http://schemas.microsoft.com/office/drawing/2010/main">
+        <mc:Choice Requires="a14">
           <p:sp>
             <p:nvSpPr>
               <p:cNvPr id="3" name="Content Placeholder 2">
@@ -40374,7 +40666,7 @@
             </p:txBody>
           </p:sp>
         </mc:Choice>
-        <mc:Fallback>
+        <mc:Fallback xmlns="">
           <p:sp>
             <p:nvSpPr>
               <p:cNvPr id="3" name="Content Placeholder 2">
